--- a/day-2/Using Kubernetes Day 2.pptx
+++ b/day-2/Using Kubernetes Day 2.pptx
@@ -12603,7 +12603,7 @@
               </a:lnSpc>
             </a:pPr>
             <a:r>
-              <a:rPr lang="en-US" sz="2200" b="0" i="1" strike="noStrike" spc="-1">
+              <a:rPr lang="en-US" sz="2200" b="0" i="1" strike="noStrike" spc="-1" dirty="0">
                 <a:solidFill>
                   <a:srgbClr val="1F4E79"/>
                 </a:solidFill>
@@ -12618,7 +12618,7 @@
               <a:t># Create a pod from a file.</a:t>
             </a:r>
             <a:r>
-              <a:rPr lang="en-US" sz="2400" b="0" strike="noStrike" spc="-1">
+              <a:rPr lang="en-US" sz="2400" b="0" strike="noStrike" spc="-1" dirty="0">
                 <a:solidFill>
                   <a:srgbClr val="24292E"/>
                 </a:solidFill>
@@ -12632,7 +12632,7 @@
               </a:rPr>
               <a:t> </a:t>
             </a:r>
-            <a:endParaRPr lang="en-US" sz="1800" b="0" strike="noStrike" spc="-1">
+            <a:endParaRPr lang="en-US" sz="1800" b="0" strike="noStrike" spc="-1" dirty="0">
               <a:solidFill>
                 <a:srgbClr val="000000"/>
               </a:solidFill>
@@ -12651,7 +12651,7 @@
               </a:lnSpc>
             </a:pPr>
             <a:r>
-              <a:rPr lang="en-US" sz="2200" b="1" strike="noStrike" spc="-1">
+              <a:rPr lang="en-US" sz="2200" b="1" strike="noStrike" spc="-1" dirty="0">
                 <a:solidFill>
                   <a:srgbClr val="000000"/>
                 </a:solidFill>
@@ -12663,12 +12663,12 @@
                 <a:latin typeface="Courier New"/>
                 <a:ea typeface="DejaVu Sans"/>
               </a:rPr>
-              <a:t>$ kubectl create –f </a:t>
-            </a:r>
-            <a:r>
-              <a:rPr lang="en-US" sz="2200" b="1" strike="noStrike" spc="-1">
-                <a:solidFill>
-                  <a:srgbClr val="843C0B"/>
+              <a:t>$ </a:t>
+            </a:r>
+            <a:r>
+              <a:rPr lang="en-US" sz="2200" b="1" strike="noStrike" spc="-1" dirty="0" err="1">
+                <a:solidFill>
+                  <a:srgbClr val="000000"/>
                 </a:solidFill>
                 <a:uFill>
                   <a:solidFill>
@@ -12678,9 +12678,54 @@
                 <a:latin typeface="Courier New"/>
                 <a:ea typeface="DejaVu Sans"/>
               </a:rPr>
-              <a:t>my-pod.yaml</a:t>
-            </a:r>
-            <a:endParaRPr lang="en-US" sz="1800" b="0" strike="noStrike" spc="-1">
+              <a:t>kubectl</a:t>
+            </a:r>
+            <a:r>
+              <a:rPr lang="en-US" sz="2200" b="1" strike="noStrike" spc="-1" dirty="0">
+                <a:solidFill>
+                  <a:srgbClr val="000000"/>
+                </a:solidFill>
+                <a:uFill>
+                  <a:solidFill>
+                    <a:srgbClr val="FFFFFF"/>
+                  </a:solidFill>
+                </a:uFill>
+                <a:latin typeface="Courier New"/>
+                <a:ea typeface="DejaVu Sans"/>
+              </a:rPr>
+              <a:t> apply –f </a:t>
+            </a:r>
+            <a:r>
+              <a:rPr lang="en-US" sz="2200" b="1" strike="noStrike" spc="-1" dirty="0">
+                <a:solidFill>
+                  <a:srgbClr val="843C0B"/>
+                </a:solidFill>
+                <a:uFill>
+                  <a:solidFill>
+                    <a:srgbClr val="FFFFFF"/>
+                  </a:solidFill>
+                </a:uFill>
+                <a:latin typeface="Courier New"/>
+                <a:ea typeface="DejaVu Sans"/>
+              </a:rPr>
+              <a:t>my-</a:t>
+            </a:r>
+            <a:r>
+              <a:rPr lang="en-US" sz="2200" b="1" strike="noStrike" spc="-1" dirty="0" err="1">
+                <a:solidFill>
+                  <a:srgbClr val="843C0B"/>
+                </a:solidFill>
+                <a:uFill>
+                  <a:solidFill>
+                    <a:srgbClr val="FFFFFF"/>
+                  </a:solidFill>
+                </a:uFill>
+                <a:latin typeface="Courier New"/>
+                <a:ea typeface="DejaVu Sans"/>
+              </a:rPr>
+              <a:t>pod.yaml</a:t>
+            </a:r>
+            <a:endParaRPr lang="en-US" sz="1800" b="0" strike="noStrike" spc="-1" dirty="0">
               <a:solidFill>
                 <a:srgbClr val="000000"/>
               </a:solidFill>

--- a/day-2/Using Kubernetes Day 2.pptx
+++ b/day-2/Using Kubernetes Day 2.pptx
@@ -31,12 +31,13 @@
     <p:sldId id="271" r:id="rId25"/>
     <p:sldId id="309" r:id="rId26"/>
     <p:sldId id="272" r:id="rId27"/>
-    <p:sldId id="311" r:id="rId28"/>
-    <p:sldId id="326" r:id="rId29"/>
-    <p:sldId id="306" r:id="rId30"/>
-    <p:sldId id="327" r:id="rId31"/>
-    <p:sldId id="303" r:id="rId32"/>
-    <p:sldId id="273" r:id="rId33"/>
+    <p:sldId id="330" r:id="rId28"/>
+    <p:sldId id="311" r:id="rId29"/>
+    <p:sldId id="326" r:id="rId30"/>
+    <p:sldId id="306" r:id="rId31"/>
+    <p:sldId id="327" r:id="rId32"/>
+    <p:sldId id="303" r:id="rId33"/>
+    <p:sldId id="273" r:id="rId34"/>
   </p:sldIdLst>
   <p:sldSz cx="12192000" cy="6858000"/>
   <p:notesSz cx="7559675" cy="10691813"/>
@@ -20838,7 +20839,7 @@
 </file>
 
 <file path=ppt/slides/slide25.xml><?xml version="1.0" encoding="utf-8"?>
-<p:sld xmlns:a="http://schemas.openxmlformats.org/drawingml/2006/main" xmlns:r="http://schemas.openxmlformats.org/officeDocument/2006/relationships" xmlns:p="http://schemas.openxmlformats.org/presentationml/2006/main">
+<p:sld xmlns:a="http://schemas.openxmlformats.org/drawingml/2006/main" xmlns:r="http://schemas.openxmlformats.org/officeDocument/2006/relationships" xmlns:p="http://schemas.openxmlformats.org/presentationml/2006/main" show="0">
   <p:cSld>
     <p:spTree>
       <p:nvGrpSpPr>
@@ -22895,6 +22896,191 @@
       </p:grpSpPr>
       <p:sp>
         <p:nvSpPr>
+          <p:cNvPr id="186" name="CustomShape 1"/>
+          <p:cNvSpPr/>
+          <p:nvPr/>
+        </p:nvSpPr>
+        <p:spPr>
+          <a:xfrm>
+            <a:off x="409320" y="70560"/>
+            <a:ext cx="10514880" cy="1324800"/>
+          </a:xfrm>
+          <a:prstGeom prst="rect">
+            <a:avLst/>
+          </a:prstGeom>
+          <a:noFill/>
+          <a:ln>
+            <a:noFill/>
+          </a:ln>
+        </p:spPr>
+        <p:style>
+          <a:lnRef idx="0">
+            <a:scrgbClr r="0" g="0" b="0"/>
+          </a:lnRef>
+          <a:fillRef idx="0">
+            <a:scrgbClr r="0" g="0" b="0"/>
+          </a:fillRef>
+          <a:effectRef idx="0">
+            <a:scrgbClr r="0" g="0" b="0"/>
+          </a:effectRef>
+          <a:fontRef idx="minor"/>
+        </p:style>
+        <p:txBody>
+          <a:bodyPr lIns="90000" tIns="45000" rIns="90000" bIns="45000" anchor="ctr"/>
+          <a:lstStyle/>
+          <a:p>
+            <a:pPr>
+              <a:lnSpc>
+                <a:spcPct val="90000"/>
+              </a:lnSpc>
+            </a:pPr>
+            <a:r>
+              <a:rPr lang="en-US" sz="2800" b="0" strike="noStrike" spc="-1">
+                <a:solidFill>
+                  <a:srgbClr val="000000"/>
+                </a:solidFill>
+                <a:uFill>
+                  <a:solidFill>
+                    <a:srgbClr val="FFFFFF"/>
+                  </a:solidFill>
+                </a:uFill>
+                <a:latin typeface="Calibri Light"/>
+              </a:rPr>
+              <a:t>kube-apiserver notifies kube-proxy on every Node on new Service and Endpoints Objects:</a:t>
+            </a:r>
+            <a:endParaRPr lang="en-US" sz="1800" b="0" strike="noStrike" spc="-1">
+              <a:solidFill>
+                <a:srgbClr val="000000"/>
+              </a:solidFill>
+              <a:uFill>
+                <a:solidFill>
+                  <a:srgbClr val="FFFFFF"/>
+                </a:solidFill>
+              </a:uFill>
+              <a:latin typeface="Arial"/>
+            </a:endParaRPr>
+          </a:p>
+        </p:txBody>
+      </p:sp>
+      <p:sp>
+        <p:nvSpPr>
+          <p:cNvPr id="2" name="AutoShape 2" descr="Services overview diagram for iptables proxy">
+            <a:extLst>
+              <a:ext uri="{FF2B5EF4-FFF2-40B4-BE49-F238E27FC236}">
+                <a16:creationId xmlns:a16="http://schemas.microsoft.com/office/drawing/2014/main" id="{4006CCD8-2F91-6444-B324-2FD52DEC1C80}"/>
+              </a:ext>
+            </a:extLst>
+          </p:cNvPr>
+          <p:cNvSpPr>
+            <a:spLocks noChangeAspect="1" noChangeArrowheads="1"/>
+          </p:cNvSpPr>
+          <p:nvPr/>
+        </p:nvSpPr>
+        <p:spPr bwMode="auto">
+          <a:xfrm>
+            <a:off x="3974841" y="1307841"/>
+            <a:ext cx="5262465" cy="5262465"/>
+          </a:xfrm>
+          <a:prstGeom prst="rect">
+            <a:avLst/>
+          </a:prstGeom>
+          <a:noFill/>
+          <a:extLst>
+            <a:ext uri="{909E8E84-426E-40DD-AFC4-6F175D3DCCD1}">
+              <a14:hiddenFill xmlns:a14="http://schemas.microsoft.com/office/drawing/2010/main">
+                <a:solidFill>
+                  <a:srgbClr val="FFFFFF"/>
+                </a:solidFill>
+              </a14:hiddenFill>
+            </a:ext>
+          </a:extLst>
+        </p:spPr>
+        <p:txBody>
+          <a:bodyPr vert="horz" wrap="square" lIns="91440" tIns="45720" rIns="91440" bIns="45720" numCol="1" anchor="t" anchorCtr="0" compatLnSpc="1">
+            <a:prstTxWarp prst="textNoShape">
+              <a:avLst/>
+            </a:prstTxWarp>
+          </a:bodyPr>
+          <a:lstStyle/>
+          <a:p>
+            <a:endParaRPr lang="en-IL"/>
+          </a:p>
+        </p:txBody>
+      </p:sp>
+      <p:pic>
+        <p:nvPicPr>
+          <p:cNvPr id="4" name="Graphic 3">
+            <a:extLst>
+              <a:ext uri="{FF2B5EF4-FFF2-40B4-BE49-F238E27FC236}">
+                <a16:creationId xmlns:a16="http://schemas.microsoft.com/office/drawing/2014/main" id="{91AD6E46-9995-2A4B-9452-B21880A61CBC}"/>
+              </a:ext>
+            </a:extLst>
+          </p:cNvPr>
+          <p:cNvPicPr>
+            <a:picLocks noChangeAspect="1"/>
+          </p:cNvPicPr>
+          <p:nvPr/>
+        </p:nvPicPr>
+        <p:blipFill>
+          <a:blip r:embed="rId2">
+            <a:extLst>
+              <a:ext uri="{28A0092B-C50C-407E-A947-70E740481C1C}">
+                <a14:useLocalDpi xmlns:a14="http://schemas.microsoft.com/office/drawing/2010/main" val="0"/>
+              </a:ext>
+              <a:ext uri="{96DAC541-7B7A-43D3-8B79-37D633B846F1}">
+                <asvg:svgBlip xmlns:asvg="http://schemas.microsoft.com/office/drawing/2016/SVG/main" r:embed="rId3"/>
+              </a:ext>
+            </a:extLst>
+          </a:blip>
+          <a:stretch>
+            <a:fillRect/>
+          </a:stretch>
+        </p:blipFill>
+        <p:spPr>
+          <a:xfrm>
+            <a:off x="2971799" y="1117600"/>
+            <a:ext cx="7282543" cy="5387898"/>
+          </a:xfrm>
+          <a:prstGeom prst="rect">
+            <a:avLst/>
+          </a:prstGeom>
+        </p:spPr>
+      </p:pic>
+    </p:spTree>
+    <p:extLst>
+      <p:ext uri="{BB962C8B-B14F-4D97-AF65-F5344CB8AC3E}">
+        <p14:creationId xmlns:p14="http://schemas.microsoft.com/office/powerpoint/2010/main" val="587444723"/>
+      </p:ext>
+    </p:extLst>
+  </p:cSld>
+  <p:clrMapOvr>
+    <a:masterClrMapping/>
+  </p:clrMapOvr>
+  <p:transition spd="med">
+    <p:fade/>
+  </p:transition>
+</p:sld>
+</file>
+
+<file path=ppt/slides/slide27.xml><?xml version="1.0" encoding="utf-8"?>
+<p:sld xmlns:a="http://schemas.openxmlformats.org/drawingml/2006/main" xmlns:r="http://schemas.openxmlformats.org/officeDocument/2006/relationships" xmlns:p="http://schemas.openxmlformats.org/presentationml/2006/main">
+  <p:cSld>
+    <p:spTree>
+      <p:nvGrpSpPr>
+        <p:cNvPr id="1" name=""/>
+        <p:cNvGrpSpPr/>
+        <p:nvPr/>
+      </p:nvGrpSpPr>
+      <p:grpSpPr>
+        <a:xfrm>
+          <a:off x="0" y="0"/>
+          <a:ext cx="0" cy="0"/>
+          <a:chOff x="0" y="0"/>
+          <a:chExt cx="0" cy="0"/>
+        </a:xfrm>
+      </p:grpSpPr>
+      <p:sp>
+        <p:nvSpPr>
           <p:cNvPr id="2" name="Title 1"/>
           <p:cNvSpPr>
             <a:spLocks noGrp="1"/>
@@ -23071,7 +23257,7 @@
 </p:sld>
 </file>
 
-<file path=ppt/slides/slide27.xml><?xml version="1.0" encoding="utf-8"?>
+<file path=ppt/slides/slide28.xml><?xml version="1.0" encoding="utf-8"?>
 <p:sld xmlns:a="http://schemas.openxmlformats.org/drawingml/2006/main" xmlns:r="http://schemas.openxmlformats.org/officeDocument/2006/relationships" xmlns:p="http://schemas.openxmlformats.org/presentationml/2006/main">
   <p:cSld>
     <p:spTree>
@@ -24865,421 +25051,6 @@
 </p:sld>
 </file>
 
-<file path=ppt/slides/slide28.xml><?xml version="1.0" encoding="utf-8"?>
-<p:sld xmlns:a="http://schemas.openxmlformats.org/drawingml/2006/main" xmlns:r="http://schemas.openxmlformats.org/officeDocument/2006/relationships" xmlns:p="http://schemas.openxmlformats.org/presentationml/2006/main">
-  <p:cSld>
-    <p:spTree>
-      <p:nvGrpSpPr>
-        <p:cNvPr id="1" name=""/>
-        <p:cNvGrpSpPr/>
-        <p:nvPr/>
-      </p:nvGrpSpPr>
-      <p:grpSpPr>
-        <a:xfrm>
-          <a:off x="0" y="0"/>
-          <a:ext cx="0" cy="0"/>
-          <a:chOff x="0" y="0"/>
-          <a:chExt cx="0" cy="0"/>
-        </a:xfrm>
-      </p:grpSpPr>
-      <p:sp>
-        <p:nvSpPr>
-          <p:cNvPr id="2" name="Title 1"/>
-          <p:cNvSpPr>
-            <a:spLocks noGrp="1"/>
-          </p:cNvSpPr>
-          <p:nvPr>
-            <p:ph type="title"/>
-          </p:nvPr>
-        </p:nvSpPr>
-        <p:spPr>
-          <a:xfrm>
-            <a:off x="838200" y="365126"/>
-            <a:ext cx="10515600" cy="934812"/>
-          </a:xfrm>
-        </p:spPr>
-        <p:txBody>
-          <a:bodyPr/>
-          <a:lstStyle/>
-          <a:p>
-            <a:r>
-              <a:rPr lang="en-US" dirty="0"/>
-              <a:t>Working with </a:t>
-            </a:r>
-            <a:r>
-              <a:rPr lang="en-US" b="1" dirty="0" err="1"/>
-              <a:t>kubectl</a:t>
-            </a:r>
-            <a:r>
-              <a:rPr lang="en-US" dirty="0"/>
-              <a:t> </a:t>
-            </a:r>
-            <a:r>
-              <a:rPr lang="en-US" dirty="0" err="1"/>
-              <a:t>Declerative</a:t>
-            </a:r>
-            <a:r>
-              <a:rPr lang="en-US" dirty="0"/>
-              <a:t> Commands</a:t>
-            </a:r>
-          </a:p>
-        </p:txBody>
-      </p:sp>
-      <p:sp>
-        <p:nvSpPr>
-          <p:cNvPr id="3" name="Content Placeholder 2"/>
-          <p:cNvSpPr>
-            <a:spLocks noGrp="1"/>
-          </p:cNvSpPr>
-          <p:nvPr>
-            <p:ph idx="1"/>
-          </p:nvPr>
-        </p:nvSpPr>
-        <p:spPr>
-          <a:xfrm>
-            <a:off x="838200" y="1436914"/>
-            <a:ext cx="10515600" cy="4740050"/>
-          </a:xfrm>
-        </p:spPr>
-        <p:txBody>
-          <a:bodyPr/>
-          <a:lstStyle/>
-          <a:p>
-            <a:pPr marL="0" indent="0">
-              <a:buNone/>
-            </a:pPr>
-            <a:r>
-              <a:rPr lang="en-US" dirty="0"/>
-              <a:t>Rolling-Update your Application  (</a:t>
-            </a:r>
-            <a:r>
-              <a:rPr lang="en-US" dirty="0">
-                <a:solidFill>
-                  <a:srgbClr val="FF0000"/>
-                </a:solidFill>
-                <a:hlinkClick r:id="rId2"/>
-              </a:rPr>
-              <a:t>Lab: task-</a:t>
-            </a:r>
-            <a:r>
-              <a:rPr lang="en-US" dirty="0">
-                <a:solidFill>
-                  <a:srgbClr val="FF0000"/>
-                </a:solidFill>
-              </a:rPr>
-              <a:t>3</a:t>
-            </a:r>
-            <a:r>
-              <a:rPr lang="en-US" dirty="0"/>
-              <a:t>)</a:t>
-            </a:r>
-          </a:p>
-          <a:p>
-            <a:endParaRPr lang="en-US" dirty="0"/>
-          </a:p>
-          <a:p>
-            <a:endParaRPr lang="en-US" dirty="0"/>
-          </a:p>
-          <a:p>
-            <a:endParaRPr lang="en-US" dirty="0"/>
-          </a:p>
-          <a:p>
-            <a:endParaRPr lang="en-US" dirty="0"/>
-          </a:p>
-        </p:txBody>
-      </p:sp>
-      <p:sp>
-        <p:nvSpPr>
-          <p:cNvPr id="4" name="Rectangle 3"/>
-          <p:cNvSpPr/>
-          <p:nvPr/>
-        </p:nvSpPr>
-        <p:spPr>
-          <a:xfrm>
-            <a:off x="838200" y="1944914"/>
-            <a:ext cx="10932886" cy="4656302"/>
-          </a:xfrm>
-          <a:prstGeom prst="rect">
-            <a:avLst/>
-          </a:prstGeom>
-          <a:solidFill>
-            <a:schemeClr val="bg1">
-              <a:lumMod val="95000"/>
-            </a:schemeClr>
-          </a:solidFill>
-        </p:spPr>
-        <p:style>
-          <a:lnRef idx="2">
-            <a:schemeClr val="accent1">
-              <a:shade val="50000"/>
-            </a:schemeClr>
-          </a:lnRef>
-          <a:fillRef idx="1">
-            <a:schemeClr val="accent1"/>
-          </a:fillRef>
-          <a:effectRef idx="0">
-            <a:schemeClr val="accent1"/>
-          </a:effectRef>
-          <a:fontRef idx="minor">
-            <a:schemeClr val="lt1"/>
-          </a:fontRef>
-        </p:style>
-        <p:txBody>
-          <a:bodyPr rtlCol="0" anchor="ctr"/>
-          <a:lstStyle/>
-          <a:p>
-            <a:pPr lvl="0"/>
-            <a:r>
-              <a:rPr lang="en-US" sz="2200" i="1" dirty="0">
-                <a:solidFill>
-                  <a:schemeClr val="accent1">
-                    <a:lumMod val="50000"/>
-                  </a:schemeClr>
-                </a:solidFill>
-                <a:latin typeface="Courier New" panose="02070309020205020404" pitchFamily="49" charset="0"/>
-                <a:cs typeface="Courier New" panose="02070309020205020404" pitchFamily="49" charset="0"/>
-              </a:rPr>
-              <a:t># Create or update resource as declared in the file</a:t>
-            </a:r>
-            <a:endParaRPr lang="en-US" sz="2400" dirty="0">
-              <a:solidFill>
-                <a:srgbClr val="24292E"/>
-              </a:solidFill>
-              <a:latin typeface="SFMono-Regular"/>
-            </a:endParaRPr>
-          </a:p>
-          <a:p>
-            <a:pPr lvl="0"/>
-            <a:r>
-              <a:rPr lang="en-US" sz="2200" b="1" dirty="0">
-                <a:solidFill>
-                  <a:schemeClr val="tx1"/>
-                </a:solidFill>
-                <a:latin typeface="Courier New" panose="02070309020205020404" pitchFamily="49" charset="0"/>
-                <a:cs typeface="Courier New" panose="02070309020205020404" pitchFamily="49" charset="0"/>
-              </a:rPr>
-              <a:t>$ </a:t>
-            </a:r>
-            <a:r>
-              <a:rPr lang="en-US" sz="2200" b="1" dirty="0" err="1">
-                <a:solidFill>
-                  <a:schemeClr val="tx1"/>
-                </a:solidFill>
-                <a:latin typeface="Courier New" panose="02070309020205020404" pitchFamily="49" charset="0"/>
-                <a:cs typeface="Courier New" panose="02070309020205020404" pitchFamily="49" charset="0"/>
-              </a:rPr>
-              <a:t>kubectl</a:t>
-            </a:r>
-            <a:r>
-              <a:rPr lang="en-US" sz="2200" b="1" dirty="0">
-                <a:solidFill>
-                  <a:schemeClr val="tx1"/>
-                </a:solidFill>
-                <a:latin typeface="Courier New" panose="02070309020205020404" pitchFamily="49" charset="0"/>
-                <a:cs typeface="Courier New" panose="02070309020205020404" pitchFamily="49" charset="0"/>
-              </a:rPr>
-              <a:t> apply -f web-</a:t>
-            </a:r>
-            <a:r>
-              <a:rPr lang="en-US" sz="2200" b="1" dirty="0" err="1">
-                <a:solidFill>
-                  <a:schemeClr val="tx1"/>
-                </a:solidFill>
-                <a:latin typeface="Courier New" panose="02070309020205020404" pitchFamily="49" charset="0"/>
-                <a:cs typeface="Courier New" panose="02070309020205020404" pitchFamily="49" charset="0"/>
-              </a:rPr>
-              <a:t>deploy.yaml</a:t>
-            </a:r>
-            <a:r>
-              <a:rPr lang="en-US" sz="2200" b="1" dirty="0">
-                <a:solidFill>
-                  <a:schemeClr val="tx1"/>
-                </a:solidFill>
-                <a:latin typeface="Courier New" panose="02070309020205020404" pitchFamily="49" charset="0"/>
-                <a:cs typeface="Courier New" panose="02070309020205020404" pitchFamily="49" charset="0"/>
-              </a:rPr>
-              <a:t> </a:t>
-            </a:r>
-          </a:p>
-          <a:p>
-            <a:pPr lvl="0"/>
-            <a:r>
-              <a:rPr lang="en-US" sz="2200" i="1" dirty="0">
-                <a:solidFill>
-                  <a:schemeClr val="accent1">
-                    <a:lumMod val="50000"/>
-                  </a:schemeClr>
-                </a:solidFill>
-                <a:latin typeface="Courier New" panose="02070309020205020404" pitchFamily="49" charset="0"/>
-                <a:cs typeface="Courier New" panose="02070309020205020404" pitchFamily="49" charset="0"/>
-              </a:rPr>
-              <a:t># List all services </a:t>
-            </a:r>
-          </a:p>
-          <a:p>
-            <a:pPr lvl="0"/>
-            <a:r>
-              <a:rPr lang="en-US" sz="2200" b="1" dirty="0">
-                <a:solidFill>
-                  <a:schemeClr val="tx1"/>
-                </a:solidFill>
-                <a:latin typeface="Courier New" panose="02070309020205020404" pitchFamily="49" charset="0"/>
-                <a:cs typeface="Courier New" panose="02070309020205020404" pitchFamily="49" charset="0"/>
-              </a:rPr>
-              <a:t>$ </a:t>
-            </a:r>
-            <a:r>
-              <a:rPr lang="en-US" sz="2200" b="1" dirty="0" err="1">
-                <a:solidFill>
-                  <a:schemeClr val="tx1"/>
-                </a:solidFill>
-                <a:latin typeface="Courier New" panose="02070309020205020404" pitchFamily="49" charset="0"/>
-                <a:cs typeface="Courier New" panose="02070309020205020404" pitchFamily="49" charset="0"/>
-              </a:rPr>
-              <a:t>kubectl</a:t>
-            </a:r>
-            <a:r>
-              <a:rPr lang="en-US" sz="2200" b="1" dirty="0">
-                <a:solidFill>
-                  <a:schemeClr val="tx1"/>
-                </a:solidFill>
-                <a:latin typeface="Courier New" panose="02070309020205020404" pitchFamily="49" charset="0"/>
-                <a:cs typeface="Courier New" panose="02070309020205020404" pitchFamily="49" charset="0"/>
-              </a:rPr>
-              <a:t> get svc </a:t>
-            </a:r>
-          </a:p>
-          <a:p>
-            <a:pPr lvl="0"/>
-            <a:r>
-              <a:rPr lang="en-US" sz="2200" i="1" dirty="0">
-                <a:solidFill>
-                  <a:schemeClr val="accent1">
-                    <a:lumMod val="50000"/>
-                  </a:schemeClr>
-                </a:solidFill>
-                <a:latin typeface="Courier New" panose="02070309020205020404" pitchFamily="49" charset="0"/>
-                <a:cs typeface="Courier New" panose="02070309020205020404" pitchFamily="49" charset="0"/>
-              </a:rPr>
-              <a:t># List pods and show all labels as the last column </a:t>
-            </a:r>
-          </a:p>
-          <a:p>
-            <a:pPr lvl="0"/>
-            <a:r>
-              <a:rPr lang="en-US" sz="2200" b="1" dirty="0">
-                <a:solidFill>
-                  <a:schemeClr val="tx1"/>
-                </a:solidFill>
-                <a:latin typeface="Courier New" panose="02070309020205020404" pitchFamily="49" charset="0"/>
-                <a:cs typeface="Courier New" panose="02070309020205020404" pitchFamily="49" charset="0"/>
-              </a:rPr>
-              <a:t>$ </a:t>
-            </a:r>
-            <a:r>
-              <a:rPr lang="en-US" sz="2200" b="1" dirty="0" err="1">
-                <a:solidFill>
-                  <a:schemeClr val="tx1"/>
-                </a:solidFill>
-                <a:latin typeface="Courier New" panose="02070309020205020404" pitchFamily="49" charset="0"/>
-                <a:cs typeface="Courier New" panose="02070309020205020404" pitchFamily="49" charset="0"/>
-              </a:rPr>
-              <a:t>kubectl</a:t>
-            </a:r>
-            <a:r>
-              <a:rPr lang="en-US" sz="2200" b="1" dirty="0">
-                <a:solidFill>
-                  <a:schemeClr val="tx1"/>
-                </a:solidFill>
-                <a:latin typeface="Courier New" panose="02070309020205020404" pitchFamily="49" charset="0"/>
-                <a:cs typeface="Courier New" panose="02070309020205020404" pitchFamily="49" charset="0"/>
-              </a:rPr>
-              <a:t> get </a:t>
-            </a:r>
-            <a:r>
-              <a:rPr lang="en-US" sz="2200" b="1" dirty="0" err="1">
-                <a:solidFill>
-                  <a:schemeClr val="tx1"/>
-                </a:solidFill>
-                <a:latin typeface="Courier New" panose="02070309020205020404" pitchFamily="49" charset="0"/>
-                <a:cs typeface="Courier New" panose="02070309020205020404" pitchFamily="49" charset="0"/>
-              </a:rPr>
-              <a:t>po</a:t>
-            </a:r>
-            <a:r>
-              <a:rPr lang="en-US" sz="2200" b="1" dirty="0">
-                <a:solidFill>
-                  <a:schemeClr val="tx1"/>
-                </a:solidFill>
-                <a:latin typeface="Courier New" panose="02070309020205020404" pitchFamily="49" charset="0"/>
-                <a:cs typeface="Courier New" panose="02070309020205020404" pitchFamily="49" charset="0"/>
-              </a:rPr>
-              <a:t> --show-labels </a:t>
-            </a:r>
-          </a:p>
-          <a:p>
-            <a:pPr lvl="0"/>
-            <a:r>
-              <a:rPr lang="en-US" sz="2200" i="1" dirty="0">
-                <a:solidFill>
-                  <a:schemeClr val="accent1">
-                    <a:lumMod val="50000"/>
-                  </a:schemeClr>
-                </a:solidFill>
-                <a:latin typeface="Courier New" panose="02070309020205020404" pitchFamily="49" charset="0"/>
-                <a:cs typeface="Courier New" panose="02070309020205020404" pitchFamily="49" charset="0"/>
-              </a:rPr>
-              <a:t># Rollback to previous resource revision</a:t>
-            </a:r>
-          </a:p>
-          <a:p>
-            <a:pPr lvl="0"/>
-            <a:r>
-              <a:rPr lang="en-US" sz="2200" b="1" dirty="0">
-                <a:solidFill>
-                  <a:schemeClr val="tx1"/>
-                </a:solidFill>
-                <a:latin typeface="Courier New" panose="02070309020205020404" pitchFamily="49" charset="0"/>
-                <a:cs typeface="Courier New" panose="02070309020205020404" pitchFamily="49" charset="0"/>
-              </a:rPr>
-              <a:t>$ </a:t>
-            </a:r>
-            <a:r>
-              <a:rPr lang="en-US" sz="2200" b="1" dirty="0" err="1">
-                <a:solidFill>
-                  <a:schemeClr val="tx1"/>
-                </a:solidFill>
-                <a:latin typeface="Courier New" panose="02070309020205020404" pitchFamily="49" charset="0"/>
-                <a:cs typeface="Courier New" panose="02070309020205020404" pitchFamily="49" charset="0"/>
-              </a:rPr>
-              <a:t>kubectl</a:t>
-            </a:r>
-            <a:r>
-              <a:rPr lang="en-US" sz="2200" b="1" dirty="0">
-                <a:solidFill>
-                  <a:schemeClr val="tx1"/>
-                </a:solidFill>
-                <a:latin typeface="Courier New" panose="02070309020205020404" pitchFamily="49" charset="0"/>
-                <a:cs typeface="Courier New" panose="02070309020205020404" pitchFamily="49" charset="0"/>
-              </a:rPr>
-              <a:t> rollout undo deployment deploy-name</a:t>
-            </a:r>
-          </a:p>
-        </p:txBody>
-      </p:sp>
-    </p:spTree>
-    <p:extLst>
-      <p:ext uri="{BB962C8B-B14F-4D97-AF65-F5344CB8AC3E}">
-        <p14:creationId xmlns:p14="http://schemas.microsoft.com/office/powerpoint/2010/main" val="1692531160"/>
-      </p:ext>
-    </p:extLst>
-  </p:cSld>
-  <p:clrMapOvr>
-    <a:masterClrMapping/>
-  </p:clrMapOvr>
-</p:sld>
-</file>
-
 <file path=ppt/slides/slide29.xml><?xml version="1.0" encoding="utf-8"?>
 <p:sld xmlns:a="http://schemas.openxmlformats.org/drawingml/2006/main" xmlns:r="http://schemas.openxmlformats.org/officeDocument/2006/relationships" xmlns:p="http://schemas.openxmlformats.org/presentationml/2006/main">
   <p:cSld>
@@ -25299,178 +25070,129 @@
       </p:grpSpPr>
       <p:sp>
         <p:nvSpPr>
-          <p:cNvPr id="76" name="CustomShape 1"/>
+          <p:cNvPr id="2" name="Title 1"/>
+          <p:cNvSpPr>
+            <a:spLocks noGrp="1"/>
+          </p:cNvSpPr>
+          <p:nvPr>
+            <p:ph type="title"/>
+          </p:nvPr>
+        </p:nvSpPr>
+        <p:spPr>
+          <a:xfrm>
+            <a:off x="838200" y="365126"/>
+            <a:ext cx="10515600" cy="934812"/>
+          </a:xfrm>
+        </p:spPr>
+        <p:txBody>
+          <a:bodyPr/>
+          <a:lstStyle/>
+          <a:p>
+            <a:r>
+              <a:rPr lang="en-US" dirty="0"/>
+              <a:t>Working with </a:t>
+            </a:r>
+            <a:r>
+              <a:rPr lang="en-US" b="1" dirty="0" err="1"/>
+              <a:t>kubectl</a:t>
+            </a:r>
+            <a:r>
+              <a:rPr lang="en-US" dirty="0"/>
+              <a:t> </a:t>
+            </a:r>
+            <a:r>
+              <a:rPr lang="en-US" dirty="0" err="1"/>
+              <a:t>Declerative</a:t>
+            </a:r>
+            <a:r>
+              <a:rPr lang="en-US" dirty="0"/>
+              <a:t> Commands</a:t>
+            </a:r>
+          </a:p>
+        </p:txBody>
+      </p:sp>
+      <p:sp>
+        <p:nvSpPr>
+          <p:cNvPr id="3" name="Content Placeholder 2"/>
+          <p:cNvSpPr>
+            <a:spLocks noGrp="1"/>
+          </p:cNvSpPr>
+          <p:nvPr>
+            <p:ph idx="1"/>
+          </p:nvPr>
+        </p:nvSpPr>
+        <p:spPr>
+          <a:xfrm>
+            <a:off x="838200" y="1436914"/>
+            <a:ext cx="10515600" cy="4740050"/>
+          </a:xfrm>
+        </p:spPr>
+        <p:txBody>
+          <a:bodyPr/>
+          <a:lstStyle/>
+          <a:p>
+            <a:pPr marL="0" indent="0">
+              <a:buNone/>
+            </a:pPr>
+            <a:r>
+              <a:rPr lang="en-US" dirty="0"/>
+              <a:t>Rolling-Update your Application  (</a:t>
+            </a:r>
+            <a:r>
+              <a:rPr lang="en-US" dirty="0">
+                <a:solidFill>
+                  <a:srgbClr val="FF0000"/>
+                </a:solidFill>
+                <a:hlinkClick r:id="rId2"/>
+              </a:rPr>
+              <a:t>Lab: task-</a:t>
+            </a:r>
+            <a:r>
+              <a:rPr lang="en-US" dirty="0">
+                <a:solidFill>
+                  <a:srgbClr val="FF0000"/>
+                </a:solidFill>
+              </a:rPr>
+              <a:t>3</a:t>
+            </a:r>
+            <a:r>
+              <a:rPr lang="en-US" dirty="0"/>
+              <a:t>)</a:t>
+            </a:r>
+          </a:p>
+          <a:p>
+            <a:endParaRPr lang="en-US" dirty="0"/>
+          </a:p>
+          <a:p>
+            <a:endParaRPr lang="en-US" dirty="0"/>
+          </a:p>
+          <a:p>
+            <a:endParaRPr lang="en-US" dirty="0"/>
+          </a:p>
+          <a:p>
+            <a:endParaRPr lang="en-US" dirty="0"/>
+          </a:p>
+        </p:txBody>
+      </p:sp>
+      <p:sp>
+        <p:nvSpPr>
+          <p:cNvPr id="4" name="Rectangle 3"/>
           <p:cNvSpPr/>
           <p:nvPr/>
         </p:nvSpPr>
         <p:spPr>
           <a:xfrm>
-            <a:off x="838080" y="365040"/>
-            <a:ext cx="10514880" cy="1324800"/>
+            <a:off x="838200" y="1944914"/>
+            <a:ext cx="10932886" cy="4656302"/>
           </a:xfrm>
           <a:prstGeom prst="rect">
             <a:avLst/>
           </a:prstGeom>
-          <a:noFill/>
-          <a:ln>
-            <a:noFill/>
-          </a:ln>
-        </p:spPr>
-        <p:style>
-          <a:lnRef idx="0">
-            <a:scrgbClr r="0" g="0" b="0"/>
-          </a:lnRef>
-          <a:fillRef idx="0">
-            <a:scrgbClr r="0" g="0" b="0"/>
-          </a:fillRef>
-          <a:effectRef idx="0">
-            <a:scrgbClr r="0" g="0" b="0"/>
-          </a:effectRef>
-          <a:fontRef idx="minor"/>
-        </p:style>
-        <p:txBody>
-          <a:bodyPr lIns="90000" tIns="45000" rIns="90000" bIns="45000" anchor="ctr"/>
-          <a:lstStyle/>
-          <a:p>
-            <a:pPr>
-              <a:lnSpc>
-                <a:spcPct val="90000"/>
-              </a:lnSpc>
-            </a:pPr>
-            <a:r>
-              <a:rPr lang="en-US" sz="4400" b="0" strike="noStrike" spc="-1">
-                <a:solidFill>
-                  <a:srgbClr val="000000"/>
-                </a:solidFill>
-                <a:uFill>
-                  <a:solidFill>
-                    <a:srgbClr val="FFFFFF"/>
-                  </a:solidFill>
-                </a:uFill>
-                <a:latin typeface="Calibri Light"/>
-              </a:rPr>
-              <a:t>Agenda</a:t>
-            </a:r>
-            <a:endParaRPr lang="en-US" sz="1800" b="0" strike="noStrike" spc="-1">
-              <a:solidFill>
-                <a:srgbClr val="000000"/>
-              </a:solidFill>
-              <a:uFill>
-                <a:solidFill>
-                  <a:srgbClr val="FFFFFF"/>
-                </a:solidFill>
-              </a:uFill>
-              <a:latin typeface="Arial"/>
-            </a:endParaRPr>
-          </a:p>
-        </p:txBody>
-      </p:sp>
-      <p:sp>
-        <p:nvSpPr>
-          <p:cNvPr id="77" name="CustomShape 2"/>
-          <p:cNvSpPr/>
-          <p:nvPr/>
-        </p:nvSpPr>
-        <p:spPr>
-          <a:xfrm>
-            <a:off x="838080" y="1690560"/>
-            <a:ext cx="5170320" cy="957240"/>
-          </a:xfrm>
-          <a:prstGeom prst="rect">
-            <a:avLst/>
-          </a:prstGeom>
-          <a:ln>
-            <a:round/>
-          </a:ln>
-        </p:spPr>
-        <p:style>
-          <a:lnRef idx="2">
-            <a:schemeClr val="accent1">
-              <a:shade val="50000"/>
-            </a:schemeClr>
-          </a:lnRef>
-          <a:fillRef idx="1">
-            <a:schemeClr val="accent1"/>
-          </a:fillRef>
-          <a:effectRef idx="0">
-            <a:schemeClr val="accent1"/>
-          </a:effectRef>
-          <a:fontRef idx="minor"/>
-        </p:style>
-        <p:txBody>
-          <a:bodyPr lIns="90000" tIns="45000" rIns="90000" bIns="45000" anchor="ctr"/>
-          <a:lstStyle/>
-          <a:p>
-            <a:pPr marL="457200" indent="-456480">
-              <a:lnSpc>
-                <a:spcPct val="100000"/>
-              </a:lnSpc>
-              <a:buClr>
-                <a:srgbClr val="FFFFFF"/>
-              </a:buClr>
-              <a:buFont typeface="Arial"/>
-              <a:buChar char="•"/>
-            </a:pPr>
-            <a:r>
-              <a:rPr lang="en-US" sz="2800" b="0" strike="noStrike" spc="-1">
-                <a:solidFill>
-                  <a:srgbClr val="FFFFFF"/>
-                </a:solidFill>
-                <a:uFill>
-                  <a:solidFill>
-                    <a:srgbClr val="FFFFFF"/>
-                  </a:solidFill>
-                </a:uFill>
-                <a:latin typeface="Calibri"/>
-                <a:ea typeface="DejaVu Sans"/>
-              </a:rPr>
-              <a:t>Kubernetes Introduction</a:t>
-            </a:r>
-            <a:endParaRPr lang="en-US" sz="1800" b="0" strike="noStrike" spc="-1">
-              <a:solidFill>
-                <a:srgbClr val="000000"/>
-              </a:solidFill>
-              <a:uFill>
-                <a:solidFill>
-                  <a:srgbClr val="FFFFFF"/>
-                </a:solidFill>
-              </a:uFill>
-              <a:latin typeface="Arial"/>
-            </a:endParaRPr>
-          </a:p>
-        </p:txBody>
-      </p:sp>
-      <p:sp>
-        <p:nvSpPr>
-          <p:cNvPr id="7" name="CustomShape 2">
-            <a:extLst>
-              <a:ext uri="{FF2B5EF4-FFF2-40B4-BE49-F238E27FC236}">
-                <a16:creationId xmlns:a16="http://schemas.microsoft.com/office/drawing/2014/main" id="{090EADE7-D7E9-334F-BA06-A462CA546A0A}"/>
-              </a:ext>
-            </a:extLst>
-          </p:cNvPr>
-          <p:cNvSpPr/>
-          <p:nvPr/>
-        </p:nvSpPr>
-        <p:spPr>
-          <a:xfrm>
-            <a:off x="837310" y="4202253"/>
-            <a:ext cx="5170320" cy="957240"/>
-          </a:xfrm>
-          <a:prstGeom prst="rect">
-            <a:avLst/>
-          </a:prstGeom>
           <a:solidFill>
-            <a:schemeClr val="accent4">
-              <a:lumMod val="60000"/>
-              <a:lumOff val="40000"/>
+            <a:schemeClr val="bg1">
+              <a:lumMod val="95000"/>
             </a:schemeClr>
           </a:solidFill>
-          <a:ln>
-            <a:solidFill>
-              <a:srgbClr val="FF0000"/>
-            </a:solidFill>
-          </a:ln>
         </p:spPr>
         <p:style>
           <a:lnRef idx="2">
@@ -25492,95 +25214,241 @@
           <a:bodyPr rtlCol="0" anchor="ctr"/>
           <a:lstStyle/>
           <a:p>
-            <a:pPr marL="457200" indent="-456480">
-              <a:lnSpc>
-                <a:spcPct val="100000"/>
-              </a:lnSpc>
-              <a:buClr>
-                <a:srgbClr val="FFFFFF"/>
-              </a:buClr>
-              <a:buFont typeface="Arial"/>
-              <a:buChar char="•"/>
-            </a:pPr>
-            <a:r>
-              <a:rPr lang="en-US" sz="2800" spc="-1" dirty="0">
-                <a:solidFill>
-                  <a:srgbClr val="FFFFFF"/>
-                </a:solidFill>
-                <a:uFill>
-                  <a:solidFill>
-                    <a:srgbClr val="FFFFFF"/>
-                  </a:solidFill>
-                </a:uFill>
-                <a:latin typeface="Calibri"/>
-              </a:rPr>
-              <a:t>Deploy Multi Microservices</a:t>
-            </a:r>
-            <a:endParaRPr lang="en-US" spc="-1" dirty="0">
+            <a:pPr lvl="0"/>
+            <a:r>
+              <a:rPr lang="en-US" sz="2200" i="1" dirty="0">
+                <a:solidFill>
+                  <a:schemeClr val="accent1">
+                    <a:lumMod val="50000"/>
+                  </a:schemeClr>
+                </a:solidFill>
+                <a:latin typeface="Courier New" panose="02070309020205020404" pitchFamily="49" charset="0"/>
+                <a:cs typeface="Courier New" panose="02070309020205020404" pitchFamily="49" charset="0"/>
+              </a:rPr>
+              <a:t># Create or update resource as declared in the file</a:t>
+            </a:r>
+            <a:endParaRPr lang="en-US" sz="2400" dirty="0">
               <a:solidFill>
-                <a:srgbClr val="000000"/>
+                <a:srgbClr val="24292E"/>
               </a:solidFill>
-              <a:uFill>
-                <a:solidFill>
-                  <a:srgbClr val="FFFFFF"/>
-                </a:solidFill>
-              </a:uFill>
+              <a:latin typeface="SFMono-Regular"/>
             </a:endParaRPr>
           </a:p>
-        </p:txBody>
-      </p:sp>
-      <p:sp>
-        <p:nvSpPr>
-          <p:cNvPr id="8" name="Rectangle 7">
-            <a:extLst>
-              <a:ext uri="{FF2B5EF4-FFF2-40B4-BE49-F238E27FC236}">
-                <a16:creationId xmlns:a16="http://schemas.microsoft.com/office/drawing/2014/main" id="{3FF3B2B7-50B6-C147-AB0A-A65A0A57FF91}"/>
-              </a:ext>
-            </a:extLst>
-          </p:cNvPr>
-          <p:cNvSpPr/>
-          <p:nvPr/>
-        </p:nvSpPr>
-        <p:spPr>
-          <a:xfrm>
-            <a:off x="836540" y="2980852"/>
-            <a:ext cx="5171090" cy="888349"/>
-          </a:xfrm>
-          <a:prstGeom prst="rect">
-            <a:avLst/>
-          </a:prstGeom>
-        </p:spPr>
-        <p:style>
-          <a:lnRef idx="2">
-            <a:schemeClr val="accent1">
-              <a:shade val="50000"/>
-            </a:schemeClr>
-          </a:lnRef>
-          <a:fillRef idx="1">
-            <a:schemeClr val="accent1"/>
-          </a:fillRef>
-          <a:effectRef idx="0">
-            <a:schemeClr val="accent1"/>
-          </a:effectRef>
-          <a:fontRef idx="minor">
-            <a:schemeClr val="lt1"/>
-          </a:fontRef>
-        </p:style>
-        <p:txBody>
-          <a:bodyPr rtlCol="0" anchor="ctr"/>
-          <a:lstStyle/>
-          <a:p>
-            <a:pPr marL="457200" indent="-457200">
-              <a:buFont typeface="Arial" panose="020B0604020202020204" pitchFamily="34" charset="0"/>
-              <a:buChar char="•"/>
-            </a:pPr>
-            <a:r>
-              <a:rPr lang="en-US" sz="2800" dirty="0" err="1"/>
-              <a:t>Kubernetes</a:t>
-            </a:r>
-            <a:r>
-              <a:rPr lang="en-US" sz="2800" dirty="0"/>
-              <a:t> Concepts</a:t>
+          <a:p>
+            <a:pPr lvl="0"/>
+            <a:r>
+              <a:rPr lang="en-US" sz="2200" b="1" dirty="0">
+                <a:solidFill>
+                  <a:schemeClr val="tx1"/>
+                </a:solidFill>
+                <a:latin typeface="Courier New" panose="02070309020205020404" pitchFamily="49" charset="0"/>
+                <a:cs typeface="Courier New" panose="02070309020205020404" pitchFamily="49" charset="0"/>
+              </a:rPr>
+              <a:t>$ </a:t>
+            </a:r>
+            <a:r>
+              <a:rPr lang="en-US" sz="2200" b="1" dirty="0" err="1">
+                <a:solidFill>
+                  <a:schemeClr val="tx1"/>
+                </a:solidFill>
+                <a:latin typeface="Courier New" panose="02070309020205020404" pitchFamily="49" charset="0"/>
+                <a:cs typeface="Courier New" panose="02070309020205020404" pitchFamily="49" charset="0"/>
+              </a:rPr>
+              <a:t>kubectl</a:t>
+            </a:r>
+            <a:r>
+              <a:rPr lang="en-US" sz="2200" b="1" dirty="0">
+                <a:solidFill>
+                  <a:schemeClr val="tx1"/>
+                </a:solidFill>
+                <a:latin typeface="Courier New" panose="02070309020205020404" pitchFamily="49" charset="0"/>
+                <a:cs typeface="Courier New" panose="02070309020205020404" pitchFamily="49" charset="0"/>
+              </a:rPr>
+              <a:t> apply -f web-</a:t>
+            </a:r>
+            <a:r>
+              <a:rPr lang="en-US" sz="2200" b="1" dirty="0" err="1">
+                <a:solidFill>
+                  <a:schemeClr val="tx1"/>
+                </a:solidFill>
+                <a:latin typeface="Courier New" panose="02070309020205020404" pitchFamily="49" charset="0"/>
+                <a:cs typeface="Courier New" panose="02070309020205020404" pitchFamily="49" charset="0"/>
+              </a:rPr>
+              <a:t>deploy.yaml</a:t>
+            </a:r>
+            <a:r>
+              <a:rPr lang="en-US" sz="2200" b="1" dirty="0">
+                <a:solidFill>
+                  <a:schemeClr val="tx1"/>
+                </a:solidFill>
+                <a:latin typeface="Courier New" panose="02070309020205020404" pitchFamily="49" charset="0"/>
+                <a:cs typeface="Courier New" panose="02070309020205020404" pitchFamily="49" charset="0"/>
+              </a:rPr>
+              <a:t> </a:t>
+            </a:r>
+          </a:p>
+          <a:p>
+            <a:pPr lvl="0"/>
+            <a:r>
+              <a:rPr lang="en-US" sz="2200" i="1" dirty="0">
+                <a:solidFill>
+                  <a:schemeClr val="accent1">
+                    <a:lumMod val="50000"/>
+                  </a:schemeClr>
+                </a:solidFill>
+                <a:latin typeface="Courier New" panose="02070309020205020404" pitchFamily="49" charset="0"/>
+                <a:cs typeface="Courier New" panose="02070309020205020404" pitchFamily="49" charset="0"/>
+              </a:rPr>
+              <a:t># List all services </a:t>
+            </a:r>
+          </a:p>
+          <a:p>
+            <a:pPr lvl="0"/>
+            <a:r>
+              <a:rPr lang="en-US" sz="2200" b="1" dirty="0">
+                <a:solidFill>
+                  <a:schemeClr val="tx1"/>
+                </a:solidFill>
+                <a:latin typeface="Courier New" panose="02070309020205020404" pitchFamily="49" charset="0"/>
+                <a:cs typeface="Courier New" panose="02070309020205020404" pitchFamily="49" charset="0"/>
+              </a:rPr>
+              <a:t>$ </a:t>
+            </a:r>
+            <a:r>
+              <a:rPr lang="en-US" sz="2200" b="1" dirty="0" err="1">
+                <a:solidFill>
+                  <a:schemeClr val="tx1"/>
+                </a:solidFill>
+                <a:latin typeface="Courier New" panose="02070309020205020404" pitchFamily="49" charset="0"/>
+                <a:cs typeface="Courier New" panose="02070309020205020404" pitchFamily="49" charset="0"/>
+              </a:rPr>
+              <a:t>kubectl</a:t>
+            </a:r>
+            <a:r>
+              <a:rPr lang="en-US" sz="2200" b="1" dirty="0">
+                <a:solidFill>
+                  <a:schemeClr val="tx1"/>
+                </a:solidFill>
+                <a:latin typeface="Courier New" panose="02070309020205020404" pitchFamily="49" charset="0"/>
+                <a:cs typeface="Courier New" panose="02070309020205020404" pitchFamily="49" charset="0"/>
+              </a:rPr>
+              <a:t> get svc </a:t>
+            </a:r>
+          </a:p>
+          <a:p>
+            <a:pPr lvl="0"/>
+            <a:r>
+              <a:rPr lang="en-US" sz="2200" i="1" dirty="0">
+                <a:solidFill>
+                  <a:schemeClr val="accent1">
+                    <a:lumMod val="50000"/>
+                  </a:schemeClr>
+                </a:solidFill>
+                <a:latin typeface="Courier New" panose="02070309020205020404" pitchFamily="49" charset="0"/>
+                <a:cs typeface="Courier New" panose="02070309020205020404" pitchFamily="49" charset="0"/>
+              </a:rPr>
+              <a:t># List pods and show all labels as the last column </a:t>
+            </a:r>
+          </a:p>
+          <a:p>
+            <a:pPr lvl="0"/>
+            <a:r>
+              <a:rPr lang="en-US" sz="2200" b="1" dirty="0">
+                <a:solidFill>
+                  <a:schemeClr val="tx1"/>
+                </a:solidFill>
+                <a:latin typeface="Courier New" panose="02070309020205020404" pitchFamily="49" charset="0"/>
+                <a:cs typeface="Courier New" panose="02070309020205020404" pitchFamily="49" charset="0"/>
+              </a:rPr>
+              <a:t>$ </a:t>
+            </a:r>
+            <a:r>
+              <a:rPr lang="en-US" sz="2200" b="1" dirty="0" err="1">
+                <a:solidFill>
+                  <a:schemeClr val="tx1"/>
+                </a:solidFill>
+                <a:latin typeface="Courier New" panose="02070309020205020404" pitchFamily="49" charset="0"/>
+                <a:cs typeface="Courier New" panose="02070309020205020404" pitchFamily="49" charset="0"/>
+              </a:rPr>
+              <a:t>kubectl</a:t>
+            </a:r>
+            <a:r>
+              <a:rPr lang="en-US" sz="2200" b="1" dirty="0">
+                <a:solidFill>
+                  <a:schemeClr val="tx1"/>
+                </a:solidFill>
+                <a:latin typeface="Courier New" panose="02070309020205020404" pitchFamily="49" charset="0"/>
+                <a:cs typeface="Courier New" panose="02070309020205020404" pitchFamily="49" charset="0"/>
+              </a:rPr>
+              <a:t> get </a:t>
+            </a:r>
+            <a:r>
+              <a:rPr lang="en-US" sz="2200" b="1" dirty="0" err="1">
+                <a:solidFill>
+                  <a:schemeClr val="tx1"/>
+                </a:solidFill>
+                <a:latin typeface="Courier New" panose="02070309020205020404" pitchFamily="49" charset="0"/>
+                <a:cs typeface="Courier New" panose="02070309020205020404" pitchFamily="49" charset="0"/>
+              </a:rPr>
+              <a:t>po</a:t>
+            </a:r>
+            <a:r>
+              <a:rPr lang="en-US" sz="2200" b="1" dirty="0">
+                <a:solidFill>
+                  <a:schemeClr val="tx1"/>
+                </a:solidFill>
+                <a:latin typeface="Courier New" panose="02070309020205020404" pitchFamily="49" charset="0"/>
+                <a:cs typeface="Courier New" panose="02070309020205020404" pitchFamily="49" charset="0"/>
+              </a:rPr>
+              <a:t> --show-labels </a:t>
+            </a:r>
+          </a:p>
+          <a:p>
+            <a:pPr lvl="0"/>
+            <a:r>
+              <a:rPr lang="en-US" sz="2200" i="1" dirty="0">
+                <a:solidFill>
+                  <a:schemeClr val="accent1">
+                    <a:lumMod val="50000"/>
+                  </a:schemeClr>
+                </a:solidFill>
+                <a:latin typeface="Courier New" panose="02070309020205020404" pitchFamily="49" charset="0"/>
+                <a:cs typeface="Courier New" panose="02070309020205020404" pitchFamily="49" charset="0"/>
+              </a:rPr>
+              <a:t># Rollback to previous resource revision</a:t>
+            </a:r>
+          </a:p>
+          <a:p>
+            <a:pPr lvl="0"/>
+            <a:r>
+              <a:rPr lang="en-US" sz="2200" b="1" dirty="0">
+                <a:solidFill>
+                  <a:schemeClr val="tx1"/>
+                </a:solidFill>
+                <a:latin typeface="Courier New" panose="02070309020205020404" pitchFamily="49" charset="0"/>
+                <a:cs typeface="Courier New" panose="02070309020205020404" pitchFamily="49" charset="0"/>
+              </a:rPr>
+              <a:t>$ </a:t>
+            </a:r>
+            <a:r>
+              <a:rPr lang="en-US" sz="2200" b="1" dirty="0" err="1">
+                <a:solidFill>
+                  <a:schemeClr val="tx1"/>
+                </a:solidFill>
+                <a:latin typeface="Courier New" panose="02070309020205020404" pitchFamily="49" charset="0"/>
+                <a:cs typeface="Courier New" panose="02070309020205020404" pitchFamily="49" charset="0"/>
+              </a:rPr>
+              <a:t>kubectl</a:t>
+            </a:r>
+            <a:r>
+              <a:rPr lang="en-US" sz="2200" b="1" dirty="0">
+                <a:solidFill>
+                  <a:schemeClr val="tx1"/>
+                </a:solidFill>
+                <a:latin typeface="Courier New" panose="02070309020205020404" pitchFamily="49" charset="0"/>
+                <a:cs typeface="Courier New" panose="02070309020205020404" pitchFamily="49" charset="0"/>
+              </a:rPr>
+              <a:t> rollout undo deployment deploy-name</a:t>
             </a:r>
           </a:p>
         </p:txBody>
@@ -25588,7 +25456,7 @@
     </p:spTree>
     <p:extLst>
       <p:ext uri="{BB962C8B-B14F-4D97-AF65-F5344CB8AC3E}">
-        <p14:creationId xmlns:p14="http://schemas.microsoft.com/office/powerpoint/2010/main" val="3099618681"/>
+        <p14:creationId xmlns:p14="http://schemas.microsoft.com/office/powerpoint/2010/main" val="1692531160"/>
       </p:ext>
     </p:extLst>
   </p:cSld>
@@ -25742,6 +25610,324 @@
 </file>
 
 <file path=ppt/slides/slide30.xml><?xml version="1.0" encoding="utf-8"?>
+<p:sld xmlns:a="http://schemas.openxmlformats.org/drawingml/2006/main" xmlns:r="http://schemas.openxmlformats.org/officeDocument/2006/relationships" xmlns:p="http://schemas.openxmlformats.org/presentationml/2006/main">
+  <p:cSld>
+    <p:spTree>
+      <p:nvGrpSpPr>
+        <p:cNvPr id="1" name=""/>
+        <p:cNvGrpSpPr/>
+        <p:nvPr/>
+      </p:nvGrpSpPr>
+      <p:grpSpPr>
+        <a:xfrm>
+          <a:off x="0" y="0"/>
+          <a:ext cx="0" cy="0"/>
+          <a:chOff x="0" y="0"/>
+          <a:chExt cx="0" cy="0"/>
+        </a:xfrm>
+      </p:grpSpPr>
+      <p:sp>
+        <p:nvSpPr>
+          <p:cNvPr id="76" name="CustomShape 1"/>
+          <p:cNvSpPr/>
+          <p:nvPr/>
+        </p:nvSpPr>
+        <p:spPr>
+          <a:xfrm>
+            <a:off x="838080" y="365040"/>
+            <a:ext cx="10514880" cy="1324800"/>
+          </a:xfrm>
+          <a:prstGeom prst="rect">
+            <a:avLst/>
+          </a:prstGeom>
+          <a:noFill/>
+          <a:ln>
+            <a:noFill/>
+          </a:ln>
+        </p:spPr>
+        <p:style>
+          <a:lnRef idx="0">
+            <a:scrgbClr r="0" g="0" b="0"/>
+          </a:lnRef>
+          <a:fillRef idx="0">
+            <a:scrgbClr r="0" g="0" b="0"/>
+          </a:fillRef>
+          <a:effectRef idx="0">
+            <a:scrgbClr r="0" g="0" b="0"/>
+          </a:effectRef>
+          <a:fontRef idx="minor"/>
+        </p:style>
+        <p:txBody>
+          <a:bodyPr lIns="90000" tIns="45000" rIns="90000" bIns="45000" anchor="ctr"/>
+          <a:lstStyle/>
+          <a:p>
+            <a:pPr>
+              <a:lnSpc>
+                <a:spcPct val="90000"/>
+              </a:lnSpc>
+            </a:pPr>
+            <a:r>
+              <a:rPr lang="en-US" sz="4400" b="0" strike="noStrike" spc="-1">
+                <a:solidFill>
+                  <a:srgbClr val="000000"/>
+                </a:solidFill>
+                <a:uFill>
+                  <a:solidFill>
+                    <a:srgbClr val="FFFFFF"/>
+                  </a:solidFill>
+                </a:uFill>
+                <a:latin typeface="Calibri Light"/>
+              </a:rPr>
+              <a:t>Agenda</a:t>
+            </a:r>
+            <a:endParaRPr lang="en-US" sz="1800" b="0" strike="noStrike" spc="-1">
+              <a:solidFill>
+                <a:srgbClr val="000000"/>
+              </a:solidFill>
+              <a:uFill>
+                <a:solidFill>
+                  <a:srgbClr val="FFFFFF"/>
+                </a:solidFill>
+              </a:uFill>
+              <a:latin typeface="Arial"/>
+            </a:endParaRPr>
+          </a:p>
+        </p:txBody>
+      </p:sp>
+      <p:sp>
+        <p:nvSpPr>
+          <p:cNvPr id="77" name="CustomShape 2"/>
+          <p:cNvSpPr/>
+          <p:nvPr/>
+        </p:nvSpPr>
+        <p:spPr>
+          <a:xfrm>
+            <a:off x="838080" y="1690560"/>
+            <a:ext cx="5170320" cy="957240"/>
+          </a:xfrm>
+          <a:prstGeom prst="rect">
+            <a:avLst/>
+          </a:prstGeom>
+          <a:ln>
+            <a:round/>
+          </a:ln>
+        </p:spPr>
+        <p:style>
+          <a:lnRef idx="2">
+            <a:schemeClr val="accent1">
+              <a:shade val="50000"/>
+            </a:schemeClr>
+          </a:lnRef>
+          <a:fillRef idx="1">
+            <a:schemeClr val="accent1"/>
+          </a:fillRef>
+          <a:effectRef idx="0">
+            <a:schemeClr val="accent1"/>
+          </a:effectRef>
+          <a:fontRef idx="minor"/>
+        </p:style>
+        <p:txBody>
+          <a:bodyPr lIns="90000" tIns="45000" rIns="90000" bIns="45000" anchor="ctr"/>
+          <a:lstStyle/>
+          <a:p>
+            <a:pPr marL="457200" indent="-456480">
+              <a:lnSpc>
+                <a:spcPct val="100000"/>
+              </a:lnSpc>
+              <a:buClr>
+                <a:srgbClr val="FFFFFF"/>
+              </a:buClr>
+              <a:buFont typeface="Arial"/>
+              <a:buChar char="•"/>
+            </a:pPr>
+            <a:r>
+              <a:rPr lang="en-US" sz="2800" b="0" strike="noStrike" spc="-1">
+                <a:solidFill>
+                  <a:srgbClr val="FFFFFF"/>
+                </a:solidFill>
+                <a:uFill>
+                  <a:solidFill>
+                    <a:srgbClr val="FFFFFF"/>
+                  </a:solidFill>
+                </a:uFill>
+                <a:latin typeface="Calibri"/>
+                <a:ea typeface="DejaVu Sans"/>
+              </a:rPr>
+              <a:t>Kubernetes Introduction</a:t>
+            </a:r>
+            <a:endParaRPr lang="en-US" sz="1800" b="0" strike="noStrike" spc="-1">
+              <a:solidFill>
+                <a:srgbClr val="000000"/>
+              </a:solidFill>
+              <a:uFill>
+                <a:solidFill>
+                  <a:srgbClr val="FFFFFF"/>
+                </a:solidFill>
+              </a:uFill>
+              <a:latin typeface="Arial"/>
+            </a:endParaRPr>
+          </a:p>
+        </p:txBody>
+      </p:sp>
+      <p:sp>
+        <p:nvSpPr>
+          <p:cNvPr id="7" name="CustomShape 2">
+            <a:extLst>
+              <a:ext uri="{FF2B5EF4-FFF2-40B4-BE49-F238E27FC236}">
+                <a16:creationId xmlns:a16="http://schemas.microsoft.com/office/drawing/2014/main" id="{090EADE7-D7E9-334F-BA06-A462CA546A0A}"/>
+              </a:ext>
+            </a:extLst>
+          </p:cNvPr>
+          <p:cNvSpPr/>
+          <p:nvPr/>
+        </p:nvSpPr>
+        <p:spPr>
+          <a:xfrm>
+            <a:off x="837310" y="4202253"/>
+            <a:ext cx="5170320" cy="957240"/>
+          </a:xfrm>
+          <a:prstGeom prst="rect">
+            <a:avLst/>
+          </a:prstGeom>
+          <a:solidFill>
+            <a:schemeClr val="accent4">
+              <a:lumMod val="60000"/>
+              <a:lumOff val="40000"/>
+            </a:schemeClr>
+          </a:solidFill>
+          <a:ln>
+            <a:solidFill>
+              <a:srgbClr val="FF0000"/>
+            </a:solidFill>
+          </a:ln>
+        </p:spPr>
+        <p:style>
+          <a:lnRef idx="2">
+            <a:schemeClr val="accent1">
+              <a:shade val="50000"/>
+            </a:schemeClr>
+          </a:lnRef>
+          <a:fillRef idx="1">
+            <a:schemeClr val="accent1"/>
+          </a:fillRef>
+          <a:effectRef idx="0">
+            <a:schemeClr val="accent1"/>
+          </a:effectRef>
+          <a:fontRef idx="minor">
+            <a:schemeClr val="lt1"/>
+          </a:fontRef>
+        </p:style>
+        <p:txBody>
+          <a:bodyPr rtlCol="0" anchor="ctr"/>
+          <a:lstStyle/>
+          <a:p>
+            <a:pPr marL="457200" indent="-456480">
+              <a:lnSpc>
+                <a:spcPct val="100000"/>
+              </a:lnSpc>
+              <a:buClr>
+                <a:srgbClr val="FFFFFF"/>
+              </a:buClr>
+              <a:buFont typeface="Arial"/>
+              <a:buChar char="•"/>
+            </a:pPr>
+            <a:r>
+              <a:rPr lang="en-US" sz="2800" spc="-1" dirty="0">
+                <a:solidFill>
+                  <a:srgbClr val="FFFFFF"/>
+                </a:solidFill>
+                <a:uFill>
+                  <a:solidFill>
+                    <a:srgbClr val="FFFFFF"/>
+                  </a:solidFill>
+                </a:uFill>
+                <a:latin typeface="Calibri"/>
+              </a:rPr>
+              <a:t>Deploy Multi Microservices</a:t>
+            </a:r>
+            <a:endParaRPr lang="en-US" spc="-1" dirty="0">
+              <a:solidFill>
+                <a:srgbClr val="000000"/>
+              </a:solidFill>
+              <a:uFill>
+                <a:solidFill>
+                  <a:srgbClr val="FFFFFF"/>
+                </a:solidFill>
+              </a:uFill>
+            </a:endParaRPr>
+          </a:p>
+        </p:txBody>
+      </p:sp>
+      <p:sp>
+        <p:nvSpPr>
+          <p:cNvPr id="8" name="Rectangle 7">
+            <a:extLst>
+              <a:ext uri="{FF2B5EF4-FFF2-40B4-BE49-F238E27FC236}">
+                <a16:creationId xmlns:a16="http://schemas.microsoft.com/office/drawing/2014/main" id="{3FF3B2B7-50B6-C147-AB0A-A65A0A57FF91}"/>
+              </a:ext>
+            </a:extLst>
+          </p:cNvPr>
+          <p:cNvSpPr/>
+          <p:nvPr/>
+        </p:nvSpPr>
+        <p:spPr>
+          <a:xfrm>
+            <a:off x="836540" y="2980852"/>
+            <a:ext cx="5171090" cy="888349"/>
+          </a:xfrm>
+          <a:prstGeom prst="rect">
+            <a:avLst/>
+          </a:prstGeom>
+        </p:spPr>
+        <p:style>
+          <a:lnRef idx="2">
+            <a:schemeClr val="accent1">
+              <a:shade val="50000"/>
+            </a:schemeClr>
+          </a:lnRef>
+          <a:fillRef idx="1">
+            <a:schemeClr val="accent1"/>
+          </a:fillRef>
+          <a:effectRef idx="0">
+            <a:schemeClr val="accent1"/>
+          </a:effectRef>
+          <a:fontRef idx="minor">
+            <a:schemeClr val="lt1"/>
+          </a:fontRef>
+        </p:style>
+        <p:txBody>
+          <a:bodyPr rtlCol="0" anchor="ctr"/>
+          <a:lstStyle/>
+          <a:p>
+            <a:pPr marL="457200" indent="-457200">
+              <a:buFont typeface="Arial" panose="020B0604020202020204" pitchFamily="34" charset="0"/>
+              <a:buChar char="•"/>
+            </a:pPr>
+            <a:r>
+              <a:rPr lang="en-US" sz="2800" dirty="0" err="1"/>
+              <a:t>Kubernetes</a:t>
+            </a:r>
+            <a:r>
+              <a:rPr lang="en-US" sz="2800" dirty="0"/>
+              <a:t> Concepts</a:t>
+            </a:r>
+          </a:p>
+        </p:txBody>
+      </p:sp>
+    </p:spTree>
+    <p:extLst>
+      <p:ext uri="{BB962C8B-B14F-4D97-AF65-F5344CB8AC3E}">
+        <p14:creationId xmlns:p14="http://schemas.microsoft.com/office/powerpoint/2010/main" val="3099618681"/>
+      </p:ext>
+    </p:extLst>
+  </p:cSld>
+  <p:clrMapOvr>
+    <a:masterClrMapping/>
+  </p:clrMapOvr>
+</p:sld>
+</file>
+
+<file path=ppt/slides/slide31.xml><?xml version="1.0" encoding="utf-8"?>
 <p:sld xmlns:a="http://schemas.openxmlformats.org/drawingml/2006/main" xmlns:r="http://schemas.openxmlformats.org/officeDocument/2006/relationships" xmlns:p="http://schemas.openxmlformats.org/presentationml/2006/main">
   <p:cSld>
     <p:spTree>
@@ -26987,7 +27173,7 @@
 </p:sld>
 </file>
 
-<file path=ppt/slides/slide31.xml><?xml version="1.0" encoding="utf-8"?>
+<file path=ppt/slides/slide32.xml><?xml version="1.0" encoding="utf-8"?>
 <p:sld xmlns:a="http://schemas.openxmlformats.org/drawingml/2006/main" xmlns:r="http://schemas.openxmlformats.org/officeDocument/2006/relationships" xmlns:p="http://schemas.openxmlformats.org/presentationml/2006/main">
   <p:cSld>
     <p:spTree>

--- a/day-2/Using Kubernetes Day 2.pptx
+++ b/day-2/Using Kubernetes Day 2.pptx
@@ -5,6 +5,9 @@
     <p:sldMasterId id="2147483648" r:id="rId1"/>
     <p:sldMasterId id="2147483661" r:id="rId2"/>
   </p:sldMasterIdLst>
+  <p:notesMasterIdLst>
+    <p:notesMasterId r:id="rId36"/>
+  </p:notesMasterIdLst>
   <p:sldIdLst>
     <p:sldId id="256" r:id="rId3"/>
     <p:sldId id="257" r:id="rId4"/>
@@ -30,14 +33,15 @@
     <p:sldId id="269" r:id="rId24"/>
     <p:sldId id="271" r:id="rId25"/>
     <p:sldId id="309" r:id="rId26"/>
-    <p:sldId id="272" r:id="rId27"/>
-    <p:sldId id="330" r:id="rId28"/>
-    <p:sldId id="311" r:id="rId29"/>
-    <p:sldId id="326" r:id="rId30"/>
-    <p:sldId id="306" r:id="rId31"/>
-    <p:sldId id="327" r:id="rId32"/>
-    <p:sldId id="303" r:id="rId33"/>
-    <p:sldId id="273" r:id="rId34"/>
+    <p:sldId id="331" r:id="rId27"/>
+    <p:sldId id="272" r:id="rId28"/>
+    <p:sldId id="330" r:id="rId29"/>
+    <p:sldId id="311" r:id="rId30"/>
+    <p:sldId id="326" r:id="rId31"/>
+    <p:sldId id="306" r:id="rId32"/>
+    <p:sldId id="327" r:id="rId33"/>
+    <p:sldId id="303" r:id="rId34"/>
+    <p:sldId id="273" r:id="rId35"/>
   </p:sldIdLst>
   <p:sldSz cx="12192000" cy="6858000"/>
   <p:notesSz cx="7559675" cy="10691813"/>
@@ -144,6 +148,440 @@
 </p:presentation>
 </file>
 
+<file path=ppt/notesMasters/notesMaster1.xml><?xml version="1.0" encoding="utf-8"?>
+<p:notesMaster xmlns:a="http://schemas.openxmlformats.org/drawingml/2006/main" xmlns:r="http://schemas.openxmlformats.org/officeDocument/2006/relationships" xmlns:p="http://schemas.openxmlformats.org/presentationml/2006/main">
+  <p:cSld>
+    <p:bg>
+      <p:bgRef idx="1001">
+        <a:schemeClr val="bg1"/>
+      </p:bgRef>
+    </p:bg>
+    <p:spTree>
+      <p:nvGrpSpPr>
+        <p:cNvPr id="1" name=""/>
+        <p:cNvGrpSpPr/>
+        <p:nvPr/>
+      </p:nvGrpSpPr>
+      <p:grpSpPr>
+        <a:xfrm>
+          <a:off x="0" y="0"/>
+          <a:ext cx="0" cy="0"/>
+          <a:chOff x="0" y="0"/>
+          <a:chExt cx="0" cy="0"/>
+        </a:xfrm>
+      </p:grpSpPr>
+      <p:sp>
+        <p:nvSpPr>
+          <p:cNvPr id="2" name="Header Placeholder 1"/>
+          <p:cNvSpPr>
+            <a:spLocks noGrp="1"/>
+          </p:cNvSpPr>
+          <p:nvPr>
+            <p:ph type="hdr" sz="quarter"/>
+          </p:nvPr>
+        </p:nvSpPr>
+        <p:spPr>
+          <a:xfrm>
+            <a:off x="0" y="0"/>
+            <a:ext cx="3276600" cy="536575"/>
+          </a:xfrm>
+          <a:prstGeom prst="rect">
+            <a:avLst/>
+          </a:prstGeom>
+        </p:spPr>
+        <p:txBody>
+          <a:bodyPr vert="horz" lIns="91440" tIns="45720" rIns="91440" bIns="45720" rtlCol="0"/>
+          <a:lstStyle>
+            <a:lvl1pPr algn="l">
+              <a:defRPr sz="1200"/>
+            </a:lvl1pPr>
+          </a:lstStyle>
+          <a:p>
+            <a:endParaRPr lang="en-IL"/>
+          </a:p>
+        </p:txBody>
+      </p:sp>
+      <p:sp>
+        <p:nvSpPr>
+          <p:cNvPr id="3" name="Date Placeholder 2"/>
+          <p:cNvSpPr>
+            <a:spLocks noGrp="1"/>
+          </p:cNvSpPr>
+          <p:nvPr>
+            <p:ph type="dt" idx="1"/>
+          </p:nvPr>
+        </p:nvSpPr>
+        <p:spPr>
+          <a:xfrm>
+            <a:off x="4281488" y="0"/>
+            <a:ext cx="3276600" cy="536575"/>
+          </a:xfrm>
+          <a:prstGeom prst="rect">
+            <a:avLst/>
+          </a:prstGeom>
+        </p:spPr>
+        <p:txBody>
+          <a:bodyPr vert="horz" lIns="91440" tIns="45720" rIns="91440" bIns="45720" rtlCol="0"/>
+          <a:lstStyle>
+            <a:lvl1pPr algn="r">
+              <a:defRPr sz="1200"/>
+            </a:lvl1pPr>
+          </a:lstStyle>
+          <a:p>
+            <a:fld id="{DA4F1348-48E7-664F-B438-DCFDBF59D3FF}" type="datetimeFigureOut">
+              <a:rPr lang="en-IL" smtClean="0"/>
+              <a:t>21/02/2022</a:t>
+            </a:fld>
+            <a:endParaRPr lang="en-IL"/>
+          </a:p>
+        </p:txBody>
+      </p:sp>
+      <p:sp>
+        <p:nvSpPr>
+          <p:cNvPr id="4" name="Slide Image Placeholder 3"/>
+          <p:cNvSpPr>
+            <a:spLocks noGrp="1" noRot="1" noChangeAspect="1"/>
+          </p:cNvSpPr>
+          <p:nvPr>
+            <p:ph type="sldImg" idx="2"/>
+          </p:nvPr>
+        </p:nvSpPr>
+        <p:spPr>
+          <a:xfrm>
+            <a:off x="573088" y="1336675"/>
+            <a:ext cx="6413500" cy="3608388"/>
+          </a:xfrm>
+          <a:prstGeom prst="rect">
+            <a:avLst/>
+          </a:prstGeom>
+          <a:noFill/>
+          <a:ln w="12700">
+            <a:solidFill>
+              <a:prstClr val="black"/>
+            </a:solidFill>
+          </a:ln>
+        </p:spPr>
+        <p:txBody>
+          <a:bodyPr vert="horz" lIns="91440" tIns="45720" rIns="91440" bIns="45720" rtlCol="0" anchor="ctr"/>
+          <a:lstStyle/>
+          <a:p>
+            <a:endParaRPr lang="en-IL"/>
+          </a:p>
+        </p:txBody>
+      </p:sp>
+      <p:sp>
+        <p:nvSpPr>
+          <p:cNvPr id="5" name="Notes Placeholder 4"/>
+          <p:cNvSpPr>
+            <a:spLocks noGrp="1"/>
+          </p:cNvSpPr>
+          <p:nvPr>
+            <p:ph type="body" sz="quarter" idx="3"/>
+          </p:nvPr>
+        </p:nvSpPr>
+        <p:spPr>
+          <a:xfrm>
+            <a:off x="755650" y="5145088"/>
+            <a:ext cx="6048375" cy="4210050"/>
+          </a:xfrm>
+          <a:prstGeom prst="rect">
+            <a:avLst/>
+          </a:prstGeom>
+        </p:spPr>
+        <p:txBody>
+          <a:bodyPr vert="horz" lIns="91440" tIns="45720" rIns="91440" bIns="45720" rtlCol="0"/>
+          <a:lstStyle/>
+          <a:p>
+            <a:pPr lvl="0"/>
+            <a:r>
+              <a:rPr lang="en-US"/>
+              <a:t>Click to edit Master text styles</a:t>
+            </a:r>
+          </a:p>
+          <a:p>
+            <a:pPr lvl="1"/>
+            <a:r>
+              <a:rPr lang="en-US"/>
+              <a:t>Second level</a:t>
+            </a:r>
+          </a:p>
+          <a:p>
+            <a:pPr lvl="2"/>
+            <a:r>
+              <a:rPr lang="en-US"/>
+              <a:t>Third level</a:t>
+            </a:r>
+          </a:p>
+          <a:p>
+            <a:pPr lvl="3"/>
+            <a:r>
+              <a:rPr lang="en-US"/>
+              <a:t>Fourth level</a:t>
+            </a:r>
+          </a:p>
+          <a:p>
+            <a:pPr lvl="4"/>
+            <a:r>
+              <a:rPr lang="en-US"/>
+              <a:t>Fifth level</a:t>
+            </a:r>
+            <a:endParaRPr lang="en-IL"/>
+          </a:p>
+        </p:txBody>
+      </p:sp>
+      <p:sp>
+        <p:nvSpPr>
+          <p:cNvPr id="6" name="Footer Placeholder 5"/>
+          <p:cNvSpPr>
+            <a:spLocks noGrp="1"/>
+          </p:cNvSpPr>
+          <p:nvPr>
+            <p:ph type="ftr" sz="quarter" idx="4"/>
+          </p:nvPr>
+        </p:nvSpPr>
+        <p:spPr>
+          <a:xfrm>
+            <a:off x="0" y="10155238"/>
+            <a:ext cx="3276600" cy="536575"/>
+          </a:xfrm>
+          <a:prstGeom prst="rect">
+            <a:avLst/>
+          </a:prstGeom>
+        </p:spPr>
+        <p:txBody>
+          <a:bodyPr vert="horz" lIns="91440" tIns="45720" rIns="91440" bIns="45720" rtlCol="0" anchor="b"/>
+          <a:lstStyle>
+            <a:lvl1pPr algn="l">
+              <a:defRPr sz="1200"/>
+            </a:lvl1pPr>
+          </a:lstStyle>
+          <a:p>
+            <a:endParaRPr lang="en-IL"/>
+          </a:p>
+        </p:txBody>
+      </p:sp>
+      <p:sp>
+        <p:nvSpPr>
+          <p:cNvPr id="7" name="Slide Number Placeholder 6"/>
+          <p:cNvSpPr>
+            <a:spLocks noGrp="1"/>
+          </p:cNvSpPr>
+          <p:nvPr>
+            <p:ph type="sldNum" sz="quarter" idx="5"/>
+          </p:nvPr>
+        </p:nvSpPr>
+        <p:spPr>
+          <a:xfrm>
+            <a:off x="4281488" y="10155238"/>
+            <a:ext cx="3276600" cy="536575"/>
+          </a:xfrm>
+          <a:prstGeom prst="rect">
+            <a:avLst/>
+          </a:prstGeom>
+        </p:spPr>
+        <p:txBody>
+          <a:bodyPr vert="horz" lIns="91440" tIns="45720" rIns="91440" bIns="45720" rtlCol="0" anchor="b"/>
+          <a:lstStyle>
+            <a:lvl1pPr algn="r">
+              <a:defRPr sz="1200"/>
+            </a:lvl1pPr>
+          </a:lstStyle>
+          <a:p>
+            <a:fld id="{A17B8201-46F3-9943-99B8-52F0CC002E50}" type="slidenum">
+              <a:rPr lang="en-IL" smtClean="0"/>
+              <a:t>‹#›</a:t>
+            </a:fld>
+            <a:endParaRPr lang="en-IL"/>
+          </a:p>
+        </p:txBody>
+      </p:sp>
+    </p:spTree>
+    <p:extLst>
+      <p:ext uri="{BB962C8B-B14F-4D97-AF65-F5344CB8AC3E}">
+        <p14:creationId xmlns:p14="http://schemas.microsoft.com/office/powerpoint/2010/main" val="4047095722"/>
+      </p:ext>
+    </p:extLst>
+  </p:cSld>
+  <p:clrMap bg1="lt1" tx1="dk1" bg2="lt2" tx2="dk2" accent1="accent1" accent2="accent2" accent3="accent3" accent4="accent4" accent5="accent5" accent6="accent6" hlink="hlink" folHlink="folHlink"/>
+  <p:notesStyle>
+    <a:lvl1pPr marL="0" algn="l" defTabSz="914400" rtl="0" eaLnBrk="1" latinLnBrk="0" hangingPunct="1">
+      <a:defRPr sz="1200" kern="1200">
+        <a:solidFill>
+          <a:schemeClr val="tx1"/>
+        </a:solidFill>
+        <a:latin typeface="+mn-lt"/>
+        <a:ea typeface="+mn-ea"/>
+        <a:cs typeface="+mn-cs"/>
+      </a:defRPr>
+    </a:lvl1pPr>
+    <a:lvl2pPr marL="457200" algn="l" defTabSz="914400" rtl="0" eaLnBrk="1" latinLnBrk="0" hangingPunct="1">
+      <a:defRPr sz="1200" kern="1200">
+        <a:solidFill>
+          <a:schemeClr val="tx1"/>
+        </a:solidFill>
+        <a:latin typeface="+mn-lt"/>
+        <a:ea typeface="+mn-ea"/>
+        <a:cs typeface="+mn-cs"/>
+      </a:defRPr>
+    </a:lvl2pPr>
+    <a:lvl3pPr marL="914400" algn="l" defTabSz="914400" rtl="0" eaLnBrk="1" latinLnBrk="0" hangingPunct="1">
+      <a:defRPr sz="1200" kern="1200">
+        <a:solidFill>
+          <a:schemeClr val="tx1"/>
+        </a:solidFill>
+        <a:latin typeface="+mn-lt"/>
+        <a:ea typeface="+mn-ea"/>
+        <a:cs typeface="+mn-cs"/>
+      </a:defRPr>
+    </a:lvl3pPr>
+    <a:lvl4pPr marL="1371600" algn="l" defTabSz="914400" rtl="0" eaLnBrk="1" latinLnBrk="0" hangingPunct="1">
+      <a:defRPr sz="1200" kern="1200">
+        <a:solidFill>
+          <a:schemeClr val="tx1"/>
+        </a:solidFill>
+        <a:latin typeface="+mn-lt"/>
+        <a:ea typeface="+mn-ea"/>
+        <a:cs typeface="+mn-cs"/>
+      </a:defRPr>
+    </a:lvl4pPr>
+    <a:lvl5pPr marL="1828800" algn="l" defTabSz="914400" rtl="0" eaLnBrk="1" latinLnBrk="0" hangingPunct="1">
+      <a:defRPr sz="1200" kern="1200">
+        <a:solidFill>
+          <a:schemeClr val="tx1"/>
+        </a:solidFill>
+        <a:latin typeface="+mn-lt"/>
+        <a:ea typeface="+mn-ea"/>
+        <a:cs typeface="+mn-cs"/>
+      </a:defRPr>
+    </a:lvl5pPr>
+    <a:lvl6pPr marL="2286000" algn="l" defTabSz="914400" rtl="0" eaLnBrk="1" latinLnBrk="0" hangingPunct="1">
+      <a:defRPr sz="1200" kern="1200">
+        <a:solidFill>
+          <a:schemeClr val="tx1"/>
+        </a:solidFill>
+        <a:latin typeface="+mn-lt"/>
+        <a:ea typeface="+mn-ea"/>
+        <a:cs typeface="+mn-cs"/>
+      </a:defRPr>
+    </a:lvl6pPr>
+    <a:lvl7pPr marL="2743200" algn="l" defTabSz="914400" rtl="0" eaLnBrk="1" latinLnBrk="0" hangingPunct="1">
+      <a:defRPr sz="1200" kern="1200">
+        <a:solidFill>
+          <a:schemeClr val="tx1"/>
+        </a:solidFill>
+        <a:latin typeface="+mn-lt"/>
+        <a:ea typeface="+mn-ea"/>
+        <a:cs typeface="+mn-cs"/>
+      </a:defRPr>
+    </a:lvl7pPr>
+    <a:lvl8pPr marL="3200400" algn="l" defTabSz="914400" rtl="0" eaLnBrk="1" latinLnBrk="0" hangingPunct="1">
+      <a:defRPr sz="1200" kern="1200">
+        <a:solidFill>
+          <a:schemeClr val="tx1"/>
+        </a:solidFill>
+        <a:latin typeface="+mn-lt"/>
+        <a:ea typeface="+mn-ea"/>
+        <a:cs typeface="+mn-cs"/>
+      </a:defRPr>
+    </a:lvl8pPr>
+    <a:lvl9pPr marL="3657600" algn="l" defTabSz="914400" rtl="0" eaLnBrk="1" latinLnBrk="0" hangingPunct="1">
+      <a:defRPr sz="1200" kern="1200">
+        <a:solidFill>
+          <a:schemeClr val="tx1"/>
+        </a:solidFill>
+        <a:latin typeface="+mn-lt"/>
+        <a:ea typeface="+mn-ea"/>
+        <a:cs typeface="+mn-cs"/>
+      </a:defRPr>
+    </a:lvl9pPr>
+  </p:notesStyle>
+</p:notesMaster>
+</file>
+
+<file path=ppt/notesSlides/notesSlide1.xml><?xml version="1.0" encoding="utf-8"?>
+<p:notes xmlns:a="http://schemas.openxmlformats.org/drawingml/2006/main" xmlns:r="http://schemas.openxmlformats.org/officeDocument/2006/relationships" xmlns:p="http://schemas.openxmlformats.org/presentationml/2006/main">
+  <p:cSld>
+    <p:spTree>
+      <p:nvGrpSpPr>
+        <p:cNvPr id="1" name=""/>
+        <p:cNvGrpSpPr/>
+        <p:nvPr/>
+      </p:nvGrpSpPr>
+      <p:grpSpPr>
+        <a:xfrm>
+          <a:off x="0" y="0"/>
+          <a:ext cx="0" cy="0"/>
+          <a:chOff x="0" y="0"/>
+          <a:chExt cx="0" cy="0"/>
+        </a:xfrm>
+      </p:grpSpPr>
+      <p:sp>
+        <p:nvSpPr>
+          <p:cNvPr id="2" name="Slide Image Placeholder 1"/>
+          <p:cNvSpPr>
+            <a:spLocks noGrp="1" noRot="1" noChangeAspect="1"/>
+          </p:cNvSpPr>
+          <p:nvPr>
+            <p:ph type="sldImg"/>
+          </p:nvPr>
+        </p:nvSpPr>
+        <p:spPr/>
+      </p:sp>
+      <p:sp>
+        <p:nvSpPr>
+          <p:cNvPr id="3" name="Notes Placeholder 2"/>
+          <p:cNvSpPr>
+            <a:spLocks noGrp="1"/>
+          </p:cNvSpPr>
+          <p:nvPr>
+            <p:ph type="body" idx="1"/>
+          </p:nvPr>
+        </p:nvSpPr>
+        <p:spPr/>
+        <p:txBody>
+          <a:bodyPr/>
+          <a:lstStyle/>
+          <a:p>
+            <a:endParaRPr lang="en-IL" dirty="0"/>
+          </a:p>
+        </p:txBody>
+      </p:sp>
+      <p:sp>
+        <p:nvSpPr>
+          <p:cNvPr id="4" name="Slide Number Placeholder 3"/>
+          <p:cNvSpPr>
+            <a:spLocks noGrp="1"/>
+          </p:cNvSpPr>
+          <p:nvPr>
+            <p:ph type="sldNum" sz="quarter" idx="5"/>
+          </p:nvPr>
+        </p:nvSpPr>
+        <p:spPr/>
+        <p:txBody>
+          <a:bodyPr/>
+          <a:lstStyle/>
+          <a:p>
+            <a:fld id="{A17B8201-46F3-9943-99B8-52F0CC002E50}" type="slidenum">
+              <a:rPr lang="en-IL" smtClean="0"/>
+              <a:t>25</a:t>
+            </a:fld>
+            <a:endParaRPr lang="en-IL"/>
+          </a:p>
+        </p:txBody>
+      </p:sp>
+    </p:spTree>
+    <p:extLst>
+      <p:ext uri="{BB962C8B-B14F-4D97-AF65-F5344CB8AC3E}">
+        <p14:creationId xmlns:p14="http://schemas.microsoft.com/office/powerpoint/2010/main" val="274797548"/>
+      </p:ext>
+    </p:extLst>
+  </p:cSld>
+  <p:clrMapOvr>
+    <a:masterClrMapping/>
+  </p:clrMapOvr>
+</p:notes>
+</file>
+
 <file path=ppt/slideLayouts/slideLayout1.xml><?xml version="1.0" encoding="utf-8"?>
 <p:sldLayout xmlns:a="http://schemas.openxmlformats.org/drawingml/2006/main" xmlns:r="http://schemas.openxmlformats.org/officeDocument/2006/relationships" xmlns:p="http://schemas.openxmlformats.org/presentationml/2006/main" type="blank" preserve="1">
   <p:cSld name="Blank Slide">
@@ -2450,7 +2888,7 @@
           <a:p>
             <a:fld id="{4F1F2598-CD9E-4308-8C1F-F0CAB254D96E}" type="datetimeFigureOut">
               <a:rPr lang="en-US" smtClean="0"/>
-              <a:t>12/8/21</a:t>
+              <a:t>2/21/22</a:t>
             </a:fld>
             <a:endParaRPr lang="en-US"/>
           </a:p>
@@ -4791,7 +5229,7 @@
 </file>
 
 <file path=ppt/slides/slide10.xml><?xml version="1.0" encoding="utf-8"?>
-<p:sld xmlns:a="http://schemas.openxmlformats.org/drawingml/2006/main" xmlns:r="http://schemas.openxmlformats.org/officeDocument/2006/relationships" xmlns:p="http://schemas.openxmlformats.org/presentationml/2006/main">
+<p:sld xmlns:a="http://schemas.openxmlformats.org/drawingml/2006/main" xmlns:r="http://schemas.openxmlformats.org/officeDocument/2006/relationships" xmlns:p="http://schemas.openxmlformats.org/presentationml/2006/main" show="0">
   <p:cSld>
     <p:spTree>
       <p:nvGrpSpPr>
@@ -4985,7 +5423,7 @@
 </file>
 
 <file path=ppt/slides/slide11.xml><?xml version="1.0" encoding="utf-8"?>
-<p:sld xmlns:a="http://schemas.openxmlformats.org/drawingml/2006/main" xmlns:r="http://schemas.openxmlformats.org/officeDocument/2006/relationships" xmlns:p="http://schemas.openxmlformats.org/presentationml/2006/main">
+<p:sld xmlns:a="http://schemas.openxmlformats.org/drawingml/2006/main" xmlns:r="http://schemas.openxmlformats.org/officeDocument/2006/relationships" xmlns:p="http://schemas.openxmlformats.org/presentationml/2006/main" show="0">
   <p:cSld>
     <p:spTree>
       <p:nvGrpSpPr>
@@ -6195,13 +6633,8 @@
           <a:p>
             <a:r>
               <a:rPr lang="en-US" dirty="0"/>
-              <a:t>Master </a:t>
-            </a:r>
-            <a:r>
-              <a:rPr lang="en-US" dirty="0" err="1"/>
-              <a:t>Componets</a:t>
-            </a:r>
-            <a:endParaRPr lang="en-US" dirty="0"/>
+              <a:t>Master Components</a:t>
+            </a:r>
           </a:p>
         </p:txBody>
       </p:sp>
@@ -8424,14 +8857,14 @@
       </p:sp>
       <p:sp>
         <p:nvSpPr>
-          <p:cNvPr id="62" name="TextBox 61"/>
+          <p:cNvPr id="63" name="TextBox 62"/>
           <p:cNvSpPr txBox="1"/>
           <p:nvPr/>
         </p:nvSpPr>
         <p:spPr>
-          <a:xfrm rot="1682879">
-            <a:off x="8872549" y="4428672"/>
-            <a:ext cx="856943" cy="338554"/>
+          <a:xfrm rot="20168234">
+            <a:off x="3178527" y="3937192"/>
+            <a:ext cx="1132339" cy="307777"/>
           </a:xfrm>
           <a:prstGeom prst="rect">
             <a:avLst/>
@@ -8447,92 +8880,12 @@
           <a:lstStyle/>
           <a:p>
             <a:r>
-              <a:rPr lang="en-US" sz="1600" dirty="0" err="1">
+              <a:rPr lang="en-US" sz="1400" dirty="0" err="1">
                 <a:solidFill>
                   <a:schemeClr val="bg1"/>
                 </a:solidFill>
               </a:rPr>
-              <a:t>Docker</a:t>
-            </a:r>
-            <a:endParaRPr lang="en-US" sz="1600" dirty="0">
-              <a:solidFill>
-                <a:schemeClr val="bg1"/>
-              </a:solidFill>
-            </a:endParaRPr>
-          </a:p>
-        </p:txBody>
-      </p:sp>
-      <p:sp>
-        <p:nvSpPr>
-          <p:cNvPr id="63" name="TextBox 62"/>
-          <p:cNvSpPr txBox="1"/>
-          <p:nvPr/>
-        </p:nvSpPr>
-        <p:spPr>
-          <a:xfrm rot="20168234">
-            <a:off x="3438499" y="3867715"/>
-            <a:ext cx="856943" cy="338554"/>
-          </a:xfrm>
-          <a:prstGeom prst="rect">
-            <a:avLst/>
-          </a:prstGeom>
-          <a:solidFill>
-            <a:srgbClr val="00B0F0"/>
-          </a:solidFill>
-        </p:spPr>
-        <p:txBody>
-          <a:bodyPr wrap="square" rtlCol="0">
-            <a:spAutoFit/>
-          </a:bodyPr>
-          <a:lstStyle/>
-          <a:p>
-            <a:r>
-              <a:rPr lang="en-US" sz="1600" dirty="0" err="1">
-                <a:solidFill>
-                  <a:schemeClr val="bg1"/>
-                </a:solidFill>
-              </a:rPr>
-              <a:t>Docker</a:t>
-            </a:r>
-            <a:endParaRPr lang="en-US" sz="1600" dirty="0">
-              <a:solidFill>
-                <a:schemeClr val="bg1"/>
-              </a:solidFill>
-            </a:endParaRPr>
-          </a:p>
-        </p:txBody>
-      </p:sp>
-      <p:sp>
-        <p:nvSpPr>
-          <p:cNvPr id="64" name="TextBox 63"/>
-          <p:cNvSpPr txBox="1"/>
-          <p:nvPr/>
-        </p:nvSpPr>
-        <p:spPr>
-          <a:xfrm>
-            <a:off x="6111597" y="6361207"/>
-            <a:ext cx="856943" cy="307777"/>
-          </a:xfrm>
-          <a:prstGeom prst="rect">
-            <a:avLst/>
-          </a:prstGeom>
-          <a:solidFill>
-            <a:srgbClr val="00B0F0"/>
-          </a:solidFill>
-        </p:spPr>
-        <p:txBody>
-          <a:bodyPr wrap="square" rtlCol="0">
-            <a:spAutoFit/>
-          </a:bodyPr>
-          <a:lstStyle/>
-          <a:p>
-            <a:r>
-              <a:rPr lang="en-US" sz="1400" dirty="0" err="1">
-                <a:solidFill>
-                  <a:schemeClr val="bg1"/>
-                </a:solidFill>
-              </a:rPr>
-              <a:t>Docker</a:t>
+              <a:t>containerd</a:t>
             </a:r>
             <a:endParaRPr lang="en-US" sz="1400" dirty="0">
               <a:solidFill>
@@ -9223,6 +9576,98 @@
               <a:rPr lang="en-US" sz="1200" dirty="0"/>
               <a:t>-controller-manager</a:t>
             </a:r>
+          </a:p>
+        </p:txBody>
+      </p:sp>
+      <p:sp>
+        <p:nvSpPr>
+          <p:cNvPr id="75" name="TextBox 74">
+            <a:extLst>
+              <a:ext uri="{FF2B5EF4-FFF2-40B4-BE49-F238E27FC236}">
+                <a16:creationId xmlns:a16="http://schemas.microsoft.com/office/drawing/2014/main" id="{0A6254B8-EF33-7E44-91A0-354897843B79}"/>
+              </a:ext>
+            </a:extLst>
+          </p:cNvPr>
+          <p:cNvSpPr txBox="1"/>
+          <p:nvPr/>
+        </p:nvSpPr>
+        <p:spPr>
+          <a:xfrm>
+            <a:off x="5776803" y="6336063"/>
+            <a:ext cx="1130893" cy="307777"/>
+          </a:xfrm>
+          <a:prstGeom prst="rect">
+            <a:avLst/>
+          </a:prstGeom>
+          <a:solidFill>
+            <a:srgbClr val="00B0F0"/>
+          </a:solidFill>
+        </p:spPr>
+        <p:txBody>
+          <a:bodyPr wrap="square" rtlCol="0">
+            <a:spAutoFit/>
+          </a:bodyPr>
+          <a:lstStyle/>
+          <a:p>
+            <a:r>
+              <a:rPr lang="en-US" sz="1400" dirty="0" err="1">
+                <a:solidFill>
+                  <a:schemeClr val="bg1"/>
+                </a:solidFill>
+              </a:rPr>
+              <a:t>containerd</a:t>
+            </a:r>
+            <a:endParaRPr lang="en-US" sz="1400" dirty="0">
+              <a:solidFill>
+                <a:schemeClr val="bg1"/>
+              </a:solidFill>
+            </a:endParaRPr>
+          </a:p>
+        </p:txBody>
+      </p:sp>
+      <p:sp>
+        <p:nvSpPr>
+          <p:cNvPr id="76" name="TextBox 75">
+            <a:extLst>
+              <a:ext uri="{FF2B5EF4-FFF2-40B4-BE49-F238E27FC236}">
+                <a16:creationId xmlns:a16="http://schemas.microsoft.com/office/drawing/2014/main" id="{C69E06CB-A2C4-3B4D-BEFC-C6D16C956AA4}"/>
+              </a:ext>
+            </a:extLst>
+          </p:cNvPr>
+          <p:cNvSpPr txBox="1"/>
+          <p:nvPr/>
+        </p:nvSpPr>
+        <p:spPr>
+          <a:xfrm rot="1629606">
+            <a:off x="8677247" y="4408735"/>
+            <a:ext cx="1076762" cy="307777"/>
+          </a:xfrm>
+          <a:prstGeom prst="rect">
+            <a:avLst/>
+          </a:prstGeom>
+          <a:solidFill>
+            <a:srgbClr val="00B0F0"/>
+          </a:solidFill>
+        </p:spPr>
+        <p:txBody>
+          <a:bodyPr wrap="square" rtlCol="0">
+            <a:spAutoFit/>
+          </a:bodyPr>
+          <a:lstStyle/>
+          <a:p>
+            <a:r>
+              <a:rPr lang="en-US" sz="1400" dirty="0" err="1">
+                <a:solidFill>
+                  <a:schemeClr val="bg1"/>
+                </a:solidFill>
+              </a:rPr>
+              <a:t>containerd</a:t>
+            </a:r>
+            <a:endParaRPr lang="en-US" sz="1400" dirty="0">
+              <a:solidFill>
+                <a:schemeClr val="bg1"/>
+              </a:solidFill>
+            </a:endParaRPr>
           </a:p>
         </p:txBody>
       </p:sp>
@@ -9322,8 +9767,8 @@
         </p:nvSpPr>
         <p:spPr>
           <a:xfrm>
-            <a:off x="838200" y="2715108"/>
-            <a:ext cx="10515600" cy="891071"/>
+            <a:off x="705035" y="2722527"/>
+            <a:ext cx="10515600" cy="1289289"/>
           </a:xfrm>
           <a:prstGeom prst="rect">
             <a:avLst/>
@@ -9331,7 +9776,7 @@
         </p:spPr>
         <p:txBody>
           <a:bodyPr vert="horz" lIns="91440" tIns="45720" rIns="91440" bIns="45720" rtlCol="0">
-            <a:normAutofit fontScale="92500"/>
+            <a:normAutofit fontScale="70000" lnSpcReduction="20000"/>
           </a:bodyPr>
           <a:lstStyle>
             <a:lvl1pPr marL="228600" indent="-228600" algn="l" defTabSz="914400" rtl="0" eaLnBrk="1" latinLnBrk="0" hangingPunct="1">
@@ -9498,41 +9943,26 @@
             </a:lvl9pPr>
           </a:lstStyle>
           <a:p>
-            <a:r>
-              <a:rPr lang="en-US" b="1" dirty="0"/>
-              <a:t>Container Runtime </a:t>
-            </a:r>
-            <a:r>
-              <a:rPr lang="en-US" dirty="0"/>
-              <a:t>-  is the software that is responsible for running containers. </a:t>
-            </a:r>
-            <a:r>
-              <a:rPr lang="en-US" dirty="0" err="1"/>
-              <a:t>Kubernetes</a:t>
-            </a:r>
-            <a:r>
-              <a:rPr lang="en-US" dirty="0"/>
-              <a:t> supports two runtimes: </a:t>
-            </a:r>
-            <a:r>
-              <a:rPr lang="en-US" u="sng" dirty="0" err="1">
-                <a:hlinkClick r:id="rId2"/>
-              </a:rPr>
-              <a:t>Docker</a:t>
-            </a:r>
-            <a:r>
-              <a:rPr lang="en-US" dirty="0"/>
-              <a:t> and </a:t>
-            </a:r>
-            <a:r>
-              <a:rPr lang="en-US" u="sng" dirty="0" err="1">
-                <a:hlinkClick r:id="rId3"/>
-              </a:rPr>
-              <a:t>rkt</a:t>
-            </a:r>
-            <a:r>
-              <a:rPr lang="en-US" dirty="0"/>
-              <a:t>.</a:t>
+            <a:pPr>
+              <a:lnSpc>
+                <a:spcPct val="110000"/>
+              </a:lnSpc>
+            </a:pPr>
+            <a:r>
+              <a:rPr lang="en-US" sz="4000" b="1" dirty="0"/>
+              <a:t>Container Runtime</a:t>
+            </a:r>
+            <a:r>
+              <a:rPr lang="en-US" sz="4000" dirty="0"/>
+              <a:t> -  is the software that is responsible for running containers. Kubernetes supports some runtimes: </a:t>
+            </a:r>
+            <a:r>
+              <a:rPr lang="en-US" sz="4000" dirty="0" err="1"/>
+              <a:t>containerd</a:t>
+            </a:r>
+            <a:r>
+              <a:rPr lang="en-US" sz="4000" dirty="0"/>
+              <a:t>, CRI-O, Docker</a:t>
             </a:r>
           </a:p>
           <a:p>
@@ -9550,8 +9980,8 @@
         </p:nvSpPr>
         <p:spPr>
           <a:xfrm>
-            <a:off x="838200" y="3603003"/>
-            <a:ext cx="10515600" cy="891071"/>
+            <a:off x="705035" y="4118744"/>
+            <a:ext cx="10515600" cy="1289289"/>
           </a:xfrm>
           <a:prstGeom prst="rect">
             <a:avLst/>
@@ -9559,7 +9989,7 @@
         </p:spPr>
         <p:txBody>
           <a:bodyPr vert="horz" lIns="91440" tIns="45720" rIns="91440" bIns="45720" rtlCol="0">
-            <a:normAutofit fontScale="85000" lnSpcReduction="10000"/>
+            <a:normAutofit/>
           </a:bodyPr>
           <a:lstStyle>
             <a:lvl1pPr marL="228600" indent="-228600" algn="l" defTabSz="914400" rtl="0" eaLnBrk="1" latinLnBrk="0" hangingPunct="1">
@@ -11440,7 +11870,7 @@
               </a:lnSpc>
             </a:pPr>
             <a:r>
-              <a:rPr lang="en-US" sz="1600" b="1" strike="noStrike" spc="-1">
+              <a:rPr lang="en-US" sz="1600" b="1" spc="-1" dirty="0" err="1">
                 <a:solidFill>
                   <a:srgbClr val="008080"/>
                 </a:solidFill>
@@ -11450,14 +11880,13 @@
                   </a:solidFill>
                 </a:uFill>
                 <a:latin typeface="Roboto Mono"/>
-                <a:ea typeface="DejaVu Sans"/>
               </a:rPr>
               <a:t>apiVersion</a:t>
             </a:r>
             <a:r>
-              <a:rPr lang="en-US" sz="1600" b="1" strike="noStrike" spc="-1">
-                <a:solidFill>
-                  <a:srgbClr val="303030"/>
+              <a:rPr lang="en-US" sz="1600" b="1" spc="-1" dirty="0">
+                <a:solidFill>
+                  <a:srgbClr val="008080"/>
                 </a:solidFill>
                 <a:uFill>
                   <a:solidFill>
@@ -11465,14 +11894,20 @@
                   </a:solidFill>
                 </a:uFill>
                 <a:latin typeface="Roboto Mono"/>
-                <a:ea typeface="DejaVu Sans"/>
-              </a:rPr>
-              <a:t>: </a:t>
-            </a:r>
-            <a:r>
-              <a:rPr lang="en-US" sz="1600" b="1" strike="noStrike" spc="-1">
-                <a:solidFill>
-                  <a:srgbClr val="DD1144"/>
+              </a:rPr>
+              <a:t>: v1</a:t>
+            </a:r>
+          </a:p>
+          <a:p>
+            <a:pPr>
+              <a:lnSpc>
+                <a:spcPct val="100000"/>
+              </a:lnSpc>
+            </a:pPr>
+            <a:r>
+              <a:rPr lang="en-US" sz="1600" b="1" spc="-1" dirty="0">
+                <a:solidFill>
+                  <a:srgbClr val="008080"/>
                 </a:solidFill>
                 <a:uFill>
                   <a:solidFill>
@@ -11480,14 +11915,20 @@
                   </a:solidFill>
                 </a:uFill>
                 <a:latin typeface="Roboto Mono"/>
-                <a:ea typeface="DejaVu Sans"/>
-              </a:rPr>
-              <a:t>v1</a:t>
-            </a:r>
-            <a:r>
-              <a:rPr lang="en-US" sz="1600" b="1" strike="noStrike" spc="-1">
-                <a:solidFill>
-                  <a:srgbClr val="303030"/>
+              </a:rPr>
+              <a:t>kind: Pod</a:t>
+            </a:r>
+          </a:p>
+          <a:p>
+            <a:pPr>
+              <a:lnSpc>
+                <a:spcPct val="100000"/>
+              </a:lnSpc>
+            </a:pPr>
+            <a:r>
+              <a:rPr lang="en-US" sz="1600" b="1" spc="-1" dirty="0">
+                <a:solidFill>
+                  <a:srgbClr val="008080"/>
                 </a:solidFill>
                 <a:uFill>
                   <a:solidFill>
@@ -11495,21 +11936,9 @@
                   </a:solidFill>
                 </a:uFill>
                 <a:latin typeface="Roboto Mono"/>
-                <a:ea typeface="DejaVu Sans"/>
-              </a:rPr>
-              <a:t> </a:t>
-            </a:r>
-            <a:endParaRPr lang="en-US" sz="1800" b="0" strike="noStrike" spc="-1">
-              <a:solidFill>
-                <a:srgbClr val="000000"/>
-              </a:solidFill>
-              <a:uFill>
-                <a:solidFill>
-                  <a:srgbClr val="FFFFFF"/>
-                </a:solidFill>
-              </a:uFill>
-              <a:latin typeface="Arial"/>
-            </a:endParaRPr>
+              </a:rPr>
+              <a:t>metadata:</a:t>
+            </a:r>
           </a:p>
           <a:p>
             <a:pPr>
@@ -11518,7 +11947,7 @@
               </a:lnSpc>
             </a:pPr>
             <a:r>
-              <a:rPr lang="en-US" sz="1600" b="1" strike="noStrike" spc="-1">
+              <a:rPr lang="en-US" sz="1600" b="1" spc="-1" dirty="0">
                 <a:solidFill>
                   <a:srgbClr val="008080"/>
                 </a:solidFill>
@@ -11528,14 +11957,20 @@
                   </a:solidFill>
                 </a:uFill>
                 <a:latin typeface="Roboto Mono"/>
-                <a:ea typeface="DejaVu Sans"/>
-              </a:rPr>
-              <a:t>kind</a:t>
-            </a:r>
-            <a:r>
-              <a:rPr lang="en-US" sz="1600" b="1" strike="noStrike" spc="-1">
-                <a:solidFill>
-                  <a:srgbClr val="303030"/>
+              </a:rPr>
+              <a:t>  name: static-web</a:t>
+            </a:r>
+          </a:p>
+          <a:p>
+            <a:pPr>
+              <a:lnSpc>
+                <a:spcPct val="100000"/>
+              </a:lnSpc>
+            </a:pPr>
+            <a:r>
+              <a:rPr lang="en-US" sz="1600" b="1" spc="-1" dirty="0">
+                <a:solidFill>
+                  <a:srgbClr val="008080"/>
                 </a:solidFill>
                 <a:uFill>
                   <a:solidFill>
@@ -11543,14 +11978,20 @@
                   </a:solidFill>
                 </a:uFill>
                 <a:latin typeface="Roboto Mono"/>
-                <a:ea typeface="DejaVu Sans"/>
-              </a:rPr>
-              <a:t>: </a:t>
-            </a:r>
-            <a:r>
-              <a:rPr lang="en-US" sz="1600" b="1" strike="noStrike" spc="-1">
-                <a:solidFill>
-                  <a:srgbClr val="DD1144"/>
+              </a:rPr>
+              <a:t>  labels:</a:t>
+            </a:r>
+          </a:p>
+          <a:p>
+            <a:pPr>
+              <a:lnSpc>
+                <a:spcPct val="100000"/>
+              </a:lnSpc>
+            </a:pPr>
+            <a:r>
+              <a:rPr lang="en-US" sz="1600" b="1" spc="-1" dirty="0">
+                <a:solidFill>
+                  <a:srgbClr val="008080"/>
                 </a:solidFill>
                 <a:uFill>
                   <a:solidFill>
@@ -11558,14 +11999,13 @@
                   </a:solidFill>
                 </a:uFill>
                 <a:latin typeface="Roboto Mono"/>
-                <a:ea typeface="DejaVu Sans"/>
-              </a:rPr>
-              <a:t>Pod</a:t>
-            </a:r>
-            <a:r>
-              <a:rPr lang="en-US" sz="1600" b="1" strike="noStrike" spc="-1">
-                <a:solidFill>
-                  <a:srgbClr val="303030"/>
+              </a:rPr>
+              <a:t>    role: </a:t>
+            </a:r>
+            <a:r>
+              <a:rPr lang="en-US" sz="1600" b="1" spc="-1" dirty="0" err="1">
+                <a:solidFill>
+                  <a:srgbClr val="008080"/>
                 </a:solidFill>
                 <a:uFill>
                   <a:solidFill>
@@ -11573,20 +12013,19 @@
                   </a:solidFill>
                 </a:uFill>
                 <a:latin typeface="Roboto Mono"/>
-                <a:ea typeface="DejaVu Sans"/>
-              </a:rPr>
-              <a:t> </a:t>
-            </a:r>
-            <a:endParaRPr lang="en-US" sz="1800" b="0" strike="noStrike" spc="-1">
+              </a:rPr>
+              <a:t>myrole</a:t>
+            </a:r>
+            <a:endParaRPr lang="en-US" sz="1600" b="1" spc="-1" dirty="0">
               <a:solidFill>
-                <a:srgbClr val="000000"/>
+                <a:srgbClr val="008080"/>
               </a:solidFill>
               <a:uFill>
                 <a:solidFill>
                   <a:srgbClr val="FFFFFF"/>
                 </a:solidFill>
               </a:uFill>
-              <a:latin typeface="Arial"/>
+              <a:latin typeface="Roboto Mono"/>
             </a:endParaRPr>
           </a:p>
           <a:p>
@@ -11596,9 +12035,9 @@
               </a:lnSpc>
             </a:pPr>
             <a:r>
-              <a:rPr lang="en-US" sz="1600" b="1" strike="noStrike" spc="-1">
-                <a:solidFill>
-                  <a:srgbClr val="303030"/>
+              <a:rPr lang="en-US" sz="1600" b="1" spc="-1" dirty="0">
+                <a:solidFill>
+                  <a:srgbClr val="008080"/>
                 </a:solidFill>
                 <a:uFill>
                   <a:solidFill>
@@ -11606,12 +12045,18 @@
                   </a:solidFill>
                 </a:uFill>
                 <a:latin typeface="Roboto Mono"/>
-                <a:ea typeface="DejaVu Sans"/>
-              </a:rPr>
-              <a:t>  </a:t>
-            </a:r>
-            <a:r>
-              <a:rPr lang="en-US" sz="1600" b="1" strike="noStrike" spc="-1">
+              </a:rPr>
+              <a:t>spec:</a:t>
+            </a:r>
+          </a:p>
+          <a:p>
+            <a:pPr>
+              <a:lnSpc>
+                <a:spcPct val="100000"/>
+              </a:lnSpc>
+            </a:pPr>
+            <a:r>
+              <a:rPr lang="en-US" sz="1600" b="1" spc="-1" dirty="0">
                 <a:solidFill>
                   <a:srgbClr val="008080"/>
                 </a:solidFill>
@@ -11621,14 +12066,20 @@
                   </a:solidFill>
                 </a:uFill>
                 <a:latin typeface="Roboto Mono"/>
-                <a:ea typeface="DejaVu Sans"/>
-              </a:rPr>
-              <a:t>metadata</a:t>
-            </a:r>
-            <a:r>
-              <a:rPr lang="en-US" sz="1600" b="1" strike="noStrike" spc="-1">
-                <a:solidFill>
-                  <a:srgbClr val="303030"/>
+              </a:rPr>
+              <a:t>  containers:</a:t>
+            </a:r>
+          </a:p>
+          <a:p>
+            <a:pPr>
+              <a:lnSpc>
+                <a:spcPct val="100000"/>
+              </a:lnSpc>
+            </a:pPr>
+            <a:r>
+              <a:rPr lang="en-US" sz="1600" b="1" spc="-1" dirty="0">
+                <a:solidFill>
+                  <a:srgbClr val="008080"/>
                 </a:solidFill>
                 <a:uFill>
                   <a:solidFill>
@@ -11636,21 +12087,9 @@
                   </a:solidFill>
                 </a:uFill>
                 <a:latin typeface="Roboto Mono"/>
-                <a:ea typeface="DejaVu Sans"/>
-              </a:rPr>
-              <a:t>: </a:t>
-            </a:r>
-            <a:endParaRPr lang="en-US" sz="1800" b="0" strike="noStrike" spc="-1">
-              <a:solidFill>
-                <a:srgbClr val="000000"/>
-              </a:solidFill>
-              <a:uFill>
-                <a:solidFill>
-                  <a:srgbClr val="FFFFFF"/>
-                </a:solidFill>
-              </a:uFill>
-              <a:latin typeface="Arial"/>
-            </a:endParaRPr>
+              </a:rPr>
+              <a:t>    - name: web</a:t>
+            </a:r>
           </a:p>
           <a:p>
             <a:pPr>
@@ -11659,9 +12098,9 @@
               </a:lnSpc>
             </a:pPr>
             <a:r>
-              <a:rPr lang="en-US" sz="1600" b="1" strike="noStrike" spc="-1">
-                <a:solidFill>
-                  <a:srgbClr val="303030"/>
+              <a:rPr lang="en-US" sz="1600" b="1" spc="-1" dirty="0">
+                <a:solidFill>
+                  <a:srgbClr val="008080"/>
                 </a:solidFill>
                 <a:uFill>
                   <a:solidFill>
@@ -11669,12 +12108,11 @@
                   </a:solidFill>
                 </a:uFill>
                 <a:latin typeface="Roboto Mono"/>
-                <a:ea typeface="DejaVu Sans"/>
-              </a:rPr>
-              <a:t>    </a:t>
-            </a:r>
-            <a:r>
-              <a:rPr lang="en-US" sz="1600" b="1" strike="noStrike" spc="-1">
+              </a:rPr>
+              <a:t>      image: </a:t>
+            </a:r>
+            <a:r>
+              <a:rPr lang="en-US" sz="1600" b="1" spc="-1" dirty="0" err="1">
                 <a:solidFill>
                   <a:srgbClr val="008080"/>
                 </a:solidFill>
@@ -11684,797 +12122,10 @@
                   </a:solidFill>
                 </a:uFill>
                 <a:latin typeface="Roboto Mono"/>
-                <a:ea typeface="DejaVu Sans"/>
-              </a:rPr>
-              <a:t>name</a:t>
-            </a:r>
-            <a:r>
-              <a:rPr lang="en-US" sz="1600" b="1" strike="noStrike" spc="-1">
-                <a:solidFill>
-                  <a:srgbClr val="303030"/>
-                </a:solidFill>
-                <a:uFill>
-                  <a:solidFill>
-                    <a:srgbClr val="FFFFFF"/>
-                  </a:solidFill>
-                </a:uFill>
-                <a:latin typeface="Roboto Mono"/>
-                <a:ea typeface="DejaVu Sans"/>
-              </a:rPr>
-              <a:t>: </a:t>
-            </a:r>
-            <a:r>
-              <a:rPr lang="en-US" sz="1600" b="1" strike="noStrike" spc="-1">
-                <a:solidFill>
-                  <a:srgbClr val="DD1144"/>
-                </a:solidFill>
-                <a:uFill>
-                  <a:solidFill>
-                    <a:srgbClr val="FFFFFF"/>
-                  </a:solidFill>
-                </a:uFill>
-                <a:latin typeface="Roboto Mono"/>
-                <a:ea typeface="DejaVu Sans"/>
-              </a:rPr>
-              <a:t>myapp-pod</a:t>
-            </a:r>
-            <a:r>
-              <a:rPr lang="en-US" sz="1600" b="1" strike="noStrike" spc="-1">
-                <a:solidFill>
-                  <a:srgbClr val="303030"/>
-                </a:solidFill>
-                <a:uFill>
-                  <a:solidFill>
-                    <a:srgbClr val="FFFFFF"/>
-                  </a:solidFill>
-                </a:uFill>
-                <a:latin typeface="Roboto Mono"/>
-                <a:ea typeface="DejaVu Sans"/>
-              </a:rPr>
-              <a:t> </a:t>
-            </a:r>
-            <a:endParaRPr lang="en-US" sz="1800" b="0" strike="noStrike" spc="-1">
-              <a:solidFill>
-                <a:srgbClr val="000000"/>
-              </a:solidFill>
-              <a:uFill>
-                <a:solidFill>
-                  <a:srgbClr val="FFFFFF"/>
-                </a:solidFill>
-              </a:uFill>
-              <a:latin typeface="Arial"/>
-            </a:endParaRPr>
-          </a:p>
-          <a:p>
-            <a:pPr>
-              <a:lnSpc>
-                <a:spcPct val="100000"/>
-              </a:lnSpc>
-            </a:pPr>
-            <a:r>
-              <a:rPr lang="en-US" sz="1600" b="1" strike="noStrike" spc="-1">
-                <a:solidFill>
-                  <a:srgbClr val="303030"/>
-                </a:solidFill>
-                <a:uFill>
-                  <a:solidFill>
-                    <a:srgbClr val="FFFFFF"/>
-                  </a:solidFill>
-                </a:uFill>
-                <a:latin typeface="Roboto Mono"/>
-                <a:ea typeface="DejaVu Sans"/>
-              </a:rPr>
-              <a:t>    </a:t>
-            </a:r>
-            <a:r>
-              <a:rPr lang="en-US" sz="1600" b="1" strike="noStrike" spc="-1">
-                <a:solidFill>
-                  <a:srgbClr val="008080"/>
-                </a:solidFill>
-                <a:uFill>
-                  <a:solidFill>
-                    <a:srgbClr val="FFFFFF"/>
-                  </a:solidFill>
-                </a:uFill>
-                <a:latin typeface="Roboto Mono"/>
-                <a:ea typeface="DejaVu Sans"/>
-              </a:rPr>
-              <a:t>labels</a:t>
-            </a:r>
-            <a:r>
-              <a:rPr lang="en-US" sz="1600" b="1" strike="noStrike" spc="-1">
-                <a:solidFill>
-                  <a:srgbClr val="303030"/>
-                </a:solidFill>
-                <a:uFill>
-                  <a:solidFill>
-                    <a:srgbClr val="FFFFFF"/>
-                  </a:solidFill>
-                </a:uFill>
-                <a:latin typeface="Roboto Mono"/>
-                <a:ea typeface="DejaVu Sans"/>
-              </a:rPr>
-              <a:t>: </a:t>
-            </a:r>
-            <a:r>
-              <a:rPr lang="en-US" sz="1600" b="1" strike="noStrike" spc="-1">
-                <a:solidFill>
-                  <a:srgbClr val="008080"/>
-                </a:solidFill>
-                <a:uFill>
-                  <a:solidFill>
-                    <a:srgbClr val="FFFFFF"/>
-                  </a:solidFill>
-                </a:uFill>
-                <a:latin typeface="Roboto Mono"/>
-                <a:ea typeface="DejaVu Sans"/>
-              </a:rPr>
-              <a:t>app</a:t>
-            </a:r>
-            <a:r>
-              <a:rPr lang="en-US" sz="1600" b="1" strike="noStrike" spc="-1">
-                <a:solidFill>
-                  <a:srgbClr val="303030"/>
-                </a:solidFill>
-                <a:uFill>
-                  <a:solidFill>
-                    <a:srgbClr val="FFFFFF"/>
-                  </a:solidFill>
-                </a:uFill>
-                <a:latin typeface="Roboto Mono"/>
-                <a:ea typeface="DejaVu Sans"/>
-              </a:rPr>
-              <a:t>: </a:t>
-            </a:r>
-            <a:r>
-              <a:rPr lang="en-US" sz="1600" b="1" strike="noStrike" spc="-1">
-                <a:solidFill>
-                  <a:srgbClr val="DD1144"/>
-                </a:solidFill>
-                <a:uFill>
-                  <a:solidFill>
-                    <a:srgbClr val="FFFFFF"/>
-                  </a:solidFill>
-                </a:uFill>
-                <a:latin typeface="Roboto Mono"/>
-                <a:ea typeface="DejaVu Sans"/>
-              </a:rPr>
-              <a:t>myapp</a:t>
-            </a:r>
-            <a:r>
-              <a:rPr lang="en-US" sz="1600" b="1" strike="noStrike" spc="-1">
-                <a:solidFill>
-                  <a:srgbClr val="303030"/>
-                </a:solidFill>
-                <a:uFill>
-                  <a:solidFill>
-                    <a:srgbClr val="FFFFFF"/>
-                  </a:solidFill>
-                </a:uFill>
-                <a:latin typeface="Roboto Mono"/>
-                <a:ea typeface="DejaVu Sans"/>
-              </a:rPr>
-              <a:t> </a:t>
-            </a:r>
-            <a:endParaRPr lang="en-US" sz="1800" b="0" strike="noStrike" spc="-1">
-              <a:solidFill>
-                <a:srgbClr val="000000"/>
-              </a:solidFill>
-              <a:uFill>
-                <a:solidFill>
-                  <a:srgbClr val="FFFFFF"/>
-                </a:solidFill>
-              </a:uFill>
-              <a:latin typeface="Arial"/>
-            </a:endParaRPr>
-          </a:p>
-          <a:p>
-            <a:pPr>
-              <a:lnSpc>
-                <a:spcPct val="100000"/>
-              </a:lnSpc>
-            </a:pPr>
-            <a:r>
-              <a:rPr lang="en-US" sz="1600" b="1" strike="noStrike" spc="-1">
-                <a:solidFill>
-                  <a:srgbClr val="008080"/>
-                </a:solidFill>
-                <a:uFill>
-                  <a:solidFill>
-                    <a:srgbClr val="FFFFFF"/>
-                  </a:solidFill>
-                </a:uFill>
-                <a:latin typeface="Roboto Mono"/>
-                <a:ea typeface="DejaVu Sans"/>
-              </a:rPr>
-              <a:t>spec</a:t>
-            </a:r>
-            <a:r>
-              <a:rPr lang="en-US" sz="1600" b="1" strike="noStrike" spc="-1">
-                <a:solidFill>
-                  <a:srgbClr val="303030"/>
-                </a:solidFill>
-                <a:uFill>
-                  <a:solidFill>
-                    <a:srgbClr val="FFFFFF"/>
-                  </a:solidFill>
-                </a:uFill>
-                <a:latin typeface="Roboto Mono"/>
-                <a:ea typeface="DejaVu Sans"/>
-              </a:rPr>
-              <a:t>: </a:t>
-            </a:r>
-            <a:endParaRPr lang="en-US" sz="1800" b="0" strike="noStrike" spc="-1">
-              <a:solidFill>
-                <a:srgbClr val="000000"/>
-              </a:solidFill>
-              <a:uFill>
-                <a:solidFill>
-                  <a:srgbClr val="FFFFFF"/>
-                </a:solidFill>
-              </a:uFill>
-              <a:latin typeface="Arial"/>
-            </a:endParaRPr>
-          </a:p>
-          <a:p>
-            <a:pPr>
-              <a:lnSpc>
-                <a:spcPct val="100000"/>
-              </a:lnSpc>
-            </a:pPr>
-            <a:r>
-              <a:rPr lang="en-US" sz="1600" b="1" strike="noStrike" spc="-1">
-                <a:solidFill>
-                  <a:srgbClr val="303030"/>
-                </a:solidFill>
-                <a:uFill>
-                  <a:solidFill>
-                    <a:srgbClr val="FFFFFF"/>
-                  </a:solidFill>
-                </a:uFill>
-                <a:latin typeface="Roboto Mono"/>
-                <a:ea typeface="DejaVu Sans"/>
-              </a:rPr>
-              <a:t>  </a:t>
-            </a:r>
-            <a:r>
-              <a:rPr lang="en-US" sz="1600" b="1" strike="noStrike" spc="-1">
-                <a:solidFill>
-                  <a:srgbClr val="008080"/>
-                </a:solidFill>
-                <a:uFill>
-                  <a:solidFill>
-                    <a:srgbClr val="FFFFFF"/>
-                  </a:solidFill>
-                </a:uFill>
-                <a:latin typeface="Roboto Mono"/>
-                <a:ea typeface="DejaVu Sans"/>
-              </a:rPr>
-              <a:t>containers</a:t>
-            </a:r>
-            <a:r>
-              <a:rPr lang="en-US" sz="1600" b="1" strike="noStrike" spc="-1">
-                <a:solidFill>
-                  <a:srgbClr val="303030"/>
-                </a:solidFill>
-                <a:uFill>
-                  <a:solidFill>
-                    <a:srgbClr val="FFFFFF"/>
-                  </a:solidFill>
-                </a:uFill>
-                <a:latin typeface="Roboto Mono"/>
-                <a:ea typeface="DejaVu Sans"/>
-              </a:rPr>
-              <a:t>: </a:t>
-            </a:r>
-            <a:endParaRPr lang="en-US" sz="1800" b="0" strike="noStrike" spc="-1">
-              <a:solidFill>
-                <a:srgbClr val="000000"/>
-              </a:solidFill>
-              <a:uFill>
-                <a:solidFill>
-                  <a:srgbClr val="FFFFFF"/>
-                </a:solidFill>
-              </a:uFill>
-              <a:latin typeface="Arial"/>
-            </a:endParaRPr>
-          </a:p>
-          <a:p>
-            <a:pPr>
-              <a:lnSpc>
-                <a:spcPct val="100000"/>
-              </a:lnSpc>
-            </a:pPr>
-            <a:r>
-              <a:rPr lang="en-US" sz="1600" b="1" strike="noStrike" spc="-1">
-                <a:solidFill>
-                  <a:srgbClr val="303030"/>
-                </a:solidFill>
-                <a:uFill>
-                  <a:solidFill>
-                    <a:srgbClr val="FFFFFF"/>
-                  </a:solidFill>
-                </a:uFill>
-                <a:latin typeface="Roboto Mono"/>
-                <a:ea typeface="DejaVu Sans"/>
-              </a:rPr>
-              <a:t>  - </a:t>
-            </a:r>
-            <a:r>
-              <a:rPr lang="en-US" sz="1600" b="1" strike="noStrike" spc="-1">
-                <a:solidFill>
-                  <a:srgbClr val="008080"/>
-                </a:solidFill>
-                <a:uFill>
-                  <a:solidFill>
-                    <a:srgbClr val="FFFFFF"/>
-                  </a:solidFill>
-                </a:uFill>
-                <a:latin typeface="Roboto Mono"/>
-                <a:ea typeface="DejaVu Sans"/>
-              </a:rPr>
-              <a:t>name</a:t>
-            </a:r>
-            <a:r>
-              <a:rPr lang="en-US" sz="1600" b="1" strike="noStrike" spc="-1">
-                <a:solidFill>
-                  <a:srgbClr val="303030"/>
-                </a:solidFill>
-                <a:uFill>
-                  <a:solidFill>
-                    <a:srgbClr val="FFFFFF"/>
-                  </a:solidFill>
-                </a:uFill>
-                <a:latin typeface="Roboto Mono"/>
-                <a:ea typeface="DejaVu Sans"/>
-              </a:rPr>
-              <a:t>: </a:t>
-            </a:r>
-            <a:r>
-              <a:rPr lang="en-US" sz="1600" b="1" strike="noStrike" spc="-1">
-                <a:solidFill>
-                  <a:srgbClr val="DD1144"/>
-                </a:solidFill>
-                <a:uFill>
-                  <a:solidFill>
-                    <a:srgbClr val="FFFFFF"/>
-                  </a:solidFill>
-                </a:uFill>
-                <a:latin typeface="Roboto Mono"/>
-                <a:ea typeface="DejaVu Sans"/>
-              </a:rPr>
-              <a:t>myapp-container</a:t>
-            </a:r>
-            <a:endParaRPr lang="en-US" sz="1800" b="0" strike="noStrike" spc="-1">
-              <a:solidFill>
-                <a:srgbClr val="000000"/>
-              </a:solidFill>
-              <a:uFill>
-                <a:solidFill>
-                  <a:srgbClr val="FFFFFF"/>
-                </a:solidFill>
-              </a:uFill>
-              <a:latin typeface="Arial"/>
-            </a:endParaRPr>
-          </a:p>
-          <a:p>
-            <a:pPr>
-              <a:lnSpc>
-                <a:spcPct val="100000"/>
-              </a:lnSpc>
-            </a:pPr>
-            <a:r>
-              <a:rPr lang="en-US" sz="1600" b="1" strike="noStrike" spc="-1">
-                <a:solidFill>
-                  <a:srgbClr val="DD1144"/>
-                </a:solidFill>
-                <a:uFill>
-                  <a:solidFill>
-                    <a:srgbClr val="FFFFFF"/>
-                  </a:solidFill>
-                </a:uFill>
-                <a:latin typeface="Roboto Mono"/>
-                <a:ea typeface="DejaVu Sans"/>
-              </a:rPr>
-              <a:t>    </a:t>
-            </a:r>
-            <a:r>
-              <a:rPr lang="en-US" sz="1600" b="1" strike="noStrike" spc="-1">
-                <a:solidFill>
-                  <a:srgbClr val="008080"/>
-                </a:solidFill>
-                <a:uFill>
-                  <a:solidFill>
-                    <a:srgbClr val="FFFFFF"/>
-                  </a:solidFill>
-                </a:uFill>
-                <a:latin typeface="Roboto Mono"/>
-                <a:ea typeface="DejaVu Sans"/>
-              </a:rPr>
-              <a:t>image</a:t>
-            </a:r>
-            <a:r>
-              <a:rPr lang="en-US" sz="1600" b="1" strike="noStrike" spc="-1">
-                <a:solidFill>
-                  <a:srgbClr val="303030"/>
-                </a:solidFill>
-                <a:uFill>
-                  <a:solidFill>
-                    <a:srgbClr val="FFFFFF"/>
-                  </a:solidFill>
-                </a:uFill>
-                <a:latin typeface="Roboto Mono"/>
-                <a:ea typeface="DejaVu Sans"/>
-              </a:rPr>
-              <a:t>: </a:t>
-            </a:r>
-            <a:r>
-              <a:rPr lang="en-US" sz="1600" b="1" strike="noStrike" spc="-1">
-                <a:solidFill>
-                  <a:srgbClr val="DD1144"/>
-                </a:solidFill>
-                <a:uFill>
-                  <a:solidFill>
-                    <a:srgbClr val="FFFFFF"/>
-                  </a:solidFill>
-                </a:uFill>
-                <a:latin typeface="Roboto Mono"/>
-                <a:ea typeface="DejaVu Sans"/>
-              </a:rPr>
-              <a:t>busybox</a:t>
-            </a:r>
-            <a:r>
-              <a:rPr lang="en-US" sz="1600" b="1" strike="noStrike" spc="-1">
-                <a:solidFill>
-                  <a:srgbClr val="303030"/>
-                </a:solidFill>
-                <a:uFill>
-                  <a:solidFill>
-                    <a:srgbClr val="FFFFFF"/>
-                  </a:solidFill>
-                </a:uFill>
-                <a:latin typeface="Roboto Mono"/>
-                <a:ea typeface="DejaVu Sans"/>
-              </a:rPr>
-              <a:t>     </a:t>
-            </a:r>
-            <a:endParaRPr lang="en-US" sz="1800" b="0" strike="noStrike" spc="-1">
-              <a:solidFill>
-                <a:srgbClr val="000000"/>
-              </a:solidFill>
-              <a:uFill>
-                <a:solidFill>
-                  <a:srgbClr val="FFFFFF"/>
-                </a:solidFill>
-              </a:uFill>
-              <a:latin typeface="Arial"/>
-            </a:endParaRPr>
-          </a:p>
-          <a:p>
-            <a:pPr>
-              <a:lnSpc>
-                <a:spcPct val="100000"/>
-              </a:lnSpc>
-            </a:pPr>
-            <a:r>
-              <a:rPr lang="en-US" sz="1600" b="1" strike="noStrike" spc="-1">
-                <a:solidFill>
-                  <a:srgbClr val="303030"/>
-                </a:solidFill>
-                <a:uFill>
-                  <a:solidFill>
-                    <a:srgbClr val="FFFFFF"/>
-                  </a:solidFill>
-                </a:uFill>
-                <a:latin typeface="Roboto Mono"/>
-                <a:ea typeface="DejaVu Sans"/>
-              </a:rPr>
-              <a:t>    </a:t>
-            </a:r>
-            <a:r>
-              <a:rPr lang="en-US" sz="1600" b="1" strike="noStrike" spc="-1">
-                <a:solidFill>
-                  <a:srgbClr val="008080"/>
-                </a:solidFill>
-                <a:uFill>
-                  <a:solidFill>
-                    <a:srgbClr val="FFFFFF"/>
-                  </a:solidFill>
-                </a:uFill>
-                <a:latin typeface="Roboto Mono"/>
-                <a:ea typeface="DejaVu Sans"/>
-              </a:rPr>
-              <a:t>command</a:t>
-            </a:r>
-            <a:r>
-              <a:rPr lang="en-US" sz="1600" b="1" strike="noStrike" spc="-1">
-                <a:solidFill>
-                  <a:srgbClr val="303030"/>
-                </a:solidFill>
-                <a:uFill>
-                  <a:solidFill>
-                    <a:srgbClr val="FFFFFF"/>
-                  </a:solidFill>
-                </a:uFill>
-                <a:latin typeface="Roboto Mono"/>
-                <a:ea typeface="DejaVu Sans"/>
-              </a:rPr>
-              <a:t>: [</a:t>
-            </a:r>
-            <a:r>
-              <a:rPr lang="en-US" sz="1600" b="1" strike="noStrike" spc="-1">
-                <a:solidFill>
-                  <a:srgbClr val="DD1144"/>
-                </a:solidFill>
-                <a:uFill>
-                  <a:solidFill>
-                    <a:srgbClr val="FFFFFF"/>
-                  </a:solidFill>
-                </a:uFill>
-                <a:latin typeface="Roboto Mono"/>
-                <a:ea typeface="DejaVu Sans"/>
-              </a:rPr>
-              <a:t>'sh'</a:t>
-            </a:r>
-            <a:r>
-              <a:rPr lang="en-US" sz="1600" b="1" strike="noStrike" spc="-1">
-                <a:solidFill>
-                  <a:srgbClr val="303030"/>
-                </a:solidFill>
-                <a:uFill>
-                  <a:solidFill>
-                    <a:srgbClr val="FFFFFF"/>
-                  </a:solidFill>
-                </a:uFill>
-                <a:latin typeface="Roboto Mono"/>
-                <a:ea typeface="DejaVu Sans"/>
-              </a:rPr>
-              <a:t>, </a:t>
-            </a:r>
-            <a:r>
-              <a:rPr lang="en-US" sz="1600" b="1" strike="noStrike" spc="-1">
-                <a:solidFill>
-                  <a:srgbClr val="DD1144"/>
-                </a:solidFill>
-                <a:uFill>
-                  <a:solidFill>
-                    <a:srgbClr val="FFFFFF"/>
-                  </a:solidFill>
-                </a:uFill>
-                <a:latin typeface="Roboto Mono"/>
-                <a:ea typeface="DejaVu Sans"/>
-              </a:rPr>
-              <a:t>'-c'</a:t>
-            </a:r>
-            <a:r>
-              <a:rPr lang="en-US" sz="1600" b="1" strike="noStrike" spc="-1">
-                <a:solidFill>
-                  <a:srgbClr val="303030"/>
-                </a:solidFill>
-                <a:uFill>
-                  <a:solidFill>
-                    <a:srgbClr val="FFFFFF"/>
-                  </a:solidFill>
-                </a:uFill>
-                <a:latin typeface="Roboto Mono"/>
-                <a:ea typeface="DejaVu Sans"/>
-              </a:rPr>
-              <a:t>, </a:t>
-            </a:r>
-            <a:r>
-              <a:rPr lang="en-US" sz="1600" b="1" strike="noStrike" spc="-1">
-                <a:solidFill>
-                  <a:srgbClr val="DD1144"/>
-                </a:solidFill>
-                <a:uFill>
-                  <a:solidFill>
-                    <a:srgbClr val="FFFFFF"/>
-                  </a:solidFill>
-                </a:uFill>
-                <a:latin typeface="Roboto Mono"/>
-                <a:ea typeface="DejaVu Sans"/>
-              </a:rPr>
-              <a:t>'echo</a:t>
-            </a:r>
-            <a:r>
-              <a:rPr lang="en-US" sz="1600" b="1" strike="noStrike" spc="-1">
-                <a:solidFill>
-                  <a:srgbClr val="008080"/>
-                </a:solidFill>
-                <a:uFill>
-                  <a:solidFill>
-                    <a:srgbClr val="FFFFFF"/>
-                  </a:solidFill>
-                </a:uFill>
-                <a:latin typeface="Roboto Mono"/>
-                <a:ea typeface="DejaVu Sans"/>
-              </a:rPr>
-              <a:t> </a:t>
-            </a:r>
-            <a:r>
-              <a:rPr lang="en-US" sz="1600" b="1" strike="noStrike" spc="-1">
-                <a:solidFill>
-                  <a:srgbClr val="DD1144"/>
-                </a:solidFill>
-                <a:uFill>
-                  <a:solidFill>
-                    <a:srgbClr val="FFFFFF"/>
-                  </a:solidFill>
-                </a:uFill>
-                <a:latin typeface="Roboto Mono"/>
-                <a:ea typeface="DejaVu Sans"/>
-              </a:rPr>
-              <a:t>Hello</a:t>
-            </a:r>
-            <a:r>
-              <a:rPr lang="en-US" sz="1600" b="1" strike="noStrike" spc="-1">
-                <a:solidFill>
-                  <a:srgbClr val="008080"/>
-                </a:solidFill>
-                <a:uFill>
-                  <a:solidFill>
-                    <a:srgbClr val="FFFFFF"/>
-                  </a:solidFill>
-                </a:uFill>
-                <a:latin typeface="Roboto Mono"/>
-                <a:ea typeface="DejaVu Sans"/>
-              </a:rPr>
-              <a:t> </a:t>
-            </a:r>
-            <a:r>
-              <a:rPr lang="en-US" sz="1600" b="1" strike="noStrike" spc="-1">
-                <a:solidFill>
-                  <a:srgbClr val="DD1144"/>
-                </a:solidFill>
-                <a:uFill>
-                  <a:solidFill>
-                    <a:srgbClr val="FFFFFF"/>
-                  </a:solidFill>
-                </a:uFill>
-                <a:latin typeface="Roboto Mono"/>
-                <a:ea typeface="DejaVu Sans"/>
-              </a:rPr>
-              <a:t>Kubernetes!</a:t>
-            </a:r>
-            <a:r>
-              <a:rPr lang="en-US" sz="1600" b="1" strike="noStrike" spc="-1">
-                <a:solidFill>
-                  <a:srgbClr val="008080"/>
-                </a:solidFill>
-                <a:uFill>
-                  <a:solidFill>
-                    <a:srgbClr val="FFFFFF"/>
-                  </a:solidFill>
-                </a:uFill>
-                <a:latin typeface="Roboto Mono"/>
-                <a:ea typeface="DejaVu Sans"/>
-              </a:rPr>
-              <a:t> </a:t>
-            </a:r>
-            <a:r>
-              <a:rPr lang="en-US" sz="1600" b="1" strike="noStrike" spc="-1">
-                <a:solidFill>
-                  <a:srgbClr val="DD1144"/>
-                </a:solidFill>
-                <a:uFill>
-                  <a:solidFill>
-                    <a:srgbClr val="FFFFFF"/>
-                  </a:solidFill>
-                </a:uFill>
-                <a:latin typeface="Roboto Mono"/>
-                <a:ea typeface="DejaVu Sans"/>
-              </a:rPr>
-              <a:t>&amp;&amp;</a:t>
-            </a:r>
-            <a:r>
-              <a:rPr lang="en-US" sz="1600" b="1" strike="noStrike" spc="-1">
-                <a:solidFill>
-                  <a:srgbClr val="008080"/>
-                </a:solidFill>
-                <a:uFill>
-                  <a:solidFill>
-                    <a:srgbClr val="FFFFFF"/>
-                  </a:solidFill>
-                </a:uFill>
-                <a:latin typeface="Roboto Mono"/>
-                <a:ea typeface="DejaVu Sans"/>
-              </a:rPr>
-              <a:t> </a:t>
-            </a:r>
-            <a:r>
-              <a:rPr lang="en-US" sz="1600" b="1" strike="noStrike" spc="-1">
-                <a:solidFill>
-                  <a:srgbClr val="DD1144"/>
-                </a:solidFill>
-                <a:uFill>
-                  <a:solidFill>
-                    <a:srgbClr val="FFFFFF"/>
-                  </a:solidFill>
-                </a:uFill>
-                <a:latin typeface="Roboto Mono"/>
-                <a:ea typeface="DejaVu Sans"/>
-              </a:rPr>
-              <a:t>sleep</a:t>
-            </a:r>
-            <a:r>
-              <a:rPr lang="en-US" sz="1600" b="1" strike="noStrike" spc="-1">
-                <a:solidFill>
-                  <a:srgbClr val="008080"/>
-                </a:solidFill>
-                <a:uFill>
-                  <a:solidFill>
-                    <a:srgbClr val="FFFFFF"/>
-                  </a:solidFill>
-                </a:uFill>
-                <a:latin typeface="Roboto Mono"/>
-                <a:ea typeface="DejaVu Sans"/>
-              </a:rPr>
-              <a:t> </a:t>
-            </a:r>
-            <a:r>
-              <a:rPr lang="en-US" sz="1600" b="1" strike="noStrike" spc="-1">
-                <a:solidFill>
-                  <a:srgbClr val="DD1144"/>
-                </a:solidFill>
-                <a:uFill>
-                  <a:solidFill>
-                    <a:srgbClr val="FFFFFF"/>
-                  </a:solidFill>
-                </a:uFill>
-                <a:latin typeface="Roboto Mono"/>
-                <a:ea typeface="DejaVu Sans"/>
-              </a:rPr>
-              <a:t>3600'</a:t>
-            </a:r>
-            <a:r>
-              <a:rPr lang="en-US" sz="1600" b="1" strike="noStrike" spc="-1">
-                <a:solidFill>
-                  <a:srgbClr val="303030"/>
-                </a:solidFill>
-                <a:uFill>
-                  <a:solidFill>
-                    <a:srgbClr val="FFFFFF"/>
-                  </a:solidFill>
-                </a:uFill>
-                <a:latin typeface="Roboto Mono"/>
-                <a:ea typeface="DejaVu Sans"/>
-              </a:rPr>
-              <a:t>]</a:t>
-            </a:r>
-            <a:r>
-              <a:rPr lang="en-US" sz="2000" b="0" strike="noStrike" spc="-1">
-                <a:solidFill>
-                  <a:srgbClr val="000000"/>
-                </a:solidFill>
-                <a:uFill>
-                  <a:solidFill>
-                    <a:srgbClr val="FFFFFF"/>
-                  </a:solidFill>
-                </a:uFill>
-                <a:latin typeface="Calibri"/>
-                <a:ea typeface="DejaVu Sans"/>
-              </a:rPr>
-              <a:t> </a:t>
-            </a:r>
-            <a:endParaRPr lang="en-US" sz="1800" b="0" strike="noStrike" spc="-1">
-              <a:solidFill>
-                <a:srgbClr val="000000"/>
-              </a:solidFill>
-              <a:uFill>
-                <a:solidFill>
-                  <a:srgbClr val="FFFFFF"/>
-                </a:solidFill>
-              </a:uFill>
-              <a:latin typeface="Arial"/>
-            </a:endParaRPr>
-          </a:p>
-          <a:p>
-            <a:pPr>
-              <a:lnSpc>
-                <a:spcPct val="100000"/>
-              </a:lnSpc>
-            </a:pPr>
-            <a:endParaRPr lang="en-US" sz="1800" b="0" strike="noStrike" spc="-1">
+              </a:rPr>
+              <a:t>nginx</a:t>
+            </a:r>
+            <a:endParaRPr lang="en-US" sz="1800" b="0" strike="noStrike" spc="-1" dirty="0">
               <a:solidFill>
                 <a:srgbClr val="000000"/>
               </a:solidFill>
@@ -13402,7 +13053,7 @@
               <a:buChar char="•"/>
             </a:pPr>
             <a:r>
-              <a:rPr lang="en-US" sz="2800" b="0" strike="noStrike" spc="-1">
+              <a:rPr lang="en-US" sz="2800" b="0" strike="noStrike" spc="-1" dirty="0">
                 <a:solidFill>
                   <a:srgbClr val="000000"/>
                 </a:solidFill>
@@ -13416,7 +13067,7 @@
               <a:t>A </a:t>
             </a:r>
             <a:r>
-              <a:rPr lang="en-US" sz="2800" b="1" strike="noStrike" spc="-1">
+              <a:rPr lang="en-US" sz="2800" b="1" strike="noStrike" spc="-1" dirty="0">
                 <a:solidFill>
                   <a:srgbClr val="000000"/>
                 </a:solidFill>
@@ -13430,7 +13081,7 @@
               <a:t>Deployment</a:t>
             </a:r>
             <a:r>
-              <a:rPr lang="en-US" sz="2800" b="0" strike="noStrike" spc="-1">
+              <a:rPr lang="en-US" sz="2800" b="0" strike="noStrike" spc="-1" dirty="0">
                 <a:solidFill>
                   <a:srgbClr val="000000"/>
                 </a:solidFill>
@@ -13444,7 +13095,7 @@
               <a:t> controller provides declarative updates for </a:t>
             </a:r>
             <a:r>
-              <a:rPr lang="en-US" sz="2800" b="1" strike="noStrike" spc="-1">
+              <a:rPr lang="en-US" sz="2800" b="1" strike="noStrike" spc="-1" dirty="0">
                 <a:solidFill>
                   <a:srgbClr val="000000"/>
                 </a:solidFill>
@@ -13458,7 +13109,7 @@
               <a:t>Pods</a:t>
             </a:r>
             <a:r>
-              <a:rPr lang="en-US" sz="2800" b="0" strike="noStrike" spc="-1">
+              <a:rPr lang="en-US" sz="2800" b="0" strike="noStrike" spc="-1" dirty="0">
                 <a:solidFill>
                   <a:srgbClr val="000000"/>
                 </a:solidFill>
@@ -13472,7 +13123,7 @@
               <a:t> and </a:t>
             </a:r>
             <a:r>
-              <a:rPr lang="en-US" sz="2800" b="1" strike="noStrike" spc="-1">
+              <a:rPr lang="en-US" sz="2800" b="1" strike="noStrike" spc="-1" dirty="0" err="1">
                 <a:solidFill>
                   <a:srgbClr val="000000"/>
                 </a:solidFill>
@@ -13485,7 +13136,7 @@
               </a:rPr>
               <a:t>ReplicaSets</a:t>
             </a:r>
-            <a:endParaRPr lang="en-US" sz="1800" b="0" strike="noStrike" spc="-1">
+            <a:endParaRPr lang="en-US" sz="1800" b="0" strike="noStrike" spc="-1" dirty="0">
               <a:solidFill>
                 <a:srgbClr val="000000"/>
               </a:solidFill>
@@ -13503,7 +13154,7 @@
                 <a:spcPct val="90000"/>
               </a:lnSpc>
             </a:pPr>
-            <a:endParaRPr lang="en-US" sz="1800" b="0" strike="noStrike" spc="-1">
+            <a:endParaRPr lang="en-US" sz="1800" b="0" strike="noStrike" spc="-1" dirty="0">
               <a:solidFill>
                 <a:srgbClr val="000000"/>
               </a:solidFill>
@@ -13525,8 +13176,8 @@
         </p:nvSpPr>
         <p:spPr>
           <a:xfrm>
-            <a:off x="7198920" y="1538640"/>
-            <a:ext cx="4339080" cy="5318640"/>
+            <a:off x="7198920" y="1392120"/>
+            <a:ext cx="4339080" cy="5465160"/>
           </a:xfrm>
           <a:prstGeom prst="rect">
             <a:avLst/>
@@ -13564,61 +13215,51 @@
               </a:lnSpc>
             </a:pPr>
             <a:r>
-              <a:rPr lang="en-US" sz="1600" b="1" strike="noStrike" spc="-1" dirty="0" err="1">
-                <a:solidFill>
-                  <a:srgbClr val="008080"/>
+              <a:rPr lang="en-US" spc="-1" dirty="0" err="1">
+                <a:solidFill>
+                  <a:srgbClr val="000000"/>
                 </a:solidFill>
                 <a:uFill>
                   <a:solidFill>
                     <a:srgbClr val="FFFFFF"/>
                   </a:solidFill>
                 </a:uFill>
-                <a:latin typeface="Roboto Mono"/>
-                <a:ea typeface="DejaVu Sans"/>
               </a:rPr>
               <a:t>apiVersion</a:t>
             </a:r>
             <a:r>
-              <a:rPr lang="en-US" sz="1600" b="1" strike="noStrike" spc="-1" dirty="0">
-                <a:solidFill>
-                  <a:srgbClr val="303030"/>
+              <a:rPr lang="en-US" spc="-1" dirty="0">
+                <a:solidFill>
+                  <a:srgbClr val="000000"/>
                 </a:solidFill>
                 <a:uFill>
                   <a:solidFill>
                     <a:srgbClr val="FFFFFF"/>
                   </a:solidFill>
                 </a:uFill>
-                <a:latin typeface="Roboto Mono"/>
-                <a:ea typeface="DejaVu Sans"/>
-              </a:rPr>
-              <a:t>: </a:t>
-            </a:r>
-            <a:r>
-              <a:rPr lang="en-US" sz="1600" b="1" strike="noStrike" spc="-1" dirty="0">
-                <a:solidFill>
-                  <a:srgbClr val="DD1144"/>
+              </a:rPr>
+              <a:t>: apps/v1</a:t>
+            </a:r>
+          </a:p>
+          <a:p>
+            <a:pPr>
+              <a:lnSpc>
+                <a:spcPct val="100000"/>
+              </a:lnSpc>
+            </a:pPr>
+            <a:r>
+              <a:rPr lang="en-US" spc="-1" dirty="0">
+                <a:solidFill>
+                  <a:srgbClr val="000000"/>
                 </a:solidFill>
                 <a:uFill>
                   <a:solidFill>
                     <a:srgbClr val="FFFFFF"/>
                   </a:solidFill>
                 </a:uFill>
-                <a:latin typeface="Roboto Mono"/>
-                <a:ea typeface="DejaVu Sans"/>
-              </a:rPr>
-              <a:t>apps/v1</a:t>
-            </a:r>
-            <a:endParaRPr lang="en-US" sz="1800" b="0" strike="noStrike" spc="-1" dirty="0">
-              <a:solidFill>
-                <a:srgbClr val="000000"/>
-              </a:solidFill>
-              <a:uFill>
-                <a:solidFill>
-                  <a:srgbClr val="FFFFFF"/>
-                </a:solidFill>
-              </a:uFill>
-              <a:latin typeface="Arial"/>
-            </a:endParaRPr>
+              </a:rPr>
+              <a:t>kind: Deployment</a:t>
+            </a:r>
           </a:p>
           <a:p>
             <a:pPr>
@@ -13627,76 +13268,64 @@
               </a:lnSpc>
             </a:pPr>
             <a:r>
-              <a:rPr lang="en-US" sz="1600" b="1" strike="noStrike" spc="-1" dirty="0">
-                <a:solidFill>
-                  <a:srgbClr val="008080"/>
+              <a:rPr lang="en-US" spc="-1" dirty="0">
+                <a:solidFill>
+                  <a:srgbClr val="000000"/>
                 </a:solidFill>
                 <a:uFill>
                   <a:solidFill>
                     <a:srgbClr val="FFFFFF"/>
                   </a:solidFill>
                 </a:uFill>
-                <a:latin typeface="Roboto Mono"/>
-                <a:ea typeface="DejaVu Sans"/>
-              </a:rPr>
-              <a:t>kind</a:t>
-            </a:r>
-            <a:r>
-              <a:rPr lang="en-US" sz="1600" b="1" strike="noStrike" spc="-1" dirty="0">
-                <a:solidFill>
-                  <a:srgbClr val="303030"/>
+              </a:rPr>
+              <a:t>metadata:</a:t>
+            </a:r>
+          </a:p>
+          <a:p>
+            <a:pPr>
+              <a:lnSpc>
+                <a:spcPct val="100000"/>
+              </a:lnSpc>
+            </a:pPr>
+            <a:r>
+              <a:rPr lang="en-US" spc="-1" dirty="0">
+                <a:solidFill>
+                  <a:srgbClr val="000000"/>
                 </a:solidFill>
                 <a:uFill>
                   <a:solidFill>
                     <a:srgbClr val="FFFFFF"/>
                   </a:solidFill>
                 </a:uFill>
-                <a:latin typeface="Roboto Mono"/>
-                <a:ea typeface="DejaVu Sans"/>
-              </a:rPr>
-              <a:t>: </a:t>
-            </a:r>
-            <a:r>
-              <a:rPr lang="en-US" sz="1600" b="1" strike="noStrike" spc="-1" dirty="0">
-                <a:solidFill>
-                  <a:srgbClr val="DD1144"/>
+              </a:rPr>
+              <a:t>  name: </a:t>
+            </a:r>
+            <a:r>
+              <a:rPr lang="en-US" spc="-1" dirty="0" err="1">
+                <a:solidFill>
+                  <a:srgbClr val="000000"/>
                 </a:solidFill>
                 <a:uFill>
                   <a:solidFill>
                     <a:srgbClr val="FFFFFF"/>
                   </a:solidFill>
                 </a:uFill>
-                <a:latin typeface="Roboto Mono"/>
-                <a:ea typeface="DejaVu Sans"/>
-              </a:rPr>
-              <a:t>Deployment</a:t>
-            </a:r>
-            <a:r>
-              <a:rPr lang="en-US" sz="1600" b="1" strike="noStrike" spc="-1" dirty="0">
-                <a:solidFill>
-                  <a:srgbClr val="303030"/>
+              </a:rPr>
+              <a:t>nginx</a:t>
+            </a:r>
+            <a:r>
+              <a:rPr lang="en-US" spc="-1" dirty="0">
+                <a:solidFill>
+                  <a:srgbClr val="000000"/>
                 </a:solidFill>
                 <a:uFill>
                   <a:solidFill>
                     <a:srgbClr val="FFFFFF"/>
                   </a:solidFill>
                 </a:uFill>
-                <a:latin typeface="Roboto Mono"/>
-                <a:ea typeface="DejaVu Sans"/>
-              </a:rPr>
-              <a:t> </a:t>
-            </a:r>
-            <a:endParaRPr lang="en-US" sz="1800" b="0" strike="noStrike" spc="-1" dirty="0">
-              <a:solidFill>
-                <a:srgbClr val="000000"/>
-              </a:solidFill>
-              <a:uFill>
-                <a:solidFill>
-                  <a:srgbClr val="FFFFFF"/>
-                </a:solidFill>
-              </a:uFill>
-              <a:latin typeface="Arial"/>
-            </a:endParaRPr>
+              </a:rPr>
+              <a:t>-deployment</a:t>
+            </a:r>
           </a:p>
           <a:p>
             <a:pPr>
@@ -13705,36 +13334,52 @@
               </a:lnSpc>
             </a:pPr>
             <a:r>
-              <a:rPr lang="en-US" sz="1600" b="1" strike="noStrike" spc="-1" dirty="0">
-                <a:solidFill>
-                  <a:srgbClr val="008080"/>
+              <a:rPr lang="en-US" spc="-1" dirty="0">
+                <a:solidFill>
+                  <a:srgbClr val="000000"/>
                 </a:solidFill>
                 <a:uFill>
                   <a:solidFill>
                     <a:srgbClr val="FFFFFF"/>
                   </a:solidFill>
                 </a:uFill>
-                <a:latin typeface="Roboto Mono"/>
-                <a:ea typeface="DejaVu Sans"/>
-              </a:rPr>
-              <a:t>  metadata</a:t>
-            </a:r>
-            <a:r>
-              <a:rPr lang="en-US" sz="1600" b="1" strike="noStrike" spc="-1" dirty="0">
-                <a:solidFill>
-                  <a:srgbClr val="303030"/>
+              </a:rPr>
+              <a:t>  labels:</a:t>
+            </a:r>
+          </a:p>
+          <a:p>
+            <a:pPr>
+              <a:lnSpc>
+                <a:spcPct val="100000"/>
+              </a:lnSpc>
+            </a:pPr>
+            <a:r>
+              <a:rPr lang="en-US" spc="-1" dirty="0">
+                <a:solidFill>
+                  <a:srgbClr val="000000"/>
                 </a:solidFill>
                 <a:uFill>
                   <a:solidFill>
                     <a:srgbClr val="FFFFFF"/>
                   </a:solidFill>
                 </a:uFill>
-                <a:latin typeface="Roboto Mono"/>
-                <a:ea typeface="DejaVu Sans"/>
-              </a:rPr>
-              <a:t>: </a:t>
-            </a:r>
-            <a:endParaRPr lang="en-US" sz="1800" b="0" strike="noStrike" spc="-1" dirty="0">
+              </a:rPr>
+              <a:t>    app: </a:t>
+            </a:r>
+            <a:r>
+              <a:rPr lang="en-US" spc="-1" dirty="0" err="1">
+                <a:solidFill>
+                  <a:srgbClr val="000000"/>
+                </a:solidFill>
+                <a:uFill>
+                  <a:solidFill>
+                    <a:srgbClr val="FFFFFF"/>
+                  </a:solidFill>
+                </a:uFill>
+              </a:rPr>
+              <a:t>nginx</a:t>
+            </a:r>
+            <a:endParaRPr lang="en-US" spc="-1" dirty="0">
               <a:solidFill>
                 <a:srgbClr val="000000"/>
               </a:solidFill>
@@ -13743,7 +13388,6 @@
                   <a:srgbClr val="FFFFFF"/>
                 </a:solidFill>
               </a:uFill>
-              <a:latin typeface="Arial"/>
             </a:endParaRPr>
           </a:p>
           <a:p>
@@ -13753,91 +13397,104 @@
               </a:lnSpc>
             </a:pPr>
             <a:r>
-              <a:rPr lang="en-US" sz="1600" b="1" strike="noStrike" spc="-1" dirty="0">
-                <a:solidFill>
-                  <a:srgbClr val="008080"/>
+              <a:rPr lang="en-US" spc="-1" dirty="0">
+                <a:solidFill>
+                  <a:srgbClr val="000000"/>
                 </a:solidFill>
                 <a:uFill>
                   <a:solidFill>
                     <a:srgbClr val="FFFFFF"/>
                   </a:solidFill>
                 </a:uFill>
-                <a:latin typeface="Roboto Mono"/>
-                <a:ea typeface="DejaVu Sans"/>
-              </a:rPr>
-              <a:t>    name</a:t>
-            </a:r>
-            <a:r>
-              <a:rPr lang="en-US" sz="1600" b="1" strike="noStrike" spc="-1" dirty="0">
-                <a:solidFill>
-                  <a:srgbClr val="303030"/>
+              </a:rPr>
+              <a:t>spec:</a:t>
+            </a:r>
+          </a:p>
+          <a:p>
+            <a:pPr>
+              <a:lnSpc>
+                <a:spcPct val="100000"/>
+              </a:lnSpc>
+            </a:pPr>
+            <a:r>
+              <a:rPr lang="en-US" spc="-1" dirty="0">
+                <a:solidFill>
+                  <a:srgbClr val="000000"/>
                 </a:solidFill>
                 <a:uFill>
                   <a:solidFill>
                     <a:srgbClr val="FFFFFF"/>
                   </a:solidFill>
                 </a:uFill>
-                <a:latin typeface="Roboto Mono"/>
-                <a:ea typeface="DejaVu Sans"/>
-              </a:rPr>
-              <a:t>: </a:t>
-            </a:r>
-            <a:r>
-              <a:rPr lang="en-US" sz="1600" b="1" strike="noStrike" spc="-1" dirty="0" err="1">
-                <a:solidFill>
-                  <a:srgbClr val="DD1144"/>
+              </a:rPr>
+              <a:t>  replicas: 3</a:t>
+            </a:r>
+          </a:p>
+          <a:p>
+            <a:pPr>
+              <a:lnSpc>
+                <a:spcPct val="100000"/>
+              </a:lnSpc>
+            </a:pPr>
+            <a:r>
+              <a:rPr lang="en-US" spc="-1" dirty="0">
+                <a:solidFill>
+                  <a:srgbClr val="000000"/>
                 </a:solidFill>
                 <a:uFill>
                   <a:solidFill>
                     <a:srgbClr val="FFFFFF"/>
                   </a:solidFill>
                 </a:uFill>
-                <a:latin typeface="Roboto Mono"/>
-                <a:ea typeface="DejaVu Sans"/>
-              </a:rPr>
-              <a:t>nginx</a:t>
-            </a:r>
-            <a:r>
-              <a:rPr lang="en-US" sz="1600" b="1" strike="noStrike" spc="-1" dirty="0">
-                <a:solidFill>
-                  <a:srgbClr val="DD1144"/>
+              </a:rPr>
+              <a:t>  selector:</a:t>
+            </a:r>
+          </a:p>
+          <a:p>
+            <a:pPr>
+              <a:lnSpc>
+                <a:spcPct val="100000"/>
+              </a:lnSpc>
+            </a:pPr>
+            <a:r>
+              <a:rPr lang="en-US" spc="-1" dirty="0">
+                <a:solidFill>
+                  <a:srgbClr val="000000"/>
                 </a:solidFill>
                 <a:uFill>
                   <a:solidFill>
                     <a:srgbClr val="FFFFFF"/>
                   </a:solidFill>
                 </a:uFill>
-                <a:latin typeface="Roboto Mono"/>
-                <a:ea typeface="DejaVu Sans"/>
-              </a:rPr>
-              <a:t>-deployment</a:t>
-            </a:r>
-            <a:r>
-              <a:rPr lang="en-US" sz="1600" b="1" strike="noStrike" spc="-1" dirty="0">
-                <a:solidFill>
-                  <a:srgbClr val="303030"/>
+              </a:rPr>
+              <a:t>    </a:t>
+            </a:r>
+            <a:r>
+              <a:rPr lang="en-US" spc="-1" dirty="0" err="1">
+                <a:solidFill>
+                  <a:srgbClr val="000000"/>
                 </a:solidFill>
                 <a:uFill>
                   <a:solidFill>
                     <a:srgbClr val="FFFFFF"/>
                   </a:solidFill>
                 </a:uFill>
-                <a:latin typeface="Roboto Mono"/>
-                <a:ea typeface="DejaVu Sans"/>
-              </a:rPr>
-              <a:t> </a:t>
-            </a:r>
-            <a:endParaRPr lang="en-US" sz="1800" b="0" strike="noStrike" spc="-1" dirty="0">
-              <a:solidFill>
-                <a:srgbClr val="000000"/>
-              </a:solidFill>
-              <a:uFill>
-                <a:solidFill>
-                  <a:srgbClr val="FFFFFF"/>
-                </a:solidFill>
-              </a:uFill>
-              <a:latin typeface="Arial"/>
-            </a:endParaRPr>
+              </a:rPr>
+              <a:t>matchLabels</a:t>
+            </a:r>
+            <a:r>
+              <a:rPr lang="en-US" spc="-1" dirty="0">
+                <a:solidFill>
+                  <a:srgbClr val="000000"/>
+                </a:solidFill>
+                <a:uFill>
+                  <a:solidFill>
+                    <a:srgbClr val="FFFFFF"/>
+                  </a:solidFill>
+                </a:uFill>
+              </a:rPr>
+              <a:t>:</a:t>
+            </a:r>
           </a:p>
           <a:p>
             <a:pPr>
@@ -13846,61 +13503,61 @@
               </a:lnSpc>
             </a:pPr>
             <a:r>
-              <a:rPr lang="en-US" sz="1600" b="1" strike="noStrike" spc="-1" dirty="0">
-                <a:solidFill>
-                  <a:srgbClr val="303030"/>
+              <a:rPr lang="en-US" spc="-1" dirty="0">
+                <a:solidFill>
+                  <a:srgbClr val="000000"/>
                 </a:solidFill>
                 <a:uFill>
                   <a:solidFill>
                     <a:srgbClr val="FFFFFF"/>
                   </a:solidFill>
                 </a:uFill>
-                <a:latin typeface="Roboto Mono"/>
-                <a:ea typeface="DejaVu Sans"/>
-              </a:rPr>
-              <a:t>    </a:t>
-            </a:r>
-            <a:r>
-              <a:rPr lang="en-US" sz="1600" b="1" strike="noStrike" spc="-1" dirty="0">
-                <a:solidFill>
-                  <a:srgbClr val="008080"/>
+              </a:rPr>
+              <a:t>      app: </a:t>
+            </a:r>
+            <a:r>
+              <a:rPr lang="en-US" spc="-1" dirty="0" err="1">
+                <a:solidFill>
+                  <a:srgbClr val="000000"/>
                 </a:solidFill>
                 <a:uFill>
                   <a:solidFill>
                     <a:srgbClr val="FFFFFF"/>
                   </a:solidFill>
                 </a:uFill>
-                <a:latin typeface="Roboto Mono"/>
-                <a:ea typeface="DejaVu Sans"/>
-              </a:rPr>
-              <a:t>labels</a:t>
-            </a:r>
-            <a:r>
-              <a:rPr lang="en-US" sz="1600" b="1" strike="noStrike" spc="-1" dirty="0">
-                <a:solidFill>
-                  <a:srgbClr val="303030"/>
+              </a:rPr>
+              <a:t>nginx</a:t>
+            </a:r>
+            <a:endParaRPr lang="en-US" spc="-1" dirty="0">
+              <a:solidFill>
+                <a:srgbClr val="000000"/>
+              </a:solidFill>
+              <a:uFill>
+                <a:solidFill>
+                  <a:srgbClr val="FFFFFF"/>
+                </a:solidFill>
+              </a:uFill>
+            </a:endParaRPr>
+          </a:p>
+          <a:p>
+            <a:pPr>
+              <a:lnSpc>
+                <a:spcPct val="100000"/>
+              </a:lnSpc>
+            </a:pPr>
+            <a:r>
+              <a:rPr lang="en-US" spc="-1" dirty="0">
+                <a:solidFill>
+                  <a:srgbClr val="000000"/>
                 </a:solidFill>
                 <a:uFill>
                   <a:solidFill>
                     <a:srgbClr val="FFFFFF"/>
                   </a:solidFill>
                 </a:uFill>
-                <a:latin typeface="Roboto Mono"/>
-                <a:ea typeface="DejaVu Sans"/>
-              </a:rPr>
-              <a:t>: </a:t>
-            </a:r>
-            <a:endParaRPr lang="en-US" sz="1800" b="0" strike="noStrike" spc="-1" dirty="0">
-              <a:solidFill>
-                <a:srgbClr val="000000"/>
-              </a:solidFill>
-              <a:uFill>
-                <a:solidFill>
-                  <a:srgbClr val="FFFFFF"/>
-                </a:solidFill>
-              </a:uFill>
-              <a:latin typeface="Arial"/>
-            </a:endParaRPr>
+              </a:rPr>
+              <a:t>  template:</a:t>
+            </a:r>
           </a:p>
           <a:p>
             <a:pPr>
@@ -13909,91 +13566,101 @@
               </a:lnSpc>
             </a:pPr>
             <a:r>
-              <a:rPr lang="en-US" sz="1600" b="1" strike="noStrike" spc="-1" dirty="0">
-                <a:solidFill>
-                  <a:srgbClr val="303030"/>
+              <a:rPr lang="en-US" spc="-1" dirty="0">
+                <a:solidFill>
+                  <a:srgbClr val="000000"/>
                 </a:solidFill>
                 <a:uFill>
                   <a:solidFill>
                     <a:srgbClr val="FFFFFF"/>
                   </a:solidFill>
                 </a:uFill>
-                <a:latin typeface="Roboto Mono"/>
-                <a:ea typeface="DejaVu Sans"/>
-              </a:rPr>
-              <a:t>      </a:t>
-            </a:r>
-            <a:r>
-              <a:rPr lang="en-US" sz="1600" b="1" strike="noStrike" spc="-1" dirty="0">
-                <a:solidFill>
-                  <a:srgbClr val="008080"/>
+              </a:rPr>
+              <a:t>    metadata:</a:t>
+            </a:r>
+          </a:p>
+          <a:p>
+            <a:pPr>
+              <a:lnSpc>
+                <a:spcPct val="100000"/>
+              </a:lnSpc>
+            </a:pPr>
+            <a:r>
+              <a:rPr lang="en-US" spc="-1" dirty="0">
+                <a:solidFill>
+                  <a:srgbClr val="000000"/>
                 </a:solidFill>
                 <a:uFill>
                   <a:solidFill>
                     <a:srgbClr val="FFFFFF"/>
                   </a:solidFill>
                 </a:uFill>
-                <a:latin typeface="Roboto Mono"/>
-                <a:ea typeface="DejaVu Sans"/>
-              </a:rPr>
-              <a:t>app</a:t>
-            </a:r>
-            <a:r>
-              <a:rPr lang="en-US" sz="1600" b="1" strike="noStrike" spc="-1" dirty="0">
-                <a:solidFill>
-                  <a:srgbClr val="303030"/>
+              </a:rPr>
+              <a:t>      labels:</a:t>
+            </a:r>
+          </a:p>
+          <a:p>
+            <a:pPr>
+              <a:lnSpc>
+                <a:spcPct val="100000"/>
+              </a:lnSpc>
+            </a:pPr>
+            <a:r>
+              <a:rPr lang="en-US" spc="-1" dirty="0">
+                <a:solidFill>
+                  <a:srgbClr val="000000"/>
                 </a:solidFill>
                 <a:uFill>
                   <a:solidFill>
                     <a:srgbClr val="FFFFFF"/>
                   </a:solidFill>
                 </a:uFill>
-                <a:latin typeface="Roboto Mono"/>
-                <a:ea typeface="DejaVu Sans"/>
-              </a:rPr>
-              <a:t>: </a:t>
-            </a:r>
-            <a:r>
-              <a:rPr lang="en-US" sz="1600" b="1" strike="noStrike" spc="-1" dirty="0" err="1">
-                <a:solidFill>
-                  <a:srgbClr val="DD1144"/>
+              </a:rPr>
+              <a:t>        app: </a:t>
+            </a:r>
+            <a:r>
+              <a:rPr lang="en-US" spc="-1" dirty="0" err="1">
+                <a:solidFill>
+                  <a:srgbClr val="000000"/>
                 </a:solidFill>
                 <a:uFill>
                   <a:solidFill>
                     <a:srgbClr val="FFFFFF"/>
                   </a:solidFill>
                 </a:uFill>
-                <a:latin typeface="Roboto Mono"/>
-                <a:ea typeface="DejaVu Sans"/>
               </a:rPr>
               <a:t>nginx</a:t>
             </a:r>
-            <a:r>
-              <a:rPr lang="en-US" sz="1600" b="1" strike="noStrike" spc="-1" dirty="0">
-                <a:solidFill>
-                  <a:srgbClr val="303030"/>
+            <a:endParaRPr lang="en-US" spc="-1" dirty="0">
+              <a:solidFill>
+                <a:srgbClr val="000000"/>
+              </a:solidFill>
+              <a:uFill>
+                <a:solidFill>
+                  <a:srgbClr val="FFFFFF"/>
+                </a:solidFill>
+              </a:uFill>
+            </a:endParaRPr>
+          </a:p>
+          <a:p>
+            <a:pPr>
+              <a:lnSpc>
+                <a:spcPct val="100000"/>
+              </a:lnSpc>
+            </a:pPr>
+            <a:r>
+              <a:rPr lang="en-US" spc="-1" dirty="0">
+                <a:solidFill>
+                  <a:srgbClr val="000000"/>
                 </a:solidFill>
                 <a:uFill>
                   <a:solidFill>
                     <a:srgbClr val="FFFFFF"/>
                   </a:solidFill>
                 </a:uFill>
-                <a:latin typeface="Roboto Mono"/>
-                <a:ea typeface="DejaVu Sans"/>
-              </a:rPr>
-              <a:t> </a:t>
-            </a:r>
-            <a:endParaRPr lang="en-US" sz="1800" b="0" strike="noStrike" spc="-1" dirty="0">
-              <a:solidFill>
-                <a:srgbClr val="000000"/>
-              </a:solidFill>
-              <a:uFill>
-                <a:solidFill>
-                  <a:srgbClr val="FFFFFF"/>
-                </a:solidFill>
-              </a:uFill>
-              <a:latin typeface="Arial"/>
-            </a:endParaRPr>
+              </a:rPr>
+              <a:t>    spec:</a:t>
+            </a:r>
           </a:p>
           <a:p>
             <a:pPr>
@@ -14002,144 +13669,72 @@
               </a:lnSpc>
             </a:pPr>
             <a:r>
-              <a:rPr lang="en-US" sz="1600" b="1" strike="noStrike" spc="-1" dirty="0">
-                <a:solidFill>
-                  <a:srgbClr val="303030"/>
+              <a:rPr lang="en-US" spc="-1" dirty="0">
+                <a:solidFill>
+                  <a:srgbClr val="000000"/>
                 </a:solidFill>
                 <a:uFill>
                   <a:solidFill>
                     <a:srgbClr val="FFFFFF"/>
                   </a:solidFill>
                 </a:uFill>
-                <a:latin typeface="Roboto Mono"/>
-                <a:ea typeface="DejaVu Sans"/>
-              </a:rPr>
-              <a:t>  </a:t>
-            </a:r>
-            <a:r>
-              <a:rPr lang="en-US" sz="1600" b="1" strike="noStrike" spc="-1" dirty="0">
-                <a:solidFill>
-                  <a:srgbClr val="008080"/>
+              </a:rPr>
+              <a:t>      containers:</a:t>
+            </a:r>
+          </a:p>
+          <a:p>
+            <a:pPr>
+              <a:lnSpc>
+                <a:spcPct val="100000"/>
+              </a:lnSpc>
+            </a:pPr>
+            <a:r>
+              <a:rPr lang="en-US" spc="-1" dirty="0">
+                <a:solidFill>
+                  <a:srgbClr val="000000"/>
                 </a:solidFill>
                 <a:uFill>
                   <a:solidFill>
                     <a:srgbClr val="FFFFFF"/>
                   </a:solidFill>
                 </a:uFill>
-                <a:latin typeface="Roboto Mono"/>
-                <a:ea typeface="DejaVu Sans"/>
-              </a:rPr>
-              <a:t>spec</a:t>
-            </a:r>
-            <a:r>
-              <a:rPr lang="en-US" sz="1600" b="1" strike="noStrike" spc="-1" dirty="0">
-                <a:solidFill>
-                  <a:srgbClr val="303030"/>
+              </a:rPr>
+              <a:t>      - name: my-app</a:t>
+            </a:r>
+          </a:p>
+          <a:p>
+            <a:pPr>
+              <a:lnSpc>
+                <a:spcPct val="100000"/>
+              </a:lnSpc>
+            </a:pPr>
+            <a:r>
+              <a:rPr lang="en-US" spc="-1" dirty="0">
+                <a:solidFill>
+                  <a:srgbClr val="000000"/>
                 </a:solidFill>
                 <a:uFill>
                   <a:solidFill>
                     <a:srgbClr val="FFFFFF"/>
                   </a:solidFill>
                 </a:uFill>
-                <a:latin typeface="Roboto Mono"/>
-                <a:ea typeface="DejaVu Sans"/>
-              </a:rPr>
-              <a:t>: </a:t>
-            </a:r>
-            <a:endParaRPr lang="en-US" sz="1800" b="0" strike="noStrike" spc="-1" dirty="0">
-              <a:solidFill>
-                <a:srgbClr val="000000"/>
-              </a:solidFill>
-              <a:uFill>
-                <a:solidFill>
-                  <a:srgbClr val="FFFFFF"/>
-                </a:solidFill>
-              </a:uFill>
-              <a:latin typeface="Arial"/>
-            </a:endParaRPr>
-          </a:p>
-          <a:p>
-            <a:pPr>
-              <a:lnSpc>
-                <a:spcPct val="100000"/>
-              </a:lnSpc>
-            </a:pPr>
-            <a:r>
-              <a:rPr lang="en-US" sz="1600" b="1" strike="noStrike" spc="-1" dirty="0">
-                <a:solidFill>
-                  <a:srgbClr val="303030"/>
+              </a:rPr>
+              <a:t>        image: </a:t>
+            </a:r>
+            <a:r>
+              <a:rPr lang="en-US" spc="-1" dirty="0" err="1">
+                <a:solidFill>
+                  <a:srgbClr val="000000"/>
                 </a:solidFill>
                 <a:uFill>
                   <a:solidFill>
                     <a:srgbClr val="FFFFFF"/>
                   </a:solidFill>
                 </a:uFill>
-                <a:latin typeface="Roboto Mono"/>
-                <a:ea typeface="DejaVu Sans"/>
-              </a:rPr>
-              <a:t>    </a:t>
-            </a:r>
-            <a:r>
-              <a:rPr lang="en-US" sz="1600" b="1" strike="noStrike" spc="-1" dirty="0">
-                <a:solidFill>
-                  <a:srgbClr val="008080"/>
-                </a:solidFill>
-                <a:uFill>
-                  <a:solidFill>
-                    <a:srgbClr val="FFFFFF"/>
-                  </a:solidFill>
-                </a:uFill>
-                <a:latin typeface="Roboto Mono"/>
-                <a:ea typeface="DejaVu Sans"/>
-              </a:rPr>
-              <a:t>replicas</a:t>
-            </a:r>
-            <a:r>
-              <a:rPr lang="en-US" sz="1600" b="1" strike="noStrike" spc="-1" dirty="0">
-                <a:solidFill>
-                  <a:srgbClr val="303030"/>
-                </a:solidFill>
-                <a:uFill>
-                  <a:solidFill>
-                    <a:srgbClr val="FFFFFF"/>
-                  </a:solidFill>
-                </a:uFill>
-                <a:latin typeface="Roboto Mono"/>
-                <a:ea typeface="DejaVu Sans"/>
-              </a:rPr>
-              <a:t>: </a:t>
-            </a:r>
-            <a:r>
-              <a:rPr lang="en-US" sz="1600" b="1" strike="noStrike" spc="-1" dirty="0">
-                <a:solidFill>
-                  <a:srgbClr val="DD1144"/>
-                </a:solidFill>
-                <a:uFill>
-                  <a:solidFill>
-                    <a:srgbClr val="FFFFFF"/>
-                  </a:solidFill>
-                </a:uFill>
-                <a:latin typeface="Roboto Mono"/>
-                <a:ea typeface="DejaVu Sans"/>
-              </a:rPr>
-              <a:t>3</a:t>
-            </a:r>
-            <a:r>
-              <a:rPr lang="en-US" sz="1600" b="1" strike="noStrike" spc="-1" dirty="0">
-                <a:solidFill>
-                  <a:srgbClr val="303030"/>
-                </a:solidFill>
-                <a:uFill>
-                  <a:solidFill>
-                    <a:srgbClr val="FFFFFF"/>
-                  </a:solidFill>
-                </a:uFill>
-                <a:latin typeface="Roboto Mono"/>
-                <a:ea typeface="DejaVu Sans"/>
-              </a:rPr>
-              <a:t> </a:t>
-            </a:r>
-            <a:endParaRPr lang="en-US" sz="1800" b="0" strike="noStrike" spc="-1" dirty="0">
+              </a:rPr>
+              <a:t>nginx</a:t>
+            </a:r>
+            <a:endParaRPr lang="en-US" spc="-1" dirty="0">
               <a:solidFill>
                 <a:srgbClr val="000000"/>
               </a:solidFill>
@@ -14148,976 +13743,6 @@
                   <a:srgbClr val="FFFFFF"/>
                 </a:solidFill>
               </a:uFill>
-              <a:latin typeface="Arial"/>
-            </a:endParaRPr>
-          </a:p>
-          <a:p>
-            <a:pPr>
-              <a:lnSpc>
-                <a:spcPct val="100000"/>
-              </a:lnSpc>
-            </a:pPr>
-            <a:r>
-              <a:rPr lang="en-US" sz="1600" b="1" strike="noStrike" spc="-1" dirty="0">
-                <a:solidFill>
-                  <a:srgbClr val="303030"/>
-                </a:solidFill>
-                <a:uFill>
-                  <a:solidFill>
-                    <a:srgbClr val="FFFFFF"/>
-                  </a:solidFill>
-                </a:uFill>
-                <a:latin typeface="Roboto Mono"/>
-                <a:ea typeface="DejaVu Sans"/>
-              </a:rPr>
-              <a:t>    </a:t>
-            </a:r>
-            <a:r>
-              <a:rPr lang="en-US" sz="1600" b="1" strike="noStrike" spc="-1" dirty="0">
-                <a:solidFill>
-                  <a:srgbClr val="008080"/>
-                </a:solidFill>
-                <a:uFill>
-                  <a:solidFill>
-                    <a:srgbClr val="FFFFFF"/>
-                  </a:solidFill>
-                </a:uFill>
-                <a:latin typeface="Roboto Mono"/>
-                <a:ea typeface="DejaVu Sans"/>
-              </a:rPr>
-              <a:t>selector</a:t>
-            </a:r>
-            <a:r>
-              <a:rPr lang="en-US" sz="1600" b="1" strike="noStrike" spc="-1" dirty="0">
-                <a:solidFill>
-                  <a:srgbClr val="303030"/>
-                </a:solidFill>
-                <a:uFill>
-                  <a:solidFill>
-                    <a:srgbClr val="FFFFFF"/>
-                  </a:solidFill>
-                </a:uFill>
-                <a:latin typeface="Roboto Mono"/>
-                <a:ea typeface="DejaVu Sans"/>
-              </a:rPr>
-              <a:t>: </a:t>
-            </a:r>
-            <a:endParaRPr lang="en-US" sz="1800" b="0" strike="noStrike" spc="-1" dirty="0">
-              <a:solidFill>
-                <a:srgbClr val="000000"/>
-              </a:solidFill>
-              <a:uFill>
-                <a:solidFill>
-                  <a:srgbClr val="FFFFFF"/>
-                </a:solidFill>
-              </a:uFill>
-              <a:latin typeface="Arial"/>
-            </a:endParaRPr>
-          </a:p>
-          <a:p>
-            <a:pPr>
-              <a:lnSpc>
-                <a:spcPct val="100000"/>
-              </a:lnSpc>
-            </a:pPr>
-            <a:r>
-              <a:rPr lang="en-US" sz="1600" b="1" strike="noStrike" spc="-1" dirty="0">
-                <a:solidFill>
-                  <a:srgbClr val="303030"/>
-                </a:solidFill>
-                <a:uFill>
-                  <a:solidFill>
-                    <a:srgbClr val="FFFFFF"/>
-                  </a:solidFill>
-                </a:uFill>
-                <a:latin typeface="Roboto Mono"/>
-                <a:ea typeface="DejaVu Sans"/>
-              </a:rPr>
-              <a:t>      </a:t>
-            </a:r>
-            <a:r>
-              <a:rPr lang="en-US" sz="1600" b="1" strike="noStrike" spc="-1" dirty="0" err="1">
-                <a:solidFill>
-                  <a:srgbClr val="008080"/>
-                </a:solidFill>
-                <a:uFill>
-                  <a:solidFill>
-                    <a:srgbClr val="FFFFFF"/>
-                  </a:solidFill>
-                </a:uFill>
-                <a:latin typeface="Roboto Mono"/>
-                <a:ea typeface="DejaVu Sans"/>
-              </a:rPr>
-              <a:t>matchLabels</a:t>
-            </a:r>
-            <a:r>
-              <a:rPr lang="en-US" sz="1600" b="1" strike="noStrike" spc="-1" dirty="0">
-                <a:solidFill>
-                  <a:srgbClr val="303030"/>
-                </a:solidFill>
-                <a:uFill>
-                  <a:solidFill>
-                    <a:srgbClr val="FFFFFF"/>
-                  </a:solidFill>
-                </a:uFill>
-                <a:latin typeface="Roboto Mono"/>
-                <a:ea typeface="DejaVu Sans"/>
-              </a:rPr>
-              <a:t>: </a:t>
-            </a:r>
-            <a:endParaRPr lang="en-US" sz="1800" b="0" strike="noStrike" spc="-1" dirty="0">
-              <a:solidFill>
-                <a:srgbClr val="000000"/>
-              </a:solidFill>
-              <a:uFill>
-                <a:solidFill>
-                  <a:srgbClr val="FFFFFF"/>
-                </a:solidFill>
-              </a:uFill>
-              <a:latin typeface="Arial"/>
-            </a:endParaRPr>
-          </a:p>
-          <a:p>
-            <a:pPr>
-              <a:lnSpc>
-                <a:spcPct val="100000"/>
-              </a:lnSpc>
-            </a:pPr>
-            <a:r>
-              <a:rPr lang="en-US" sz="1600" b="1" strike="noStrike" spc="-1" dirty="0">
-                <a:solidFill>
-                  <a:srgbClr val="303030"/>
-                </a:solidFill>
-                <a:uFill>
-                  <a:solidFill>
-                    <a:srgbClr val="FFFFFF"/>
-                  </a:solidFill>
-                </a:uFill>
-                <a:latin typeface="Roboto Mono"/>
-                <a:ea typeface="DejaVu Sans"/>
-              </a:rPr>
-              <a:t>        </a:t>
-            </a:r>
-            <a:r>
-              <a:rPr lang="en-US" sz="1600" b="1" strike="noStrike" spc="-1" dirty="0">
-                <a:solidFill>
-                  <a:srgbClr val="008080"/>
-                </a:solidFill>
-                <a:uFill>
-                  <a:solidFill>
-                    <a:srgbClr val="FFFFFF"/>
-                  </a:solidFill>
-                </a:uFill>
-                <a:latin typeface="Roboto Mono"/>
-                <a:ea typeface="DejaVu Sans"/>
-              </a:rPr>
-              <a:t>app</a:t>
-            </a:r>
-            <a:r>
-              <a:rPr lang="en-US" sz="1600" b="1" strike="noStrike" spc="-1" dirty="0">
-                <a:solidFill>
-                  <a:srgbClr val="303030"/>
-                </a:solidFill>
-                <a:uFill>
-                  <a:solidFill>
-                    <a:srgbClr val="FFFFFF"/>
-                  </a:solidFill>
-                </a:uFill>
-                <a:latin typeface="Roboto Mono"/>
-                <a:ea typeface="DejaVu Sans"/>
-              </a:rPr>
-              <a:t>: </a:t>
-            </a:r>
-            <a:r>
-              <a:rPr lang="en-US" sz="1600" b="1" strike="noStrike" spc="-1" dirty="0" err="1">
-                <a:solidFill>
-                  <a:srgbClr val="DD1144"/>
-                </a:solidFill>
-                <a:uFill>
-                  <a:solidFill>
-                    <a:srgbClr val="FFFFFF"/>
-                  </a:solidFill>
-                </a:uFill>
-                <a:latin typeface="Roboto Mono"/>
-                <a:ea typeface="DejaVu Sans"/>
-              </a:rPr>
-              <a:t>nginx</a:t>
-            </a:r>
-            <a:r>
-              <a:rPr lang="en-US" sz="1600" b="1" strike="noStrike" spc="-1" dirty="0">
-                <a:solidFill>
-                  <a:srgbClr val="303030"/>
-                </a:solidFill>
-                <a:uFill>
-                  <a:solidFill>
-                    <a:srgbClr val="FFFFFF"/>
-                  </a:solidFill>
-                </a:uFill>
-                <a:latin typeface="Roboto Mono"/>
-                <a:ea typeface="DejaVu Sans"/>
-              </a:rPr>
-              <a:t> </a:t>
-            </a:r>
-            <a:endParaRPr lang="en-US" sz="1800" b="0" strike="noStrike" spc="-1" dirty="0">
-              <a:solidFill>
-                <a:srgbClr val="000000"/>
-              </a:solidFill>
-              <a:uFill>
-                <a:solidFill>
-                  <a:srgbClr val="FFFFFF"/>
-                </a:solidFill>
-              </a:uFill>
-              <a:latin typeface="Arial"/>
-            </a:endParaRPr>
-          </a:p>
-          <a:p>
-            <a:pPr>
-              <a:lnSpc>
-                <a:spcPct val="100000"/>
-              </a:lnSpc>
-            </a:pPr>
-            <a:r>
-              <a:rPr lang="en-US" sz="1600" b="1" strike="noStrike" spc="-1" dirty="0">
-                <a:solidFill>
-                  <a:srgbClr val="303030"/>
-                </a:solidFill>
-                <a:uFill>
-                  <a:solidFill>
-                    <a:srgbClr val="FFFFFF"/>
-                  </a:solidFill>
-                </a:uFill>
-                <a:latin typeface="Roboto Mono"/>
-                <a:ea typeface="DejaVu Sans"/>
-              </a:rPr>
-              <a:t>    </a:t>
-            </a:r>
-            <a:r>
-              <a:rPr lang="en-US" sz="1600" b="1" strike="noStrike" spc="-1" dirty="0">
-                <a:solidFill>
-                  <a:srgbClr val="008080"/>
-                </a:solidFill>
-                <a:uFill>
-                  <a:solidFill>
-                    <a:srgbClr val="FFFFFF"/>
-                  </a:solidFill>
-                </a:uFill>
-                <a:latin typeface="Roboto Mono"/>
-                <a:ea typeface="DejaVu Sans"/>
-              </a:rPr>
-              <a:t>template</a:t>
-            </a:r>
-            <a:r>
-              <a:rPr lang="en-US" sz="1600" b="1" strike="noStrike" spc="-1" dirty="0">
-                <a:solidFill>
-                  <a:srgbClr val="303030"/>
-                </a:solidFill>
-                <a:uFill>
-                  <a:solidFill>
-                    <a:srgbClr val="FFFFFF"/>
-                  </a:solidFill>
-                </a:uFill>
-                <a:latin typeface="Roboto Mono"/>
-                <a:ea typeface="DejaVu Sans"/>
-              </a:rPr>
-              <a:t>: </a:t>
-            </a:r>
-            <a:endParaRPr lang="en-US" sz="1800" b="0" strike="noStrike" spc="-1" dirty="0">
-              <a:solidFill>
-                <a:srgbClr val="000000"/>
-              </a:solidFill>
-              <a:uFill>
-                <a:solidFill>
-                  <a:srgbClr val="FFFFFF"/>
-                </a:solidFill>
-              </a:uFill>
-              <a:latin typeface="Arial"/>
-            </a:endParaRPr>
-          </a:p>
-          <a:p>
-            <a:pPr>
-              <a:lnSpc>
-                <a:spcPct val="100000"/>
-              </a:lnSpc>
-            </a:pPr>
-            <a:r>
-              <a:rPr lang="en-US" sz="1600" b="1" strike="noStrike" spc="-1" dirty="0">
-                <a:solidFill>
-                  <a:srgbClr val="303030"/>
-                </a:solidFill>
-                <a:uFill>
-                  <a:solidFill>
-                    <a:srgbClr val="FFFFFF"/>
-                  </a:solidFill>
-                </a:uFill>
-                <a:latin typeface="Roboto Mono"/>
-                <a:ea typeface="DejaVu Sans"/>
-              </a:rPr>
-              <a:t>      </a:t>
-            </a:r>
-            <a:r>
-              <a:rPr lang="en-US" sz="1600" b="1" strike="noStrike" spc="-1" dirty="0">
-                <a:solidFill>
-                  <a:srgbClr val="008080"/>
-                </a:solidFill>
-                <a:uFill>
-                  <a:solidFill>
-                    <a:srgbClr val="FFFFFF"/>
-                  </a:solidFill>
-                </a:uFill>
-                <a:latin typeface="Roboto Mono"/>
-                <a:ea typeface="DejaVu Sans"/>
-              </a:rPr>
-              <a:t>metadata</a:t>
-            </a:r>
-            <a:r>
-              <a:rPr lang="en-US" sz="1600" b="1" strike="noStrike" spc="-1" dirty="0">
-                <a:solidFill>
-                  <a:srgbClr val="303030"/>
-                </a:solidFill>
-                <a:uFill>
-                  <a:solidFill>
-                    <a:srgbClr val="FFFFFF"/>
-                  </a:solidFill>
-                </a:uFill>
-                <a:latin typeface="Roboto Mono"/>
-                <a:ea typeface="DejaVu Sans"/>
-              </a:rPr>
-              <a:t>: </a:t>
-            </a:r>
-            <a:endParaRPr lang="en-US" sz="1800" b="0" strike="noStrike" spc="-1" dirty="0">
-              <a:solidFill>
-                <a:srgbClr val="000000"/>
-              </a:solidFill>
-              <a:uFill>
-                <a:solidFill>
-                  <a:srgbClr val="FFFFFF"/>
-                </a:solidFill>
-              </a:uFill>
-              <a:latin typeface="Arial"/>
-            </a:endParaRPr>
-          </a:p>
-          <a:p>
-            <a:pPr>
-              <a:lnSpc>
-                <a:spcPct val="100000"/>
-              </a:lnSpc>
-            </a:pPr>
-            <a:r>
-              <a:rPr lang="en-US" sz="1600" b="1" strike="noStrike" spc="-1" dirty="0">
-                <a:solidFill>
-                  <a:srgbClr val="303030"/>
-                </a:solidFill>
-                <a:uFill>
-                  <a:solidFill>
-                    <a:srgbClr val="FFFFFF"/>
-                  </a:solidFill>
-                </a:uFill>
-                <a:latin typeface="Roboto Mono"/>
-                <a:ea typeface="DejaVu Sans"/>
-              </a:rPr>
-              <a:t>        </a:t>
-            </a:r>
-            <a:r>
-              <a:rPr lang="en-US" sz="1600" b="1" strike="noStrike" spc="-1" dirty="0">
-                <a:solidFill>
-                  <a:srgbClr val="008080"/>
-                </a:solidFill>
-                <a:uFill>
-                  <a:solidFill>
-                    <a:srgbClr val="FFFFFF"/>
-                  </a:solidFill>
-                </a:uFill>
-                <a:latin typeface="Roboto Mono"/>
-                <a:ea typeface="DejaVu Sans"/>
-              </a:rPr>
-              <a:t>labels</a:t>
-            </a:r>
-            <a:r>
-              <a:rPr lang="en-US" sz="1600" b="1" strike="noStrike" spc="-1" dirty="0">
-                <a:solidFill>
-                  <a:srgbClr val="303030"/>
-                </a:solidFill>
-                <a:uFill>
-                  <a:solidFill>
-                    <a:srgbClr val="FFFFFF"/>
-                  </a:solidFill>
-                </a:uFill>
-                <a:latin typeface="Roboto Mono"/>
-                <a:ea typeface="DejaVu Sans"/>
-              </a:rPr>
-              <a:t>: </a:t>
-            </a:r>
-            <a:endParaRPr lang="en-US" sz="1800" b="0" strike="noStrike" spc="-1" dirty="0">
-              <a:solidFill>
-                <a:srgbClr val="000000"/>
-              </a:solidFill>
-              <a:uFill>
-                <a:solidFill>
-                  <a:srgbClr val="FFFFFF"/>
-                </a:solidFill>
-              </a:uFill>
-              <a:latin typeface="Arial"/>
-            </a:endParaRPr>
-          </a:p>
-          <a:p>
-            <a:pPr>
-              <a:lnSpc>
-                <a:spcPct val="100000"/>
-              </a:lnSpc>
-            </a:pPr>
-            <a:r>
-              <a:rPr lang="en-US" sz="1600" b="1" strike="noStrike" spc="-1" dirty="0">
-                <a:solidFill>
-                  <a:srgbClr val="303030"/>
-                </a:solidFill>
-                <a:uFill>
-                  <a:solidFill>
-                    <a:srgbClr val="FFFFFF"/>
-                  </a:solidFill>
-                </a:uFill>
-                <a:latin typeface="Roboto Mono"/>
-                <a:ea typeface="DejaVu Sans"/>
-              </a:rPr>
-              <a:t>          </a:t>
-            </a:r>
-            <a:r>
-              <a:rPr lang="en-US" sz="1600" b="1" strike="noStrike" spc="-1" dirty="0">
-                <a:solidFill>
-                  <a:srgbClr val="008080"/>
-                </a:solidFill>
-                <a:uFill>
-                  <a:solidFill>
-                    <a:srgbClr val="FFFFFF"/>
-                  </a:solidFill>
-                </a:uFill>
-                <a:latin typeface="Roboto Mono"/>
-                <a:ea typeface="DejaVu Sans"/>
-              </a:rPr>
-              <a:t>app</a:t>
-            </a:r>
-            <a:r>
-              <a:rPr lang="en-US" sz="1600" b="1" strike="noStrike" spc="-1" dirty="0">
-                <a:solidFill>
-                  <a:srgbClr val="303030"/>
-                </a:solidFill>
-                <a:uFill>
-                  <a:solidFill>
-                    <a:srgbClr val="FFFFFF"/>
-                  </a:solidFill>
-                </a:uFill>
-                <a:latin typeface="Roboto Mono"/>
-                <a:ea typeface="DejaVu Sans"/>
-              </a:rPr>
-              <a:t>: </a:t>
-            </a:r>
-            <a:r>
-              <a:rPr lang="en-US" sz="1600" b="1" strike="noStrike" spc="-1" dirty="0" err="1">
-                <a:solidFill>
-                  <a:srgbClr val="DD1144"/>
-                </a:solidFill>
-                <a:uFill>
-                  <a:solidFill>
-                    <a:srgbClr val="FFFFFF"/>
-                  </a:solidFill>
-                </a:uFill>
-                <a:latin typeface="Roboto Mono"/>
-                <a:ea typeface="DejaVu Sans"/>
-              </a:rPr>
-              <a:t>nginx</a:t>
-            </a:r>
-            <a:r>
-              <a:rPr lang="en-US" sz="1600" b="1" strike="noStrike" spc="-1" dirty="0">
-                <a:solidFill>
-                  <a:srgbClr val="303030"/>
-                </a:solidFill>
-                <a:uFill>
-                  <a:solidFill>
-                    <a:srgbClr val="FFFFFF"/>
-                  </a:solidFill>
-                </a:uFill>
-                <a:latin typeface="Roboto Mono"/>
-                <a:ea typeface="DejaVu Sans"/>
-              </a:rPr>
-              <a:t> </a:t>
-            </a:r>
-            <a:endParaRPr lang="en-US" sz="1800" b="0" strike="noStrike" spc="-1" dirty="0">
-              <a:solidFill>
-                <a:srgbClr val="000000"/>
-              </a:solidFill>
-              <a:uFill>
-                <a:solidFill>
-                  <a:srgbClr val="FFFFFF"/>
-                </a:solidFill>
-              </a:uFill>
-              <a:latin typeface="Arial"/>
-            </a:endParaRPr>
-          </a:p>
-          <a:p>
-            <a:pPr>
-              <a:lnSpc>
-                <a:spcPct val="100000"/>
-              </a:lnSpc>
-            </a:pPr>
-            <a:r>
-              <a:rPr lang="en-US" sz="1600" b="1" strike="noStrike" spc="-1" dirty="0">
-                <a:solidFill>
-                  <a:srgbClr val="303030"/>
-                </a:solidFill>
-                <a:uFill>
-                  <a:solidFill>
-                    <a:srgbClr val="FFFFFF"/>
-                  </a:solidFill>
-                </a:uFill>
-                <a:latin typeface="Roboto Mono"/>
-                <a:ea typeface="DejaVu Sans"/>
-              </a:rPr>
-              <a:t>       </a:t>
-            </a:r>
-            <a:r>
-              <a:rPr lang="en-US" sz="1600" b="1" strike="noStrike" spc="-1" dirty="0">
-                <a:solidFill>
-                  <a:srgbClr val="008080"/>
-                </a:solidFill>
-                <a:uFill>
-                  <a:solidFill>
-                    <a:srgbClr val="FFFFFF"/>
-                  </a:solidFill>
-                </a:uFill>
-                <a:latin typeface="Roboto Mono"/>
-                <a:ea typeface="DejaVu Sans"/>
-              </a:rPr>
-              <a:t>spec</a:t>
-            </a:r>
-            <a:r>
-              <a:rPr lang="en-US" sz="1600" b="1" strike="noStrike" spc="-1" dirty="0">
-                <a:solidFill>
-                  <a:srgbClr val="303030"/>
-                </a:solidFill>
-                <a:uFill>
-                  <a:solidFill>
-                    <a:srgbClr val="FFFFFF"/>
-                  </a:solidFill>
-                </a:uFill>
-                <a:latin typeface="Roboto Mono"/>
-                <a:ea typeface="DejaVu Sans"/>
-              </a:rPr>
-              <a:t>: </a:t>
-            </a:r>
-            <a:endParaRPr lang="en-US" sz="1800" b="0" strike="noStrike" spc="-1" dirty="0">
-              <a:solidFill>
-                <a:srgbClr val="000000"/>
-              </a:solidFill>
-              <a:uFill>
-                <a:solidFill>
-                  <a:srgbClr val="FFFFFF"/>
-                </a:solidFill>
-              </a:uFill>
-              <a:latin typeface="Arial"/>
-            </a:endParaRPr>
-          </a:p>
-          <a:p>
-            <a:pPr>
-              <a:lnSpc>
-                <a:spcPct val="100000"/>
-              </a:lnSpc>
-            </a:pPr>
-            <a:r>
-              <a:rPr lang="en-US" sz="1600" b="1" strike="noStrike" spc="-1" dirty="0">
-                <a:solidFill>
-                  <a:srgbClr val="303030"/>
-                </a:solidFill>
-                <a:uFill>
-                  <a:solidFill>
-                    <a:srgbClr val="FFFFFF"/>
-                  </a:solidFill>
-                </a:uFill>
-                <a:latin typeface="Roboto Mono"/>
-                <a:ea typeface="DejaVu Sans"/>
-              </a:rPr>
-              <a:t>        </a:t>
-            </a:r>
-            <a:r>
-              <a:rPr lang="en-US" sz="1600" b="1" strike="noStrike" spc="-1" dirty="0">
-                <a:solidFill>
-                  <a:srgbClr val="008080"/>
-                </a:solidFill>
-                <a:uFill>
-                  <a:solidFill>
-                    <a:srgbClr val="FFFFFF"/>
-                  </a:solidFill>
-                </a:uFill>
-                <a:latin typeface="Roboto Mono"/>
-                <a:ea typeface="DejaVu Sans"/>
-              </a:rPr>
-              <a:t>containers</a:t>
-            </a:r>
-            <a:r>
-              <a:rPr lang="en-US" sz="1600" b="1" strike="noStrike" spc="-1" dirty="0">
-                <a:solidFill>
-                  <a:srgbClr val="303030"/>
-                </a:solidFill>
-                <a:uFill>
-                  <a:solidFill>
-                    <a:srgbClr val="FFFFFF"/>
-                  </a:solidFill>
-                </a:uFill>
-                <a:latin typeface="Roboto Mono"/>
-                <a:ea typeface="DejaVu Sans"/>
-              </a:rPr>
-              <a:t>: </a:t>
-            </a:r>
-            <a:endParaRPr lang="en-US" sz="1800" b="0" strike="noStrike" spc="-1" dirty="0">
-              <a:solidFill>
-                <a:srgbClr val="000000"/>
-              </a:solidFill>
-              <a:uFill>
-                <a:solidFill>
-                  <a:srgbClr val="FFFFFF"/>
-                </a:solidFill>
-              </a:uFill>
-              <a:latin typeface="Arial"/>
-            </a:endParaRPr>
-          </a:p>
-          <a:p>
-            <a:pPr>
-              <a:lnSpc>
-                <a:spcPct val="100000"/>
-              </a:lnSpc>
-            </a:pPr>
-            <a:r>
-              <a:rPr lang="en-US" sz="1600" b="1" strike="noStrike" spc="-1" dirty="0">
-                <a:solidFill>
-                  <a:srgbClr val="303030"/>
-                </a:solidFill>
-                <a:uFill>
-                  <a:solidFill>
-                    <a:srgbClr val="FFFFFF"/>
-                  </a:solidFill>
-                </a:uFill>
-                <a:latin typeface="Roboto Mono"/>
-                <a:ea typeface="DejaVu Sans"/>
-              </a:rPr>
-              <a:t>        - </a:t>
-            </a:r>
-            <a:r>
-              <a:rPr lang="en-US" sz="1600" b="1" strike="noStrike" spc="-1" dirty="0">
-                <a:solidFill>
-                  <a:srgbClr val="008080"/>
-                </a:solidFill>
-                <a:uFill>
-                  <a:solidFill>
-                    <a:srgbClr val="FFFFFF"/>
-                  </a:solidFill>
-                </a:uFill>
-                <a:latin typeface="Roboto Mono"/>
-                <a:ea typeface="DejaVu Sans"/>
-              </a:rPr>
-              <a:t>name</a:t>
-            </a:r>
-            <a:r>
-              <a:rPr lang="en-US" sz="1600" b="1" strike="noStrike" spc="-1" dirty="0">
-                <a:solidFill>
-                  <a:srgbClr val="303030"/>
-                </a:solidFill>
-                <a:uFill>
-                  <a:solidFill>
-                    <a:srgbClr val="FFFFFF"/>
-                  </a:solidFill>
-                </a:uFill>
-                <a:latin typeface="Roboto Mono"/>
-                <a:ea typeface="DejaVu Sans"/>
-              </a:rPr>
-              <a:t>: </a:t>
-            </a:r>
-            <a:r>
-              <a:rPr lang="en-US" sz="1600" b="1" strike="noStrike" spc="-1" dirty="0" err="1">
-                <a:solidFill>
-                  <a:srgbClr val="DD1144"/>
-                </a:solidFill>
-                <a:uFill>
-                  <a:solidFill>
-                    <a:srgbClr val="FFFFFF"/>
-                  </a:solidFill>
-                </a:uFill>
-                <a:latin typeface="Roboto Mono"/>
-                <a:ea typeface="DejaVu Sans"/>
-              </a:rPr>
-              <a:t>nginx</a:t>
-            </a:r>
-            <a:r>
-              <a:rPr lang="en-US" sz="1600" b="1" strike="noStrike" spc="-1" dirty="0">
-                <a:solidFill>
-                  <a:srgbClr val="303030"/>
-                </a:solidFill>
-                <a:uFill>
-                  <a:solidFill>
-                    <a:srgbClr val="FFFFFF"/>
-                  </a:solidFill>
-                </a:uFill>
-                <a:latin typeface="Roboto Mono"/>
-                <a:ea typeface="DejaVu Sans"/>
-              </a:rPr>
-              <a:t> </a:t>
-            </a:r>
-            <a:endParaRPr lang="en-US" sz="1800" b="0" strike="noStrike" spc="-1" dirty="0">
-              <a:solidFill>
-                <a:srgbClr val="000000"/>
-              </a:solidFill>
-              <a:uFill>
-                <a:solidFill>
-                  <a:srgbClr val="FFFFFF"/>
-                </a:solidFill>
-              </a:uFill>
-              <a:latin typeface="Arial"/>
-            </a:endParaRPr>
-          </a:p>
-          <a:p>
-            <a:pPr>
-              <a:lnSpc>
-                <a:spcPct val="100000"/>
-              </a:lnSpc>
-            </a:pPr>
-            <a:r>
-              <a:rPr lang="en-US" sz="1600" b="1" strike="noStrike" spc="-1" dirty="0">
-                <a:solidFill>
-                  <a:srgbClr val="303030"/>
-                </a:solidFill>
-                <a:uFill>
-                  <a:solidFill>
-                    <a:srgbClr val="FFFFFF"/>
-                  </a:solidFill>
-                </a:uFill>
-                <a:latin typeface="Roboto Mono"/>
-                <a:ea typeface="DejaVu Sans"/>
-              </a:rPr>
-              <a:t>          </a:t>
-            </a:r>
-            <a:r>
-              <a:rPr lang="en-US" sz="1600" b="1" strike="noStrike" spc="-1" dirty="0">
-                <a:solidFill>
-                  <a:srgbClr val="008080"/>
-                </a:solidFill>
-                <a:uFill>
-                  <a:solidFill>
-                    <a:srgbClr val="FFFFFF"/>
-                  </a:solidFill>
-                </a:uFill>
-                <a:latin typeface="Roboto Mono"/>
-                <a:ea typeface="DejaVu Sans"/>
-              </a:rPr>
-              <a:t>image</a:t>
-            </a:r>
-            <a:r>
-              <a:rPr lang="en-US" sz="1600" b="1" strike="noStrike" spc="-1" dirty="0">
-                <a:solidFill>
-                  <a:srgbClr val="303030"/>
-                </a:solidFill>
-                <a:uFill>
-                  <a:solidFill>
-                    <a:srgbClr val="FFFFFF"/>
-                  </a:solidFill>
-                </a:uFill>
-                <a:latin typeface="Roboto Mono"/>
-                <a:ea typeface="DejaVu Sans"/>
-              </a:rPr>
-              <a:t>: </a:t>
-            </a:r>
-            <a:r>
-              <a:rPr lang="en-US" sz="1600" b="1" strike="noStrike" spc="-1" dirty="0">
-                <a:solidFill>
-                  <a:srgbClr val="DD1144"/>
-                </a:solidFill>
-                <a:uFill>
-                  <a:solidFill>
-                    <a:srgbClr val="FFFFFF"/>
-                  </a:solidFill>
-                </a:uFill>
-                <a:latin typeface="Roboto Mono"/>
-                <a:ea typeface="DejaVu Sans"/>
-              </a:rPr>
-              <a:t>nginx:1.7.9</a:t>
-            </a:r>
-            <a:r>
-              <a:rPr lang="en-US" sz="1600" b="1" strike="noStrike" spc="-1" dirty="0">
-                <a:solidFill>
-                  <a:srgbClr val="303030"/>
-                </a:solidFill>
-                <a:uFill>
-                  <a:solidFill>
-                    <a:srgbClr val="FFFFFF"/>
-                  </a:solidFill>
-                </a:uFill>
-                <a:latin typeface="Roboto Mono"/>
-                <a:ea typeface="DejaVu Sans"/>
-              </a:rPr>
-              <a:t> </a:t>
-            </a:r>
-            <a:endParaRPr lang="en-US" sz="1800" b="0" strike="noStrike" spc="-1" dirty="0">
-              <a:solidFill>
-                <a:srgbClr val="000000"/>
-              </a:solidFill>
-              <a:uFill>
-                <a:solidFill>
-                  <a:srgbClr val="FFFFFF"/>
-                </a:solidFill>
-              </a:uFill>
-              <a:latin typeface="Arial"/>
-            </a:endParaRPr>
-          </a:p>
-          <a:p>
-            <a:pPr>
-              <a:lnSpc>
-                <a:spcPct val="100000"/>
-              </a:lnSpc>
-            </a:pPr>
-            <a:r>
-              <a:rPr lang="en-US" sz="1600" b="1" strike="noStrike" spc="-1" dirty="0">
-                <a:solidFill>
-                  <a:srgbClr val="303030"/>
-                </a:solidFill>
-                <a:uFill>
-                  <a:solidFill>
-                    <a:srgbClr val="FFFFFF"/>
-                  </a:solidFill>
-                </a:uFill>
-                <a:latin typeface="Roboto Mono"/>
-                <a:ea typeface="DejaVu Sans"/>
-              </a:rPr>
-              <a:t>          </a:t>
-            </a:r>
-            <a:r>
-              <a:rPr lang="en-US" sz="1600" b="1" strike="noStrike" spc="-1" dirty="0">
-                <a:solidFill>
-                  <a:srgbClr val="008080"/>
-                </a:solidFill>
-                <a:uFill>
-                  <a:solidFill>
-                    <a:srgbClr val="FFFFFF"/>
-                  </a:solidFill>
-                </a:uFill>
-                <a:latin typeface="Roboto Mono"/>
-                <a:ea typeface="DejaVu Sans"/>
-              </a:rPr>
-              <a:t>ports</a:t>
-            </a:r>
-            <a:r>
-              <a:rPr lang="en-US" sz="1600" b="1" strike="noStrike" spc="-1" dirty="0">
-                <a:solidFill>
-                  <a:srgbClr val="303030"/>
-                </a:solidFill>
-                <a:uFill>
-                  <a:solidFill>
-                    <a:srgbClr val="FFFFFF"/>
-                  </a:solidFill>
-                </a:uFill>
-                <a:latin typeface="Roboto Mono"/>
-                <a:ea typeface="DejaVu Sans"/>
-              </a:rPr>
-              <a:t>: </a:t>
-            </a:r>
-            <a:endParaRPr lang="en-US" sz="1800" b="0" strike="noStrike" spc="-1" dirty="0">
-              <a:solidFill>
-                <a:srgbClr val="000000"/>
-              </a:solidFill>
-              <a:uFill>
-                <a:solidFill>
-                  <a:srgbClr val="FFFFFF"/>
-                </a:solidFill>
-              </a:uFill>
-              <a:latin typeface="Arial"/>
-            </a:endParaRPr>
-          </a:p>
-          <a:p>
-            <a:pPr>
-              <a:lnSpc>
-                <a:spcPct val="100000"/>
-              </a:lnSpc>
-            </a:pPr>
-            <a:r>
-              <a:rPr lang="en-US" sz="1600" b="1" strike="noStrike" spc="-1" dirty="0">
-                <a:solidFill>
-                  <a:srgbClr val="303030"/>
-                </a:solidFill>
-                <a:uFill>
-                  <a:solidFill>
-                    <a:srgbClr val="FFFFFF"/>
-                  </a:solidFill>
-                </a:uFill>
-                <a:latin typeface="Roboto Mono"/>
-                <a:ea typeface="DejaVu Sans"/>
-              </a:rPr>
-              <a:t>          - </a:t>
-            </a:r>
-            <a:r>
-              <a:rPr lang="en-US" sz="1600" b="1" strike="noStrike" spc="-1" dirty="0" err="1">
-                <a:solidFill>
-                  <a:srgbClr val="008080"/>
-                </a:solidFill>
-                <a:uFill>
-                  <a:solidFill>
-                    <a:srgbClr val="FFFFFF"/>
-                  </a:solidFill>
-                </a:uFill>
-                <a:latin typeface="Roboto Mono"/>
-                <a:ea typeface="DejaVu Sans"/>
-              </a:rPr>
-              <a:t>containerPort</a:t>
-            </a:r>
-            <a:r>
-              <a:rPr lang="en-US" sz="1600" b="1" strike="noStrike" spc="-1" dirty="0">
-                <a:solidFill>
-                  <a:srgbClr val="303030"/>
-                </a:solidFill>
-                <a:uFill>
-                  <a:solidFill>
-                    <a:srgbClr val="FFFFFF"/>
-                  </a:solidFill>
-                </a:uFill>
-                <a:latin typeface="Roboto Mono"/>
-                <a:ea typeface="DejaVu Sans"/>
-              </a:rPr>
-              <a:t>: </a:t>
-            </a:r>
-            <a:r>
-              <a:rPr lang="en-US" sz="1600" b="1" strike="noStrike" spc="-1" dirty="0">
-                <a:solidFill>
-                  <a:srgbClr val="DD1144"/>
-                </a:solidFill>
-                <a:uFill>
-                  <a:solidFill>
-                    <a:srgbClr val="FFFFFF"/>
-                  </a:solidFill>
-                </a:uFill>
-                <a:latin typeface="Roboto Mono"/>
-                <a:ea typeface="DejaVu Sans"/>
-              </a:rPr>
-              <a:t>80</a:t>
-            </a:r>
-            <a:r>
-              <a:rPr lang="en-US" sz="2000" b="0" strike="noStrike" spc="-1" dirty="0">
-                <a:solidFill>
-                  <a:srgbClr val="000000"/>
-                </a:solidFill>
-                <a:uFill>
-                  <a:solidFill>
-                    <a:srgbClr val="FFFFFF"/>
-                  </a:solidFill>
-                </a:uFill>
-                <a:latin typeface="Calibri"/>
-                <a:ea typeface="DejaVu Sans"/>
-              </a:rPr>
-              <a:t> </a:t>
-            </a:r>
-            <a:endParaRPr lang="en-US" sz="1800" b="0" strike="noStrike" spc="-1" dirty="0">
-              <a:solidFill>
-                <a:srgbClr val="000000"/>
-              </a:solidFill>
-              <a:uFill>
-                <a:solidFill>
-                  <a:srgbClr val="FFFFFF"/>
-                </a:solidFill>
-              </a:uFill>
-              <a:latin typeface="Arial"/>
             </a:endParaRPr>
           </a:p>
         </p:txBody>
@@ -18145,7 +16770,7 @@
               </a:lnSpc>
             </a:pPr>
             <a:r>
-              <a:rPr lang="en-US" sz="1600" b="1" strike="noStrike" spc="-1">
+              <a:rPr lang="en-US" sz="1600" b="1" strike="noStrike" spc="-1" dirty="0">
                 <a:solidFill>
                   <a:srgbClr val="008080"/>
                 </a:solidFill>
@@ -18160,7 +16785,7 @@
               <a:t>kind</a:t>
             </a:r>
             <a:r>
-              <a:rPr lang="en-US" sz="1600" b="1" strike="noStrike" spc="-1">
+              <a:rPr lang="en-US" sz="1600" b="1" strike="noStrike" spc="-1" dirty="0">
                 <a:solidFill>
                   <a:srgbClr val="303030"/>
                 </a:solidFill>
@@ -18175,7 +16800,7 @@
               <a:t>: </a:t>
             </a:r>
             <a:r>
-              <a:rPr lang="en-US" sz="1600" b="1" strike="noStrike" spc="-1">
+              <a:rPr lang="en-US" sz="1600" b="1" strike="noStrike" spc="-1" dirty="0">
                 <a:solidFill>
                   <a:srgbClr val="DD1144"/>
                 </a:solidFill>
@@ -18190,7 +16815,7 @@
               <a:t>Service</a:t>
             </a:r>
             <a:r>
-              <a:rPr lang="en-US" sz="1600" b="1" strike="noStrike" spc="-1">
+              <a:rPr lang="en-US" sz="1600" b="1" strike="noStrike" spc="-1" dirty="0">
                 <a:solidFill>
                   <a:srgbClr val="303030"/>
                 </a:solidFill>
@@ -18204,7 +16829,7 @@
               </a:rPr>
               <a:t> </a:t>
             </a:r>
-            <a:endParaRPr lang="en-US" sz="1800" b="0" strike="noStrike" spc="-1">
+            <a:endParaRPr lang="en-US" sz="1800" b="0" strike="noStrike" spc="-1" dirty="0">
               <a:solidFill>
                 <a:srgbClr val="000000"/>
               </a:solidFill>
@@ -18223,7 +16848,7 @@
               </a:lnSpc>
             </a:pPr>
             <a:r>
-              <a:rPr lang="en-US" sz="1600" b="1" strike="noStrike" spc="-1">
+              <a:rPr lang="en-US" sz="1600" b="1" strike="noStrike" spc="-1" dirty="0" err="1">
                 <a:solidFill>
                   <a:srgbClr val="008080"/>
                 </a:solidFill>
@@ -18238,7 +16863,7 @@
               <a:t>apiVersion</a:t>
             </a:r>
             <a:r>
-              <a:rPr lang="en-US" sz="1600" b="1" strike="noStrike" spc="-1">
+              <a:rPr lang="en-US" sz="1600" b="1" strike="noStrike" spc="-1" dirty="0">
                 <a:solidFill>
                   <a:srgbClr val="303030"/>
                 </a:solidFill>
@@ -18253,7 +16878,7 @@
               <a:t>: </a:t>
             </a:r>
             <a:r>
-              <a:rPr lang="en-US" sz="1600" b="1" strike="noStrike" spc="-1">
+              <a:rPr lang="en-US" sz="1600" b="1" strike="noStrike" spc="-1" dirty="0">
                 <a:solidFill>
                   <a:srgbClr val="DD1144"/>
                 </a:solidFill>
@@ -18268,7 +16893,7 @@
               <a:t>v1</a:t>
             </a:r>
             <a:r>
-              <a:rPr lang="en-US" sz="1600" b="1" strike="noStrike" spc="-1">
+              <a:rPr lang="en-US" sz="1600" b="1" strike="noStrike" spc="-1" dirty="0">
                 <a:solidFill>
                   <a:srgbClr val="303030"/>
                 </a:solidFill>
@@ -18282,7 +16907,7 @@
               </a:rPr>
               <a:t> </a:t>
             </a:r>
-            <a:endParaRPr lang="en-US" sz="1800" b="0" strike="noStrike" spc="-1">
+            <a:endParaRPr lang="en-US" sz="1800" b="0" strike="noStrike" spc="-1" dirty="0">
               <a:solidFill>
                 <a:srgbClr val="000000"/>
               </a:solidFill>
@@ -18301,7 +16926,7 @@
               </a:lnSpc>
             </a:pPr>
             <a:r>
-              <a:rPr lang="en-US" sz="1600" b="1" strike="noStrike" spc="-1">
+              <a:rPr lang="en-US" sz="1600" b="1" strike="noStrike" spc="-1" dirty="0">
                 <a:solidFill>
                   <a:srgbClr val="008080"/>
                 </a:solidFill>
@@ -18316,7 +16941,7 @@
               <a:t>metadata</a:t>
             </a:r>
             <a:r>
-              <a:rPr lang="en-US" sz="1600" b="1" strike="noStrike" spc="-1">
+              <a:rPr lang="en-US" sz="1600" b="1" strike="noStrike" spc="-1" dirty="0">
                 <a:solidFill>
                   <a:srgbClr val="303030"/>
                 </a:solidFill>
@@ -18330,7 +16955,7 @@
               </a:rPr>
               <a:t>: </a:t>
             </a:r>
-            <a:endParaRPr lang="en-US" sz="1800" b="0" strike="noStrike" spc="-1">
+            <a:endParaRPr lang="en-US" sz="1800" b="0" strike="noStrike" spc="-1" dirty="0">
               <a:solidFill>
                 <a:srgbClr val="000000"/>
               </a:solidFill>
@@ -18349,7 +16974,7 @@
               </a:lnSpc>
             </a:pPr>
             <a:r>
-              <a:rPr lang="en-US" sz="1600" b="1" strike="noStrike" spc="-1">
+              <a:rPr lang="en-US" sz="1600" b="1" strike="noStrike" spc="-1" dirty="0">
                 <a:solidFill>
                   <a:srgbClr val="303030"/>
                 </a:solidFill>
@@ -18364,7 +16989,7 @@
               <a:t>  </a:t>
             </a:r>
             <a:r>
-              <a:rPr lang="en-US" sz="1600" b="1" strike="noStrike" spc="-1">
+              <a:rPr lang="en-US" sz="1600" b="1" strike="noStrike" spc="-1" dirty="0">
                 <a:solidFill>
                   <a:srgbClr val="008080"/>
                 </a:solidFill>
@@ -18379,7 +17004,7 @@
               <a:t>name</a:t>
             </a:r>
             <a:r>
-              <a:rPr lang="en-US" sz="1600" b="1" strike="noStrike" spc="-1">
+              <a:rPr lang="en-US" sz="1600" b="1" strike="noStrike" spc="-1" dirty="0">
                 <a:solidFill>
                   <a:srgbClr val="303030"/>
                 </a:solidFill>
@@ -18394,7 +17019,7 @@
               <a:t>: </a:t>
             </a:r>
             <a:r>
-              <a:rPr lang="en-US" sz="1600" b="1" strike="noStrike" spc="-1">
+              <a:rPr lang="en-US" sz="1600" b="1" strike="noStrike" spc="-1" dirty="0">
                 <a:solidFill>
                   <a:srgbClr val="DD1144"/>
                 </a:solidFill>
@@ -18409,7 +17034,7 @@
               <a:t>my-service</a:t>
             </a:r>
             <a:r>
-              <a:rPr lang="en-US" sz="1600" b="1" strike="noStrike" spc="-1">
+              <a:rPr lang="en-US" sz="1600" b="1" strike="noStrike" spc="-1" dirty="0">
                 <a:solidFill>
                   <a:srgbClr val="303030"/>
                 </a:solidFill>
@@ -18423,7 +17048,7 @@
               </a:rPr>
               <a:t> </a:t>
             </a:r>
-            <a:endParaRPr lang="en-US" sz="1800" b="0" strike="noStrike" spc="-1">
+            <a:endParaRPr lang="en-US" sz="1800" b="0" strike="noStrike" spc="-1" dirty="0">
               <a:solidFill>
                 <a:srgbClr val="000000"/>
               </a:solidFill>
@@ -18442,7 +17067,7 @@
               </a:lnSpc>
             </a:pPr>
             <a:r>
-              <a:rPr lang="en-US" sz="1600" b="1" strike="noStrike" spc="-1">
+              <a:rPr lang="en-US" sz="1600" b="1" strike="noStrike" spc="-1" dirty="0">
                 <a:solidFill>
                   <a:srgbClr val="008080"/>
                 </a:solidFill>
@@ -18457,7 +17082,7 @@
               <a:t>spec</a:t>
             </a:r>
             <a:r>
-              <a:rPr lang="en-US" sz="1600" b="1" strike="noStrike" spc="-1">
+              <a:rPr lang="en-US" sz="1600" b="1" strike="noStrike" spc="-1" dirty="0">
                 <a:solidFill>
                   <a:srgbClr val="303030"/>
                 </a:solidFill>
@@ -18471,7 +17096,7 @@
               </a:rPr>
               <a:t>: </a:t>
             </a:r>
-            <a:endParaRPr lang="en-US" sz="1800" b="0" strike="noStrike" spc="-1">
+            <a:endParaRPr lang="en-US" sz="1800" b="0" strike="noStrike" spc="-1" dirty="0">
               <a:solidFill>
                 <a:srgbClr val="000000"/>
               </a:solidFill>
@@ -18490,7 +17115,7 @@
               </a:lnSpc>
             </a:pPr>
             <a:r>
-              <a:rPr lang="en-US" sz="1600" b="1" strike="noStrike" spc="-1">
+              <a:rPr lang="en-US" sz="1600" b="1" strike="noStrike" spc="-1" dirty="0">
                 <a:solidFill>
                   <a:srgbClr val="303030"/>
                 </a:solidFill>
@@ -18505,7 +17130,7 @@
               <a:t>  </a:t>
             </a:r>
             <a:r>
-              <a:rPr lang="en-US" sz="1600" b="1" strike="noStrike" spc="-1">
+              <a:rPr lang="en-US" sz="1600" b="1" strike="noStrike" spc="-1" dirty="0">
                 <a:solidFill>
                   <a:srgbClr val="008080"/>
                 </a:solidFill>
@@ -18520,7 +17145,7 @@
               <a:t>selector</a:t>
             </a:r>
             <a:r>
-              <a:rPr lang="en-US" sz="1600" b="1" strike="noStrike" spc="-1">
+              <a:rPr lang="en-US" sz="1600" b="1" strike="noStrike" spc="-1" dirty="0">
                 <a:solidFill>
                   <a:srgbClr val="303030"/>
                 </a:solidFill>
@@ -18534,7 +17159,7 @@
               </a:rPr>
               <a:t>: </a:t>
             </a:r>
-            <a:endParaRPr lang="en-US" sz="1800" b="0" strike="noStrike" spc="-1">
+            <a:endParaRPr lang="en-US" sz="1800" b="0" strike="noStrike" spc="-1" dirty="0">
               <a:solidFill>
                 <a:srgbClr val="000000"/>
               </a:solidFill>
@@ -18553,7 +17178,7 @@
               </a:lnSpc>
             </a:pPr>
             <a:r>
-              <a:rPr lang="en-US" sz="1600" b="1" strike="noStrike" spc="-1">
+              <a:rPr lang="en-US" sz="1600" b="1" strike="noStrike" spc="-1" dirty="0">
                 <a:solidFill>
                   <a:srgbClr val="303030"/>
                 </a:solidFill>
@@ -18568,7 +17193,7 @@
               <a:t>    </a:t>
             </a:r>
             <a:r>
-              <a:rPr lang="en-US" sz="1600" b="1" strike="noStrike" spc="-1">
+              <a:rPr lang="en-US" sz="1600" b="1" strike="noStrike" spc="-1" dirty="0">
                 <a:solidFill>
                   <a:srgbClr val="008080"/>
                 </a:solidFill>
@@ -18583,7 +17208,7 @@
               <a:t>app</a:t>
             </a:r>
             <a:r>
-              <a:rPr lang="en-US" sz="1600" b="1" strike="noStrike" spc="-1">
+              <a:rPr lang="en-US" sz="1600" b="1" strike="noStrike" spc="-1" dirty="0">
                 <a:solidFill>
                   <a:srgbClr val="303030"/>
                 </a:solidFill>
@@ -18598,7 +17223,7 @@
               <a:t>: </a:t>
             </a:r>
             <a:r>
-              <a:rPr lang="en-US" sz="1600" b="1" strike="noStrike" spc="-1">
+              <a:rPr lang="en-US" sz="1600" b="1" strike="noStrike" spc="-1" dirty="0" err="1">
                 <a:solidFill>
                   <a:srgbClr val="DD1144"/>
                 </a:solidFill>
@@ -18610,10 +17235,10 @@
                 <a:latin typeface="Roboto Mono"/>
                 <a:ea typeface="DejaVu Sans"/>
               </a:rPr>
-              <a:t>MyApp</a:t>
-            </a:r>
-            <a:r>
-              <a:rPr lang="en-US" sz="1600" b="1" strike="noStrike" spc="-1">
+              <a:t>nginx</a:t>
+            </a:r>
+            <a:r>
+              <a:rPr lang="en-US" sz="1600" b="1" strike="noStrike" spc="-1" dirty="0">
                 <a:solidFill>
                   <a:srgbClr val="303030"/>
                 </a:solidFill>
@@ -18627,7 +17252,7 @@
               </a:rPr>
               <a:t> </a:t>
             </a:r>
-            <a:endParaRPr lang="en-US" sz="1800" b="0" strike="noStrike" spc="-1">
+            <a:endParaRPr lang="en-US" sz="1800" b="0" strike="noStrike" spc="-1" dirty="0">
               <a:solidFill>
                 <a:srgbClr val="000000"/>
               </a:solidFill>
@@ -18646,7 +17271,7 @@
               </a:lnSpc>
             </a:pPr>
             <a:r>
-              <a:rPr lang="en-US" sz="1600" b="1" strike="noStrike" spc="-1">
+              <a:rPr lang="en-US" sz="1600" b="1" strike="noStrike" spc="-1" dirty="0">
                 <a:solidFill>
                   <a:srgbClr val="303030"/>
                 </a:solidFill>
@@ -18661,7 +17286,7 @@
               <a:t>  </a:t>
             </a:r>
             <a:r>
-              <a:rPr lang="en-US" sz="1600" b="1" strike="noStrike" spc="-1">
+              <a:rPr lang="en-US" sz="1600" b="1" strike="noStrike" spc="-1" dirty="0">
                 <a:solidFill>
                   <a:srgbClr val="008080"/>
                 </a:solidFill>
@@ -18676,7 +17301,7 @@
               <a:t>ports</a:t>
             </a:r>
             <a:r>
-              <a:rPr lang="en-US" sz="1600" b="1" strike="noStrike" spc="-1">
+              <a:rPr lang="en-US" sz="1600" b="1" strike="noStrike" spc="-1" dirty="0">
                 <a:solidFill>
                   <a:srgbClr val="303030"/>
                 </a:solidFill>
@@ -18690,7 +17315,7 @@
               </a:rPr>
               <a:t>: </a:t>
             </a:r>
-            <a:endParaRPr lang="en-US" sz="1800" b="0" strike="noStrike" spc="-1">
+            <a:endParaRPr lang="en-US" sz="1800" b="0" strike="noStrike" spc="-1" dirty="0">
               <a:solidFill>
                 <a:srgbClr val="000000"/>
               </a:solidFill>
@@ -18709,7 +17334,7 @@
               </a:lnSpc>
             </a:pPr>
             <a:r>
-              <a:rPr lang="en-US" sz="1600" b="1" strike="noStrike" spc="-1">
+              <a:rPr lang="en-US" sz="1600" b="1" strike="noStrike" spc="-1" dirty="0">
                 <a:solidFill>
                   <a:srgbClr val="303030"/>
                 </a:solidFill>
@@ -18724,7 +17349,7 @@
               <a:t>  - </a:t>
             </a:r>
             <a:r>
-              <a:rPr lang="en-US" sz="1600" b="1" strike="noStrike" spc="-1">
+              <a:rPr lang="en-US" sz="1600" b="1" strike="noStrike" spc="-1" dirty="0">
                 <a:solidFill>
                   <a:srgbClr val="008080"/>
                 </a:solidFill>
@@ -18739,7 +17364,7 @@
               <a:t>protocol</a:t>
             </a:r>
             <a:r>
-              <a:rPr lang="en-US" sz="1600" b="1" strike="noStrike" spc="-1">
+              <a:rPr lang="en-US" sz="1600" b="1" strike="noStrike" spc="-1" dirty="0">
                 <a:solidFill>
                   <a:srgbClr val="303030"/>
                 </a:solidFill>
@@ -18754,7 +17379,7 @@
               <a:t>: </a:t>
             </a:r>
             <a:r>
-              <a:rPr lang="en-US" sz="1600" b="1" strike="noStrike" spc="-1">
+              <a:rPr lang="en-US" sz="1600" b="1" strike="noStrike" spc="-1" dirty="0">
                 <a:solidFill>
                   <a:srgbClr val="DD1144"/>
                 </a:solidFill>
@@ -18769,7 +17394,7 @@
               <a:t>TCP</a:t>
             </a:r>
             <a:r>
-              <a:rPr lang="en-US" sz="1600" b="1" strike="noStrike" spc="-1">
+              <a:rPr lang="en-US" sz="1600" b="1" strike="noStrike" spc="-1" dirty="0">
                 <a:solidFill>
                   <a:srgbClr val="303030"/>
                 </a:solidFill>
@@ -18783,7 +17408,7 @@
               </a:rPr>
               <a:t> </a:t>
             </a:r>
-            <a:endParaRPr lang="en-US" sz="1800" b="0" strike="noStrike" spc="-1">
+            <a:endParaRPr lang="en-US" sz="1800" b="0" strike="noStrike" spc="-1" dirty="0">
               <a:solidFill>
                 <a:srgbClr val="000000"/>
               </a:solidFill>
@@ -18802,7 +17427,7 @@
               </a:lnSpc>
             </a:pPr>
             <a:r>
-              <a:rPr lang="en-US" sz="1600" b="1" strike="noStrike" spc="-1">
+              <a:rPr lang="en-US" sz="1600" b="1" strike="noStrike" spc="-1" dirty="0">
                 <a:solidFill>
                   <a:srgbClr val="303030"/>
                 </a:solidFill>
@@ -18817,7 +17442,7 @@
               <a:t>    </a:t>
             </a:r>
             <a:r>
-              <a:rPr lang="en-US" sz="1600" b="1" strike="noStrike" spc="-1">
+              <a:rPr lang="en-US" sz="1600" b="1" strike="noStrike" spc="-1" dirty="0">
                 <a:solidFill>
                   <a:srgbClr val="008080"/>
                 </a:solidFill>
@@ -18832,7 +17457,7 @@
               <a:t>port</a:t>
             </a:r>
             <a:r>
-              <a:rPr lang="en-US" sz="1600" b="1" strike="noStrike" spc="-1">
+              <a:rPr lang="en-US" sz="1600" b="1" strike="noStrike" spc="-1" dirty="0">
                 <a:solidFill>
                   <a:srgbClr val="303030"/>
                 </a:solidFill>
@@ -18847,7 +17472,7 @@
               <a:t>: </a:t>
             </a:r>
             <a:r>
-              <a:rPr lang="en-US" sz="1600" b="1" strike="noStrike" spc="-1">
+              <a:rPr lang="en-US" sz="1600" b="1" strike="noStrike" spc="-1" dirty="0">
                 <a:solidFill>
                   <a:srgbClr val="DD1144"/>
                 </a:solidFill>
@@ -18862,7 +17487,7 @@
               <a:t>8080</a:t>
             </a:r>
             <a:r>
-              <a:rPr lang="en-US" sz="1600" b="1" strike="noStrike" spc="-1">
+              <a:rPr lang="en-US" sz="1600" b="1" strike="noStrike" spc="-1" dirty="0">
                 <a:solidFill>
                   <a:srgbClr val="303030"/>
                 </a:solidFill>
@@ -18876,7 +17501,7 @@
               </a:rPr>
               <a:t> </a:t>
             </a:r>
-            <a:endParaRPr lang="en-US" sz="1800" b="0" strike="noStrike" spc="-1">
+            <a:endParaRPr lang="en-US" sz="1800" b="0" strike="noStrike" spc="-1" dirty="0">
               <a:solidFill>
                 <a:srgbClr val="000000"/>
               </a:solidFill>
@@ -18895,7 +17520,7 @@
               </a:lnSpc>
             </a:pPr>
             <a:r>
-              <a:rPr lang="en-US" sz="1600" b="1" strike="noStrike" spc="-1">
+              <a:rPr lang="en-US" sz="1600" b="1" strike="noStrike" spc="-1" dirty="0">
                 <a:solidFill>
                   <a:srgbClr val="303030"/>
                 </a:solidFill>
@@ -18910,7 +17535,7 @@
               <a:t>    </a:t>
             </a:r>
             <a:r>
-              <a:rPr lang="en-US" sz="1600" b="1" strike="noStrike" spc="-1">
+              <a:rPr lang="en-US" sz="1600" b="1" strike="noStrike" spc="-1" dirty="0" err="1">
                 <a:solidFill>
                   <a:srgbClr val="008080"/>
                 </a:solidFill>
@@ -18925,7 +17550,7 @@
               <a:t>targetPort</a:t>
             </a:r>
             <a:r>
-              <a:rPr lang="en-US" sz="1600" b="1" strike="noStrike" spc="-1">
+              <a:rPr lang="en-US" sz="1600" b="1" strike="noStrike" spc="-1" dirty="0">
                 <a:solidFill>
                   <a:srgbClr val="303030"/>
                 </a:solidFill>
@@ -18940,7 +17565,7 @@
               <a:t>: </a:t>
             </a:r>
             <a:r>
-              <a:rPr lang="en-US" sz="1600" b="1" strike="noStrike" spc="-1">
+              <a:rPr lang="en-US" sz="1600" b="1" strike="noStrike" spc="-1" dirty="0">
                 <a:solidFill>
                   <a:srgbClr val="DD1144"/>
                 </a:solidFill>
@@ -18954,7 +17579,7 @@
               </a:rPr>
               <a:t>80</a:t>
             </a:r>
-            <a:endParaRPr lang="en-US" sz="1800" b="0" strike="noStrike" spc="-1">
+            <a:endParaRPr lang="en-US" sz="1800" b="0" strike="noStrike" spc="-1" dirty="0">
               <a:solidFill>
                 <a:srgbClr val="000000"/>
               </a:solidFill>
@@ -20839,6 +19464,1999 @@
 </file>
 
 <file path=ppt/slides/slide25.xml><?xml version="1.0" encoding="utf-8"?>
+<p:sld xmlns:a="http://schemas.openxmlformats.org/drawingml/2006/main" xmlns:r="http://schemas.openxmlformats.org/officeDocument/2006/relationships" xmlns:p="http://schemas.openxmlformats.org/presentationml/2006/main">
+  <p:cSld>
+    <p:spTree>
+      <p:nvGrpSpPr>
+        <p:cNvPr id="1" name=""/>
+        <p:cNvGrpSpPr/>
+        <p:nvPr/>
+      </p:nvGrpSpPr>
+      <p:grpSpPr>
+        <a:xfrm>
+          <a:off x="0" y="0"/>
+          <a:ext cx="0" cy="0"/>
+          <a:chOff x="0" y="0"/>
+          <a:chExt cx="0" cy="0"/>
+        </a:xfrm>
+      </p:grpSpPr>
+      <p:sp>
+        <p:nvSpPr>
+          <p:cNvPr id="2" name="Title 1">
+            <a:extLst>
+              <a:ext uri="{FF2B5EF4-FFF2-40B4-BE49-F238E27FC236}">
+                <a16:creationId xmlns:a16="http://schemas.microsoft.com/office/drawing/2014/main" id="{D63B2777-F04D-43FA-AC4B-0D3FDD80A2C3}"/>
+              </a:ext>
+            </a:extLst>
+          </p:cNvPr>
+          <p:cNvSpPr>
+            <a:spLocks noGrp="1"/>
+          </p:cNvSpPr>
+          <p:nvPr>
+            <p:ph type="title"/>
+          </p:nvPr>
+        </p:nvSpPr>
+        <p:spPr>
+          <a:xfrm>
+            <a:off x="357809" y="0"/>
+            <a:ext cx="10972440" cy="747146"/>
+          </a:xfrm>
+        </p:spPr>
+        <p:txBody>
+          <a:bodyPr/>
+          <a:lstStyle/>
+          <a:p>
+            <a:r>
+              <a:rPr lang="en-US" sz="3600" dirty="0"/>
+              <a:t>IPTABLES rules – node port 23456 to &lt;</a:t>
+            </a:r>
+            <a:r>
+              <a:rPr lang="en-US" sz="3600" dirty="0" err="1"/>
+              <a:t>pod_ip</a:t>
+            </a:r>
+            <a:r>
+              <a:rPr lang="en-US" sz="3600" dirty="0"/>
+              <a:t>&gt;:80</a:t>
+            </a:r>
+          </a:p>
+        </p:txBody>
+      </p:sp>
+      <p:sp>
+        <p:nvSpPr>
+          <p:cNvPr id="8" name="Content Placeholder 7">
+            <a:extLst>
+              <a:ext uri="{FF2B5EF4-FFF2-40B4-BE49-F238E27FC236}">
+                <a16:creationId xmlns:a16="http://schemas.microsoft.com/office/drawing/2014/main" id="{FD22830E-12C1-5840-8ED8-F1471785EEF6}"/>
+              </a:ext>
+            </a:extLst>
+          </p:cNvPr>
+          <p:cNvSpPr>
+            <a:spLocks noGrp="1"/>
+          </p:cNvSpPr>
+          <p:nvPr>
+            <p:ph idx="1"/>
+          </p:nvPr>
+        </p:nvSpPr>
+        <p:spPr>
+          <a:xfrm>
+            <a:off x="288235" y="614520"/>
+            <a:ext cx="11665225" cy="747146"/>
+          </a:xfrm>
+          <a:solidFill>
+            <a:schemeClr val="bg1">
+              <a:lumMod val="75000"/>
+            </a:schemeClr>
+          </a:solidFill>
+        </p:spPr>
+        <p:txBody>
+          <a:bodyPr/>
+          <a:lstStyle/>
+          <a:p>
+            <a:pPr marL="0" indent="0">
+              <a:buNone/>
+            </a:pPr>
+            <a:r>
+              <a:rPr lang="en-US" sz="1400" dirty="0"/>
+              <a:t># iptables -t </a:t>
+            </a:r>
+            <a:r>
+              <a:rPr lang="en-US" sz="1400" dirty="0" err="1"/>
+              <a:t>nat</a:t>
+            </a:r>
+            <a:r>
+              <a:rPr lang="en-US" sz="1400" dirty="0"/>
+              <a:t> -L PREROUTING</a:t>
+            </a:r>
+          </a:p>
+          <a:p>
+            <a:pPr marL="0" indent="0">
+              <a:buNone/>
+            </a:pPr>
+            <a:r>
+              <a:rPr lang="en-US" sz="1400" b="1" dirty="0">
+                <a:solidFill>
+                  <a:schemeClr val="accent2">
+                    <a:lumMod val="75000"/>
+                  </a:schemeClr>
+                </a:solidFill>
+              </a:rPr>
+              <a:t>KUBE-SERVICES</a:t>
+            </a:r>
+            <a:r>
+              <a:rPr lang="en-US" sz="1400" dirty="0"/>
+              <a:t>  all         --       anywhere  anywhere      /*  </a:t>
+            </a:r>
+            <a:r>
+              <a:rPr lang="en-US" sz="1400" dirty="0" err="1"/>
+              <a:t>kubernetes</a:t>
+            </a:r>
+            <a:r>
+              <a:rPr lang="en-US" sz="1400" dirty="0"/>
+              <a:t>  service  portals  */</a:t>
+            </a:r>
+          </a:p>
+          <a:p>
+            <a:pPr marL="0" indent="0">
+              <a:buNone/>
+            </a:pPr>
+            <a:endParaRPr lang="en-IL" sz="1400" dirty="0"/>
+          </a:p>
+        </p:txBody>
+      </p:sp>
+      <p:sp>
+        <p:nvSpPr>
+          <p:cNvPr id="22" name="Content Placeholder 7">
+            <a:extLst>
+              <a:ext uri="{FF2B5EF4-FFF2-40B4-BE49-F238E27FC236}">
+                <a16:creationId xmlns:a16="http://schemas.microsoft.com/office/drawing/2014/main" id="{7DD0CACF-D8B1-4549-B695-A87380C28158}"/>
+              </a:ext>
+            </a:extLst>
+          </p:cNvPr>
+          <p:cNvSpPr txBox="1">
+            <a:spLocks/>
+          </p:cNvSpPr>
+          <p:nvPr/>
+        </p:nvSpPr>
+        <p:spPr>
+          <a:xfrm>
+            <a:off x="288236" y="1575827"/>
+            <a:ext cx="11665225" cy="762545"/>
+          </a:xfrm>
+          <a:prstGeom prst="rect">
+            <a:avLst/>
+          </a:prstGeom>
+          <a:solidFill>
+            <a:schemeClr val="bg1">
+              <a:lumMod val="75000"/>
+            </a:schemeClr>
+          </a:solidFill>
+        </p:spPr>
+        <p:txBody>
+          <a:bodyPr lIns="0" tIns="0" rIns="0" bIns="0"/>
+          <a:lstStyle>
+            <a:lvl1pPr marL="228600" indent="-228600" algn="l" defTabSz="914400" rtl="0" eaLnBrk="1" latinLnBrk="0" hangingPunct="1">
+              <a:lnSpc>
+                <a:spcPct val="90000"/>
+              </a:lnSpc>
+              <a:spcBef>
+                <a:spcPts val="1000"/>
+              </a:spcBef>
+              <a:buFont typeface="Arial" panose="020B0604020202020204" pitchFamily="34" charset="0"/>
+              <a:buChar char="•"/>
+              <a:defRPr sz="2800" kern="1200">
+                <a:solidFill>
+                  <a:schemeClr val="tx1"/>
+                </a:solidFill>
+                <a:latin typeface="+mn-lt"/>
+                <a:ea typeface="+mn-ea"/>
+                <a:cs typeface="+mn-cs"/>
+              </a:defRPr>
+            </a:lvl1pPr>
+            <a:lvl2pPr marL="685800" indent="-228600" algn="l" defTabSz="914400" rtl="0" eaLnBrk="1" latinLnBrk="0" hangingPunct="1">
+              <a:lnSpc>
+                <a:spcPct val="90000"/>
+              </a:lnSpc>
+              <a:spcBef>
+                <a:spcPts val="500"/>
+              </a:spcBef>
+              <a:buFont typeface="Arial" panose="020B0604020202020204" pitchFamily="34" charset="0"/>
+              <a:buChar char="•"/>
+              <a:defRPr sz="2400" kern="1200">
+                <a:solidFill>
+                  <a:schemeClr val="tx1"/>
+                </a:solidFill>
+                <a:latin typeface="+mn-lt"/>
+                <a:ea typeface="+mn-ea"/>
+                <a:cs typeface="+mn-cs"/>
+              </a:defRPr>
+            </a:lvl2pPr>
+            <a:lvl3pPr marL="1143000" indent="-228600" algn="l" defTabSz="914400" rtl="0" eaLnBrk="1" latinLnBrk="0" hangingPunct="1">
+              <a:lnSpc>
+                <a:spcPct val="90000"/>
+              </a:lnSpc>
+              <a:spcBef>
+                <a:spcPts val="500"/>
+              </a:spcBef>
+              <a:buFont typeface="Arial" panose="020B0604020202020204" pitchFamily="34" charset="0"/>
+              <a:buChar char="•"/>
+              <a:defRPr sz="2000" kern="1200">
+                <a:solidFill>
+                  <a:schemeClr val="tx1"/>
+                </a:solidFill>
+                <a:latin typeface="+mn-lt"/>
+                <a:ea typeface="+mn-ea"/>
+                <a:cs typeface="+mn-cs"/>
+              </a:defRPr>
+            </a:lvl3pPr>
+            <a:lvl4pPr marL="1600200" indent="-228600" algn="l" defTabSz="914400" rtl="0" eaLnBrk="1" latinLnBrk="0" hangingPunct="1">
+              <a:lnSpc>
+                <a:spcPct val="90000"/>
+              </a:lnSpc>
+              <a:spcBef>
+                <a:spcPts val="500"/>
+              </a:spcBef>
+              <a:buFont typeface="Arial" panose="020B0604020202020204" pitchFamily="34" charset="0"/>
+              <a:buChar char="•"/>
+              <a:defRPr sz="1800" kern="1200">
+                <a:solidFill>
+                  <a:schemeClr val="tx1"/>
+                </a:solidFill>
+                <a:latin typeface="+mn-lt"/>
+                <a:ea typeface="+mn-ea"/>
+                <a:cs typeface="+mn-cs"/>
+              </a:defRPr>
+            </a:lvl4pPr>
+            <a:lvl5pPr marL="2057400" indent="-228600" algn="l" defTabSz="914400" rtl="0" eaLnBrk="1" latinLnBrk="0" hangingPunct="1">
+              <a:lnSpc>
+                <a:spcPct val="90000"/>
+              </a:lnSpc>
+              <a:spcBef>
+                <a:spcPts val="500"/>
+              </a:spcBef>
+              <a:buFont typeface="Arial" panose="020B0604020202020204" pitchFamily="34" charset="0"/>
+              <a:buChar char="•"/>
+              <a:defRPr sz="1800" kern="1200">
+                <a:solidFill>
+                  <a:schemeClr val="tx1"/>
+                </a:solidFill>
+                <a:latin typeface="+mn-lt"/>
+                <a:ea typeface="+mn-ea"/>
+                <a:cs typeface="+mn-cs"/>
+              </a:defRPr>
+            </a:lvl5pPr>
+            <a:lvl6pPr marL="2514600" indent="-228600" algn="l" defTabSz="914400" rtl="0" eaLnBrk="1" latinLnBrk="0" hangingPunct="1">
+              <a:lnSpc>
+                <a:spcPct val="90000"/>
+              </a:lnSpc>
+              <a:spcBef>
+                <a:spcPts val="500"/>
+              </a:spcBef>
+              <a:buFont typeface="Arial" panose="020B0604020202020204" pitchFamily="34" charset="0"/>
+              <a:buChar char="•"/>
+              <a:defRPr sz="1800" kern="1200">
+                <a:solidFill>
+                  <a:schemeClr val="tx1"/>
+                </a:solidFill>
+                <a:latin typeface="+mn-lt"/>
+                <a:ea typeface="+mn-ea"/>
+                <a:cs typeface="+mn-cs"/>
+              </a:defRPr>
+            </a:lvl6pPr>
+            <a:lvl7pPr marL="2971800" indent="-228600" algn="l" defTabSz="914400" rtl="0" eaLnBrk="1" latinLnBrk="0" hangingPunct="1">
+              <a:lnSpc>
+                <a:spcPct val="90000"/>
+              </a:lnSpc>
+              <a:spcBef>
+                <a:spcPts val="500"/>
+              </a:spcBef>
+              <a:buFont typeface="Arial" panose="020B0604020202020204" pitchFamily="34" charset="0"/>
+              <a:buChar char="•"/>
+              <a:defRPr sz="1800" kern="1200">
+                <a:solidFill>
+                  <a:schemeClr val="tx1"/>
+                </a:solidFill>
+                <a:latin typeface="+mn-lt"/>
+                <a:ea typeface="+mn-ea"/>
+                <a:cs typeface="+mn-cs"/>
+              </a:defRPr>
+            </a:lvl7pPr>
+            <a:lvl8pPr marL="3429000" indent="-228600" algn="l" defTabSz="914400" rtl="0" eaLnBrk="1" latinLnBrk="0" hangingPunct="1">
+              <a:lnSpc>
+                <a:spcPct val="90000"/>
+              </a:lnSpc>
+              <a:spcBef>
+                <a:spcPts val="500"/>
+              </a:spcBef>
+              <a:buFont typeface="Arial" panose="020B0604020202020204" pitchFamily="34" charset="0"/>
+              <a:buChar char="•"/>
+              <a:defRPr sz="1800" kern="1200">
+                <a:solidFill>
+                  <a:schemeClr val="tx1"/>
+                </a:solidFill>
+                <a:latin typeface="+mn-lt"/>
+                <a:ea typeface="+mn-ea"/>
+                <a:cs typeface="+mn-cs"/>
+              </a:defRPr>
+            </a:lvl8pPr>
+            <a:lvl9pPr marL="3886200" indent="-228600" algn="l" defTabSz="914400" rtl="0" eaLnBrk="1" latinLnBrk="0" hangingPunct="1">
+              <a:lnSpc>
+                <a:spcPct val="90000"/>
+              </a:lnSpc>
+              <a:spcBef>
+                <a:spcPts val="500"/>
+              </a:spcBef>
+              <a:buFont typeface="Arial" panose="020B0604020202020204" pitchFamily="34" charset="0"/>
+              <a:buChar char="•"/>
+              <a:defRPr sz="1800" kern="1200">
+                <a:solidFill>
+                  <a:schemeClr val="tx1"/>
+                </a:solidFill>
+                <a:latin typeface="+mn-lt"/>
+                <a:ea typeface="+mn-ea"/>
+                <a:cs typeface="+mn-cs"/>
+              </a:defRPr>
+            </a:lvl9pPr>
+          </a:lstStyle>
+          <a:p>
+            <a:pPr marL="0" indent="0">
+              <a:buNone/>
+            </a:pPr>
+            <a:r>
+              <a:rPr lang="en-US" sz="1400" dirty="0"/>
+              <a:t># iptables -t </a:t>
+            </a:r>
+            <a:r>
+              <a:rPr lang="en-US" sz="1400" dirty="0" err="1"/>
+              <a:t>nat</a:t>
+            </a:r>
+            <a:r>
+              <a:rPr lang="en-US" sz="1400" dirty="0"/>
+              <a:t> -L </a:t>
+            </a:r>
+            <a:r>
+              <a:rPr lang="en-US" sz="1400" b="1" dirty="0">
+                <a:solidFill>
+                  <a:schemeClr val="accent2">
+                    <a:lumMod val="75000"/>
+                  </a:schemeClr>
+                </a:solidFill>
+              </a:rPr>
+              <a:t>KUBE-SERVICES</a:t>
+            </a:r>
+            <a:r>
+              <a:rPr lang="en-US" sz="1400" dirty="0"/>
+              <a:t> </a:t>
+            </a:r>
+          </a:p>
+          <a:p>
+            <a:pPr marL="0" indent="0">
+              <a:buNone/>
+            </a:pPr>
+            <a:r>
+              <a:rPr lang="en-US" sz="1400" b="1" dirty="0">
+                <a:solidFill>
+                  <a:schemeClr val="accent4">
+                    <a:lumMod val="75000"/>
+                  </a:schemeClr>
+                </a:solidFill>
+              </a:rPr>
+              <a:t>KUBE-NODEPORTS</a:t>
+            </a:r>
+            <a:r>
+              <a:rPr lang="en-US" sz="1400" dirty="0"/>
+              <a:t>  all  --  anywhere             anywhere             /* </a:t>
+            </a:r>
+            <a:r>
+              <a:rPr lang="en-US" sz="1400" dirty="0" err="1"/>
+              <a:t>kubernetes</a:t>
+            </a:r>
+            <a:r>
+              <a:rPr lang="en-US" sz="1400" dirty="0"/>
+              <a:t> service </a:t>
+            </a:r>
+            <a:r>
+              <a:rPr lang="en-US" sz="1400" dirty="0" err="1"/>
+              <a:t>nodeports</a:t>
+            </a:r>
+            <a:r>
+              <a:rPr lang="en-US" sz="1400" dirty="0"/>
+              <a:t>; NOTE: this must be the last rule in this chain */ ADDRTYPE match </a:t>
+            </a:r>
+            <a:r>
+              <a:rPr lang="en-US" sz="1400" dirty="0" err="1"/>
+              <a:t>dst</a:t>
+            </a:r>
+            <a:r>
+              <a:rPr lang="en-US" sz="1400" dirty="0"/>
+              <a:t>-type LOCAL</a:t>
+            </a:r>
+            <a:endParaRPr lang="en-IL" sz="1400" dirty="0"/>
+          </a:p>
+        </p:txBody>
+      </p:sp>
+      <p:sp>
+        <p:nvSpPr>
+          <p:cNvPr id="31" name="Content Placeholder 7">
+            <a:extLst>
+              <a:ext uri="{FF2B5EF4-FFF2-40B4-BE49-F238E27FC236}">
+                <a16:creationId xmlns:a16="http://schemas.microsoft.com/office/drawing/2014/main" id="{3900B3FE-E546-304C-A164-DB2FC3ADE479}"/>
+              </a:ext>
+            </a:extLst>
+          </p:cNvPr>
+          <p:cNvSpPr txBox="1">
+            <a:spLocks/>
+          </p:cNvSpPr>
+          <p:nvPr/>
+        </p:nvSpPr>
+        <p:spPr>
+          <a:xfrm>
+            <a:off x="288235" y="2581599"/>
+            <a:ext cx="11665226" cy="616977"/>
+          </a:xfrm>
+          <a:prstGeom prst="rect">
+            <a:avLst/>
+          </a:prstGeom>
+          <a:solidFill>
+            <a:schemeClr val="bg1">
+              <a:lumMod val="75000"/>
+            </a:schemeClr>
+          </a:solidFill>
+        </p:spPr>
+        <p:txBody>
+          <a:bodyPr lIns="0" tIns="0" rIns="0" bIns="0"/>
+          <a:lstStyle>
+            <a:lvl1pPr marL="228600" indent="-228600" algn="l" defTabSz="914400" rtl="0" eaLnBrk="1" latinLnBrk="0" hangingPunct="1">
+              <a:lnSpc>
+                <a:spcPct val="90000"/>
+              </a:lnSpc>
+              <a:spcBef>
+                <a:spcPts val="1000"/>
+              </a:spcBef>
+              <a:buFont typeface="Arial" panose="020B0604020202020204" pitchFamily="34" charset="0"/>
+              <a:buChar char="•"/>
+              <a:defRPr sz="2800" kern="1200">
+                <a:solidFill>
+                  <a:schemeClr val="tx1"/>
+                </a:solidFill>
+                <a:latin typeface="+mn-lt"/>
+                <a:ea typeface="+mn-ea"/>
+                <a:cs typeface="+mn-cs"/>
+              </a:defRPr>
+            </a:lvl1pPr>
+            <a:lvl2pPr marL="685800" indent="-228600" algn="l" defTabSz="914400" rtl="0" eaLnBrk="1" latinLnBrk="0" hangingPunct="1">
+              <a:lnSpc>
+                <a:spcPct val="90000"/>
+              </a:lnSpc>
+              <a:spcBef>
+                <a:spcPts val="500"/>
+              </a:spcBef>
+              <a:buFont typeface="Arial" panose="020B0604020202020204" pitchFamily="34" charset="0"/>
+              <a:buChar char="•"/>
+              <a:defRPr sz="2400" kern="1200">
+                <a:solidFill>
+                  <a:schemeClr val="tx1"/>
+                </a:solidFill>
+                <a:latin typeface="+mn-lt"/>
+                <a:ea typeface="+mn-ea"/>
+                <a:cs typeface="+mn-cs"/>
+              </a:defRPr>
+            </a:lvl2pPr>
+            <a:lvl3pPr marL="1143000" indent="-228600" algn="l" defTabSz="914400" rtl="0" eaLnBrk="1" latinLnBrk="0" hangingPunct="1">
+              <a:lnSpc>
+                <a:spcPct val="90000"/>
+              </a:lnSpc>
+              <a:spcBef>
+                <a:spcPts val="500"/>
+              </a:spcBef>
+              <a:buFont typeface="Arial" panose="020B0604020202020204" pitchFamily="34" charset="0"/>
+              <a:buChar char="•"/>
+              <a:defRPr sz="2000" kern="1200">
+                <a:solidFill>
+                  <a:schemeClr val="tx1"/>
+                </a:solidFill>
+                <a:latin typeface="+mn-lt"/>
+                <a:ea typeface="+mn-ea"/>
+                <a:cs typeface="+mn-cs"/>
+              </a:defRPr>
+            </a:lvl3pPr>
+            <a:lvl4pPr marL="1600200" indent="-228600" algn="l" defTabSz="914400" rtl="0" eaLnBrk="1" latinLnBrk="0" hangingPunct="1">
+              <a:lnSpc>
+                <a:spcPct val="90000"/>
+              </a:lnSpc>
+              <a:spcBef>
+                <a:spcPts val="500"/>
+              </a:spcBef>
+              <a:buFont typeface="Arial" panose="020B0604020202020204" pitchFamily="34" charset="0"/>
+              <a:buChar char="•"/>
+              <a:defRPr sz="1800" kern="1200">
+                <a:solidFill>
+                  <a:schemeClr val="tx1"/>
+                </a:solidFill>
+                <a:latin typeface="+mn-lt"/>
+                <a:ea typeface="+mn-ea"/>
+                <a:cs typeface="+mn-cs"/>
+              </a:defRPr>
+            </a:lvl4pPr>
+            <a:lvl5pPr marL="2057400" indent="-228600" algn="l" defTabSz="914400" rtl="0" eaLnBrk="1" latinLnBrk="0" hangingPunct="1">
+              <a:lnSpc>
+                <a:spcPct val="90000"/>
+              </a:lnSpc>
+              <a:spcBef>
+                <a:spcPts val="500"/>
+              </a:spcBef>
+              <a:buFont typeface="Arial" panose="020B0604020202020204" pitchFamily="34" charset="0"/>
+              <a:buChar char="•"/>
+              <a:defRPr sz="1800" kern="1200">
+                <a:solidFill>
+                  <a:schemeClr val="tx1"/>
+                </a:solidFill>
+                <a:latin typeface="+mn-lt"/>
+                <a:ea typeface="+mn-ea"/>
+                <a:cs typeface="+mn-cs"/>
+              </a:defRPr>
+            </a:lvl5pPr>
+            <a:lvl6pPr marL="2514600" indent="-228600" algn="l" defTabSz="914400" rtl="0" eaLnBrk="1" latinLnBrk="0" hangingPunct="1">
+              <a:lnSpc>
+                <a:spcPct val="90000"/>
+              </a:lnSpc>
+              <a:spcBef>
+                <a:spcPts val="500"/>
+              </a:spcBef>
+              <a:buFont typeface="Arial" panose="020B0604020202020204" pitchFamily="34" charset="0"/>
+              <a:buChar char="•"/>
+              <a:defRPr sz="1800" kern="1200">
+                <a:solidFill>
+                  <a:schemeClr val="tx1"/>
+                </a:solidFill>
+                <a:latin typeface="+mn-lt"/>
+                <a:ea typeface="+mn-ea"/>
+                <a:cs typeface="+mn-cs"/>
+              </a:defRPr>
+            </a:lvl6pPr>
+            <a:lvl7pPr marL="2971800" indent="-228600" algn="l" defTabSz="914400" rtl="0" eaLnBrk="1" latinLnBrk="0" hangingPunct="1">
+              <a:lnSpc>
+                <a:spcPct val="90000"/>
+              </a:lnSpc>
+              <a:spcBef>
+                <a:spcPts val="500"/>
+              </a:spcBef>
+              <a:buFont typeface="Arial" panose="020B0604020202020204" pitchFamily="34" charset="0"/>
+              <a:buChar char="•"/>
+              <a:defRPr sz="1800" kern="1200">
+                <a:solidFill>
+                  <a:schemeClr val="tx1"/>
+                </a:solidFill>
+                <a:latin typeface="+mn-lt"/>
+                <a:ea typeface="+mn-ea"/>
+                <a:cs typeface="+mn-cs"/>
+              </a:defRPr>
+            </a:lvl7pPr>
+            <a:lvl8pPr marL="3429000" indent="-228600" algn="l" defTabSz="914400" rtl="0" eaLnBrk="1" latinLnBrk="0" hangingPunct="1">
+              <a:lnSpc>
+                <a:spcPct val="90000"/>
+              </a:lnSpc>
+              <a:spcBef>
+                <a:spcPts val="500"/>
+              </a:spcBef>
+              <a:buFont typeface="Arial" panose="020B0604020202020204" pitchFamily="34" charset="0"/>
+              <a:buChar char="•"/>
+              <a:defRPr sz="1800" kern="1200">
+                <a:solidFill>
+                  <a:schemeClr val="tx1"/>
+                </a:solidFill>
+                <a:latin typeface="+mn-lt"/>
+                <a:ea typeface="+mn-ea"/>
+                <a:cs typeface="+mn-cs"/>
+              </a:defRPr>
+            </a:lvl8pPr>
+            <a:lvl9pPr marL="3886200" indent="-228600" algn="l" defTabSz="914400" rtl="0" eaLnBrk="1" latinLnBrk="0" hangingPunct="1">
+              <a:lnSpc>
+                <a:spcPct val="90000"/>
+              </a:lnSpc>
+              <a:spcBef>
+                <a:spcPts val="500"/>
+              </a:spcBef>
+              <a:buFont typeface="Arial" panose="020B0604020202020204" pitchFamily="34" charset="0"/>
+              <a:buChar char="•"/>
+              <a:defRPr sz="1800" kern="1200">
+                <a:solidFill>
+                  <a:schemeClr val="tx1"/>
+                </a:solidFill>
+                <a:latin typeface="+mn-lt"/>
+                <a:ea typeface="+mn-ea"/>
+                <a:cs typeface="+mn-cs"/>
+              </a:defRPr>
+            </a:lvl9pPr>
+          </a:lstStyle>
+          <a:p>
+            <a:pPr marL="0" indent="0">
+              <a:buNone/>
+            </a:pPr>
+            <a:r>
+              <a:rPr lang="en-US" sz="1400" dirty="0"/>
+              <a:t># iptables -t </a:t>
+            </a:r>
+            <a:r>
+              <a:rPr lang="en-US" sz="1400" dirty="0" err="1"/>
+              <a:t>nat</a:t>
+            </a:r>
+            <a:r>
+              <a:rPr lang="en-US" sz="1400" dirty="0"/>
+              <a:t> -L </a:t>
+            </a:r>
+            <a:r>
+              <a:rPr lang="en-US" sz="1400" b="1" dirty="0">
+                <a:solidFill>
+                  <a:schemeClr val="accent4">
+                    <a:lumMod val="75000"/>
+                  </a:schemeClr>
+                </a:solidFill>
+              </a:rPr>
+              <a:t>KUBE-NODEPORTS</a:t>
+            </a:r>
+          </a:p>
+          <a:p>
+            <a:pPr marL="0" indent="0">
+              <a:buNone/>
+            </a:pPr>
+            <a:r>
+              <a:rPr lang="en-US" sz="1400" b="1" dirty="0">
+                <a:solidFill>
+                  <a:schemeClr val="accent5">
+                    <a:lumMod val="50000"/>
+                  </a:schemeClr>
+                </a:solidFill>
+              </a:rPr>
+              <a:t>KUBE-SVC-BAR6BUTX5H2RXQHR</a:t>
+            </a:r>
+            <a:r>
+              <a:rPr lang="en-US" sz="1400" dirty="0"/>
+              <a:t>  </a:t>
+            </a:r>
+            <a:r>
+              <a:rPr lang="en-US" sz="1400" dirty="0" err="1"/>
+              <a:t>tcp</a:t>
+            </a:r>
+            <a:r>
+              <a:rPr lang="en-US" sz="1400" dirty="0"/>
+              <a:t>  --  anywhere             anywhere             /* default/lc-web */ </a:t>
+            </a:r>
+            <a:r>
+              <a:rPr lang="en-US" sz="1400" dirty="0" err="1"/>
+              <a:t>tcp</a:t>
+            </a:r>
+            <a:r>
+              <a:rPr lang="en-US" sz="1400" dirty="0"/>
+              <a:t> dpt:</a:t>
+            </a:r>
+            <a:r>
+              <a:rPr lang="en-US" sz="1400" dirty="0">
+                <a:solidFill>
+                  <a:srgbClr val="FFFF00"/>
+                </a:solidFill>
+              </a:rPr>
+              <a:t>23456</a:t>
+            </a:r>
+            <a:endParaRPr lang="en-IL" sz="1400" dirty="0">
+              <a:solidFill>
+                <a:srgbClr val="FFFF00"/>
+              </a:solidFill>
+            </a:endParaRPr>
+          </a:p>
+        </p:txBody>
+      </p:sp>
+      <p:sp>
+        <p:nvSpPr>
+          <p:cNvPr id="32" name="Content Placeholder 7">
+            <a:extLst>
+              <a:ext uri="{FF2B5EF4-FFF2-40B4-BE49-F238E27FC236}">
+                <a16:creationId xmlns:a16="http://schemas.microsoft.com/office/drawing/2014/main" id="{D67CD337-8D1D-9D46-966B-AE9E9D046E88}"/>
+              </a:ext>
+            </a:extLst>
+          </p:cNvPr>
+          <p:cNvSpPr txBox="1">
+            <a:spLocks/>
+          </p:cNvSpPr>
+          <p:nvPr/>
+        </p:nvSpPr>
+        <p:spPr>
+          <a:xfrm>
+            <a:off x="288235" y="3390422"/>
+            <a:ext cx="11665227" cy="1287588"/>
+          </a:xfrm>
+          <a:prstGeom prst="rect">
+            <a:avLst/>
+          </a:prstGeom>
+          <a:solidFill>
+            <a:schemeClr val="bg1">
+              <a:lumMod val="75000"/>
+            </a:schemeClr>
+          </a:solidFill>
+        </p:spPr>
+        <p:txBody>
+          <a:bodyPr lIns="0" tIns="0" rIns="0" bIns="0"/>
+          <a:lstStyle>
+            <a:lvl1pPr marL="228600" indent="-228600" algn="l" defTabSz="914400" rtl="0" eaLnBrk="1" latinLnBrk="0" hangingPunct="1">
+              <a:lnSpc>
+                <a:spcPct val="90000"/>
+              </a:lnSpc>
+              <a:spcBef>
+                <a:spcPts val="1000"/>
+              </a:spcBef>
+              <a:buFont typeface="Arial" panose="020B0604020202020204" pitchFamily="34" charset="0"/>
+              <a:buChar char="•"/>
+              <a:defRPr sz="2800" kern="1200">
+                <a:solidFill>
+                  <a:schemeClr val="tx1"/>
+                </a:solidFill>
+                <a:latin typeface="+mn-lt"/>
+                <a:ea typeface="+mn-ea"/>
+                <a:cs typeface="+mn-cs"/>
+              </a:defRPr>
+            </a:lvl1pPr>
+            <a:lvl2pPr marL="685800" indent="-228600" algn="l" defTabSz="914400" rtl="0" eaLnBrk="1" latinLnBrk="0" hangingPunct="1">
+              <a:lnSpc>
+                <a:spcPct val="90000"/>
+              </a:lnSpc>
+              <a:spcBef>
+                <a:spcPts val="500"/>
+              </a:spcBef>
+              <a:buFont typeface="Arial" panose="020B0604020202020204" pitchFamily="34" charset="0"/>
+              <a:buChar char="•"/>
+              <a:defRPr sz="2400" kern="1200">
+                <a:solidFill>
+                  <a:schemeClr val="tx1"/>
+                </a:solidFill>
+                <a:latin typeface="+mn-lt"/>
+                <a:ea typeface="+mn-ea"/>
+                <a:cs typeface="+mn-cs"/>
+              </a:defRPr>
+            </a:lvl2pPr>
+            <a:lvl3pPr marL="1143000" indent="-228600" algn="l" defTabSz="914400" rtl="0" eaLnBrk="1" latinLnBrk="0" hangingPunct="1">
+              <a:lnSpc>
+                <a:spcPct val="90000"/>
+              </a:lnSpc>
+              <a:spcBef>
+                <a:spcPts val="500"/>
+              </a:spcBef>
+              <a:buFont typeface="Arial" panose="020B0604020202020204" pitchFamily="34" charset="0"/>
+              <a:buChar char="•"/>
+              <a:defRPr sz="2000" kern="1200">
+                <a:solidFill>
+                  <a:schemeClr val="tx1"/>
+                </a:solidFill>
+                <a:latin typeface="+mn-lt"/>
+                <a:ea typeface="+mn-ea"/>
+                <a:cs typeface="+mn-cs"/>
+              </a:defRPr>
+            </a:lvl3pPr>
+            <a:lvl4pPr marL="1600200" indent="-228600" algn="l" defTabSz="914400" rtl="0" eaLnBrk="1" latinLnBrk="0" hangingPunct="1">
+              <a:lnSpc>
+                <a:spcPct val="90000"/>
+              </a:lnSpc>
+              <a:spcBef>
+                <a:spcPts val="500"/>
+              </a:spcBef>
+              <a:buFont typeface="Arial" panose="020B0604020202020204" pitchFamily="34" charset="0"/>
+              <a:buChar char="•"/>
+              <a:defRPr sz="1800" kern="1200">
+                <a:solidFill>
+                  <a:schemeClr val="tx1"/>
+                </a:solidFill>
+                <a:latin typeface="+mn-lt"/>
+                <a:ea typeface="+mn-ea"/>
+                <a:cs typeface="+mn-cs"/>
+              </a:defRPr>
+            </a:lvl4pPr>
+            <a:lvl5pPr marL="2057400" indent="-228600" algn="l" defTabSz="914400" rtl="0" eaLnBrk="1" latinLnBrk="0" hangingPunct="1">
+              <a:lnSpc>
+                <a:spcPct val="90000"/>
+              </a:lnSpc>
+              <a:spcBef>
+                <a:spcPts val="500"/>
+              </a:spcBef>
+              <a:buFont typeface="Arial" panose="020B0604020202020204" pitchFamily="34" charset="0"/>
+              <a:buChar char="•"/>
+              <a:defRPr sz="1800" kern="1200">
+                <a:solidFill>
+                  <a:schemeClr val="tx1"/>
+                </a:solidFill>
+                <a:latin typeface="+mn-lt"/>
+                <a:ea typeface="+mn-ea"/>
+                <a:cs typeface="+mn-cs"/>
+              </a:defRPr>
+            </a:lvl5pPr>
+            <a:lvl6pPr marL="2514600" indent="-228600" algn="l" defTabSz="914400" rtl="0" eaLnBrk="1" latinLnBrk="0" hangingPunct="1">
+              <a:lnSpc>
+                <a:spcPct val="90000"/>
+              </a:lnSpc>
+              <a:spcBef>
+                <a:spcPts val="500"/>
+              </a:spcBef>
+              <a:buFont typeface="Arial" panose="020B0604020202020204" pitchFamily="34" charset="0"/>
+              <a:buChar char="•"/>
+              <a:defRPr sz="1800" kern="1200">
+                <a:solidFill>
+                  <a:schemeClr val="tx1"/>
+                </a:solidFill>
+                <a:latin typeface="+mn-lt"/>
+                <a:ea typeface="+mn-ea"/>
+                <a:cs typeface="+mn-cs"/>
+              </a:defRPr>
+            </a:lvl6pPr>
+            <a:lvl7pPr marL="2971800" indent="-228600" algn="l" defTabSz="914400" rtl="0" eaLnBrk="1" latinLnBrk="0" hangingPunct="1">
+              <a:lnSpc>
+                <a:spcPct val="90000"/>
+              </a:lnSpc>
+              <a:spcBef>
+                <a:spcPts val="500"/>
+              </a:spcBef>
+              <a:buFont typeface="Arial" panose="020B0604020202020204" pitchFamily="34" charset="0"/>
+              <a:buChar char="•"/>
+              <a:defRPr sz="1800" kern="1200">
+                <a:solidFill>
+                  <a:schemeClr val="tx1"/>
+                </a:solidFill>
+                <a:latin typeface="+mn-lt"/>
+                <a:ea typeface="+mn-ea"/>
+                <a:cs typeface="+mn-cs"/>
+              </a:defRPr>
+            </a:lvl7pPr>
+            <a:lvl8pPr marL="3429000" indent="-228600" algn="l" defTabSz="914400" rtl="0" eaLnBrk="1" latinLnBrk="0" hangingPunct="1">
+              <a:lnSpc>
+                <a:spcPct val="90000"/>
+              </a:lnSpc>
+              <a:spcBef>
+                <a:spcPts val="500"/>
+              </a:spcBef>
+              <a:buFont typeface="Arial" panose="020B0604020202020204" pitchFamily="34" charset="0"/>
+              <a:buChar char="•"/>
+              <a:defRPr sz="1800" kern="1200">
+                <a:solidFill>
+                  <a:schemeClr val="tx1"/>
+                </a:solidFill>
+                <a:latin typeface="+mn-lt"/>
+                <a:ea typeface="+mn-ea"/>
+                <a:cs typeface="+mn-cs"/>
+              </a:defRPr>
+            </a:lvl8pPr>
+            <a:lvl9pPr marL="3886200" indent="-228600" algn="l" defTabSz="914400" rtl="0" eaLnBrk="1" latinLnBrk="0" hangingPunct="1">
+              <a:lnSpc>
+                <a:spcPct val="90000"/>
+              </a:lnSpc>
+              <a:spcBef>
+                <a:spcPts val="500"/>
+              </a:spcBef>
+              <a:buFont typeface="Arial" panose="020B0604020202020204" pitchFamily="34" charset="0"/>
+              <a:buChar char="•"/>
+              <a:defRPr sz="1800" kern="1200">
+                <a:solidFill>
+                  <a:schemeClr val="tx1"/>
+                </a:solidFill>
+                <a:latin typeface="+mn-lt"/>
+                <a:ea typeface="+mn-ea"/>
+                <a:cs typeface="+mn-cs"/>
+              </a:defRPr>
+            </a:lvl9pPr>
+          </a:lstStyle>
+          <a:p>
+            <a:pPr marL="0" indent="0">
+              <a:buNone/>
+            </a:pPr>
+            <a:r>
+              <a:rPr lang="en-US" sz="1400" dirty="0"/>
+              <a:t># iptables -t </a:t>
+            </a:r>
+            <a:r>
+              <a:rPr lang="en-US" sz="1400" dirty="0" err="1"/>
+              <a:t>nat</a:t>
+            </a:r>
+            <a:r>
+              <a:rPr lang="en-US" sz="1400" dirty="0"/>
+              <a:t> -L </a:t>
+            </a:r>
+            <a:r>
+              <a:rPr lang="en-US" sz="1400" b="1" dirty="0">
+                <a:solidFill>
+                  <a:schemeClr val="accent5">
+                    <a:lumMod val="50000"/>
+                  </a:schemeClr>
+                </a:solidFill>
+              </a:rPr>
+              <a:t>KUBE-SVC-BAR6BUTX5H2RXQHR</a:t>
+            </a:r>
+            <a:r>
+              <a:rPr lang="en-US" sz="1400" dirty="0"/>
+              <a:t> </a:t>
+            </a:r>
+          </a:p>
+          <a:p>
+            <a:pPr marL="0" indent="0">
+              <a:buNone/>
+            </a:pPr>
+            <a:r>
+              <a:rPr lang="en-US" sz="1400" b="1" dirty="0">
+                <a:solidFill>
+                  <a:srgbClr val="002060"/>
+                </a:solidFill>
+              </a:rPr>
+              <a:t>KUBE-SEP-V3I5ZMI6HNNKFTAG</a:t>
+            </a:r>
+            <a:r>
+              <a:rPr lang="en-US" sz="1400" dirty="0"/>
+              <a:t>  all  --  anywhere             anywhere             /* default/lc-web */ statistic mode random probability 0.33333333349</a:t>
+            </a:r>
+          </a:p>
+          <a:p>
+            <a:pPr marL="0" indent="0">
+              <a:buNone/>
+            </a:pPr>
+            <a:r>
+              <a:rPr lang="en-US" sz="1400" dirty="0"/>
+              <a:t>KUBE-SEP-VCKZVZIZW7BZXXHP  all  --  anywhere             anywhere             /* default/lc-web */ statistic mode random probability 0.50000000000</a:t>
+            </a:r>
+          </a:p>
+          <a:p>
+            <a:pPr marL="0" indent="0">
+              <a:buNone/>
+            </a:pPr>
+            <a:r>
+              <a:rPr lang="en-US" sz="1400" dirty="0"/>
+              <a:t>KUBE-SEP-DL2DGDTYSOSGT7JL  all  --  anywhere             anywhere             /* default/lc-web */</a:t>
+            </a:r>
+            <a:endParaRPr lang="en-IL" sz="1400" dirty="0"/>
+          </a:p>
+        </p:txBody>
+      </p:sp>
+      <p:sp>
+        <p:nvSpPr>
+          <p:cNvPr id="33" name="Content Placeholder 7">
+            <a:extLst>
+              <a:ext uri="{FF2B5EF4-FFF2-40B4-BE49-F238E27FC236}">
+                <a16:creationId xmlns:a16="http://schemas.microsoft.com/office/drawing/2014/main" id="{0D3969EC-F8CF-1E4C-9487-66B0106A7077}"/>
+              </a:ext>
+            </a:extLst>
+          </p:cNvPr>
+          <p:cNvSpPr txBox="1">
+            <a:spLocks/>
+          </p:cNvSpPr>
+          <p:nvPr/>
+        </p:nvSpPr>
+        <p:spPr>
+          <a:xfrm>
+            <a:off x="288235" y="4869856"/>
+            <a:ext cx="11665226" cy="633542"/>
+          </a:xfrm>
+          <a:prstGeom prst="rect">
+            <a:avLst/>
+          </a:prstGeom>
+          <a:solidFill>
+            <a:schemeClr val="bg1">
+              <a:lumMod val="75000"/>
+            </a:schemeClr>
+          </a:solidFill>
+        </p:spPr>
+        <p:txBody>
+          <a:bodyPr lIns="0" tIns="0" rIns="0" bIns="0"/>
+          <a:lstStyle>
+            <a:lvl1pPr marL="228600" indent="-228600" algn="l" defTabSz="914400" rtl="0" eaLnBrk="1" latinLnBrk="0" hangingPunct="1">
+              <a:lnSpc>
+                <a:spcPct val="90000"/>
+              </a:lnSpc>
+              <a:spcBef>
+                <a:spcPts val="1000"/>
+              </a:spcBef>
+              <a:buFont typeface="Arial" panose="020B0604020202020204" pitchFamily="34" charset="0"/>
+              <a:buChar char="•"/>
+              <a:defRPr sz="2800" kern="1200">
+                <a:solidFill>
+                  <a:schemeClr val="tx1"/>
+                </a:solidFill>
+                <a:latin typeface="+mn-lt"/>
+                <a:ea typeface="+mn-ea"/>
+                <a:cs typeface="+mn-cs"/>
+              </a:defRPr>
+            </a:lvl1pPr>
+            <a:lvl2pPr marL="685800" indent="-228600" algn="l" defTabSz="914400" rtl="0" eaLnBrk="1" latinLnBrk="0" hangingPunct="1">
+              <a:lnSpc>
+                <a:spcPct val="90000"/>
+              </a:lnSpc>
+              <a:spcBef>
+                <a:spcPts val="500"/>
+              </a:spcBef>
+              <a:buFont typeface="Arial" panose="020B0604020202020204" pitchFamily="34" charset="0"/>
+              <a:buChar char="•"/>
+              <a:defRPr sz="2400" kern="1200">
+                <a:solidFill>
+                  <a:schemeClr val="tx1"/>
+                </a:solidFill>
+                <a:latin typeface="+mn-lt"/>
+                <a:ea typeface="+mn-ea"/>
+                <a:cs typeface="+mn-cs"/>
+              </a:defRPr>
+            </a:lvl2pPr>
+            <a:lvl3pPr marL="1143000" indent="-228600" algn="l" defTabSz="914400" rtl="0" eaLnBrk="1" latinLnBrk="0" hangingPunct="1">
+              <a:lnSpc>
+                <a:spcPct val="90000"/>
+              </a:lnSpc>
+              <a:spcBef>
+                <a:spcPts val="500"/>
+              </a:spcBef>
+              <a:buFont typeface="Arial" panose="020B0604020202020204" pitchFamily="34" charset="0"/>
+              <a:buChar char="•"/>
+              <a:defRPr sz="2000" kern="1200">
+                <a:solidFill>
+                  <a:schemeClr val="tx1"/>
+                </a:solidFill>
+                <a:latin typeface="+mn-lt"/>
+                <a:ea typeface="+mn-ea"/>
+                <a:cs typeface="+mn-cs"/>
+              </a:defRPr>
+            </a:lvl3pPr>
+            <a:lvl4pPr marL="1600200" indent="-228600" algn="l" defTabSz="914400" rtl="0" eaLnBrk="1" latinLnBrk="0" hangingPunct="1">
+              <a:lnSpc>
+                <a:spcPct val="90000"/>
+              </a:lnSpc>
+              <a:spcBef>
+                <a:spcPts val="500"/>
+              </a:spcBef>
+              <a:buFont typeface="Arial" panose="020B0604020202020204" pitchFamily="34" charset="0"/>
+              <a:buChar char="•"/>
+              <a:defRPr sz="1800" kern="1200">
+                <a:solidFill>
+                  <a:schemeClr val="tx1"/>
+                </a:solidFill>
+                <a:latin typeface="+mn-lt"/>
+                <a:ea typeface="+mn-ea"/>
+                <a:cs typeface="+mn-cs"/>
+              </a:defRPr>
+            </a:lvl4pPr>
+            <a:lvl5pPr marL="2057400" indent="-228600" algn="l" defTabSz="914400" rtl="0" eaLnBrk="1" latinLnBrk="0" hangingPunct="1">
+              <a:lnSpc>
+                <a:spcPct val="90000"/>
+              </a:lnSpc>
+              <a:spcBef>
+                <a:spcPts val="500"/>
+              </a:spcBef>
+              <a:buFont typeface="Arial" panose="020B0604020202020204" pitchFamily="34" charset="0"/>
+              <a:buChar char="•"/>
+              <a:defRPr sz="1800" kern="1200">
+                <a:solidFill>
+                  <a:schemeClr val="tx1"/>
+                </a:solidFill>
+                <a:latin typeface="+mn-lt"/>
+                <a:ea typeface="+mn-ea"/>
+                <a:cs typeface="+mn-cs"/>
+              </a:defRPr>
+            </a:lvl5pPr>
+            <a:lvl6pPr marL="2514600" indent="-228600" algn="l" defTabSz="914400" rtl="0" eaLnBrk="1" latinLnBrk="0" hangingPunct="1">
+              <a:lnSpc>
+                <a:spcPct val="90000"/>
+              </a:lnSpc>
+              <a:spcBef>
+                <a:spcPts val="500"/>
+              </a:spcBef>
+              <a:buFont typeface="Arial" panose="020B0604020202020204" pitchFamily="34" charset="0"/>
+              <a:buChar char="•"/>
+              <a:defRPr sz="1800" kern="1200">
+                <a:solidFill>
+                  <a:schemeClr val="tx1"/>
+                </a:solidFill>
+                <a:latin typeface="+mn-lt"/>
+                <a:ea typeface="+mn-ea"/>
+                <a:cs typeface="+mn-cs"/>
+              </a:defRPr>
+            </a:lvl6pPr>
+            <a:lvl7pPr marL="2971800" indent="-228600" algn="l" defTabSz="914400" rtl="0" eaLnBrk="1" latinLnBrk="0" hangingPunct="1">
+              <a:lnSpc>
+                <a:spcPct val="90000"/>
+              </a:lnSpc>
+              <a:spcBef>
+                <a:spcPts val="500"/>
+              </a:spcBef>
+              <a:buFont typeface="Arial" panose="020B0604020202020204" pitchFamily="34" charset="0"/>
+              <a:buChar char="•"/>
+              <a:defRPr sz="1800" kern="1200">
+                <a:solidFill>
+                  <a:schemeClr val="tx1"/>
+                </a:solidFill>
+                <a:latin typeface="+mn-lt"/>
+                <a:ea typeface="+mn-ea"/>
+                <a:cs typeface="+mn-cs"/>
+              </a:defRPr>
+            </a:lvl7pPr>
+            <a:lvl8pPr marL="3429000" indent="-228600" algn="l" defTabSz="914400" rtl="0" eaLnBrk="1" latinLnBrk="0" hangingPunct="1">
+              <a:lnSpc>
+                <a:spcPct val="90000"/>
+              </a:lnSpc>
+              <a:spcBef>
+                <a:spcPts val="500"/>
+              </a:spcBef>
+              <a:buFont typeface="Arial" panose="020B0604020202020204" pitchFamily="34" charset="0"/>
+              <a:buChar char="•"/>
+              <a:defRPr sz="1800" kern="1200">
+                <a:solidFill>
+                  <a:schemeClr val="tx1"/>
+                </a:solidFill>
+                <a:latin typeface="+mn-lt"/>
+                <a:ea typeface="+mn-ea"/>
+                <a:cs typeface="+mn-cs"/>
+              </a:defRPr>
+            </a:lvl8pPr>
+            <a:lvl9pPr marL="3886200" indent="-228600" algn="l" defTabSz="914400" rtl="0" eaLnBrk="1" latinLnBrk="0" hangingPunct="1">
+              <a:lnSpc>
+                <a:spcPct val="90000"/>
+              </a:lnSpc>
+              <a:spcBef>
+                <a:spcPts val="500"/>
+              </a:spcBef>
+              <a:buFont typeface="Arial" panose="020B0604020202020204" pitchFamily="34" charset="0"/>
+              <a:buChar char="•"/>
+              <a:defRPr sz="1800" kern="1200">
+                <a:solidFill>
+                  <a:schemeClr val="tx1"/>
+                </a:solidFill>
+                <a:latin typeface="+mn-lt"/>
+                <a:ea typeface="+mn-ea"/>
+                <a:cs typeface="+mn-cs"/>
+              </a:defRPr>
+            </a:lvl9pPr>
+          </a:lstStyle>
+          <a:p>
+            <a:pPr marL="0" indent="0">
+              <a:buNone/>
+            </a:pPr>
+            <a:r>
+              <a:rPr lang="en-US" sz="1400" dirty="0"/>
+              <a:t># iptables -t </a:t>
+            </a:r>
+            <a:r>
+              <a:rPr lang="en-US" sz="1400" dirty="0" err="1"/>
+              <a:t>nat</a:t>
+            </a:r>
+            <a:r>
+              <a:rPr lang="en-US" sz="1400" dirty="0"/>
+              <a:t> -L </a:t>
+            </a:r>
+            <a:r>
+              <a:rPr lang="en-US" sz="1400" b="1" dirty="0">
+                <a:solidFill>
+                  <a:srgbClr val="002060"/>
+                </a:solidFill>
+              </a:rPr>
+              <a:t>KUBE-SEP-V3I5ZMI6HNNKFTAG</a:t>
+            </a:r>
+          </a:p>
+          <a:p>
+            <a:pPr marL="0" indent="0">
+              <a:buNone/>
+            </a:pPr>
+            <a:r>
+              <a:rPr lang="en-US" sz="1400" dirty="0"/>
+              <a:t>DNAT       </a:t>
+            </a:r>
+            <a:r>
+              <a:rPr lang="en-US" sz="1400" dirty="0" err="1"/>
+              <a:t>tcp</a:t>
+            </a:r>
+            <a:r>
+              <a:rPr lang="en-US" sz="1400" dirty="0"/>
+              <a:t>  --  anywhere             anywhere             /* default/lc-web */ </a:t>
+            </a:r>
+            <a:r>
+              <a:rPr lang="en-US" sz="1400" dirty="0" err="1"/>
+              <a:t>tcp</a:t>
+            </a:r>
+            <a:r>
+              <a:rPr lang="en-US" sz="1400" dirty="0"/>
+              <a:t> to:</a:t>
+            </a:r>
+            <a:r>
+              <a:rPr lang="en-US" sz="1400" dirty="0">
+                <a:solidFill>
+                  <a:srgbClr val="FFFF00"/>
+                </a:solidFill>
+              </a:rPr>
+              <a:t>10.244.2.5:80</a:t>
+            </a:r>
+            <a:endParaRPr lang="en-IL" sz="1400" dirty="0">
+              <a:solidFill>
+                <a:srgbClr val="FFFF00"/>
+              </a:solidFill>
+            </a:endParaRPr>
+          </a:p>
+        </p:txBody>
+      </p:sp>
+      <p:sp>
+        <p:nvSpPr>
+          <p:cNvPr id="35" name="Content Placeholder 7">
+            <a:extLst>
+              <a:ext uri="{FF2B5EF4-FFF2-40B4-BE49-F238E27FC236}">
+                <a16:creationId xmlns:a16="http://schemas.microsoft.com/office/drawing/2014/main" id="{14F39997-62AF-BB48-B279-39028308EA71}"/>
+              </a:ext>
+            </a:extLst>
+          </p:cNvPr>
+          <p:cNvSpPr txBox="1">
+            <a:spLocks/>
+          </p:cNvSpPr>
+          <p:nvPr/>
+        </p:nvSpPr>
+        <p:spPr>
+          <a:xfrm>
+            <a:off x="263387" y="5730060"/>
+            <a:ext cx="11665226" cy="633542"/>
+          </a:xfrm>
+          <a:prstGeom prst="rect">
+            <a:avLst/>
+          </a:prstGeom>
+          <a:solidFill>
+            <a:schemeClr val="bg1">
+              <a:lumMod val="75000"/>
+            </a:schemeClr>
+          </a:solidFill>
+        </p:spPr>
+        <p:txBody>
+          <a:bodyPr lIns="0" tIns="0" rIns="0" bIns="0"/>
+          <a:lstStyle>
+            <a:lvl1pPr marL="228600" indent="-228600" algn="l" defTabSz="914400" rtl="0" eaLnBrk="1" latinLnBrk="0" hangingPunct="1">
+              <a:lnSpc>
+                <a:spcPct val="90000"/>
+              </a:lnSpc>
+              <a:spcBef>
+                <a:spcPts val="1000"/>
+              </a:spcBef>
+              <a:buFont typeface="Arial" panose="020B0604020202020204" pitchFamily="34" charset="0"/>
+              <a:buChar char="•"/>
+              <a:defRPr sz="2800" kern="1200">
+                <a:solidFill>
+                  <a:schemeClr val="tx1"/>
+                </a:solidFill>
+                <a:latin typeface="+mn-lt"/>
+                <a:ea typeface="+mn-ea"/>
+                <a:cs typeface="+mn-cs"/>
+              </a:defRPr>
+            </a:lvl1pPr>
+            <a:lvl2pPr marL="685800" indent="-228600" algn="l" defTabSz="914400" rtl="0" eaLnBrk="1" latinLnBrk="0" hangingPunct="1">
+              <a:lnSpc>
+                <a:spcPct val="90000"/>
+              </a:lnSpc>
+              <a:spcBef>
+                <a:spcPts val="500"/>
+              </a:spcBef>
+              <a:buFont typeface="Arial" panose="020B0604020202020204" pitchFamily="34" charset="0"/>
+              <a:buChar char="•"/>
+              <a:defRPr sz="2400" kern="1200">
+                <a:solidFill>
+                  <a:schemeClr val="tx1"/>
+                </a:solidFill>
+                <a:latin typeface="+mn-lt"/>
+                <a:ea typeface="+mn-ea"/>
+                <a:cs typeface="+mn-cs"/>
+              </a:defRPr>
+            </a:lvl2pPr>
+            <a:lvl3pPr marL="1143000" indent="-228600" algn="l" defTabSz="914400" rtl="0" eaLnBrk="1" latinLnBrk="0" hangingPunct="1">
+              <a:lnSpc>
+                <a:spcPct val="90000"/>
+              </a:lnSpc>
+              <a:spcBef>
+                <a:spcPts val="500"/>
+              </a:spcBef>
+              <a:buFont typeface="Arial" panose="020B0604020202020204" pitchFamily="34" charset="0"/>
+              <a:buChar char="•"/>
+              <a:defRPr sz="2000" kern="1200">
+                <a:solidFill>
+                  <a:schemeClr val="tx1"/>
+                </a:solidFill>
+                <a:latin typeface="+mn-lt"/>
+                <a:ea typeface="+mn-ea"/>
+                <a:cs typeface="+mn-cs"/>
+              </a:defRPr>
+            </a:lvl3pPr>
+            <a:lvl4pPr marL="1600200" indent="-228600" algn="l" defTabSz="914400" rtl="0" eaLnBrk="1" latinLnBrk="0" hangingPunct="1">
+              <a:lnSpc>
+                <a:spcPct val="90000"/>
+              </a:lnSpc>
+              <a:spcBef>
+                <a:spcPts val="500"/>
+              </a:spcBef>
+              <a:buFont typeface="Arial" panose="020B0604020202020204" pitchFamily="34" charset="0"/>
+              <a:buChar char="•"/>
+              <a:defRPr sz="1800" kern="1200">
+                <a:solidFill>
+                  <a:schemeClr val="tx1"/>
+                </a:solidFill>
+                <a:latin typeface="+mn-lt"/>
+                <a:ea typeface="+mn-ea"/>
+                <a:cs typeface="+mn-cs"/>
+              </a:defRPr>
+            </a:lvl4pPr>
+            <a:lvl5pPr marL="2057400" indent="-228600" algn="l" defTabSz="914400" rtl="0" eaLnBrk="1" latinLnBrk="0" hangingPunct="1">
+              <a:lnSpc>
+                <a:spcPct val="90000"/>
+              </a:lnSpc>
+              <a:spcBef>
+                <a:spcPts val="500"/>
+              </a:spcBef>
+              <a:buFont typeface="Arial" panose="020B0604020202020204" pitchFamily="34" charset="0"/>
+              <a:buChar char="•"/>
+              <a:defRPr sz="1800" kern="1200">
+                <a:solidFill>
+                  <a:schemeClr val="tx1"/>
+                </a:solidFill>
+                <a:latin typeface="+mn-lt"/>
+                <a:ea typeface="+mn-ea"/>
+                <a:cs typeface="+mn-cs"/>
+              </a:defRPr>
+            </a:lvl5pPr>
+            <a:lvl6pPr marL="2514600" indent="-228600" algn="l" defTabSz="914400" rtl="0" eaLnBrk="1" latinLnBrk="0" hangingPunct="1">
+              <a:lnSpc>
+                <a:spcPct val="90000"/>
+              </a:lnSpc>
+              <a:spcBef>
+                <a:spcPts val="500"/>
+              </a:spcBef>
+              <a:buFont typeface="Arial" panose="020B0604020202020204" pitchFamily="34" charset="0"/>
+              <a:buChar char="•"/>
+              <a:defRPr sz="1800" kern="1200">
+                <a:solidFill>
+                  <a:schemeClr val="tx1"/>
+                </a:solidFill>
+                <a:latin typeface="+mn-lt"/>
+                <a:ea typeface="+mn-ea"/>
+                <a:cs typeface="+mn-cs"/>
+              </a:defRPr>
+            </a:lvl6pPr>
+            <a:lvl7pPr marL="2971800" indent="-228600" algn="l" defTabSz="914400" rtl="0" eaLnBrk="1" latinLnBrk="0" hangingPunct="1">
+              <a:lnSpc>
+                <a:spcPct val="90000"/>
+              </a:lnSpc>
+              <a:spcBef>
+                <a:spcPts val="500"/>
+              </a:spcBef>
+              <a:buFont typeface="Arial" panose="020B0604020202020204" pitchFamily="34" charset="0"/>
+              <a:buChar char="•"/>
+              <a:defRPr sz="1800" kern="1200">
+                <a:solidFill>
+                  <a:schemeClr val="tx1"/>
+                </a:solidFill>
+                <a:latin typeface="+mn-lt"/>
+                <a:ea typeface="+mn-ea"/>
+                <a:cs typeface="+mn-cs"/>
+              </a:defRPr>
+            </a:lvl7pPr>
+            <a:lvl8pPr marL="3429000" indent="-228600" algn="l" defTabSz="914400" rtl="0" eaLnBrk="1" latinLnBrk="0" hangingPunct="1">
+              <a:lnSpc>
+                <a:spcPct val="90000"/>
+              </a:lnSpc>
+              <a:spcBef>
+                <a:spcPts val="500"/>
+              </a:spcBef>
+              <a:buFont typeface="Arial" panose="020B0604020202020204" pitchFamily="34" charset="0"/>
+              <a:buChar char="•"/>
+              <a:defRPr sz="1800" kern="1200">
+                <a:solidFill>
+                  <a:schemeClr val="tx1"/>
+                </a:solidFill>
+                <a:latin typeface="+mn-lt"/>
+                <a:ea typeface="+mn-ea"/>
+                <a:cs typeface="+mn-cs"/>
+              </a:defRPr>
+            </a:lvl8pPr>
+            <a:lvl9pPr marL="3886200" indent="-228600" algn="l" defTabSz="914400" rtl="0" eaLnBrk="1" latinLnBrk="0" hangingPunct="1">
+              <a:lnSpc>
+                <a:spcPct val="90000"/>
+              </a:lnSpc>
+              <a:spcBef>
+                <a:spcPts val="500"/>
+              </a:spcBef>
+              <a:buFont typeface="Arial" panose="020B0604020202020204" pitchFamily="34" charset="0"/>
+              <a:buChar char="•"/>
+              <a:defRPr sz="1800" kern="1200">
+                <a:solidFill>
+                  <a:schemeClr val="tx1"/>
+                </a:solidFill>
+                <a:latin typeface="+mn-lt"/>
+                <a:ea typeface="+mn-ea"/>
+                <a:cs typeface="+mn-cs"/>
+              </a:defRPr>
+            </a:lvl9pPr>
+          </a:lstStyle>
+          <a:p>
+            <a:pPr marL="0" indent="0">
+              <a:buNone/>
+            </a:pPr>
+            <a:r>
+              <a:rPr lang="en-US" sz="1400" dirty="0"/>
+              <a:t># </a:t>
+            </a:r>
+            <a:r>
+              <a:rPr lang="en-US" sz="1400" dirty="0" err="1"/>
+              <a:t>kubectl</a:t>
+            </a:r>
+            <a:r>
+              <a:rPr lang="en-US" sz="1400" dirty="0"/>
+              <a:t> get po -</a:t>
+            </a:r>
+            <a:r>
+              <a:rPr lang="en-US" sz="1400" dirty="0" err="1"/>
+              <a:t>owide</a:t>
+            </a:r>
+            <a:endParaRPr lang="en-US" sz="1400" dirty="0"/>
+          </a:p>
+          <a:p>
+            <a:pPr marL="0" indent="0">
+              <a:buNone/>
+            </a:pPr>
+            <a:r>
+              <a:rPr lang="en-US" sz="1400" dirty="0"/>
+              <a:t>c-web-6d5479f46-tpvhd              1/1     Running   0          34m    </a:t>
+            </a:r>
+            <a:r>
+              <a:rPr lang="en-US" sz="1400" dirty="0">
+                <a:solidFill>
+                  <a:srgbClr val="FFFF00"/>
+                </a:solidFill>
+              </a:rPr>
+              <a:t>10.244.2.5</a:t>
+            </a:r>
+            <a:r>
+              <a:rPr lang="en-US" sz="1400" dirty="0"/>
+              <a:t>   kind-worker2   &lt;none&gt;           &lt;none&gt;</a:t>
+            </a:r>
+            <a:endParaRPr lang="en-IL" sz="1400" dirty="0"/>
+          </a:p>
+        </p:txBody>
+      </p:sp>
+      <p:sp>
+        <p:nvSpPr>
+          <p:cNvPr id="12" name="TextBox 11">
+            <a:extLst>
+              <a:ext uri="{FF2B5EF4-FFF2-40B4-BE49-F238E27FC236}">
+                <a16:creationId xmlns:a16="http://schemas.microsoft.com/office/drawing/2014/main" id="{D309871F-7938-644D-85FA-50A9DE3425EF}"/>
+              </a:ext>
+            </a:extLst>
+          </p:cNvPr>
+          <p:cNvSpPr txBox="1"/>
+          <p:nvPr/>
+        </p:nvSpPr>
+        <p:spPr>
+          <a:xfrm>
+            <a:off x="2557835" y="6488668"/>
+            <a:ext cx="11640378" cy="369332"/>
+          </a:xfrm>
+          <a:prstGeom prst="rect">
+            <a:avLst/>
+          </a:prstGeom>
+          <a:noFill/>
+        </p:spPr>
+        <p:txBody>
+          <a:bodyPr wrap="square" rtlCol="0">
+            <a:spAutoFit/>
+          </a:bodyPr>
+          <a:lstStyle/>
+          <a:p>
+            <a:r>
+              <a:rPr lang="en-US" dirty="0"/>
+              <a:t>R</a:t>
+            </a:r>
+            <a:r>
+              <a:rPr lang="en-IL" dirty="0"/>
+              <a:t>esource : </a:t>
+            </a:r>
+            <a:r>
+              <a:rPr lang="en-US" dirty="0">
+                <a:hlinkClick r:id="rId3"/>
+              </a:rPr>
+              <a:t>https://</a:t>
+            </a:r>
+            <a:r>
+              <a:rPr lang="en-US" dirty="0" err="1">
+                <a:hlinkClick r:id="rId3"/>
+              </a:rPr>
+              <a:t>ronaknathani.com</a:t>
+            </a:r>
+            <a:r>
+              <a:rPr lang="en-US" dirty="0">
+                <a:hlinkClick r:id="rId3"/>
+              </a:rPr>
+              <a:t>/blog/2020/07/</a:t>
+            </a:r>
+            <a:r>
+              <a:rPr lang="en-US" dirty="0" err="1">
+                <a:hlinkClick r:id="rId3"/>
+              </a:rPr>
+              <a:t>kubernetes</a:t>
+            </a:r>
+            <a:r>
+              <a:rPr lang="en-US" dirty="0">
+                <a:hlinkClick r:id="rId3"/>
+              </a:rPr>
+              <a:t>-</a:t>
+            </a:r>
+            <a:r>
+              <a:rPr lang="en-US" dirty="0" err="1">
+                <a:hlinkClick r:id="rId3"/>
+              </a:rPr>
+              <a:t>nodeport</a:t>
+            </a:r>
+            <a:r>
+              <a:rPr lang="en-US" dirty="0">
+                <a:hlinkClick r:id="rId3"/>
+              </a:rPr>
+              <a:t>-and-iptables-rules/</a:t>
+            </a:r>
+            <a:endParaRPr lang="en-IL" dirty="0"/>
+          </a:p>
+        </p:txBody>
+      </p:sp>
+    </p:spTree>
+    <p:extLst>
+      <p:ext uri="{BB962C8B-B14F-4D97-AF65-F5344CB8AC3E}">
+        <p14:creationId xmlns:p14="http://schemas.microsoft.com/office/powerpoint/2010/main" val="730208371"/>
+      </p:ext>
+    </p:extLst>
+  </p:cSld>
+  <p:clrMapOvr>
+    <a:masterClrMapping/>
+  </p:clrMapOvr>
+  <p:timing>
+    <p:tnLst>
+      <p:par>
+        <p:cTn id="1" dur="indefinite" restart="never" nodeType="tmRoot">
+          <p:childTnLst>
+            <p:seq concurrent="1" nextAc="seek">
+              <p:cTn id="2" dur="indefinite" nodeType="mainSeq">
+                <p:childTnLst>
+                  <p:par>
+                    <p:cTn id="3" fill="hold">
+                      <p:stCondLst>
+                        <p:cond delay="indefinite"/>
+                      </p:stCondLst>
+                      <p:childTnLst>
+                        <p:par>
+                          <p:cTn id="4" fill="hold">
+                            <p:stCondLst>
+                              <p:cond delay="0"/>
+                            </p:stCondLst>
+                            <p:childTnLst>
+                              <p:par>
+                                <p:cTn id="5" presetID="1" presetClass="entr" presetSubtype="0" fill="hold" grpId="0" nodeType="clickEffect">
+                                  <p:stCondLst>
+                                    <p:cond delay="0"/>
+                                  </p:stCondLst>
+                                  <p:childTnLst>
+                                    <p:set>
+                                      <p:cBhvr>
+                                        <p:cTn id="6" dur="1" fill="hold">
+                                          <p:stCondLst>
+                                            <p:cond delay="0"/>
+                                          </p:stCondLst>
+                                        </p:cTn>
+                                        <p:tgtEl>
+                                          <p:spTgt spid="8">
+                                            <p:bg/>
+                                          </p:spTgt>
+                                        </p:tgtEl>
+                                        <p:attrNameLst>
+                                          <p:attrName>style.visibility</p:attrName>
+                                        </p:attrNameLst>
+                                      </p:cBhvr>
+                                      <p:to>
+                                        <p:strVal val="visible"/>
+                                      </p:to>
+                                    </p:set>
+                                  </p:childTnLst>
+                                </p:cTn>
+                              </p:par>
+                            </p:childTnLst>
+                          </p:cTn>
+                        </p:par>
+                      </p:childTnLst>
+                    </p:cTn>
+                  </p:par>
+                  <p:par>
+                    <p:cTn id="7" fill="hold">
+                      <p:stCondLst>
+                        <p:cond delay="indefinite"/>
+                      </p:stCondLst>
+                      <p:childTnLst>
+                        <p:par>
+                          <p:cTn id="8" fill="hold">
+                            <p:stCondLst>
+                              <p:cond delay="0"/>
+                            </p:stCondLst>
+                            <p:childTnLst>
+                              <p:par>
+                                <p:cTn id="9" presetID="1" presetClass="entr" presetSubtype="0" fill="hold" grpId="0" nodeType="clickEffect">
+                                  <p:stCondLst>
+                                    <p:cond delay="0"/>
+                                  </p:stCondLst>
+                                  <p:childTnLst>
+                                    <p:set>
+                                      <p:cBhvr>
+                                        <p:cTn id="10" dur="1" fill="hold">
+                                          <p:stCondLst>
+                                            <p:cond delay="0"/>
+                                          </p:stCondLst>
+                                        </p:cTn>
+                                        <p:tgtEl>
+                                          <p:spTgt spid="8">
+                                            <p:txEl>
+                                              <p:pRg st="0" end="0"/>
+                                            </p:txEl>
+                                          </p:spTgt>
+                                        </p:tgtEl>
+                                        <p:attrNameLst>
+                                          <p:attrName>style.visibility</p:attrName>
+                                        </p:attrNameLst>
+                                      </p:cBhvr>
+                                      <p:to>
+                                        <p:strVal val="visible"/>
+                                      </p:to>
+                                    </p:set>
+                                  </p:childTnLst>
+                                </p:cTn>
+                              </p:par>
+                            </p:childTnLst>
+                          </p:cTn>
+                        </p:par>
+                      </p:childTnLst>
+                    </p:cTn>
+                  </p:par>
+                  <p:par>
+                    <p:cTn id="11" fill="hold">
+                      <p:stCondLst>
+                        <p:cond delay="indefinite"/>
+                      </p:stCondLst>
+                      <p:childTnLst>
+                        <p:par>
+                          <p:cTn id="12" fill="hold">
+                            <p:stCondLst>
+                              <p:cond delay="0"/>
+                            </p:stCondLst>
+                            <p:childTnLst>
+                              <p:par>
+                                <p:cTn id="13" presetID="1" presetClass="entr" presetSubtype="0" fill="hold" grpId="0" nodeType="clickEffect">
+                                  <p:stCondLst>
+                                    <p:cond delay="0"/>
+                                  </p:stCondLst>
+                                  <p:childTnLst>
+                                    <p:set>
+                                      <p:cBhvr>
+                                        <p:cTn id="14" dur="1" fill="hold">
+                                          <p:stCondLst>
+                                            <p:cond delay="0"/>
+                                          </p:stCondLst>
+                                        </p:cTn>
+                                        <p:tgtEl>
+                                          <p:spTgt spid="8">
+                                            <p:txEl>
+                                              <p:pRg st="1" end="1"/>
+                                            </p:txEl>
+                                          </p:spTgt>
+                                        </p:tgtEl>
+                                        <p:attrNameLst>
+                                          <p:attrName>style.visibility</p:attrName>
+                                        </p:attrNameLst>
+                                      </p:cBhvr>
+                                      <p:to>
+                                        <p:strVal val="visible"/>
+                                      </p:to>
+                                    </p:set>
+                                  </p:childTnLst>
+                                </p:cTn>
+                              </p:par>
+                            </p:childTnLst>
+                          </p:cTn>
+                        </p:par>
+                      </p:childTnLst>
+                    </p:cTn>
+                  </p:par>
+                  <p:par>
+                    <p:cTn id="15" fill="hold">
+                      <p:stCondLst>
+                        <p:cond delay="indefinite"/>
+                      </p:stCondLst>
+                      <p:childTnLst>
+                        <p:par>
+                          <p:cTn id="16" fill="hold">
+                            <p:stCondLst>
+                              <p:cond delay="0"/>
+                            </p:stCondLst>
+                            <p:childTnLst>
+                              <p:par>
+                                <p:cTn id="17" presetID="1" presetClass="entr" presetSubtype="0" fill="hold" grpId="0" nodeType="clickEffect">
+                                  <p:stCondLst>
+                                    <p:cond delay="0"/>
+                                  </p:stCondLst>
+                                  <p:childTnLst>
+                                    <p:set>
+                                      <p:cBhvr>
+                                        <p:cTn id="18" dur="1" fill="hold">
+                                          <p:stCondLst>
+                                            <p:cond delay="0"/>
+                                          </p:stCondLst>
+                                        </p:cTn>
+                                        <p:tgtEl>
+                                          <p:spTgt spid="22"/>
+                                        </p:tgtEl>
+                                        <p:attrNameLst>
+                                          <p:attrName>style.visibility</p:attrName>
+                                        </p:attrNameLst>
+                                      </p:cBhvr>
+                                      <p:to>
+                                        <p:strVal val="visible"/>
+                                      </p:to>
+                                    </p:set>
+                                  </p:childTnLst>
+                                </p:cTn>
+                              </p:par>
+                            </p:childTnLst>
+                          </p:cTn>
+                        </p:par>
+                      </p:childTnLst>
+                    </p:cTn>
+                  </p:par>
+                  <p:par>
+                    <p:cTn id="19" fill="hold">
+                      <p:stCondLst>
+                        <p:cond delay="indefinite"/>
+                      </p:stCondLst>
+                      <p:childTnLst>
+                        <p:par>
+                          <p:cTn id="20" fill="hold">
+                            <p:stCondLst>
+                              <p:cond delay="0"/>
+                            </p:stCondLst>
+                            <p:childTnLst>
+                              <p:par>
+                                <p:cTn id="21" presetID="1" presetClass="entr" presetSubtype="0" fill="hold" grpId="0" nodeType="clickEffect">
+                                  <p:stCondLst>
+                                    <p:cond delay="0"/>
+                                  </p:stCondLst>
+                                  <p:childTnLst>
+                                    <p:set>
+                                      <p:cBhvr>
+                                        <p:cTn id="22" dur="1" fill="hold">
+                                          <p:stCondLst>
+                                            <p:cond delay="0"/>
+                                          </p:stCondLst>
+                                        </p:cTn>
+                                        <p:tgtEl>
+                                          <p:spTgt spid="31"/>
+                                        </p:tgtEl>
+                                        <p:attrNameLst>
+                                          <p:attrName>style.visibility</p:attrName>
+                                        </p:attrNameLst>
+                                      </p:cBhvr>
+                                      <p:to>
+                                        <p:strVal val="visible"/>
+                                      </p:to>
+                                    </p:set>
+                                  </p:childTnLst>
+                                </p:cTn>
+                              </p:par>
+                            </p:childTnLst>
+                          </p:cTn>
+                        </p:par>
+                      </p:childTnLst>
+                    </p:cTn>
+                  </p:par>
+                  <p:par>
+                    <p:cTn id="23" fill="hold">
+                      <p:stCondLst>
+                        <p:cond delay="indefinite"/>
+                      </p:stCondLst>
+                      <p:childTnLst>
+                        <p:par>
+                          <p:cTn id="24" fill="hold">
+                            <p:stCondLst>
+                              <p:cond delay="0"/>
+                            </p:stCondLst>
+                            <p:childTnLst>
+                              <p:par>
+                                <p:cTn id="25" presetID="1" presetClass="entr" presetSubtype="0" fill="hold" grpId="0" nodeType="clickEffect">
+                                  <p:stCondLst>
+                                    <p:cond delay="0"/>
+                                  </p:stCondLst>
+                                  <p:childTnLst>
+                                    <p:set>
+                                      <p:cBhvr>
+                                        <p:cTn id="26" dur="1" fill="hold">
+                                          <p:stCondLst>
+                                            <p:cond delay="0"/>
+                                          </p:stCondLst>
+                                        </p:cTn>
+                                        <p:tgtEl>
+                                          <p:spTgt spid="32"/>
+                                        </p:tgtEl>
+                                        <p:attrNameLst>
+                                          <p:attrName>style.visibility</p:attrName>
+                                        </p:attrNameLst>
+                                      </p:cBhvr>
+                                      <p:to>
+                                        <p:strVal val="visible"/>
+                                      </p:to>
+                                    </p:set>
+                                  </p:childTnLst>
+                                </p:cTn>
+                              </p:par>
+                            </p:childTnLst>
+                          </p:cTn>
+                        </p:par>
+                      </p:childTnLst>
+                    </p:cTn>
+                  </p:par>
+                  <p:par>
+                    <p:cTn id="27" fill="hold">
+                      <p:stCondLst>
+                        <p:cond delay="indefinite"/>
+                      </p:stCondLst>
+                      <p:childTnLst>
+                        <p:par>
+                          <p:cTn id="28" fill="hold">
+                            <p:stCondLst>
+                              <p:cond delay="0"/>
+                            </p:stCondLst>
+                            <p:childTnLst>
+                              <p:par>
+                                <p:cTn id="29" presetID="1" presetClass="entr" presetSubtype="0" fill="hold" grpId="0" nodeType="clickEffect">
+                                  <p:stCondLst>
+                                    <p:cond delay="0"/>
+                                  </p:stCondLst>
+                                  <p:childTnLst>
+                                    <p:set>
+                                      <p:cBhvr>
+                                        <p:cTn id="30" dur="1" fill="hold">
+                                          <p:stCondLst>
+                                            <p:cond delay="0"/>
+                                          </p:stCondLst>
+                                        </p:cTn>
+                                        <p:tgtEl>
+                                          <p:spTgt spid="33"/>
+                                        </p:tgtEl>
+                                        <p:attrNameLst>
+                                          <p:attrName>style.visibility</p:attrName>
+                                        </p:attrNameLst>
+                                      </p:cBhvr>
+                                      <p:to>
+                                        <p:strVal val="visible"/>
+                                      </p:to>
+                                    </p:set>
+                                  </p:childTnLst>
+                                </p:cTn>
+                              </p:par>
+                            </p:childTnLst>
+                          </p:cTn>
+                        </p:par>
+                      </p:childTnLst>
+                    </p:cTn>
+                  </p:par>
+                  <p:par>
+                    <p:cTn id="31" fill="hold">
+                      <p:stCondLst>
+                        <p:cond delay="indefinite"/>
+                      </p:stCondLst>
+                      <p:childTnLst>
+                        <p:par>
+                          <p:cTn id="32" fill="hold">
+                            <p:stCondLst>
+                              <p:cond delay="0"/>
+                            </p:stCondLst>
+                            <p:childTnLst>
+                              <p:par>
+                                <p:cTn id="33" presetID="1" presetClass="entr" presetSubtype="0" fill="hold" grpId="0" nodeType="clickEffect">
+                                  <p:stCondLst>
+                                    <p:cond delay="0"/>
+                                  </p:stCondLst>
+                                  <p:childTnLst>
+                                    <p:set>
+                                      <p:cBhvr>
+                                        <p:cTn id="34" dur="1" fill="hold">
+                                          <p:stCondLst>
+                                            <p:cond delay="0"/>
+                                          </p:stCondLst>
+                                        </p:cTn>
+                                        <p:tgtEl>
+                                          <p:spTgt spid="35"/>
+                                        </p:tgtEl>
+                                        <p:attrNameLst>
+                                          <p:attrName>style.visibility</p:attrName>
+                                        </p:attrNameLst>
+                                      </p:cBhvr>
+                                      <p:to>
+                                        <p:strVal val="visible"/>
+                                      </p:to>
+                                    </p:set>
+                                  </p:childTnLst>
+                                </p:cTn>
+                              </p:par>
+                            </p:childTnLst>
+                          </p:cTn>
+                        </p:par>
+                      </p:childTnLst>
+                    </p:cTn>
+                  </p:par>
+                  <p:par>
+                    <p:cTn id="35" fill="hold">
+                      <p:stCondLst>
+                        <p:cond delay="indefinite"/>
+                      </p:stCondLst>
+                      <p:childTnLst>
+                        <p:par>
+                          <p:cTn id="36" fill="hold">
+                            <p:stCondLst>
+                              <p:cond delay="0"/>
+                            </p:stCondLst>
+                            <p:childTnLst>
+                              <p:par>
+                                <p:cTn id="37" presetID="1" presetClass="entr" presetSubtype="0" fill="hold" grpId="0" nodeType="clickEffect">
+                                  <p:stCondLst>
+                                    <p:cond delay="0"/>
+                                  </p:stCondLst>
+                                  <p:childTnLst>
+                                    <p:set>
+                                      <p:cBhvr>
+                                        <p:cTn id="38" dur="1" fill="hold">
+                                          <p:stCondLst>
+                                            <p:cond delay="0"/>
+                                          </p:stCondLst>
+                                        </p:cTn>
+                                        <p:tgtEl>
+                                          <p:spTgt spid="12"/>
+                                        </p:tgtEl>
+                                        <p:attrNameLst>
+                                          <p:attrName>style.visibility</p:attrName>
+                                        </p:attrNameLst>
+                                      </p:cBhvr>
+                                      <p:to>
+                                        <p:strVal val="visible"/>
+                                      </p:to>
+                                    </p:set>
+                                  </p:childTnLst>
+                                </p:cTn>
+                              </p:par>
+                            </p:childTnLst>
+                          </p:cTn>
+                        </p:par>
+                      </p:childTnLst>
+                    </p:cTn>
+                  </p:par>
+                </p:childTnLst>
+              </p:cTn>
+              <p:prevCondLst>
+                <p:cond evt="onPrev" delay="0">
+                  <p:tgtEl>
+                    <p:sldTgt/>
+                  </p:tgtEl>
+                </p:cond>
+              </p:prevCondLst>
+              <p:nextCondLst>
+                <p:cond evt="onNext" delay="0">
+                  <p:tgtEl>
+                    <p:sldTgt/>
+                  </p:tgtEl>
+                </p:cond>
+              </p:nextCondLst>
+            </p:seq>
+          </p:childTnLst>
+        </p:cTn>
+      </p:par>
+    </p:tnLst>
+    <p:bldLst>
+      <p:bldP spid="8" grpId="0" build="p" animBg="1"/>
+      <p:bldP spid="22" grpId="0" animBg="1"/>
+      <p:bldP spid="31" grpId="0" animBg="1"/>
+      <p:bldP spid="32" grpId="0" animBg="1"/>
+      <p:bldP spid="33" grpId="0" animBg="1"/>
+      <p:bldP spid="35" grpId="0" animBg="1"/>
+      <p:bldP spid="12" grpId="0"/>
+    </p:bldLst>
+  </p:timing>
+</p:sld>
+</file>
+
+<file path=ppt/slides/slide26.xml><?xml version="1.0" encoding="utf-8"?>
 <p:sld xmlns:a="http://schemas.openxmlformats.org/drawingml/2006/main" xmlns:r="http://schemas.openxmlformats.org/officeDocument/2006/relationships" xmlns:p="http://schemas.openxmlformats.org/presentationml/2006/main" show="0">
   <p:cSld>
     <p:spTree>
@@ -22877,7 +23495,7 @@
 </p:sld>
 </file>
 
-<file path=ppt/slides/slide26.xml><?xml version="1.0" encoding="utf-8"?>
+<file path=ppt/slides/slide27.xml><?xml version="1.0" encoding="utf-8"?>
 <p:sld xmlns:a="http://schemas.openxmlformats.org/drawingml/2006/main" xmlns:r="http://schemas.openxmlformats.org/officeDocument/2006/relationships" xmlns:p="http://schemas.openxmlformats.org/presentationml/2006/main">
   <p:cSld>
     <p:spTree>
@@ -23062,7 +23680,7 @@
 </p:sld>
 </file>
 
-<file path=ppt/slides/slide27.xml><?xml version="1.0" encoding="utf-8"?>
+<file path=ppt/slides/slide28.xml><?xml version="1.0" encoding="utf-8"?>
 <p:sld xmlns:a="http://schemas.openxmlformats.org/drawingml/2006/main" xmlns:r="http://schemas.openxmlformats.org/officeDocument/2006/relationships" xmlns:p="http://schemas.openxmlformats.org/presentationml/2006/main">
   <p:cSld>
     <p:spTree>
@@ -23257,7 +23875,7 @@
 </p:sld>
 </file>
 
-<file path=ppt/slides/slide28.xml><?xml version="1.0" encoding="utf-8"?>
+<file path=ppt/slides/slide29.xml><?xml version="1.0" encoding="utf-8"?>
 <p:sld xmlns:a="http://schemas.openxmlformats.org/drawingml/2006/main" xmlns:r="http://schemas.openxmlformats.org/officeDocument/2006/relationships" xmlns:p="http://schemas.openxmlformats.org/presentationml/2006/main">
   <p:cSld>
     <p:spTree>
@@ -25051,423 +25669,8 @@
 </p:sld>
 </file>
 
-<file path=ppt/slides/slide29.xml><?xml version="1.0" encoding="utf-8"?>
-<p:sld xmlns:a="http://schemas.openxmlformats.org/drawingml/2006/main" xmlns:r="http://schemas.openxmlformats.org/officeDocument/2006/relationships" xmlns:p="http://schemas.openxmlformats.org/presentationml/2006/main">
-  <p:cSld>
-    <p:spTree>
-      <p:nvGrpSpPr>
-        <p:cNvPr id="1" name=""/>
-        <p:cNvGrpSpPr/>
-        <p:nvPr/>
-      </p:nvGrpSpPr>
-      <p:grpSpPr>
-        <a:xfrm>
-          <a:off x="0" y="0"/>
-          <a:ext cx="0" cy="0"/>
-          <a:chOff x="0" y="0"/>
-          <a:chExt cx="0" cy="0"/>
-        </a:xfrm>
-      </p:grpSpPr>
-      <p:sp>
-        <p:nvSpPr>
-          <p:cNvPr id="2" name="Title 1"/>
-          <p:cNvSpPr>
-            <a:spLocks noGrp="1"/>
-          </p:cNvSpPr>
-          <p:nvPr>
-            <p:ph type="title"/>
-          </p:nvPr>
-        </p:nvSpPr>
-        <p:spPr>
-          <a:xfrm>
-            <a:off x="838200" y="365126"/>
-            <a:ext cx="10515600" cy="934812"/>
-          </a:xfrm>
-        </p:spPr>
-        <p:txBody>
-          <a:bodyPr/>
-          <a:lstStyle/>
-          <a:p>
-            <a:r>
-              <a:rPr lang="en-US" dirty="0"/>
-              <a:t>Working with </a:t>
-            </a:r>
-            <a:r>
-              <a:rPr lang="en-US" b="1" dirty="0" err="1"/>
-              <a:t>kubectl</a:t>
-            </a:r>
-            <a:r>
-              <a:rPr lang="en-US" dirty="0"/>
-              <a:t> </a:t>
-            </a:r>
-            <a:r>
-              <a:rPr lang="en-US" dirty="0" err="1"/>
-              <a:t>Declerative</a:t>
-            </a:r>
-            <a:r>
-              <a:rPr lang="en-US" dirty="0"/>
-              <a:t> Commands</a:t>
-            </a:r>
-          </a:p>
-        </p:txBody>
-      </p:sp>
-      <p:sp>
-        <p:nvSpPr>
-          <p:cNvPr id="3" name="Content Placeholder 2"/>
-          <p:cNvSpPr>
-            <a:spLocks noGrp="1"/>
-          </p:cNvSpPr>
-          <p:nvPr>
-            <p:ph idx="1"/>
-          </p:nvPr>
-        </p:nvSpPr>
-        <p:spPr>
-          <a:xfrm>
-            <a:off x="838200" y="1436914"/>
-            <a:ext cx="10515600" cy="4740050"/>
-          </a:xfrm>
-        </p:spPr>
-        <p:txBody>
-          <a:bodyPr/>
-          <a:lstStyle/>
-          <a:p>
-            <a:pPr marL="0" indent="0">
-              <a:buNone/>
-            </a:pPr>
-            <a:r>
-              <a:rPr lang="en-US" dirty="0"/>
-              <a:t>Rolling-Update your Application  (</a:t>
-            </a:r>
-            <a:r>
-              <a:rPr lang="en-US" dirty="0">
-                <a:solidFill>
-                  <a:srgbClr val="FF0000"/>
-                </a:solidFill>
-                <a:hlinkClick r:id="rId2"/>
-              </a:rPr>
-              <a:t>Lab: task-</a:t>
-            </a:r>
-            <a:r>
-              <a:rPr lang="en-US" dirty="0">
-                <a:solidFill>
-                  <a:srgbClr val="FF0000"/>
-                </a:solidFill>
-              </a:rPr>
-              <a:t>3</a:t>
-            </a:r>
-            <a:r>
-              <a:rPr lang="en-US" dirty="0"/>
-              <a:t>)</a:t>
-            </a:r>
-          </a:p>
-          <a:p>
-            <a:endParaRPr lang="en-US" dirty="0"/>
-          </a:p>
-          <a:p>
-            <a:endParaRPr lang="en-US" dirty="0"/>
-          </a:p>
-          <a:p>
-            <a:endParaRPr lang="en-US" dirty="0"/>
-          </a:p>
-          <a:p>
-            <a:endParaRPr lang="en-US" dirty="0"/>
-          </a:p>
-        </p:txBody>
-      </p:sp>
-      <p:sp>
-        <p:nvSpPr>
-          <p:cNvPr id="4" name="Rectangle 3"/>
-          <p:cNvSpPr/>
-          <p:nvPr/>
-        </p:nvSpPr>
-        <p:spPr>
-          <a:xfrm>
-            <a:off x="838200" y="1944914"/>
-            <a:ext cx="10932886" cy="4656302"/>
-          </a:xfrm>
-          <a:prstGeom prst="rect">
-            <a:avLst/>
-          </a:prstGeom>
-          <a:solidFill>
-            <a:schemeClr val="bg1">
-              <a:lumMod val="95000"/>
-            </a:schemeClr>
-          </a:solidFill>
-        </p:spPr>
-        <p:style>
-          <a:lnRef idx="2">
-            <a:schemeClr val="accent1">
-              <a:shade val="50000"/>
-            </a:schemeClr>
-          </a:lnRef>
-          <a:fillRef idx="1">
-            <a:schemeClr val="accent1"/>
-          </a:fillRef>
-          <a:effectRef idx="0">
-            <a:schemeClr val="accent1"/>
-          </a:effectRef>
-          <a:fontRef idx="minor">
-            <a:schemeClr val="lt1"/>
-          </a:fontRef>
-        </p:style>
-        <p:txBody>
-          <a:bodyPr rtlCol="0" anchor="ctr"/>
-          <a:lstStyle/>
-          <a:p>
-            <a:pPr lvl="0"/>
-            <a:r>
-              <a:rPr lang="en-US" sz="2200" i="1" dirty="0">
-                <a:solidFill>
-                  <a:schemeClr val="accent1">
-                    <a:lumMod val="50000"/>
-                  </a:schemeClr>
-                </a:solidFill>
-                <a:latin typeface="Courier New" panose="02070309020205020404" pitchFamily="49" charset="0"/>
-                <a:cs typeface="Courier New" panose="02070309020205020404" pitchFamily="49" charset="0"/>
-              </a:rPr>
-              <a:t># Create or update resource as declared in the file</a:t>
-            </a:r>
-            <a:endParaRPr lang="en-US" sz="2400" dirty="0">
-              <a:solidFill>
-                <a:srgbClr val="24292E"/>
-              </a:solidFill>
-              <a:latin typeface="SFMono-Regular"/>
-            </a:endParaRPr>
-          </a:p>
-          <a:p>
-            <a:pPr lvl="0"/>
-            <a:r>
-              <a:rPr lang="en-US" sz="2200" b="1" dirty="0">
-                <a:solidFill>
-                  <a:schemeClr val="tx1"/>
-                </a:solidFill>
-                <a:latin typeface="Courier New" panose="02070309020205020404" pitchFamily="49" charset="0"/>
-                <a:cs typeface="Courier New" panose="02070309020205020404" pitchFamily="49" charset="0"/>
-              </a:rPr>
-              <a:t>$ </a:t>
-            </a:r>
-            <a:r>
-              <a:rPr lang="en-US" sz="2200" b="1" dirty="0" err="1">
-                <a:solidFill>
-                  <a:schemeClr val="tx1"/>
-                </a:solidFill>
-                <a:latin typeface="Courier New" panose="02070309020205020404" pitchFamily="49" charset="0"/>
-                <a:cs typeface="Courier New" panose="02070309020205020404" pitchFamily="49" charset="0"/>
-              </a:rPr>
-              <a:t>kubectl</a:t>
-            </a:r>
-            <a:r>
-              <a:rPr lang="en-US" sz="2200" b="1" dirty="0">
-                <a:solidFill>
-                  <a:schemeClr val="tx1"/>
-                </a:solidFill>
-                <a:latin typeface="Courier New" panose="02070309020205020404" pitchFamily="49" charset="0"/>
-                <a:cs typeface="Courier New" panose="02070309020205020404" pitchFamily="49" charset="0"/>
-              </a:rPr>
-              <a:t> apply -f web-</a:t>
-            </a:r>
-            <a:r>
-              <a:rPr lang="en-US" sz="2200" b="1" dirty="0" err="1">
-                <a:solidFill>
-                  <a:schemeClr val="tx1"/>
-                </a:solidFill>
-                <a:latin typeface="Courier New" panose="02070309020205020404" pitchFamily="49" charset="0"/>
-                <a:cs typeface="Courier New" panose="02070309020205020404" pitchFamily="49" charset="0"/>
-              </a:rPr>
-              <a:t>deploy.yaml</a:t>
-            </a:r>
-            <a:r>
-              <a:rPr lang="en-US" sz="2200" b="1" dirty="0">
-                <a:solidFill>
-                  <a:schemeClr val="tx1"/>
-                </a:solidFill>
-                <a:latin typeface="Courier New" panose="02070309020205020404" pitchFamily="49" charset="0"/>
-                <a:cs typeface="Courier New" panose="02070309020205020404" pitchFamily="49" charset="0"/>
-              </a:rPr>
-              <a:t> </a:t>
-            </a:r>
-          </a:p>
-          <a:p>
-            <a:pPr lvl="0"/>
-            <a:r>
-              <a:rPr lang="en-US" sz="2200" i="1" dirty="0">
-                <a:solidFill>
-                  <a:schemeClr val="accent1">
-                    <a:lumMod val="50000"/>
-                  </a:schemeClr>
-                </a:solidFill>
-                <a:latin typeface="Courier New" panose="02070309020205020404" pitchFamily="49" charset="0"/>
-                <a:cs typeface="Courier New" panose="02070309020205020404" pitchFamily="49" charset="0"/>
-              </a:rPr>
-              <a:t># List all services </a:t>
-            </a:r>
-          </a:p>
-          <a:p>
-            <a:pPr lvl="0"/>
-            <a:r>
-              <a:rPr lang="en-US" sz="2200" b="1" dirty="0">
-                <a:solidFill>
-                  <a:schemeClr val="tx1"/>
-                </a:solidFill>
-                <a:latin typeface="Courier New" panose="02070309020205020404" pitchFamily="49" charset="0"/>
-                <a:cs typeface="Courier New" panose="02070309020205020404" pitchFamily="49" charset="0"/>
-              </a:rPr>
-              <a:t>$ </a:t>
-            </a:r>
-            <a:r>
-              <a:rPr lang="en-US" sz="2200" b="1" dirty="0" err="1">
-                <a:solidFill>
-                  <a:schemeClr val="tx1"/>
-                </a:solidFill>
-                <a:latin typeface="Courier New" panose="02070309020205020404" pitchFamily="49" charset="0"/>
-                <a:cs typeface="Courier New" panose="02070309020205020404" pitchFamily="49" charset="0"/>
-              </a:rPr>
-              <a:t>kubectl</a:t>
-            </a:r>
-            <a:r>
-              <a:rPr lang="en-US" sz="2200" b="1" dirty="0">
-                <a:solidFill>
-                  <a:schemeClr val="tx1"/>
-                </a:solidFill>
-                <a:latin typeface="Courier New" panose="02070309020205020404" pitchFamily="49" charset="0"/>
-                <a:cs typeface="Courier New" panose="02070309020205020404" pitchFamily="49" charset="0"/>
-              </a:rPr>
-              <a:t> get svc </a:t>
-            </a:r>
-          </a:p>
-          <a:p>
-            <a:pPr lvl="0"/>
-            <a:r>
-              <a:rPr lang="en-US" sz="2200" i="1" dirty="0">
-                <a:solidFill>
-                  <a:schemeClr val="accent1">
-                    <a:lumMod val="50000"/>
-                  </a:schemeClr>
-                </a:solidFill>
-                <a:latin typeface="Courier New" panose="02070309020205020404" pitchFamily="49" charset="0"/>
-                <a:cs typeface="Courier New" panose="02070309020205020404" pitchFamily="49" charset="0"/>
-              </a:rPr>
-              <a:t># List pods and show all labels as the last column </a:t>
-            </a:r>
-          </a:p>
-          <a:p>
-            <a:pPr lvl="0"/>
-            <a:r>
-              <a:rPr lang="en-US" sz="2200" b="1" dirty="0">
-                <a:solidFill>
-                  <a:schemeClr val="tx1"/>
-                </a:solidFill>
-                <a:latin typeface="Courier New" panose="02070309020205020404" pitchFamily="49" charset="0"/>
-                <a:cs typeface="Courier New" panose="02070309020205020404" pitchFamily="49" charset="0"/>
-              </a:rPr>
-              <a:t>$ </a:t>
-            </a:r>
-            <a:r>
-              <a:rPr lang="en-US" sz="2200" b="1" dirty="0" err="1">
-                <a:solidFill>
-                  <a:schemeClr val="tx1"/>
-                </a:solidFill>
-                <a:latin typeface="Courier New" panose="02070309020205020404" pitchFamily="49" charset="0"/>
-                <a:cs typeface="Courier New" panose="02070309020205020404" pitchFamily="49" charset="0"/>
-              </a:rPr>
-              <a:t>kubectl</a:t>
-            </a:r>
-            <a:r>
-              <a:rPr lang="en-US" sz="2200" b="1" dirty="0">
-                <a:solidFill>
-                  <a:schemeClr val="tx1"/>
-                </a:solidFill>
-                <a:latin typeface="Courier New" panose="02070309020205020404" pitchFamily="49" charset="0"/>
-                <a:cs typeface="Courier New" panose="02070309020205020404" pitchFamily="49" charset="0"/>
-              </a:rPr>
-              <a:t> get </a:t>
-            </a:r>
-            <a:r>
-              <a:rPr lang="en-US" sz="2200" b="1" dirty="0" err="1">
-                <a:solidFill>
-                  <a:schemeClr val="tx1"/>
-                </a:solidFill>
-                <a:latin typeface="Courier New" panose="02070309020205020404" pitchFamily="49" charset="0"/>
-                <a:cs typeface="Courier New" panose="02070309020205020404" pitchFamily="49" charset="0"/>
-              </a:rPr>
-              <a:t>po</a:t>
-            </a:r>
-            <a:r>
-              <a:rPr lang="en-US" sz="2200" b="1" dirty="0">
-                <a:solidFill>
-                  <a:schemeClr val="tx1"/>
-                </a:solidFill>
-                <a:latin typeface="Courier New" panose="02070309020205020404" pitchFamily="49" charset="0"/>
-                <a:cs typeface="Courier New" panose="02070309020205020404" pitchFamily="49" charset="0"/>
-              </a:rPr>
-              <a:t> --show-labels </a:t>
-            </a:r>
-          </a:p>
-          <a:p>
-            <a:pPr lvl="0"/>
-            <a:r>
-              <a:rPr lang="en-US" sz="2200" i="1" dirty="0">
-                <a:solidFill>
-                  <a:schemeClr val="accent1">
-                    <a:lumMod val="50000"/>
-                  </a:schemeClr>
-                </a:solidFill>
-                <a:latin typeface="Courier New" panose="02070309020205020404" pitchFamily="49" charset="0"/>
-                <a:cs typeface="Courier New" panose="02070309020205020404" pitchFamily="49" charset="0"/>
-              </a:rPr>
-              <a:t># Rollback to previous resource revision</a:t>
-            </a:r>
-          </a:p>
-          <a:p>
-            <a:pPr lvl="0"/>
-            <a:r>
-              <a:rPr lang="en-US" sz="2200" b="1" dirty="0">
-                <a:solidFill>
-                  <a:schemeClr val="tx1"/>
-                </a:solidFill>
-                <a:latin typeface="Courier New" panose="02070309020205020404" pitchFamily="49" charset="0"/>
-                <a:cs typeface="Courier New" panose="02070309020205020404" pitchFamily="49" charset="0"/>
-              </a:rPr>
-              <a:t>$ </a:t>
-            </a:r>
-            <a:r>
-              <a:rPr lang="en-US" sz="2200" b="1" dirty="0" err="1">
-                <a:solidFill>
-                  <a:schemeClr val="tx1"/>
-                </a:solidFill>
-                <a:latin typeface="Courier New" panose="02070309020205020404" pitchFamily="49" charset="0"/>
-                <a:cs typeface="Courier New" panose="02070309020205020404" pitchFamily="49" charset="0"/>
-              </a:rPr>
-              <a:t>kubectl</a:t>
-            </a:r>
-            <a:r>
-              <a:rPr lang="en-US" sz="2200" b="1" dirty="0">
-                <a:solidFill>
-                  <a:schemeClr val="tx1"/>
-                </a:solidFill>
-                <a:latin typeface="Courier New" panose="02070309020205020404" pitchFamily="49" charset="0"/>
-                <a:cs typeface="Courier New" panose="02070309020205020404" pitchFamily="49" charset="0"/>
-              </a:rPr>
-              <a:t> rollout undo deployment deploy-name</a:t>
-            </a:r>
-          </a:p>
-        </p:txBody>
-      </p:sp>
-    </p:spTree>
-    <p:extLst>
-      <p:ext uri="{BB962C8B-B14F-4D97-AF65-F5344CB8AC3E}">
-        <p14:creationId xmlns:p14="http://schemas.microsoft.com/office/powerpoint/2010/main" val="1692531160"/>
-      </p:ext>
-    </p:extLst>
-  </p:cSld>
-  <p:clrMapOvr>
-    <a:masterClrMapping/>
-  </p:clrMapOvr>
-</p:sld>
-</file>
-
 <file path=ppt/slides/slide3.xml><?xml version="1.0" encoding="utf-8"?>
-<p:sld xmlns:a="http://schemas.openxmlformats.org/drawingml/2006/main" xmlns:r="http://schemas.openxmlformats.org/officeDocument/2006/relationships" xmlns:p="http://schemas.openxmlformats.org/presentationml/2006/main">
+<p:sld xmlns:a="http://schemas.openxmlformats.org/drawingml/2006/main" xmlns:r="http://schemas.openxmlformats.org/officeDocument/2006/relationships" xmlns:p="http://schemas.openxmlformats.org/presentationml/2006/main" show="0">
   <p:cSld>
     <p:spTree>
       <p:nvGrpSpPr>
@@ -25628,6 +25831,421 @@
       </p:grpSpPr>
       <p:sp>
         <p:nvSpPr>
+          <p:cNvPr id="2" name="Title 1"/>
+          <p:cNvSpPr>
+            <a:spLocks noGrp="1"/>
+          </p:cNvSpPr>
+          <p:nvPr>
+            <p:ph type="title"/>
+          </p:nvPr>
+        </p:nvSpPr>
+        <p:spPr>
+          <a:xfrm>
+            <a:off x="838200" y="365126"/>
+            <a:ext cx="10515600" cy="934812"/>
+          </a:xfrm>
+        </p:spPr>
+        <p:txBody>
+          <a:bodyPr/>
+          <a:lstStyle/>
+          <a:p>
+            <a:r>
+              <a:rPr lang="en-US" dirty="0"/>
+              <a:t>Working with </a:t>
+            </a:r>
+            <a:r>
+              <a:rPr lang="en-US" b="1" dirty="0" err="1"/>
+              <a:t>kubectl</a:t>
+            </a:r>
+            <a:r>
+              <a:rPr lang="en-US" dirty="0"/>
+              <a:t> </a:t>
+            </a:r>
+            <a:r>
+              <a:rPr lang="en-US" dirty="0" err="1"/>
+              <a:t>Declerative</a:t>
+            </a:r>
+            <a:r>
+              <a:rPr lang="en-US" dirty="0"/>
+              <a:t> Commands</a:t>
+            </a:r>
+          </a:p>
+        </p:txBody>
+      </p:sp>
+      <p:sp>
+        <p:nvSpPr>
+          <p:cNvPr id="3" name="Content Placeholder 2"/>
+          <p:cNvSpPr>
+            <a:spLocks noGrp="1"/>
+          </p:cNvSpPr>
+          <p:nvPr>
+            <p:ph idx="1"/>
+          </p:nvPr>
+        </p:nvSpPr>
+        <p:spPr>
+          <a:xfrm>
+            <a:off x="838200" y="1436914"/>
+            <a:ext cx="10515600" cy="4740050"/>
+          </a:xfrm>
+        </p:spPr>
+        <p:txBody>
+          <a:bodyPr/>
+          <a:lstStyle/>
+          <a:p>
+            <a:pPr marL="0" indent="0">
+              <a:buNone/>
+            </a:pPr>
+            <a:r>
+              <a:rPr lang="en-US" dirty="0"/>
+              <a:t>Rolling-Update your Application  (</a:t>
+            </a:r>
+            <a:r>
+              <a:rPr lang="en-US" dirty="0">
+                <a:solidFill>
+                  <a:srgbClr val="FF0000"/>
+                </a:solidFill>
+                <a:hlinkClick r:id="rId2"/>
+              </a:rPr>
+              <a:t>Lab: task-</a:t>
+            </a:r>
+            <a:r>
+              <a:rPr lang="en-US" dirty="0">
+                <a:solidFill>
+                  <a:srgbClr val="FF0000"/>
+                </a:solidFill>
+              </a:rPr>
+              <a:t>3</a:t>
+            </a:r>
+            <a:r>
+              <a:rPr lang="en-US" dirty="0"/>
+              <a:t>)</a:t>
+            </a:r>
+          </a:p>
+          <a:p>
+            <a:endParaRPr lang="en-US" dirty="0"/>
+          </a:p>
+          <a:p>
+            <a:endParaRPr lang="en-US" dirty="0"/>
+          </a:p>
+          <a:p>
+            <a:endParaRPr lang="en-US" dirty="0"/>
+          </a:p>
+          <a:p>
+            <a:endParaRPr lang="en-US" dirty="0"/>
+          </a:p>
+        </p:txBody>
+      </p:sp>
+      <p:sp>
+        <p:nvSpPr>
+          <p:cNvPr id="4" name="Rectangle 3"/>
+          <p:cNvSpPr/>
+          <p:nvPr/>
+        </p:nvSpPr>
+        <p:spPr>
+          <a:xfrm>
+            <a:off x="838200" y="1944914"/>
+            <a:ext cx="10932886" cy="4656302"/>
+          </a:xfrm>
+          <a:prstGeom prst="rect">
+            <a:avLst/>
+          </a:prstGeom>
+          <a:solidFill>
+            <a:schemeClr val="bg1">
+              <a:lumMod val="95000"/>
+            </a:schemeClr>
+          </a:solidFill>
+        </p:spPr>
+        <p:style>
+          <a:lnRef idx="2">
+            <a:schemeClr val="accent1">
+              <a:shade val="50000"/>
+            </a:schemeClr>
+          </a:lnRef>
+          <a:fillRef idx="1">
+            <a:schemeClr val="accent1"/>
+          </a:fillRef>
+          <a:effectRef idx="0">
+            <a:schemeClr val="accent1"/>
+          </a:effectRef>
+          <a:fontRef idx="minor">
+            <a:schemeClr val="lt1"/>
+          </a:fontRef>
+        </p:style>
+        <p:txBody>
+          <a:bodyPr rtlCol="0" anchor="ctr"/>
+          <a:lstStyle/>
+          <a:p>
+            <a:pPr lvl="0"/>
+            <a:r>
+              <a:rPr lang="en-US" sz="2200" i="1" dirty="0">
+                <a:solidFill>
+                  <a:schemeClr val="accent1">
+                    <a:lumMod val="50000"/>
+                  </a:schemeClr>
+                </a:solidFill>
+                <a:latin typeface="Courier New" panose="02070309020205020404" pitchFamily="49" charset="0"/>
+                <a:cs typeface="Courier New" panose="02070309020205020404" pitchFamily="49" charset="0"/>
+              </a:rPr>
+              <a:t># Create or update resource as declared in the file</a:t>
+            </a:r>
+            <a:endParaRPr lang="en-US" sz="2400" dirty="0">
+              <a:solidFill>
+                <a:srgbClr val="24292E"/>
+              </a:solidFill>
+              <a:latin typeface="SFMono-Regular"/>
+            </a:endParaRPr>
+          </a:p>
+          <a:p>
+            <a:pPr lvl="0"/>
+            <a:r>
+              <a:rPr lang="en-US" sz="2200" b="1" dirty="0">
+                <a:solidFill>
+                  <a:schemeClr val="tx1"/>
+                </a:solidFill>
+                <a:latin typeface="Courier New" panose="02070309020205020404" pitchFamily="49" charset="0"/>
+                <a:cs typeface="Courier New" panose="02070309020205020404" pitchFamily="49" charset="0"/>
+              </a:rPr>
+              <a:t>$ </a:t>
+            </a:r>
+            <a:r>
+              <a:rPr lang="en-US" sz="2200" b="1" dirty="0" err="1">
+                <a:solidFill>
+                  <a:schemeClr val="tx1"/>
+                </a:solidFill>
+                <a:latin typeface="Courier New" panose="02070309020205020404" pitchFamily="49" charset="0"/>
+                <a:cs typeface="Courier New" panose="02070309020205020404" pitchFamily="49" charset="0"/>
+              </a:rPr>
+              <a:t>kubectl</a:t>
+            </a:r>
+            <a:r>
+              <a:rPr lang="en-US" sz="2200" b="1" dirty="0">
+                <a:solidFill>
+                  <a:schemeClr val="tx1"/>
+                </a:solidFill>
+                <a:latin typeface="Courier New" panose="02070309020205020404" pitchFamily="49" charset="0"/>
+                <a:cs typeface="Courier New" panose="02070309020205020404" pitchFamily="49" charset="0"/>
+              </a:rPr>
+              <a:t> apply -f web-</a:t>
+            </a:r>
+            <a:r>
+              <a:rPr lang="en-US" sz="2200" b="1" dirty="0" err="1">
+                <a:solidFill>
+                  <a:schemeClr val="tx1"/>
+                </a:solidFill>
+                <a:latin typeface="Courier New" panose="02070309020205020404" pitchFamily="49" charset="0"/>
+                <a:cs typeface="Courier New" panose="02070309020205020404" pitchFamily="49" charset="0"/>
+              </a:rPr>
+              <a:t>deploy.yaml</a:t>
+            </a:r>
+            <a:r>
+              <a:rPr lang="en-US" sz="2200" b="1" dirty="0">
+                <a:solidFill>
+                  <a:schemeClr val="tx1"/>
+                </a:solidFill>
+                <a:latin typeface="Courier New" panose="02070309020205020404" pitchFamily="49" charset="0"/>
+                <a:cs typeface="Courier New" panose="02070309020205020404" pitchFamily="49" charset="0"/>
+              </a:rPr>
+              <a:t> </a:t>
+            </a:r>
+          </a:p>
+          <a:p>
+            <a:pPr lvl="0"/>
+            <a:r>
+              <a:rPr lang="en-US" sz="2200" i="1" dirty="0">
+                <a:solidFill>
+                  <a:schemeClr val="accent1">
+                    <a:lumMod val="50000"/>
+                  </a:schemeClr>
+                </a:solidFill>
+                <a:latin typeface="Courier New" panose="02070309020205020404" pitchFamily="49" charset="0"/>
+                <a:cs typeface="Courier New" panose="02070309020205020404" pitchFamily="49" charset="0"/>
+              </a:rPr>
+              <a:t># List all services </a:t>
+            </a:r>
+          </a:p>
+          <a:p>
+            <a:pPr lvl="0"/>
+            <a:r>
+              <a:rPr lang="en-US" sz="2200" b="1" dirty="0">
+                <a:solidFill>
+                  <a:schemeClr val="tx1"/>
+                </a:solidFill>
+                <a:latin typeface="Courier New" panose="02070309020205020404" pitchFamily="49" charset="0"/>
+                <a:cs typeface="Courier New" panose="02070309020205020404" pitchFamily="49" charset="0"/>
+              </a:rPr>
+              <a:t>$ </a:t>
+            </a:r>
+            <a:r>
+              <a:rPr lang="en-US" sz="2200" b="1" dirty="0" err="1">
+                <a:solidFill>
+                  <a:schemeClr val="tx1"/>
+                </a:solidFill>
+                <a:latin typeface="Courier New" panose="02070309020205020404" pitchFamily="49" charset="0"/>
+                <a:cs typeface="Courier New" panose="02070309020205020404" pitchFamily="49" charset="0"/>
+              </a:rPr>
+              <a:t>kubectl</a:t>
+            </a:r>
+            <a:r>
+              <a:rPr lang="en-US" sz="2200" b="1" dirty="0">
+                <a:solidFill>
+                  <a:schemeClr val="tx1"/>
+                </a:solidFill>
+                <a:latin typeface="Courier New" panose="02070309020205020404" pitchFamily="49" charset="0"/>
+                <a:cs typeface="Courier New" panose="02070309020205020404" pitchFamily="49" charset="0"/>
+              </a:rPr>
+              <a:t> get svc </a:t>
+            </a:r>
+          </a:p>
+          <a:p>
+            <a:pPr lvl="0"/>
+            <a:r>
+              <a:rPr lang="en-US" sz="2200" i="1" dirty="0">
+                <a:solidFill>
+                  <a:schemeClr val="accent1">
+                    <a:lumMod val="50000"/>
+                  </a:schemeClr>
+                </a:solidFill>
+                <a:latin typeface="Courier New" panose="02070309020205020404" pitchFamily="49" charset="0"/>
+                <a:cs typeface="Courier New" panose="02070309020205020404" pitchFamily="49" charset="0"/>
+              </a:rPr>
+              <a:t># List pods and show all labels as the last column </a:t>
+            </a:r>
+          </a:p>
+          <a:p>
+            <a:pPr lvl="0"/>
+            <a:r>
+              <a:rPr lang="en-US" sz="2200" b="1" dirty="0">
+                <a:solidFill>
+                  <a:schemeClr val="tx1"/>
+                </a:solidFill>
+                <a:latin typeface="Courier New" panose="02070309020205020404" pitchFamily="49" charset="0"/>
+                <a:cs typeface="Courier New" panose="02070309020205020404" pitchFamily="49" charset="0"/>
+              </a:rPr>
+              <a:t>$ </a:t>
+            </a:r>
+            <a:r>
+              <a:rPr lang="en-US" sz="2200" b="1" dirty="0" err="1">
+                <a:solidFill>
+                  <a:schemeClr val="tx1"/>
+                </a:solidFill>
+                <a:latin typeface="Courier New" panose="02070309020205020404" pitchFamily="49" charset="0"/>
+                <a:cs typeface="Courier New" panose="02070309020205020404" pitchFamily="49" charset="0"/>
+              </a:rPr>
+              <a:t>kubectl</a:t>
+            </a:r>
+            <a:r>
+              <a:rPr lang="en-US" sz="2200" b="1" dirty="0">
+                <a:solidFill>
+                  <a:schemeClr val="tx1"/>
+                </a:solidFill>
+                <a:latin typeface="Courier New" panose="02070309020205020404" pitchFamily="49" charset="0"/>
+                <a:cs typeface="Courier New" panose="02070309020205020404" pitchFamily="49" charset="0"/>
+              </a:rPr>
+              <a:t> get </a:t>
+            </a:r>
+            <a:r>
+              <a:rPr lang="en-US" sz="2200" b="1" dirty="0" err="1">
+                <a:solidFill>
+                  <a:schemeClr val="tx1"/>
+                </a:solidFill>
+                <a:latin typeface="Courier New" panose="02070309020205020404" pitchFamily="49" charset="0"/>
+                <a:cs typeface="Courier New" panose="02070309020205020404" pitchFamily="49" charset="0"/>
+              </a:rPr>
+              <a:t>po</a:t>
+            </a:r>
+            <a:r>
+              <a:rPr lang="en-US" sz="2200" b="1" dirty="0">
+                <a:solidFill>
+                  <a:schemeClr val="tx1"/>
+                </a:solidFill>
+                <a:latin typeface="Courier New" panose="02070309020205020404" pitchFamily="49" charset="0"/>
+                <a:cs typeface="Courier New" panose="02070309020205020404" pitchFamily="49" charset="0"/>
+              </a:rPr>
+              <a:t> --show-labels </a:t>
+            </a:r>
+          </a:p>
+          <a:p>
+            <a:pPr lvl="0"/>
+            <a:r>
+              <a:rPr lang="en-US" sz="2200" i="1" dirty="0">
+                <a:solidFill>
+                  <a:schemeClr val="accent1">
+                    <a:lumMod val="50000"/>
+                  </a:schemeClr>
+                </a:solidFill>
+                <a:latin typeface="Courier New" panose="02070309020205020404" pitchFamily="49" charset="0"/>
+                <a:cs typeface="Courier New" panose="02070309020205020404" pitchFamily="49" charset="0"/>
+              </a:rPr>
+              <a:t># Rollback to previous resource revision</a:t>
+            </a:r>
+          </a:p>
+          <a:p>
+            <a:pPr lvl="0"/>
+            <a:r>
+              <a:rPr lang="en-US" sz="2200" b="1" dirty="0">
+                <a:solidFill>
+                  <a:schemeClr val="tx1"/>
+                </a:solidFill>
+                <a:latin typeface="Courier New" panose="02070309020205020404" pitchFamily="49" charset="0"/>
+                <a:cs typeface="Courier New" panose="02070309020205020404" pitchFamily="49" charset="0"/>
+              </a:rPr>
+              <a:t>$ </a:t>
+            </a:r>
+            <a:r>
+              <a:rPr lang="en-US" sz="2200" b="1" dirty="0" err="1">
+                <a:solidFill>
+                  <a:schemeClr val="tx1"/>
+                </a:solidFill>
+                <a:latin typeface="Courier New" panose="02070309020205020404" pitchFamily="49" charset="0"/>
+                <a:cs typeface="Courier New" panose="02070309020205020404" pitchFamily="49" charset="0"/>
+              </a:rPr>
+              <a:t>kubectl</a:t>
+            </a:r>
+            <a:r>
+              <a:rPr lang="en-US" sz="2200" b="1" dirty="0">
+                <a:solidFill>
+                  <a:schemeClr val="tx1"/>
+                </a:solidFill>
+                <a:latin typeface="Courier New" panose="02070309020205020404" pitchFamily="49" charset="0"/>
+                <a:cs typeface="Courier New" panose="02070309020205020404" pitchFamily="49" charset="0"/>
+              </a:rPr>
+              <a:t> rollout undo deployment deploy-name</a:t>
+            </a:r>
+          </a:p>
+        </p:txBody>
+      </p:sp>
+    </p:spTree>
+    <p:extLst>
+      <p:ext uri="{BB962C8B-B14F-4D97-AF65-F5344CB8AC3E}">
+        <p14:creationId xmlns:p14="http://schemas.microsoft.com/office/powerpoint/2010/main" val="1692531160"/>
+      </p:ext>
+    </p:extLst>
+  </p:cSld>
+  <p:clrMapOvr>
+    <a:masterClrMapping/>
+  </p:clrMapOvr>
+</p:sld>
+</file>
+
+<file path=ppt/slides/slide31.xml><?xml version="1.0" encoding="utf-8"?>
+<p:sld xmlns:a="http://schemas.openxmlformats.org/drawingml/2006/main" xmlns:r="http://schemas.openxmlformats.org/officeDocument/2006/relationships" xmlns:p="http://schemas.openxmlformats.org/presentationml/2006/main">
+  <p:cSld>
+    <p:spTree>
+      <p:nvGrpSpPr>
+        <p:cNvPr id="1" name=""/>
+        <p:cNvGrpSpPr/>
+        <p:nvPr/>
+      </p:nvGrpSpPr>
+      <p:grpSpPr>
+        <a:xfrm>
+          <a:off x="0" y="0"/>
+          <a:ext cx="0" cy="0"/>
+          <a:chOff x="0" y="0"/>
+          <a:chExt cx="0" cy="0"/>
+        </a:xfrm>
+      </p:grpSpPr>
+      <p:sp>
+        <p:nvSpPr>
           <p:cNvPr id="76" name="CustomShape 1"/>
           <p:cNvSpPr/>
           <p:nvPr/>
@@ -25927,7 +26545,7 @@
 </p:sld>
 </file>
 
-<file path=ppt/slides/slide31.xml><?xml version="1.0" encoding="utf-8"?>
+<file path=ppt/slides/slide32.xml><?xml version="1.0" encoding="utf-8"?>
 <p:sld xmlns:a="http://schemas.openxmlformats.org/drawingml/2006/main" xmlns:r="http://schemas.openxmlformats.org/officeDocument/2006/relationships" xmlns:p="http://schemas.openxmlformats.org/presentationml/2006/main">
   <p:cSld>
     <p:spTree>
@@ -27173,7 +27791,7 @@
 </p:sld>
 </file>
 
-<file path=ppt/slides/slide32.xml><?xml version="1.0" encoding="utf-8"?>
+<file path=ppt/slides/slide33.xml><?xml version="1.0" encoding="utf-8"?>
 <p:sld xmlns:a="http://schemas.openxmlformats.org/drawingml/2006/main" xmlns:r="http://schemas.openxmlformats.org/officeDocument/2006/relationships" xmlns:p="http://schemas.openxmlformats.org/presentationml/2006/main">
   <p:cSld>
     <p:spTree>
@@ -30184,7 +30802,7 @@
 </file>
 
 <file path=ppt/slides/slide4.xml><?xml version="1.0" encoding="utf-8"?>
-<p:sld xmlns:a="http://schemas.openxmlformats.org/drawingml/2006/main" xmlns:r="http://schemas.openxmlformats.org/officeDocument/2006/relationships" xmlns:p="http://schemas.openxmlformats.org/presentationml/2006/main">
+<p:sld xmlns:a="http://schemas.openxmlformats.org/drawingml/2006/main" xmlns:r="http://schemas.openxmlformats.org/officeDocument/2006/relationships" xmlns:p="http://schemas.openxmlformats.org/presentationml/2006/main" show="0">
   <p:cSld>
     <p:spTree>
       <p:nvGrpSpPr>
@@ -30396,7 +31014,7 @@
 </file>
 
 <file path=ppt/slides/slide5.xml><?xml version="1.0" encoding="utf-8"?>
-<p:sld xmlns:a="http://schemas.openxmlformats.org/drawingml/2006/main" xmlns:r="http://schemas.openxmlformats.org/officeDocument/2006/relationships" xmlns:p="http://schemas.openxmlformats.org/presentationml/2006/main">
+<p:sld xmlns:a="http://schemas.openxmlformats.org/drawingml/2006/main" xmlns:r="http://schemas.openxmlformats.org/officeDocument/2006/relationships" xmlns:p="http://schemas.openxmlformats.org/presentationml/2006/main" show="0">
   <p:cSld>
     <p:spTree>
       <p:nvGrpSpPr>
@@ -30814,7 +31432,7 @@
 </file>
 
 <file path=ppt/slides/slide6.xml><?xml version="1.0" encoding="utf-8"?>
-<p:sld xmlns:a="http://schemas.openxmlformats.org/drawingml/2006/main" xmlns:r="http://schemas.openxmlformats.org/officeDocument/2006/relationships" xmlns:p="http://schemas.openxmlformats.org/presentationml/2006/main">
+<p:sld xmlns:a="http://schemas.openxmlformats.org/drawingml/2006/main" xmlns:r="http://schemas.openxmlformats.org/officeDocument/2006/relationships" xmlns:p="http://schemas.openxmlformats.org/presentationml/2006/main" show="0">
   <p:cSld>
     <p:spTree>
       <p:nvGrpSpPr>
@@ -31002,7 +31620,7 @@
 </file>
 
 <file path=ppt/slides/slide7.xml><?xml version="1.0" encoding="utf-8"?>
-<p:sld xmlns:a="http://schemas.openxmlformats.org/drawingml/2006/main" xmlns:r="http://schemas.openxmlformats.org/officeDocument/2006/relationships" xmlns:p="http://schemas.openxmlformats.org/presentationml/2006/main">
+<p:sld xmlns:a="http://schemas.openxmlformats.org/drawingml/2006/main" xmlns:r="http://schemas.openxmlformats.org/officeDocument/2006/relationships" xmlns:p="http://schemas.openxmlformats.org/presentationml/2006/main" show="0">
   <p:cSld>
     <p:spTree>
       <p:nvGrpSpPr>
@@ -31109,7 +31727,7 @@
 </file>
 
 <file path=ppt/slides/slide8.xml><?xml version="1.0" encoding="utf-8"?>
-<p:sld xmlns:a="http://schemas.openxmlformats.org/drawingml/2006/main" xmlns:r="http://schemas.openxmlformats.org/officeDocument/2006/relationships" xmlns:p="http://schemas.openxmlformats.org/presentationml/2006/main">
+<p:sld xmlns:a="http://schemas.openxmlformats.org/drawingml/2006/main" xmlns:r="http://schemas.openxmlformats.org/officeDocument/2006/relationships" xmlns:p="http://schemas.openxmlformats.org/presentationml/2006/main" show="0">
   <p:cSld>
     <p:spTree>
       <p:nvGrpSpPr>
@@ -31625,7 +32243,7 @@
 </file>
 
 <file path=ppt/slides/slide9.xml><?xml version="1.0" encoding="utf-8"?>
-<p:sld xmlns:a="http://schemas.openxmlformats.org/drawingml/2006/main" xmlns:r="http://schemas.openxmlformats.org/officeDocument/2006/relationships" xmlns:p="http://schemas.openxmlformats.org/presentationml/2006/main">
+<p:sld xmlns:a="http://schemas.openxmlformats.org/drawingml/2006/main" xmlns:r="http://schemas.openxmlformats.org/officeDocument/2006/relationships" xmlns:p="http://schemas.openxmlformats.org/presentationml/2006/main" show="0">
   <p:cSld>
     <p:spTree>
       <p:nvGrpSpPr>
@@ -32555,4 +33173,299 @@
   <a:objectDefaults/>
   <a:extraClrSchemeLst/>
 </a:theme>
+</file>
+
+<file path=ppt/theme/theme3.xml><?xml version="1.0" encoding="utf-8"?>
+<a:theme xmlns:a="http://schemas.openxmlformats.org/drawingml/2006/main" name="Office Theme">
+  <a:themeElements>
+    <a:clrScheme name="Office">
+      <a:dk1>
+        <a:sysClr val="windowText" lastClr="000000"/>
+      </a:dk1>
+      <a:lt1>
+        <a:sysClr val="window" lastClr="FFFFFF"/>
+      </a:lt1>
+      <a:dk2>
+        <a:srgbClr val="44546A"/>
+      </a:dk2>
+      <a:lt2>
+        <a:srgbClr val="E7E6E6"/>
+      </a:lt2>
+      <a:accent1>
+        <a:srgbClr val="4472C4"/>
+      </a:accent1>
+      <a:accent2>
+        <a:srgbClr val="ED7D31"/>
+      </a:accent2>
+      <a:accent3>
+        <a:srgbClr val="A5A5A5"/>
+      </a:accent3>
+      <a:accent4>
+        <a:srgbClr val="FFC000"/>
+      </a:accent4>
+      <a:accent5>
+        <a:srgbClr val="5B9BD5"/>
+      </a:accent5>
+      <a:accent6>
+        <a:srgbClr val="70AD47"/>
+      </a:accent6>
+      <a:hlink>
+        <a:srgbClr val="0563C1"/>
+      </a:hlink>
+      <a:folHlink>
+        <a:srgbClr val="954F72"/>
+      </a:folHlink>
+    </a:clrScheme>
+    <a:fontScheme name="Office">
+      <a:majorFont>
+        <a:latin typeface="Calibri Light" panose="020F0302020204030204"/>
+        <a:ea typeface=""/>
+        <a:cs typeface=""/>
+        <a:font script="Jpan" typeface="游ゴシック Light"/>
+        <a:font script="Hang" typeface="맑은 고딕"/>
+        <a:font script="Hans" typeface="等线 Light"/>
+        <a:font script="Hant" typeface="新細明體"/>
+        <a:font script="Arab" typeface="Times New Roman"/>
+        <a:font script="Hebr" typeface="Times New Roman"/>
+        <a:font script="Thai" typeface="Angsana New"/>
+        <a:font script="Ethi" typeface="Nyala"/>
+        <a:font script="Beng" typeface="Vrinda"/>
+        <a:font script="Gujr" typeface="Shruti"/>
+        <a:font script="Khmr" typeface="MoolBoran"/>
+        <a:font script="Knda" typeface="Tunga"/>
+        <a:font script="Guru" typeface="Raavi"/>
+        <a:font script="Cans" typeface="Euphemia"/>
+        <a:font script="Cher" typeface="Plantagenet Cherokee"/>
+        <a:font script="Yiii" typeface="Microsoft Yi Baiti"/>
+        <a:font script="Tibt" typeface="Microsoft Himalaya"/>
+        <a:font script="Thaa" typeface="MV Boli"/>
+        <a:font script="Deva" typeface="Mangal"/>
+        <a:font script="Telu" typeface="Gautami"/>
+        <a:font script="Taml" typeface="Latha"/>
+        <a:font script="Syrc" typeface="Estrangelo Edessa"/>
+        <a:font script="Orya" typeface="Kalinga"/>
+        <a:font script="Mlym" typeface="Kartika"/>
+        <a:font script="Laoo" typeface="DokChampa"/>
+        <a:font script="Sinh" typeface="Iskoola Pota"/>
+        <a:font script="Mong" typeface="Mongolian Baiti"/>
+        <a:font script="Viet" typeface="Times New Roman"/>
+        <a:font script="Uigh" typeface="Microsoft Uighur"/>
+        <a:font script="Geor" typeface="Sylfaen"/>
+        <a:font script="Armn" typeface="Arial"/>
+        <a:font script="Bugi" typeface="Leelawadee UI"/>
+        <a:font script="Bopo" typeface="Microsoft JhengHei"/>
+        <a:font script="Java" typeface="Javanese Text"/>
+        <a:font script="Lisu" typeface="Segoe UI"/>
+        <a:font script="Mymr" typeface="Myanmar Text"/>
+        <a:font script="Nkoo" typeface="Ebrima"/>
+        <a:font script="Olck" typeface="Nirmala UI"/>
+        <a:font script="Osma" typeface="Ebrima"/>
+        <a:font script="Phag" typeface="Phagspa"/>
+        <a:font script="Syrn" typeface="Estrangelo Edessa"/>
+        <a:font script="Syrj" typeface="Estrangelo Edessa"/>
+        <a:font script="Syre" typeface="Estrangelo Edessa"/>
+        <a:font script="Sora" typeface="Nirmala UI"/>
+        <a:font script="Tale" typeface="Microsoft Tai Le"/>
+        <a:font script="Talu" typeface="Microsoft New Tai Lue"/>
+        <a:font script="Tfng" typeface="Ebrima"/>
+      </a:majorFont>
+      <a:minorFont>
+        <a:latin typeface="Calibri" panose="020F0502020204030204"/>
+        <a:ea typeface=""/>
+        <a:cs typeface=""/>
+        <a:font script="Jpan" typeface="游ゴシック"/>
+        <a:font script="Hang" typeface="맑은 고딕"/>
+        <a:font script="Hans" typeface="等线"/>
+        <a:font script="Hant" typeface="新細明體"/>
+        <a:font script="Arab" typeface="Arial"/>
+        <a:font script="Hebr" typeface="Arial"/>
+        <a:font script="Thai" typeface="Cordia New"/>
+        <a:font script="Ethi" typeface="Nyala"/>
+        <a:font script="Beng" typeface="Vrinda"/>
+        <a:font script="Gujr" typeface="Shruti"/>
+        <a:font script="Khmr" typeface="DaunPenh"/>
+        <a:font script="Knda" typeface="Tunga"/>
+        <a:font script="Guru" typeface="Raavi"/>
+        <a:font script="Cans" typeface="Euphemia"/>
+        <a:font script="Cher" typeface="Plantagenet Cherokee"/>
+        <a:font script="Yiii" typeface="Microsoft Yi Baiti"/>
+        <a:font script="Tibt" typeface="Microsoft Himalaya"/>
+        <a:font script="Thaa" typeface="MV Boli"/>
+        <a:font script="Deva" typeface="Mangal"/>
+        <a:font script="Telu" typeface="Gautami"/>
+        <a:font script="Taml" typeface="Latha"/>
+        <a:font script="Syrc" typeface="Estrangelo Edessa"/>
+        <a:font script="Orya" typeface="Kalinga"/>
+        <a:font script="Mlym" typeface="Kartika"/>
+        <a:font script="Laoo" typeface="DokChampa"/>
+        <a:font script="Sinh" typeface="Iskoola Pota"/>
+        <a:font script="Mong" typeface="Mongolian Baiti"/>
+        <a:font script="Viet" typeface="Arial"/>
+        <a:font script="Uigh" typeface="Microsoft Uighur"/>
+        <a:font script="Geor" typeface="Sylfaen"/>
+        <a:font script="Armn" typeface="Arial"/>
+        <a:font script="Bugi" typeface="Leelawadee UI"/>
+        <a:font script="Bopo" typeface="Microsoft JhengHei"/>
+        <a:font script="Java" typeface="Javanese Text"/>
+        <a:font script="Lisu" typeface="Segoe UI"/>
+        <a:font script="Mymr" typeface="Myanmar Text"/>
+        <a:font script="Nkoo" typeface="Ebrima"/>
+        <a:font script="Olck" typeface="Nirmala UI"/>
+        <a:font script="Osma" typeface="Ebrima"/>
+        <a:font script="Phag" typeface="Phagspa"/>
+        <a:font script="Syrn" typeface="Estrangelo Edessa"/>
+        <a:font script="Syrj" typeface="Estrangelo Edessa"/>
+        <a:font script="Syre" typeface="Estrangelo Edessa"/>
+        <a:font script="Sora" typeface="Nirmala UI"/>
+        <a:font script="Tale" typeface="Microsoft Tai Le"/>
+        <a:font script="Talu" typeface="Microsoft New Tai Lue"/>
+        <a:font script="Tfng" typeface="Ebrima"/>
+      </a:minorFont>
+    </a:fontScheme>
+    <a:fmtScheme name="Office">
+      <a:fillStyleLst>
+        <a:solidFill>
+          <a:schemeClr val="phClr"/>
+        </a:solidFill>
+        <a:gradFill rotWithShape="1">
+          <a:gsLst>
+            <a:gs pos="0">
+              <a:schemeClr val="phClr">
+                <a:lumMod val="110000"/>
+                <a:satMod val="105000"/>
+                <a:tint val="67000"/>
+              </a:schemeClr>
+            </a:gs>
+            <a:gs pos="50000">
+              <a:schemeClr val="phClr">
+                <a:lumMod val="105000"/>
+                <a:satMod val="103000"/>
+                <a:tint val="73000"/>
+              </a:schemeClr>
+            </a:gs>
+            <a:gs pos="100000">
+              <a:schemeClr val="phClr">
+                <a:lumMod val="105000"/>
+                <a:satMod val="109000"/>
+                <a:tint val="81000"/>
+              </a:schemeClr>
+            </a:gs>
+          </a:gsLst>
+          <a:lin ang="5400000" scaled="0"/>
+        </a:gradFill>
+        <a:gradFill rotWithShape="1">
+          <a:gsLst>
+            <a:gs pos="0">
+              <a:schemeClr val="phClr">
+                <a:satMod val="103000"/>
+                <a:lumMod val="102000"/>
+                <a:tint val="94000"/>
+              </a:schemeClr>
+            </a:gs>
+            <a:gs pos="50000">
+              <a:schemeClr val="phClr">
+                <a:satMod val="110000"/>
+                <a:lumMod val="100000"/>
+                <a:shade val="100000"/>
+              </a:schemeClr>
+            </a:gs>
+            <a:gs pos="100000">
+              <a:schemeClr val="phClr">
+                <a:lumMod val="99000"/>
+                <a:satMod val="120000"/>
+                <a:shade val="78000"/>
+              </a:schemeClr>
+            </a:gs>
+          </a:gsLst>
+          <a:lin ang="5400000" scaled="0"/>
+        </a:gradFill>
+      </a:fillStyleLst>
+      <a:lnStyleLst>
+        <a:ln w="6350" cap="flat" cmpd="sng" algn="ctr">
+          <a:solidFill>
+            <a:schemeClr val="phClr"/>
+          </a:solidFill>
+          <a:prstDash val="solid"/>
+          <a:miter lim="800000"/>
+        </a:ln>
+        <a:ln w="12700" cap="flat" cmpd="sng" algn="ctr">
+          <a:solidFill>
+            <a:schemeClr val="phClr"/>
+          </a:solidFill>
+          <a:prstDash val="solid"/>
+          <a:miter lim="800000"/>
+        </a:ln>
+        <a:ln w="19050" cap="flat" cmpd="sng" algn="ctr">
+          <a:solidFill>
+            <a:schemeClr val="phClr"/>
+          </a:solidFill>
+          <a:prstDash val="solid"/>
+          <a:miter lim="800000"/>
+        </a:ln>
+      </a:lnStyleLst>
+      <a:effectStyleLst>
+        <a:effectStyle>
+          <a:effectLst/>
+        </a:effectStyle>
+        <a:effectStyle>
+          <a:effectLst/>
+        </a:effectStyle>
+        <a:effectStyle>
+          <a:effectLst>
+            <a:outerShdw blurRad="57150" dist="19050" dir="5400000" algn="ctr" rotWithShape="0">
+              <a:srgbClr val="000000">
+                <a:alpha val="63000"/>
+              </a:srgbClr>
+            </a:outerShdw>
+          </a:effectLst>
+        </a:effectStyle>
+      </a:effectStyleLst>
+      <a:bgFillStyleLst>
+        <a:solidFill>
+          <a:schemeClr val="phClr"/>
+        </a:solidFill>
+        <a:solidFill>
+          <a:schemeClr val="phClr">
+            <a:tint val="95000"/>
+            <a:satMod val="170000"/>
+          </a:schemeClr>
+        </a:solidFill>
+        <a:gradFill rotWithShape="1">
+          <a:gsLst>
+            <a:gs pos="0">
+              <a:schemeClr val="phClr">
+                <a:tint val="93000"/>
+                <a:satMod val="150000"/>
+                <a:shade val="98000"/>
+                <a:lumMod val="102000"/>
+              </a:schemeClr>
+            </a:gs>
+            <a:gs pos="50000">
+              <a:schemeClr val="phClr">
+                <a:tint val="98000"/>
+                <a:satMod val="130000"/>
+                <a:shade val="90000"/>
+                <a:lumMod val="103000"/>
+              </a:schemeClr>
+            </a:gs>
+            <a:gs pos="100000">
+              <a:schemeClr val="phClr">
+                <a:shade val="63000"/>
+                <a:satMod val="120000"/>
+              </a:schemeClr>
+            </a:gs>
+          </a:gsLst>
+          <a:lin ang="5400000" scaled="0"/>
+        </a:gradFill>
+      </a:bgFillStyleLst>
+    </a:fmtScheme>
+  </a:themeElements>
+  <a:objectDefaults/>
+  <a:extraClrSchemeLst/>
+  <a:extLst>
+    <a:ext uri="{05A4C25C-085E-4340-85A3-A5531E510DB2}">
+      <thm15:themeFamily xmlns:thm15="http://schemas.microsoft.com/office/thememl/2012/main" name="Office Theme" id="{62F939B6-93AF-4DB8-9C6B-D6C7DFDC589F}" vid="{4A3C46E8-61CC-4603-A589-7422A47A8E4A}"/>
+    </a:ext>
+  </a:extLst>
+</a:theme>
 </file>
--- a/day-2/Using Kubernetes Day 2.pptx
+++ b/day-2/Using Kubernetes Day 2.pptx
@@ -230,7 +230,7 @@
           <a:p>
             <a:fld id="{DA4F1348-48E7-664F-B438-DCFDBF59D3FF}" type="datetimeFigureOut">
               <a:rPr lang="en-IL" smtClean="0"/>
-              <a:t>21/02/2022</a:t>
+              <a:t>22/02/2022</a:t>
             </a:fld>
             <a:endParaRPr lang="en-IL"/>
           </a:p>
@@ -2888,7 +2888,7 @@
           <a:p>
             <a:fld id="{4F1F2598-CD9E-4308-8C1F-F0CAB254D96E}" type="datetimeFigureOut">
               <a:rPr lang="en-US" smtClean="0"/>
-              <a:t>2/21/22</a:t>
+              <a:t>2/22/22</a:t>
             </a:fld>
             <a:endParaRPr lang="en-US"/>
           </a:p>
@@ -11532,7 +11532,7 @@
               <a:buChar char="•"/>
             </a:pPr>
             <a:r>
-              <a:rPr lang="en-US" sz="2800" b="0" strike="noStrike" spc="-1">
+              <a:rPr lang="en-US" sz="2800" b="0" strike="noStrike" spc="-1" dirty="0">
                 <a:solidFill>
                   <a:srgbClr val="000000"/>
                 </a:solidFill>
@@ -11546,7 +11546,7 @@
               <a:t>Represents a unit of deployment: </a:t>
             </a:r>
             <a:r>
-              <a:rPr lang="en-US" sz="2800" b="0" i="1" strike="noStrike" spc="-1">
+              <a:rPr lang="en-US" sz="2800" b="0" i="1" strike="noStrike" spc="-1" dirty="0">
                 <a:solidFill>
                   <a:srgbClr val="000000"/>
                 </a:solidFill>
@@ -11560,7 +11560,7 @@
               <a:t>a single instance of an application in Kubernetes</a:t>
             </a:r>
             <a:r>
-              <a:rPr lang="en-US" sz="2800" b="0" strike="noStrike" spc="-1">
+              <a:rPr lang="en-US" sz="2800" b="0" strike="noStrike" spc="-1" dirty="0">
                 <a:solidFill>
                   <a:srgbClr val="000000"/>
                 </a:solidFill>
@@ -11573,7 +11573,7 @@
               </a:rPr>
               <a:t>, which might consist of either a single container or a small number of containers that are tightly coupled and that share resources.</a:t>
             </a:r>
-            <a:endParaRPr lang="en-US" sz="1800" b="0" strike="noStrike" spc="-1">
+            <a:endParaRPr lang="en-US" sz="1800" b="0" strike="noStrike" spc="-1" dirty="0">
               <a:solidFill>
                 <a:srgbClr val="000000"/>
               </a:solidFill>
@@ -11591,7 +11591,7 @@
                 <a:spcPct val="90000"/>
               </a:lnSpc>
             </a:pPr>
-            <a:endParaRPr lang="en-US" sz="1800" b="0" strike="noStrike" spc="-1">
+            <a:endParaRPr lang="en-US" sz="1800" b="0" strike="noStrike" spc="-1" dirty="0">
               <a:solidFill>
                 <a:srgbClr val="000000"/>
               </a:solidFill>

--- a/day-2/Using Kubernetes Day 2.pptx
+++ b/day-2/Using Kubernetes Day 2.pptx
@@ -6,7 +6,7 @@
     <p:sldMasterId id="2147483661" r:id="rId2"/>
   </p:sldMasterIdLst>
   <p:notesMasterIdLst>
-    <p:notesMasterId r:id="rId36"/>
+    <p:notesMasterId r:id="rId40"/>
   </p:notesMasterIdLst>
   <p:sldIdLst>
     <p:sldId id="256" r:id="rId3"/>
@@ -29,19 +29,23 @@
     <p:sldId id="329" r:id="rId20"/>
     <p:sldId id="267" r:id="rId21"/>
     <p:sldId id="268" r:id="rId22"/>
-    <p:sldId id="312" r:id="rId23"/>
-    <p:sldId id="269" r:id="rId24"/>
-    <p:sldId id="271" r:id="rId25"/>
-    <p:sldId id="309" r:id="rId26"/>
-    <p:sldId id="331" r:id="rId27"/>
-    <p:sldId id="272" r:id="rId28"/>
-    <p:sldId id="330" r:id="rId29"/>
-    <p:sldId id="311" r:id="rId30"/>
-    <p:sldId id="326" r:id="rId31"/>
-    <p:sldId id="306" r:id="rId32"/>
-    <p:sldId id="327" r:id="rId33"/>
-    <p:sldId id="303" r:id="rId34"/>
-    <p:sldId id="273" r:id="rId35"/>
+    <p:sldId id="332" r:id="rId23"/>
+    <p:sldId id="333" r:id="rId24"/>
+    <p:sldId id="334" r:id="rId25"/>
+    <p:sldId id="335" r:id="rId26"/>
+    <p:sldId id="312" r:id="rId27"/>
+    <p:sldId id="269" r:id="rId28"/>
+    <p:sldId id="271" r:id="rId29"/>
+    <p:sldId id="309" r:id="rId30"/>
+    <p:sldId id="331" r:id="rId31"/>
+    <p:sldId id="272" r:id="rId32"/>
+    <p:sldId id="330" r:id="rId33"/>
+    <p:sldId id="311" r:id="rId34"/>
+    <p:sldId id="326" r:id="rId35"/>
+    <p:sldId id="306" r:id="rId36"/>
+    <p:sldId id="327" r:id="rId37"/>
+    <p:sldId id="303" r:id="rId38"/>
+    <p:sldId id="273" r:id="rId39"/>
   </p:sldIdLst>
   <p:sldSz cx="12192000" cy="6858000"/>
   <p:notesSz cx="7559675" cy="10691813"/>
@@ -230,7 +234,7 @@
           <a:p>
             <a:fld id="{DA4F1348-48E7-664F-B438-DCFDBF59D3FF}" type="datetimeFigureOut">
               <a:rPr lang="en-IL" smtClean="0"/>
-              <a:t>22/02/2022</a:t>
+              <a:t>28/05/2023</a:t>
             </a:fld>
             <a:endParaRPr lang="en-IL"/>
           </a:p>
@@ -563,7 +567,7 @@
           <a:p>
             <a:fld id="{A17B8201-46F3-9943-99B8-52F0CC002E50}" type="slidenum">
               <a:rPr lang="en-IL" smtClean="0"/>
-              <a:t>25</a:t>
+              <a:t>29</a:t>
             </a:fld>
             <a:endParaRPr lang="en-IL"/>
           </a:p>
@@ -2888,7 +2892,7 @@
           <a:p>
             <a:fld id="{4F1F2598-CD9E-4308-8C1F-F0CAB254D96E}" type="datetimeFigureOut">
               <a:rPr lang="en-US" smtClean="0"/>
-              <a:t>2/22/22</a:t>
+              <a:t>5/28/2023</a:t>
             </a:fld>
             <a:endParaRPr lang="en-US"/>
           </a:p>
@@ -14145,6 +14149,501 @@
       </p:grpSpPr>
       <p:sp>
         <p:nvSpPr>
+          <p:cNvPr id="2" name="Title 1">
+            <a:extLst>
+              <a:ext uri="{FF2B5EF4-FFF2-40B4-BE49-F238E27FC236}">
+                <a16:creationId xmlns:a16="http://schemas.microsoft.com/office/drawing/2014/main" id="{74DFF5B6-C5DF-82AD-646A-4A25DD86DC6F}"/>
+              </a:ext>
+            </a:extLst>
+          </p:cNvPr>
+          <p:cNvSpPr>
+            <a:spLocks noGrp="1"/>
+          </p:cNvSpPr>
+          <p:nvPr>
+            <p:ph type="title"/>
+          </p:nvPr>
+        </p:nvSpPr>
+        <p:spPr>
+          <a:xfrm>
+            <a:off x="609780" y="82671"/>
+            <a:ext cx="10972440" cy="793200"/>
+          </a:xfrm>
+        </p:spPr>
+        <p:txBody>
+          <a:bodyPr/>
+          <a:lstStyle/>
+          <a:p>
+            <a:r>
+              <a:rPr lang="en-US" dirty="0"/>
+              <a:t>Deployment labels</a:t>
+            </a:r>
+          </a:p>
+        </p:txBody>
+      </p:sp>
+      <p:pic>
+        <p:nvPicPr>
+          <p:cNvPr id="11" name="Picture 10">
+            <a:extLst>
+              <a:ext uri="{FF2B5EF4-FFF2-40B4-BE49-F238E27FC236}">
+                <a16:creationId xmlns:a16="http://schemas.microsoft.com/office/drawing/2014/main" id="{5BEBC3D3-E056-A05F-E89F-4441C31036B3}"/>
+              </a:ext>
+            </a:extLst>
+          </p:cNvPr>
+          <p:cNvPicPr>
+            <a:picLocks noChangeAspect="1"/>
+          </p:cNvPicPr>
+          <p:nvPr/>
+        </p:nvPicPr>
+        <p:blipFill>
+          <a:blip r:embed="rId2"/>
+          <a:stretch>
+            <a:fillRect/>
+          </a:stretch>
+        </p:blipFill>
+        <p:spPr>
+          <a:xfrm>
+            <a:off x="511641" y="1095160"/>
+            <a:ext cx="7368130" cy="438579"/>
+          </a:xfrm>
+          <a:prstGeom prst="rect">
+            <a:avLst/>
+          </a:prstGeom>
+        </p:spPr>
+      </p:pic>
+      <p:pic>
+        <p:nvPicPr>
+          <p:cNvPr id="15" name="Picture 14">
+            <a:extLst>
+              <a:ext uri="{FF2B5EF4-FFF2-40B4-BE49-F238E27FC236}">
+                <a16:creationId xmlns:a16="http://schemas.microsoft.com/office/drawing/2014/main" id="{723794BA-A6F9-6E41-295E-BA67F116CCC3}"/>
+              </a:ext>
+            </a:extLst>
+          </p:cNvPr>
+          <p:cNvPicPr>
+            <a:picLocks noChangeAspect="1"/>
+          </p:cNvPicPr>
+          <p:nvPr/>
+        </p:nvPicPr>
+        <p:blipFill>
+          <a:blip r:embed="rId3"/>
+          <a:stretch>
+            <a:fillRect/>
+          </a:stretch>
+        </p:blipFill>
+        <p:spPr>
+          <a:xfrm>
+            <a:off x="511641" y="1847777"/>
+            <a:ext cx="11680359" cy="2619448"/>
+          </a:xfrm>
+          <a:prstGeom prst="rect">
+            <a:avLst/>
+          </a:prstGeom>
+        </p:spPr>
+      </p:pic>
+    </p:spTree>
+    <p:extLst>
+      <p:ext uri="{BB962C8B-B14F-4D97-AF65-F5344CB8AC3E}">
+        <p14:creationId xmlns:p14="http://schemas.microsoft.com/office/powerpoint/2010/main" val="3159433567"/>
+      </p:ext>
+    </p:extLst>
+  </p:cSld>
+  <p:clrMapOvr>
+    <a:masterClrMapping/>
+  </p:clrMapOvr>
+</p:sld>
+</file>
+
+<file path=ppt/slides/slide22.xml><?xml version="1.0" encoding="utf-8"?>
+<p:sld xmlns:a="http://schemas.openxmlformats.org/drawingml/2006/main" xmlns:r="http://schemas.openxmlformats.org/officeDocument/2006/relationships" xmlns:p="http://schemas.openxmlformats.org/presentationml/2006/main">
+  <p:cSld>
+    <p:spTree>
+      <p:nvGrpSpPr>
+        <p:cNvPr id="1" name=""/>
+        <p:cNvGrpSpPr/>
+        <p:nvPr/>
+      </p:nvGrpSpPr>
+      <p:grpSpPr>
+        <a:xfrm>
+          <a:off x="0" y="0"/>
+          <a:ext cx="0" cy="0"/>
+          <a:chOff x="0" y="0"/>
+          <a:chExt cx="0" cy="0"/>
+        </a:xfrm>
+      </p:grpSpPr>
+      <p:sp>
+        <p:nvSpPr>
+          <p:cNvPr id="2" name="Title 1">
+            <a:extLst>
+              <a:ext uri="{FF2B5EF4-FFF2-40B4-BE49-F238E27FC236}">
+                <a16:creationId xmlns:a16="http://schemas.microsoft.com/office/drawing/2014/main" id="{74DFF5B6-C5DF-82AD-646A-4A25DD86DC6F}"/>
+              </a:ext>
+            </a:extLst>
+          </p:cNvPr>
+          <p:cNvSpPr>
+            <a:spLocks noGrp="1"/>
+          </p:cNvSpPr>
+          <p:nvPr>
+            <p:ph type="title"/>
+          </p:nvPr>
+        </p:nvSpPr>
+        <p:spPr>
+          <a:xfrm>
+            <a:off x="609780" y="82671"/>
+            <a:ext cx="10972440" cy="793200"/>
+          </a:xfrm>
+        </p:spPr>
+        <p:txBody>
+          <a:bodyPr/>
+          <a:lstStyle/>
+          <a:p>
+            <a:r>
+              <a:rPr lang="en-US"/>
+              <a:t>Deployment labels</a:t>
+            </a:r>
+            <a:endParaRPr lang="en-US" dirty="0"/>
+          </a:p>
+        </p:txBody>
+      </p:sp>
+      <p:pic>
+        <p:nvPicPr>
+          <p:cNvPr id="11" name="Picture 10">
+            <a:extLst>
+              <a:ext uri="{FF2B5EF4-FFF2-40B4-BE49-F238E27FC236}">
+                <a16:creationId xmlns:a16="http://schemas.microsoft.com/office/drawing/2014/main" id="{5BEBC3D3-E056-A05F-E89F-4441C31036B3}"/>
+              </a:ext>
+            </a:extLst>
+          </p:cNvPr>
+          <p:cNvPicPr>
+            <a:picLocks noChangeAspect="1"/>
+          </p:cNvPicPr>
+          <p:nvPr/>
+        </p:nvPicPr>
+        <p:blipFill>
+          <a:blip r:embed="rId2"/>
+          <a:stretch>
+            <a:fillRect/>
+          </a:stretch>
+        </p:blipFill>
+        <p:spPr>
+          <a:xfrm>
+            <a:off x="511641" y="1095160"/>
+            <a:ext cx="7368130" cy="438579"/>
+          </a:xfrm>
+          <a:prstGeom prst="rect">
+            <a:avLst/>
+          </a:prstGeom>
+        </p:spPr>
+      </p:pic>
+      <p:pic>
+        <p:nvPicPr>
+          <p:cNvPr id="4" name="Picture 3">
+            <a:extLst>
+              <a:ext uri="{FF2B5EF4-FFF2-40B4-BE49-F238E27FC236}">
+                <a16:creationId xmlns:a16="http://schemas.microsoft.com/office/drawing/2014/main" id="{D4ACDE5E-575B-538F-4C6E-FCDA9723CF32}"/>
+              </a:ext>
+            </a:extLst>
+          </p:cNvPr>
+          <p:cNvPicPr>
+            <a:picLocks noChangeAspect="1"/>
+          </p:cNvPicPr>
+          <p:nvPr/>
+        </p:nvPicPr>
+        <p:blipFill>
+          <a:blip r:embed="rId3"/>
+          <a:stretch>
+            <a:fillRect/>
+          </a:stretch>
+        </p:blipFill>
+        <p:spPr>
+          <a:xfrm>
+            <a:off x="444965" y="1753028"/>
+            <a:ext cx="10537359" cy="4792660"/>
+          </a:xfrm>
+          <a:prstGeom prst="rect">
+            <a:avLst/>
+          </a:prstGeom>
+        </p:spPr>
+      </p:pic>
+    </p:spTree>
+    <p:extLst>
+      <p:ext uri="{BB962C8B-B14F-4D97-AF65-F5344CB8AC3E}">
+        <p14:creationId xmlns:p14="http://schemas.microsoft.com/office/powerpoint/2010/main" val="1497456486"/>
+      </p:ext>
+    </p:extLst>
+  </p:cSld>
+  <p:clrMapOvr>
+    <a:masterClrMapping/>
+  </p:clrMapOvr>
+</p:sld>
+</file>
+
+<file path=ppt/slides/slide23.xml><?xml version="1.0" encoding="utf-8"?>
+<p:sld xmlns:a="http://schemas.openxmlformats.org/drawingml/2006/main" xmlns:r="http://schemas.openxmlformats.org/officeDocument/2006/relationships" xmlns:p="http://schemas.openxmlformats.org/presentationml/2006/main">
+  <p:cSld>
+    <p:spTree>
+      <p:nvGrpSpPr>
+        <p:cNvPr id="1" name=""/>
+        <p:cNvGrpSpPr/>
+        <p:nvPr/>
+      </p:nvGrpSpPr>
+      <p:grpSpPr>
+        <a:xfrm>
+          <a:off x="0" y="0"/>
+          <a:ext cx="0" cy="0"/>
+          <a:chOff x="0" y="0"/>
+          <a:chExt cx="0" cy="0"/>
+        </a:xfrm>
+      </p:grpSpPr>
+      <p:sp>
+        <p:nvSpPr>
+          <p:cNvPr id="2" name="Title 1">
+            <a:extLst>
+              <a:ext uri="{FF2B5EF4-FFF2-40B4-BE49-F238E27FC236}">
+                <a16:creationId xmlns:a16="http://schemas.microsoft.com/office/drawing/2014/main" id="{74DFF5B6-C5DF-82AD-646A-4A25DD86DC6F}"/>
+              </a:ext>
+            </a:extLst>
+          </p:cNvPr>
+          <p:cNvSpPr>
+            <a:spLocks noGrp="1"/>
+          </p:cNvSpPr>
+          <p:nvPr>
+            <p:ph type="title"/>
+          </p:nvPr>
+        </p:nvSpPr>
+        <p:spPr>
+          <a:xfrm>
+            <a:off x="609780" y="82671"/>
+            <a:ext cx="10972440" cy="793200"/>
+          </a:xfrm>
+        </p:spPr>
+        <p:txBody>
+          <a:bodyPr/>
+          <a:lstStyle/>
+          <a:p>
+            <a:r>
+              <a:rPr lang="en-US"/>
+              <a:t>Deployment labels</a:t>
+            </a:r>
+            <a:endParaRPr lang="en-US" dirty="0"/>
+          </a:p>
+        </p:txBody>
+      </p:sp>
+      <p:pic>
+        <p:nvPicPr>
+          <p:cNvPr id="11" name="Picture 10">
+            <a:extLst>
+              <a:ext uri="{FF2B5EF4-FFF2-40B4-BE49-F238E27FC236}">
+                <a16:creationId xmlns:a16="http://schemas.microsoft.com/office/drawing/2014/main" id="{5BEBC3D3-E056-A05F-E89F-4441C31036B3}"/>
+              </a:ext>
+            </a:extLst>
+          </p:cNvPr>
+          <p:cNvPicPr>
+            <a:picLocks noChangeAspect="1"/>
+          </p:cNvPicPr>
+          <p:nvPr/>
+        </p:nvPicPr>
+        <p:blipFill>
+          <a:blip r:embed="rId2"/>
+          <a:stretch>
+            <a:fillRect/>
+          </a:stretch>
+        </p:blipFill>
+        <p:spPr>
+          <a:xfrm>
+            <a:off x="511641" y="1095160"/>
+            <a:ext cx="7368130" cy="438579"/>
+          </a:xfrm>
+          <a:prstGeom prst="rect">
+            <a:avLst/>
+          </a:prstGeom>
+        </p:spPr>
+      </p:pic>
+      <p:pic>
+        <p:nvPicPr>
+          <p:cNvPr id="4" name="Picture 3">
+            <a:extLst>
+              <a:ext uri="{FF2B5EF4-FFF2-40B4-BE49-F238E27FC236}">
+                <a16:creationId xmlns:a16="http://schemas.microsoft.com/office/drawing/2014/main" id="{D4ACDE5E-575B-538F-4C6E-FCDA9723CF32}"/>
+              </a:ext>
+            </a:extLst>
+          </p:cNvPr>
+          <p:cNvPicPr>
+            <a:picLocks noChangeAspect="1"/>
+          </p:cNvPicPr>
+          <p:nvPr/>
+        </p:nvPicPr>
+        <p:blipFill>
+          <a:blip r:embed="rId3"/>
+          <a:stretch>
+            <a:fillRect/>
+          </a:stretch>
+        </p:blipFill>
+        <p:spPr>
+          <a:xfrm>
+            <a:off x="444965" y="1753028"/>
+            <a:ext cx="10537359" cy="4792660"/>
+          </a:xfrm>
+          <a:prstGeom prst="rect">
+            <a:avLst/>
+          </a:prstGeom>
+        </p:spPr>
+      </p:pic>
+    </p:spTree>
+    <p:extLst>
+      <p:ext uri="{BB962C8B-B14F-4D97-AF65-F5344CB8AC3E}">
+        <p14:creationId xmlns:p14="http://schemas.microsoft.com/office/powerpoint/2010/main" val="3989173146"/>
+      </p:ext>
+    </p:extLst>
+  </p:cSld>
+  <p:clrMapOvr>
+    <a:masterClrMapping/>
+  </p:clrMapOvr>
+</p:sld>
+</file>
+
+<file path=ppt/slides/slide24.xml><?xml version="1.0" encoding="utf-8"?>
+<p:sld xmlns:a="http://schemas.openxmlformats.org/drawingml/2006/main" xmlns:r="http://schemas.openxmlformats.org/officeDocument/2006/relationships" xmlns:p="http://schemas.openxmlformats.org/presentationml/2006/main">
+  <p:cSld>
+    <p:spTree>
+      <p:nvGrpSpPr>
+        <p:cNvPr id="1" name=""/>
+        <p:cNvGrpSpPr/>
+        <p:nvPr/>
+      </p:nvGrpSpPr>
+      <p:grpSpPr>
+        <a:xfrm>
+          <a:off x="0" y="0"/>
+          <a:ext cx="0" cy="0"/>
+          <a:chOff x="0" y="0"/>
+          <a:chExt cx="0" cy="0"/>
+        </a:xfrm>
+      </p:grpSpPr>
+      <p:sp>
+        <p:nvSpPr>
+          <p:cNvPr id="2" name="Title 1">
+            <a:extLst>
+              <a:ext uri="{FF2B5EF4-FFF2-40B4-BE49-F238E27FC236}">
+                <a16:creationId xmlns:a16="http://schemas.microsoft.com/office/drawing/2014/main" id="{74DFF5B6-C5DF-82AD-646A-4A25DD86DC6F}"/>
+              </a:ext>
+            </a:extLst>
+          </p:cNvPr>
+          <p:cNvSpPr>
+            <a:spLocks noGrp="1"/>
+          </p:cNvSpPr>
+          <p:nvPr>
+            <p:ph type="title"/>
+          </p:nvPr>
+        </p:nvSpPr>
+        <p:spPr>
+          <a:xfrm>
+            <a:off x="609780" y="82671"/>
+            <a:ext cx="10972440" cy="793200"/>
+          </a:xfrm>
+        </p:spPr>
+        <p:txBody>
+          <a:bodyPr/>
+          <a:lstStyle/>
+          <a:p>
+            <a:r>
+              <a:rPr lang="en-US"/>
+              <a:t>Deployment labels</a:t>
+            </a:r>
+            <a:endParaRPr lang="en-US" dirty="0"/>
+          </a:p>
+        </p:txBody>
+      </p:sp>
+      <p:pic>
+        <p:nvPicPr>
+          <p:cNvPr id="7" name="Picture 6">
+            <a:extLst>
+              <a:ext uri="{FF2B5EF4-FFF2-40B4-BE49-F238E27FC236}">
+                <a16:creationId xmlns:a16="http://schemas.microsoft.com/office/drawing/2014/main" id="{D0683A9B-FBDA-3EFB-4B46-C76F3517765B}"/>
+              </a:ext>
+            </a:extLst>
+          </p:cNvPr>
+          <p:cNvPicPr>
+            <a:picLocks noChangeAspect="1"/>
+          </p:cNvPicPr>
+          <p:nvPr/>
+        </p:nvPicPr>
+        <p:blipFill>
+          <a:blip r:embed="rId2"/>
+          <a:stretch>
+            <a:fillRect/>
+          </a:stretch>
+        </p:blipFill>
+        <p:spPr>
+          <a:xfrm>
+            <a:off x="353679" y="1960663"/>
+            <a:ext cx="11484642" cy="3503395"/>
+          </a:xfrm>
+          <a:prstGeom prst="rect">
+            <a:avLst/>
+          </a:prstGeom>
+        </p:spPr>
+      </p:pic>
+      <p:pic>
+        <p:nvPicPr>
+          <p:cNvPr id="9" name="Picture 8">
+            <a:extLst>
+              <a:ext uri="{FF2B5EF4-FFF2-40B4-BE49-F238E27FC236}">
+                <a16:creationId xmlns:a16="http://schemas.microsoft.com/office/drawing/2014/main" id="{B4AEDD6A-CD9B-6BB2-70BF-533B71F612A9}"/>
+              </a:ext>
+            </a:extLst>
+          </p:cNvPr>
+          <p:cNvPicPr>
+            <a:picLocks noChangeAspect="1"/>
+          </p:cNvPicPr>
+          <p:nvPr/>
+        </p:nvPicPr>
+        <p:blipFill>
+          <a:blip r:embed="rId3"/>
+          <a:stretch>
+            <a:fillRect/>
+          </a:stretch>
+        </p:blipFill>
+        <p:spPr>
+          <a:xfrm>
+            <a:off x="420884" y="1047203"/>
+            <a:ext cx="5288826" cy="619671"/>
+          </a:xfrm>
+          <a:prstGeom prst="rect">
+            <a:avLst/>
+          </a:prstGeom>
+        </p:spPr>
+      </p:pic>
+    </p:spTree>
+    <p:extLst>
+      <p:ext uri="{BB962C8B-B14F-4D97-AF65-F5344CB8AC3E}">
+        <p14:creationId xmlns:p14="http://schemas.microsoft.com/office/powerpoint/2010/main" val="1983236366"/>
+      </p:ext>
+    </p:extLst>
+  </p:cSld>
+  <p:clrMapOvr>
+    <a:masterClrMapping/>
+  </p:clrMapOvr>
+</p:sld>
+</file>
+
+<file path=ppt/slides/slide25.xml><?xml version="1.0" encoding="utf-8"?>
+<p:sld xmlns:a="http://schemas.openxmlformats.org/drawingml/2006/main" xmlns:r="http://schemas.openxmlformats.org/officeDocument/2006/relationships" xmlns:p="http://schemas.openxmlformats.org/presentationml/2006/main">
+  <p:cSld>
+    <p:spTree>
+      <p:nvGrpSpPr>
+        <p:cNvPr id="1" name=""/>
+        <p:cNvGrpSpPr/>
+        <p:nvPr/>
+      </p:nvGrpSpPr>
+      <p:grpSpPr>
+        <a:xfrm>
+          <a:off x="0" y="0"/>
+          <a:ext cx="0" cy="0"/>
+          <a:chOff x="0" y="0"/>
+          <a:chExt cx="0" cy="0"/>
+        </a:xfrm>
+      </p:grpSpPr>
+      <p:sp>
+        <p:nvSpPr>
           <p:cNvPr id="2" name="Title 1"/>
           <p:cNvSpPr>
             <a:spLocks noGrp="1"/>
@@ -15036,7 +15535,7 @@
 </p:sld>
 </file>
 
-<file path=ppt/slides/slide22.xml><?xml version="1.0" encoding="utf-8"?>
+<file path=ppt/slides/slide26.xml><?xml version="1.0" encoding="utf-8"?>
 <p:sld xmlns:a="http://schemas.openxmlformats.org/drawingml/2006/main" xmlns:r="http://schemas.openxmlformats.org/officeDocument/2006/relationships" xmlns:p="http://schemas.openxmlformats.org/presentationml/2006/main">
   <p:cSld>
     <p:spTree>
@@ -16638,7 +17137,7 @@
 </p:sld>
 </file>
 
-<file path=ppt/slides/slide23.xml><?xml version="1.0" encoding="utf-8"?>
+<file path=ppt/slides/slide27.xml><?xml version="1.0" encoding="utf-8"?>
 <p:sld xmlns:a="http://schemas.openxmlformats.org/drawingml/2006/main" xmlns:r="http://schemas.openxmlformats.org/officeDocument/2006/relationships" xmlns:p="http://schemas.openxmlformats.org/presentationml/2006/main">
   <p:cSld>
     <p:spTree>
@@ -18191,8 +18690,8 @@
 </p:sld>
 </file>
 
-<file path=ppt/slides/slide24.xml><?xml version="1.0" encoding="utf-8"?>
-<p:sld xmlns:a="http://schemas.openxmlformats.org/drawingml/2006/main" xmlns:r="http://schemas.openxmlformats.org/officeDocument/2006/relationships" xmlns:p="http://schemas.openxmlformats.org/presentationml/2006/main">
+<file path=ppt/slides/slide28.xml><?xml version="1.0" encoding="utf-8"?>
+<p:sld xmlns:a="http://schemas.openxmlformats.org/drawingml/2006/main" xmlns:r="http://schemas.openxmlformats.org/officeDocument/2006/relationships" xmlns:p="http://schemas.openxmlformats.org/presentationml/2006/main" show="0">
   <p:cSld>
     <p:spTree>
       <p:nvGrpSpPr>
@@ -19463,8 +19962,8 @@
 </p:sld>
 </file>
 
-<file path=ppt/slides/slide25.xml><?xml version="1.0" encoding="utf-8"?>
-<p:sld xmlns:a="http://schemas.openxmlformats.org/drawingml/2006/main" xmlns:r="http://schemas.openxmlformats.org/officeDocument/2006/relationships" xmlns:p="http://schemas.openxmlformats.org/presentationml/2006/main">
+<file path=ppt/slides/slide29.xml><?xml version="1.0" encoding="utf-8"?>
+<p:sld xmlns:a="http://schemas.openxmlformats.org/drawingml/2006/main" xmlns:r="http://schemas.openxmlformats.org/officeDocument/2006/relationships" xmlns:p="http://schemas.openxmlformats.org/presentationml/2006/main" show="0">
   <p:cSld>
     <p:spTree>
       <p:nvGrpSpPr>
@@ -21456,7 +21955,150 @@
 </p:sld>
 </file>
 
-<file path=ppt/slides/slide26.xml><?xml version="1.0" encoding="utf-8"?>
+<file path=ppt/slides/slide3.xml><?xml version="1.0" encoding="utf-8"?>
+<p:sld xmlns:a="http://schemas.openxmlformats.org/drawingml/2006/main" xmlns:r="http://schemas.openxmlformats.org/officeDocument/2006/relationships" xmlns:p="http://schemas.openxmlformats.org/presentationml/2006/main" show="0">
+  <p:cSld>
+    <p:spTree>
+      <p:nvGrpSpPr>
+        <p:cNvPr id="1" name=""/>
+        <p:cNvGrpSpPr/>
+        <p:nvPr/>
+      </p:nvGrpSpPr>
+      <p:grpSpPr>
+        <a:xfrm>
+          <a:off x="0" y="0"/>
+          <a:ext cx="0" cy="0"/>
+          <a:chOff x="0" y="0"/>
+          <a:chExt cx="0" cy="0"/>
+        </a:xfrm>
+      </p:grpSpPr>
+      <p:sp>
+        <p:nvSpPr>
+          <p:cNvPr id="82" name="CustomShape 1"/>
+          <p:cNvSpPr/>
+          <p:nvPr/>
+        </p:nvSpPr>
+        <p:spPr>
+          <a:xfrm>
+            <a:off x="838080" y="365040"/>
+            <a:ext cx="10514880" cy="1324800"/>
+          </a:xfrm>
+          <a:prstGeom prst="rect">
+            <a:avLst/>
+          </a:prstGeom>
+          <a:noFill/>
+          <a:ln>
+            <a:noFill/>
+          </a:ln>
+        </p:spPr>
+        <p:style>
+          <a:lnRef idx="0">
+            <a:scrgbClr r="0" g="0" b="0"/>
+          </a:lnRef>
+          <a:fillRef idx="0">
+            <a:scrgbClr r="0" g="0" b="0"/>
+          </a:fillRef>
+          <a:effectRef idx="0">
+            <a:scrgbClr r="0" g="0" b="0"/>
+          </a:effectRef>
+          <a:fontRef idx="minor"/>
+        </p:style>
+        <p:txBody>
+          <a:bodyPr lIns="90000" tIns="45000" rIns="90000" bIns="45000" anchor="ctr"/>
+          <a:lstStyle/>
+          <a:p>
+            <a:pPr>
+              <a:lnSpc>
+                <a:spcPct val="90000"/>
+              </a:lnSpc>
+            </a:pPr>
+            <a:r>
+              <a:rPr lang="en-US" sz="4400" b="0" strike="noStrike" spc="-1">
+                <a:solidFill>
+                  <a:srgbClr val="000000"/>
+                </a:solidFill>
+                <a:uFill>
+                  <a:solidFill>
+                    <a:srgbClr val="FFFFFF"/>
+                  </a:solidFill>
+                </a:uFill>
+                <a:latin typeface="Calibri Light"/>
+              </a:rPr>
+              <a:t>Monolith to Microservices Architecture</a:t>
+            </a:r>
+            <a:endParaRPr lang="en-US" sz="1800" b="0" strike="noStrike" spc="-1">
+              <a:solidFill>
+                <a:srgbClr val="000000"/>
+              </a:solidFill>
+              <a:uFill>
+                <a:solidFill>
+                  <a:srgbClr val="FFFFFF"/>
+                </a:solidFill>
+              </a:uFill>
+              <a:latin typeface="Arial"/>
+            </a:endParaRPr>
+          </a:p>
+        </p:txBody>
+      </p:sp>
+      <p:pic>
+        <p:nvPicPr>
+          <p:cNvPr id="83" name="Content Placeholder 4"/>
+          <p:cNvPicPr/>
+          <p:nvPr/>
+        </p:nvPicPr>
+        <p:blipFill>
+          <a:blip r:embed="rId2"/>
+          <a:stretch/>
+        </p:blipFill>
+        <p:spPr>
+          <a:xfrm>
+            <a:off x="581040" y="1857960"/>
+            <a:ext cx="10828800" cy="4208400"/>
+          </a:xfrm>
+          <a:prstGeom prst="rect">
+            <a:avLst/>
+          </a:prstGeom>
+          <a:ln>
+            <a:noFill/>
+          </a:ln>
+        </p:spPr>
+      </p:pic>
+    </p:spTree>
+  </p:cSld>
+  <p:clrMapOvr>
+    <a:masterClrMapping/>
+  </p:clrMapOvr>
+  <p:timing>
+    <p:tnLst>
+      <p:par>
+        <p:cTn id="1" dur="indefinite" restart="never" nodeType="tmRoot">
+          <p:childTnLst>
+            <p:seq>
+              <p:cTn id="2" nodeType="mainSeq"/>
+              <p:prevCondLst>
+                <p:cond evt="onPrev" delay="0">
+                  <p:tgtEl>
+                    <p:sldTgt/>
+                  </p:tgtEl>
+                </p:cond>
+              </p:prevCondLst>
+              <p:nextCondLst>
+                <p:cond evt="onNext" delay="0">
+                  <p:tgtEl>
+                    <p:sldTgt/>
+                  </p:tgtEl>
+                </p:cond>
+              </p:nextCondLst>
+            </p:seq>
+          </p:childTnLst>
+        </p:cTn>
+      </p:par>
+    </p:tnLst>
+  </p:timing>
+</p:sld>
+</file>
+
+<file path=ppt/slides/slide30.xml><?xml version="1.0" encoding="utf-8"?>
 <p:sld xmlns:a="http://schemas.openxmlformats.org/drawingml/2006/main" xmlns:r="http://schemas.openxmlformats.org/officeDocument/2006/relationships" xmlns:p="http://schemas.openxmlformats.org/presentationml/2006/main" show="0">
   <p:cSld>
     <p:spTree>
@@ -23495,7 +24137,7 @@
 </p:sld>
 </file>
 
-<file path=ppt/slides/slide27.xml><?xml version="1.0" encoding="utf-8"?>
+<file path=ppt/slides/slide31.xml><?xml version="1.0" encoding="utf-8"?>
 <p:sld xmlns:a="http://schemas.openxmlformats.org/drawingml/2006/main" xmlns:r="http://schemas.openxmlformats.org/officeDocument/2006/relationships" xmlns:p="http://schemas.openxmlformats.org/presentationml/2006/main">
   <p:cSld>
     <p:spTree>
@@ -23680,7 +24322,7 @@
 </p:sld>
 </file>
 
-<file path=ppt/slides/slide28.xml><?xml version="1.0" encoding="utf-8"?>
+<file path=ppt/slides/slide32.xml><?xml version="1.0" encoding="utf-8"?>
 <p:sld xmlns:a="http://schemas.openxmlformats.org/drawingml/2006/main" xmlns:r="http://schemas.openxmlformats.org/officeDocument/2006/relationships" xmlns:p="http://schemas.openxmlformats.org/presentationml/2006/main">
   <p:cSld>
     <p:spTree>
@@ -23875,7 +24517,7 @@
 </p:sld>
 </file>
 
-<file path=ppt/slides/slide29.xml><?xml version="1.0" encoding="utf-8"?>
+<file path=ppt/slides/slide33.xml><?xml version="1.0" encoding="utf-8"?>
 <p:sld xmlns:a="http://schemas.openxmlformats.org/drawingml/2006/main" xmlns:r="http://schemas.openxmlformats.org/officeDocument/2006/relationships" xmlns:p="http://schemas.openxmlformats.org/presentationml/2006/main">
   <p:cSld>
     <p:spTree>
@@ -25669,150 +26311,7 @@
 </p:sld>
 </file>
 
-<file path=ppt/slides/slide3.xml><?xml version="1.0" encoding="utf-8"?>
-<p:sld xmlns:a="http://schemas.openxmlformats.org/drawingml/2006/main" xmlns:r="http://schemas.openxmlformats.org/officeDocument/2006/relationships" xmlns:p="http://schemas.openxmlformats.org/presentationml/2006/main" show="0">
-  <p:cSld>
-    <p:spTree>
-      <p:nvGrpSpPr>
-        <p:cNvPr id="1" name=""/>
-        <p:cNvGrpSpPr/>
-        <p:nvPr/>
-      </p:nvGrpSpPr>
-      <p:grpSpPr>
-        <a:xfrm>
-          <a:off x="0" y="0"/>
-          <a:ext cx="0" cy="0"/>
-          <a:chOff x="0" y="0"/>
-          <a:chExt cx="0" cy="0"/>
-        </a:xfrm>
-      </p:grpSpPr>
-      <p:sp>
-        <p:nvSpPr>
-          <p:cNvPr id="82" name="CustomShape 1"/>
-          <p:cNvSpPr/>
-          <p:nvPr/>
-        </p:nvSpPr>
-        <p:spPr>
-          <a:xfrm>
-            <a:off x="838080" y="365040"/>
-            <a:ext cx="10514880" cy="1324800"/>
-          </a:xfrm>
-          <a:prstGeom prst="rect">
-            <a:avLst/>
-          </a:prstGeom>
-          <a:noFill/>
-          <a:ln>
-            <a:noFill/>
-          </a:ln>
-        </p:spPr>
-        <p:style>
-          <a:lnRef idx="0">
-            <a:scrgbClr r="0" g="0" b="0"/>
-          </a:lnRef>
-          <a:fillRef idx="0">
-            <a:scrgbClr r="0" g="0" b="0"/>
-          </a:fillRef>
-          <a:effectRef idx="0">
-            <a:scrgbClr r="0" g="0" b="0"/>
-          </a:effectRef>
-          <a:fontRef idx="minor"/>
-        </p:style>
-        <p:txBody>
-          <a:bodyPr lIns="90000" tIns="45000" rIns="90000" bIns="45000" anchor="ctr"/>
-          <a:lstStyle/>
-          <a:p>
-            <a:pPr>
-              <a:lnSpc>
-                <a:spcPct val="90000"/>
-              </a:lnSpc>
-            </a:pPr>
-            <a:r>
-              <a:rPr lang="en-US" sz="4400" b="0" strike="noStrike" spc="-1">
-                <a:solidFill>
-                  <a:srgbClr val="000000"/>
-                </a:solidFill>
-                <a:uFill>
-                  <a:solidFill>
-                    <a:srgbClr val="FFFFFF"/>
-                  </a:solidFill>
-                </a:uFill>
-                <a:latin typeface="Calibri Light"/>
-              </a:rPr>
-              <a:t>Monolith to Microservices Architecture</a:t>
-            </a:r>
-            <a:endParaRPr lang="en-US" sz="1800" b="0" strike="noStrike" spc="-1">
-              <a:solidFill>
-                <a:srgbClr val="000000"/>
-              </a:solidFill>
-              <a:uFill>
-                <a:solidFill>
-                  <a:srgbClr val="FFFFFF"/>
-                </a:solidFill>
-              </a:uFill>
-              <a:latin typeface="Arial"/>
-            </a:endParaRPr>
-          </a:p>
-        </p:txBody>
-      </p:sp>
-      <p:pic>
-        <p:nvPicPr>
-          <p:cNvPr id="83" name="Content Placeholder 4"/>
-          <p:cNvPicPr/>
-          <p:nvPr/>
-        </p:nvPicPr>
-        <p:blipFill>
-          <a:blip r:embed="rId2"/>
-          <a:stretch/>
-        </p:blipFill>
-        <p:spPr>
-          <a:xfrm>
-            <a:off x="581040" y="1857960"/>
-            <a:ext cx="10828800" cy="4208400"/>
-          </a:xfrm>
-          <a:prstGeom prst="rect">
-            <a:avLst/>
-          </a:prstGeom>
-          <a:ln>
-            <a:noFill/>
-          </a:ln>
-        </p:spPr>
-      </p:pic>
-    </p:spTree>
-  </p:cSld>
-  <p:clrMapOvr>
-    <a:masterClrMapping/>
-  </p:clrMapOvr>
-  <p:timing>
-    <p:tnLst>
-      <p:par>
-        <p:cTn id="1" dur="indefinite" restart="never" nodeType="tmRoot">
-          <p:childTnLst>
-            <p:seq>
-              <p:cTn id="2" nodeType="mainSeq"/>
-              <p:prevCondLst>
-                <p:cond evt="onPrev" delay="0">
-                  <p:tgtEl>
-                    <p:sldTgt/>
-                  </p:tgtEl>
-                </p:cond>
-              </p:prevCondLst>
-              <p:nextCondLst>
-                <p:cond evt="onNext" delay="0">
-                  <p:tgtEl>
-                    <p:sldTgt/>
-                  </p:tgtEl>
-                </p:cond>
-              </p:nextCondLst>
-            </p:seq>
-          </p:childTnLst>
-        </p:cTn>
-      </p:par>
-    </p:tnLst>
-  </p:timing>
-</p:sld>
-</file>
-
-<file path=ppt/slides/slide30.xml><?xml version="1.0" encoding="utf-8"?>
+<file path=ppt/slides/slide34.xml><?xml version="1.0" encoding="utf-8"?>
 <p:sld xmlns:a="http://schemas.openxmlformats.org/drawingml/2006/main" xmlns:r="http://schemas.openxmlformats.org/officeDocument/2006/relationships" xmlns:p="http://schemas.openxmlformats.org/presentationml/2006/main">
   <p:cSld>
     <p:spTree>
@@ -26227,7 +26726,7 @@
 </p:sld>
 </file>
 
-<file path=ppt/slides/slide31.xml><?xml version="1.0" encoding="utf-8"?>
+<file path=ppt/slides/slide35.xml><?xml version="1.0" encoding="utf-8"?>
 <p:sld xmlns:a="http://schemas.openxmlformats.org/drawingml/2006/main" xmlns:r="http://schemas.openxmlformats.org/officeDocument/2006/relationships" xmlns:p="http://schemas.openxmlformats.org/presentationml/2006/main">
   <p:cSld>
     <p:spTree>
@@ -26545,7 +27044,7 @@
 </p:sld>
 </file>
 
-<file path=ppt/slides/slide32.xml><?xml version="1.0" encoding="utf-8"?>
+<file path=ppt/slides/slide36.xml><?xml version="1.0" encoding="utf-8"?>
 <p:sld xmlns:a="http://schemas.openxmlformats.org/drawingml/2006/main" xmlns:r="http://schemas.openxmlformats.org/officeDocument/2006/relationships" xmlns:p="http://schemas.openxmlformats.org/presentationml/2006/main">
   <p:cSld>
     <p:spTree>
@@ -27791,7 +28290,7 @@
 </p:sld>
 </file>
 
-<file path=ppt/slides/slide33.xml><?xml version="1.0" encoding="utf-8"?>
+<file path=ppt/slides/slide37.xml><?xml version="1.0" encoding="utf-8"?>
 <p:sld xmlns:a="http://schemas.openxmlformats.org/drawingml/2006/main" xmlns:r="http://schemas.openxmlformats.org/officeDocument/2006/relationships" xmlns:p="http://schemas.openxmlformats.org/presentationml/2006/main">
   <p:cSld>
     <p:spTree>
